--- a/R/GSEA/fig/overlapPlot.pptx
+++ b/R/GSEA/fig/overlapPlot.pptx
@@ -4,9 +4,6 @@
   <p:sldMasterIdLst>
     <p:sldMasterId id="2147483648" r:id="rId1"/>
   </p:sldMasterIdLst>
-  <p:notesMasterIdLst>
-    <p:notesMasterId r:id="rId3"/>
-  </p:notesMasterIdLst>
   <p:sldIdLst>
     <p:sldId id="256" r:id="rId2"/>
   </p:sldIdLst>
@@ -126,440 +123,6 @@
 </p:presentation>
 </file>
 
-<file path=ppt/notesMasters/notesMaster1.xml><?xml version="1.0" encoding="utf-8"?>
-<p:notesMaster xmlns:a="http://schemas.openxmlformats.org/drawingml/2006/main" xmlns:r="http://schemas.openxmlformats.org/officeDocument/2006/relationships" xmlns:p="http://schemas.openxmlformats.org/presentationml/2006/main">
-  <p:cSld>
-    <p:bg>
-      <p:bgRef idx="1001">
-        <a:schemeClr val="bg1"/>
-      </p:bgRef>
-    </p:bg>
-    <p:spTree>
-      <p:nvGrpSpPr>
-        <p:cNvPr id="1" name=""/>
-        <p:cNvGrpSpPr/>
-        <p:nvPr/>
-      </p:nvGrpSpPr>
-      <p:grpSpPr>
-        <a:xfrm>
-          <a:off x="0" y="0"/>
-          <a:ext cx="0" cy="0"/>
-          <a:chOff x="0" y="0"/>
-          <a:chExt cx="0" cy="0"/>
-        </a:xfrm>
-      </p:grpSpPr>
-      <p:sp>
-        <p:nvSpPr>
-          <p:cNvPr id="2" name="Header Placeholder 1"/>
-          <p:cNvSpPr>
-            <a:spLocks noGrp="1"/>
-          </p:cNvSpPr>
-          <p:nvPr>
-            <p:ph type="hdr" sz="quarter"/>
-          </p:nvPr>
-        </p:nvSpPr>
-        <p:spPr>
-          <a:xfrm>
-            <a:off x="0" y="0"/>
-            <a:ext cx="2971800" cy="458788"/>
-          </a:xfrm>
-          <a:prstGeom prst="rect">
-            <a:avLst/>
-          </a:prstGeom>
-        </p:spPr>
-        <p:txBody>
-          <a:bodyPr vert="horz" lIns="91440" tIns="45720" rIns="91440" bIns="45720" rtlCol="0"/>
-          <a:lstStyle>
-            <a:lvl1pPr algn="l">
-              <a:defRPr sz="1200"/>
-            </a:lvl1pPr>
-          </a:lstStyle>
-          <a:p>
-            <a:endParaRPr lang="en-AU"/>
-          </a:p>
-        </p:txBody>
-      </p:sp>
-      <p:sp>
-        <p:nvSpPr>
-          <p:cNvPr id="3" name="Date Placeholder 2"/>
-          <p:cNvSpPr>
-            <a:spLocks noGrp="1"/>
-          </p:cNvSpPr>
-          <p:nvPr>
-            <p:ph type="dt" idx="1"/>
-          </p:nvPr>
-        </p:nvSpPr>
-        <p:spPr>
-          <a:xfrm>
-            <a:off x="3884613" y="0"/>
-            <a:ext cx="2971800" cy="458788"/>
-          </a:xfrm>
-          <a:prstGeom prst="rect">
-            <a:avLst/>
-          </a:prstGeom>
-        </p:spPr>
-        <p:txBody>
-          <a:bodyPr vert="horz" lIns="91440" tIns="45720" rIns="91440" bIns="45720" rtlCol="0"/>
-          <a:lstStyle>
-            <a:lvl1pPr algn="r">
-              <a:defRPr sz="1200"/>
-            </a:lvl1pPr>
-          </a:lstStyle>
-          <a:p>
-            <a:fld id="{CFEB666C-83C4-2444-87B1-69F48462A08C}" type="datetimeFigureOut">
-              <a:rPr lang="en-AU" smtClean="0"/>
-              <a:t>6/8/19</a:t>
-            </a:fld>
-            <a:endParaRPr lang="en-AU"/>
-          </a:p>
-        </p:txBody>
-      </p:sp>
-      <p:sp>
-        <p:nvSpPr>
-          <p:cNvPr id="4" name="Slide Image Placeholder 3"/>
-          <p:cNvSpPr>
-            <a:spLocks noGrp="1" noRot="1" noChangeAspect="1"/>
-          </p:cNvSpPr>
-          <p:nvPr>
-            <p:ph type="sldImg" idx="2"/>
-          </p:nvPr>
-        </p:nvSpPr>
-        <p:spPr>
-          <a:xfrm>
-            <a:off x="1246188" y="1143000"/>
-            <a:ext cx="4365625" cy="3086100"/>
-          </a:xfrm>
-          <a:prstGeom prst="rect">
-            <a:avLst/>
-          </a:prstGeom>
-          <a:noFill/>
-          <a:ln w="12700">
-            <a:solidFill>
-              <a:prstClr val="black"/>
-            </a:solidFill>
-          </a:ln>
-        </p:spPr>
-        <p:txBody>
-          <a:bodyPr vert="horz" lIns="91440" tIns="45720" rIns="91440" bIns="45720" rtlCol="0" anchor="ctr"/>
-          <a:lstStyle/>
-          <a:p>
-            <a:endParaRPr lang="en-AU"/>
-          </a:p>
-        </p:txBody>
-      </p:sp>
-      <p:sp>
-        <p:nvSpPr>
-          <p:cNvPr id="5" name="Notes Placeholder 4"/>
-          <p:cNvSpPr>
-            <a:spLocks noGrp="1"/>
-          </p:cNvSpPr>
-          <p:nvPr>
-            <p:ph type="body" sz="quarter" idx="3"/>
-          </p:nvPr>
-        </p:nvSpPr>
-        <p:spPr>
-          <a:xfrm>
-            <a:off x="685800" y="4400550"/>
-            <a:ext cx="5486400" cy="3600450"/>
-          </a:xfrm>
-          <a:prstGeom prst="rect">
-            <a:avLst/>
-          </a:prstGeom>
-        </p:spPr>
-        <p:txBody>
-          <a:bodyPr vert="horz" lIns="91440" tIns="45720" rIns="91440" bIns="45720" rtlCol="0"/>
-          <a:lstStyle/>
-          <a:p>
-            <a:pPr lvl="0"/>
-            <a:r>
-              <a:rPr lang="en-GB"/>
-              <a:t>Click to edit Master text styles</a:t>
-            </a:r>
-          </a:p>
-          <a:p>
-            <a:pPr lvl="1"/>
-            <a:r>
-              <a:rPr lang="en-GB"/>
-              <a:t>Second level</a:t>
-            </a:r>
-          </a:p>
-          <a:p>
-            <a:pPr lvl="2"/>
-            <a:r>
-              <a:rPr lang="en-GB"/>
-              <a:t>Third level</a:t>
-            </a:r>
-          </a:p>
-          <a:p>
-            <a:pPr lvl="3"/>
-            <a:r>
-              <a:rPr lang="en-GB"/>
-              <a:t>Fourth level</a:t>
-            </a:r>
-          </a:p>
-          <a:p>
-            <a:pPr lvl="4"/>
-            <a:r>
-              <a:rPr lang="en-GB"/>
-              <a:t>Fifth level</a:t>
-            </a:r>
-            <a:endParaRPr lang="en-AU"/>
-          </a:p>
-        </p:txBody>
-      </p:sp>
-      <p:sp>
-        <p:nvSpPr>
-          <p:cNvPr id="6" name="Footer Placeholder 5"/>
-          <p:cNvSpPr>
-            <a:spLocks noGrp="1"/>
-          </p:cNvSpPr>
-          <p:nvPr>
-            <p:ph type="ftr" sz="quarter" idx="4"/>
-          </p:nvPr>
-        </p:nvSpPr>
-        <p:spPr>
-          <a:xfrm>
-            <a:off x="0" y="8685213"/>
-            <a:ext cx="2971800" cy="458787"/>
-          </a:xfrm>
-          <a:prstGeom prst="rect">
-            <a:avLst/>
-          </a:prstGeom>
-        </p:spPr>
-        <p:txBody>
-          <a:bodyPr vert="horz" lIns="91440" tIns="45720" rIns="91440" bIns="45720" rtlCol="0" anchor="b"/>
-          <a:lstStyle>
-            <a:lvl1pPr algn="l">
-              <a:defRPr sz="1200"/>
-            </a:lvl1pPr>
-          </a:lstStyle>
-          <a:p>
-            <a:endParaRPr lang="en-AU"/>
-          </a:p>
-        </p:txBody>
-      </p:sp>
-      <p:sp>
-        <p:nvSpPr>
-          <p:cNvPr id="7" name="Slide Number Placeholder 6"/>
-          <p:cNvSpPr>
-            <a:spLocks noGrp="1"/>
-          </p:cNvSpPr>
-          <p:nvPr>
-            <p:ph type="sldNum" sz="quarter" idx="5"/>
-          </p:nvPr>
-        </p:nvSpPr>
-        <p:spPr>
-          <a:xfrm>
-            <a:off x="3884613" y="8685213"/>
-            <a:ext cx="2971800" cy="458787"/>
-          </a:xfrm>
-          <a:prstGeom prst="rect">
-            <a:avLst/>
-          </a:prstGeom>
-        </p:spPr>
-        <p:txBody>
-          <a:bodyPr vert="horz" lIns="91440" tIns="45720" rIns="91440" bIns="45720" rtlCol="0" anchor="b"/>
-          <a:lstStyle>
-            <a:lvl1pPr algn="r">
-              <a:defRPr sz="1200"/>
-            </a:lvl1pPr>
-          </a:lstStyle>
-          <a:p>
-            <a:fld id="{91B6BAB8-E2BC-E148-842F-83739F2AC8E9}" type="slidenum">
-              <a:rPr lang="en-AU" smtClean="0"/>
-              <a:t>‹#›</a:t>
-            </a:fld>
-            <a:endParaRPr lang="en-AU"/>
-          </a:p>
-        </p:txBody>
-      </p:sp>
-    </p:spTree>
-    <p:extLst>
-      <p:ext uri="{BB962C8B-B14F-4D97-AF65-F5344CB8AC3E}">
-        <p14:creationId xmlns:p14="http://schemas.microsoft.com/office/powerpoint/2010/main" val="2257409842"/>
-      </p:ext>
-    </p:extLst>
-  </p:cSld>
-  <p:clrMap bg1="lt1" tx1="dk1" bg2="lt2" tx2="dk2" accent1="accent1" accent2="accent2" accent3="accent3" accent4="accent4" accent5="accent5" accent6="accent6" hlink="hlink" folHlink="folHlink"/>
-  <p:notesStyle>
-    <a:lvl1pPr marL="0" algn="l" defTabSz="914400" rtl="0" eaLnBrk="1" latinLnBrk="0" hangingPunct="1">
-      <a:defRPr sz="1200" kern="1200">
-        <a:solidFill>
-          <a:schemeClr val="tx1"/>
-        </a:solidFill>
-        <a:latin typeface="+mn-lt"/>
-        <a:ea typeface="+mn-ea"/>
-        <a:cs typeface="+mn-cs"/>
-      </a:defRPr>
-    </a:lvl1pPr>
-    <a:lvl2pPr marL="457200" algn="l" defTabSz="914400" rtl="0" eaLnBrk="1" latinLnBrk="0" hangingPunct="1">
-      <a:defRPr sz="1200" kern="1200">
-        <a:solidFill>
-          <a:schemeClr val="tx1"/>
-        </a:solidFill>
-        <a:latin typeface="+mn-lt"/>
-        <a:ea typeface="+mn-ea"/>
-        <a:cs typeface="+mn-cs"/>
-      </a:defRPr>
-    </a:lvl2pPr>
-    <a:lvl3pPr marL="914400" algn="l" defTabSz="914400" rtl="0" eaLnBrk="1" latinLnBrk="0" hangingPunct="1">
-      <a:defRPr sz="1200" kern="1200">
-        <a:solidFill>
-          <a:schemeClr val="tx1"/>
-        </a:solidFill>
-        <a:latin typeface="+mn-lt"/>
-        <a:ea typeface="+mn-ea"/>
-        <a:cs typeface="+mn-cs"/>
-      </a:defRPr>
-    </a:lvl3pPr>
-    <a:lvl4pPr marL="1371600" algn="l" defTabSz="914400" rtl="0" eaLnBrk="1" latinLnBrk="0" hangingPunct="1">
-      <a:defRPr sz="1200" kern="1200">
-        <a:solidFill>
-          <a:schemeClr val="tx1"/>
-        </a:solidFill>
-        <a:latin typeface="+mn-lt"/>
-        <a:ea typeface="+mn-ea"/>
-        <a:cs typeface="+mn-cs"/>
-      </a:defRPr>
-    </a:lvl4pPr>
-    <a:lvl5pPr marL="1828800" algn="l" defTabSz="914400" rtl="0" eaLnBrk="1" latinLnBrk="0" hangingPunct="1">
-      <a:defRPr sz="1200" kern="1200">
-        <a:solidFill>
-          <a:schemeClr val="tx1"/>
-        </a:solidFill>
-        <a:latin typeface="+mn-lt"/>
-        <a:ea typeface="+mn-ea"/>
-        <a:cs typeface="+mn-cs"/>
-      </a:defRPr>
-    </a:lvl5pPr>
-    <a:lvl6pPr marL="2286000" algn="l" defTabSz="914400" rtl="0" eaLnBrk="1" latinLnBrk="0" hangingPunct="1">
-      <a:defRPr sz="1200" kern="1200">
-        <a:solidFill>
-          <a:schemeClr val="tx1"/>
-        </a:solidFill>
-        <a:latin typeface="+mn-lt"/>
-        <a:ea typeface="+mn-ea"/>
-        <a:cs typeface="+mn-cs"/>
-      </a:defRPr>
-    </a:lvl6pPr>
-    <a:lvl7pPr marL="2743200" algn="l" defTabSz="914400" rtl="0" eaLnBrk="1" latinLnBrk="0" hangingPunct="1">
-      <a:defRPr sz="1200" kern="1200">
-        <a:solidFill>
-          <a:schemeClr val="tx1"/>
-        </a:solidFill>
-        <a:latin typeface="+mn-lt"/>
-        <a:ea typeface="+mn-ea"/>
-        <a:cs typeface="+mn-cs"/>
-      </a:defRPr>
-    </a:lvl7pPr>
-    <a:lvl8pPr marL="3200400" algn="l" defTabSz="914400" rtl="0" eaLnBrk="1" latinLnBrk="0" hangingPunct="1">
-      <a:defRPr sz="1200" kern="1200">
-        <a:solidFill>
-          <a:schemeClr val="tx1"/>
-        </a:solidFill>
-        <a:latin typeface="+mn-lt"/>
-        <a:ea typeface="+mn-ea"/>
-        <a:cs typeface="+mn-cs"/>
-      </a:defRPr>
-    </a:lvl8pPr>
-    <a:lvl9pPr marL="3657600" algn="l" defTabSz="914400" rtl="0" eaLnBrk="1" latinLnBrk="0" hangingPunct="1">
-      <a:defRPr sz="1200" kern="1200">
-        <a:solidFill>
-          <a:schemeClr val="tx1"/>
-        </a:solidFill>
-        <a:latin typeface="+mn-lt"/>
-        <a:ea typeface="+mn-ea"/>
-        <a:cs typeface="+mn-cs"/>
-      </a:defRPr>
-    </a:lvl9pPr>
-  </p:notesStyle>
-</p:notesMaster>
-</file>
-
-<file path=ppt/notesSlides/notesSlide1.xml><?xml version="1.0" encoding="utf-8"?>
-<p:notes xmlns:a="http://schemas.openxmlformats.org/drawingml/2006/main" xmlns:r="http://schemas.openxmlformats.org/officeDocument/2006/relationships" xmlns:p="http://schemas.openxmlformats.org/presentationml/2006/main">
-  <p:cSld>
-    <p:spTree>
-      <p:nvGrpSpPr>
-        <p:cNvPr id="1" name=""/>
-        <p:cNvGrpSpPr/>
-        <p:nvPr/>
-      </p:nvGrpSpPr>
-      <p:grpSpPr>
-        <a:xfrm>
-          <a:off x="0" y="0"/>
-          <a:ext cx="0" cy="0"/>
-          <a:chOff x="0" y="0"/>
-          <a:chExt cx="0" cy="0"/>
-        </a:xfrm>
-      </p:grpSpPr>
-      <p:sp>
-        <p:nvSpPr>
-          <p:cNvPr id="2" name="Slide Image Placeholder 1"/>
-          <p:cNvSpPr>
-            <a:spLocks noGrp="1" noRot="1" noChangeAspect="1"/>
-          </p:cNvSpPr>
-          <p:nvPr>
-            <p:ph type="sldImg"/>
-          </p:nvPr>
-        </p:nvSpPr>
-        <p:spPr/>
-      </p:sp>
-      <p:sp>
-        <p:nvSpPr>
-          <p:cNvPr id="3" name="Notes Placeholder 2"/>
-          <p:cNvSpPr>
-            <a:spLocks noGrp="1"/>
-          </p:cNvSpPr>
-          <p:nvPr>
-            <p:ph type="body" idx="1"/>
-          </p:nvPr>
-        </p:nvSpPr>
-        <p:spPr/>
-        <p:txBody>
-          <a:bodyPr/>
-          <a:lstStyle/>
-          <a:p>
-            <a:endParaRPr lang="en-AU" dirty="0"/>
-          </a:p>
-        </p:txBody>
-      </p:sp>
-      <p:sp>
-        <p:nvSpPr>
-          <p:cNvPr id="4" name="Slide Number Placeholder 3"/>
-          <p:cNvSpPr>
-            <a:spLocks noGrp="1"/>
-          </p:cNvSpPr>
-          <p:nvPr>
-            <p:ph type="sldNum" sz="quarter" idx="5"/>
-          </p:nvPr>
-        </p:nvSpPr>
-        <p:spPr/>
-        <p:txBody>
-          <a:bodyPr/>
-          <a:lstStyle/>
-          <a:p>
-            <a:fld id="{91B6BAB8-E2BC-E148-842F-83739F2AC8E9}" type="slidenum">
-              <a:rPr lang="en-AU" smtClean="0"/>
-              <a:t>1</a:t>
-            </a:fld>
-            <a:endParaRPr lang="en-AU"/>
-          </a:p>
-        </p:txBody>
-      </p:sp>
-    </p:spTree>
-    <p:extLst>
-      <p:ext uri="{BB962C8B-B14F-4D97-AF65-F5344CB8AC3E}">
-        <p14:creationId xmlns:p14="http://schemas.microsoft.com/office/powerpoint/2010/main" val="1592242345"/>
-      </p:ext>
-    </p:extLst>
-  </p:cSld>
-  <p:clrMapOvr>
-    <a:masterClrMapping/>
-  </p:clrMapOvr>
-</p:notes>
-</file>
-
 <file path=ppt/slideLayouts/slideLayout1.xml><?xml version="1.0" encoding="utf-8"?>
 <p:sldLayout xmlns:a="http://schemas.openxmlformats.org/drawingml/2006/main" xmlns:r="http://schemas.openxmlformats.org/officeDocument/2006/relationships" xmlns:p="http://schemas.openxmlformats.org/presentationml/2006/main" type="title" preserve="1">
   <p:cSld name="Title Slide">
@@ -741,7 +304,7 @@
           <a:p>
             <a:fld id="{6BA5D40C-A8DC-479A-A5D3-E7B4936A184B}" type="datetimeFigureOut">
               <a:rPr lang="en-GB" smtClean="0"/>
-              <a:t>06/08/2019</a:t>
+              <a:t>07/08/2019</a:t>
             </a:fld>
             <a:endParaRPr lang="en-GB"/>
           </a:p>
@@ -911,7 +474,7 @@
           <a:p>
             <a:fld id="{6BA5D40C-A8DC-479A-A5D3-E7B4936A184B}" type="datetimeFigureOut">
               <a:rPr lang="en-GB" smtClean="0"/>
-              <a:t>06/08/2019</a:t>
+              <a:t>07/08/2019</a:t>
             </a:fld>
             <a:endParaRPr lang="en-GB"/>
           </a:p>
@@ -1091,7 +654,7 @@
           <a:p>
             <a:fld id="{6BA5D40C-A8DC-479A-A5D3-E7B4936A184B}" type="datetimeFigureOut">
               <a:rPr lang="en-GB" smtClean="0"/>
-              <a:t>06/08/2019</a:t>
+              <a:t>07/08/2019</a:t>
             </a:fld>
             <a:endParaRPr lang="en-GB"/>
           </a:p>
@@ -1261,7 +824,7 @@
           <a:p>
             <a:fld id="{6BA5D40C-A8DC-479A-A5D3-E7B4936A184B}" type="datetimeFigureOut">
               <a:rPr lang="en-GB" smtClean="0"/>
-              <a:t>06/08/2019</a:t>
+              <a:t>07/08/2019</a:t>
             </a:fld>
             <a:endParaRPr lang="en-GB"/>
           </a:p>
@@ -1507,7 +1070,7 @@
           <a:p>
             <a:fld id="{6BA5D40C-A8DC-479A-A5D3-E7B4936A184B}" type="datetimeFigureOut">
               <a:rPr lang="en-GB" smtClean="0"/>
-              <a:t>06/08/2019</a:t>
+              <a:t>07/08/2019</a:t>
             </a:fld>
             <a:endParaRPr lang="en-GB"/>
           </a:p>
@@ -1795,7 +1358,7 @@
           <a:p>
             <a:fld id="{6BA5D40C-A8DC-479A-A5D3-E7B4936A184B}" type="datetimeFigureOut">
               <a:rPr lang="en-GB" smtClean="0"/>
-              <a:t>06/08/2019</a:t>
+              <a:t>07/08/2019</a:t>
             </a:fld>
             <a:endParaRPr lang="en-GB"/>
           </a:p>
@@ -2222,7 +1785,7 @@
           <a:p>
             <a:fld id="{6BA5D40C-A8DC-479A-A5D3-E7B4936A184B}" type="datetimeFigureOut">
               <a:rPr lang="en-GB" smtClean="0"/>
-              <a:t>06/08/2019</a:t>
+              <a:t>07/08/2019</a:t>
             </a:fld>
             <a:endParaRPr lang="en-GB"/>
           </a:p>
@@ -2340,7 +1903,7 @@
           <a:p>
             <a:fld id="{6BA5D40C-A8DC-479A-A5D3-E7B4936A184B}" type="datetimeFigureOut">
               <a:rPr lang="en-GB" smtClean="0"/>
-              <a:t>06/08/2019</a:t>
+              <a:t>07/08/2019</a:t>
             </a:fld>
             <a:endParaRPr lang="en-GB"/>
           </a:p>
@@ -2435,7 +1998,7 @@
           <a:p>
             <a:fld id="{6BA5D40C-A8DC-479A-A5D3-E7B4936A184B}" type="datetimeFigureOut">
               <a:rPr lang="en-GB" smtClean="0"/>
-              <a:t>06/08/2019</a:t>
+              <a:t>07/08/2019</a:t>
             </a:fld>
             <a:endParaRPr lang="en-GB"/>
           </a:p>
@@ -2712,7 +2275,7 @@
           <a:p>
             <a:fld id="{6BA5D40C-A8DC-479A-A5D3-E7B4936A184B}" type="datetimeFigureOut">
               <a:rPr lang="en-GB" smtClean="0"/>
-              <a:t>06/08/2019</a:t>
+              <a:t>07/08/2019</a:t>
             </a:fld>
             <a:endParaRPr lang="en-GB"/>
           </a:p>
@@ -2965,7 +2528,7 @@
           <a:p>
             <a:fld id="{6BA5D40C-A8DC-479A-A5D3-E7B4936A184B}" type="datetimeFigureOut">
               <a:rPr lang="en-GB" smtClean="0"/>
-              <a:t>06/08/2019</a:t>
+              <a:t>07/08/2019</a:t>
             </a:fld>
             <a:endParaRPr lang="en-GB"/>
           </a:p>
@@ -3178,7 +2741,7 @@
           <a:p>
             <a:fld id="{6BA5D40C-A8DC-479A-A5D3-E7B4936A184B}" type="datetimeFigureOut">
               <a:rPr lang="en-GB" smtClean="0"/>
-              <a:t>06/08/2019</a:t>
+              <a:t>07/08/2019</a:t>
             </a:fld>
             <a:endParaRPr lang="en-GB"/>
           </a:p>
@@ -3555,14 +3118,14 @@
       </p:grpSpPr>
       <p:sp>
         <p:nvSpPr>
-          <p:cNvPr id="3" name="rc3"/>
-          <p:cNvSpPr/>
-          <p:nvPr/>
-        </p:nvSpPr>
-        <p:spPr>
-          <a:xfrm>
-            <a:off x="5075237" y="3382962"/>
-            <a:ext cx="20116799" cy="14630400"/>
+          <p:cNvPr id="5" name="rc5"/>
+          <p:cNvSpPr/>
+          <p:nvPr/>
+        </p:nvSpPr>
+        <p:spPr>
+          <a:xfrm>
+            <a:off x="7669430" y="4678780"/>
+            <a:ext cx="15957443" cy="11170210"/>
           </a:xfrm>
           <a:prstGeom prst="rect">
             <a:avLst/>
@@ -3572,97 +3135,13 @@
               <a:alpha val="100000"/>
             </a:srgbClr>
           </a:solidFill>
-          <a:ln w="9525" cap="rnd">
-            <a:solidFill>
-              <a:srgbClr val="FFFFFF">
-                <a:alpha val="100000"/>
-              </a:srgbClr>
-            </a:solidFill>
-            <a:prstDash val="solid"/>
-            <a:round/>
-          </a:ln>
-        </p:spPr>
-        <p:txBody>
-          <a:bodyPr/>
-          <a:lstStyle/>
-          <a:p>
-            <a:endParaRPr noProof="1">
-              <a:latin typeface="Helvetica Neue" panose="02000503000000020004" pitchFamily="2" charset="0"/>
-              <a:ea typeface="Helvetica Neue" panose="02000503000000020004" pitchFamily="2" charset="0"/>
-              <a:cs typeface="Helvetica Neue" panose="02000503000000020004" pitchFamily="2" charset="0"/>
-            </a:endParaRPr>
-          </a:p>
-        </p:txBody>
-      </p:sp>
-      <p:sp>
-        <p:nvSpPr>
-          <p:cNvPr id="4" name="rc4"/>
-          <p:cNvSpPr/>
-          <p:nvPr/>
-        </p:nvSpPr>
-        <p:spPr>
-          <a:xfrm>
-            <a:off x="5075237" y="4609191"/>
-            <a:ext cx="20116799" cy="12177941"/>
-          </a:xfrm>
-          <a:prstGeom prst="rect">
-            <a:avLst/>
-          </a:prstGeom>
-          <a:solidFill>
-            <a:srgbClr val="FFFFFF">
-              <a:alpha val="100000"/>
-            </a:srgbClr>
-          </a:solidFill>
-          <a:ln w="13550" cap="rnd">
-            <a:solidFill>
-              <a:srgbClr val="FFFFFF">
-                <a:alpha val="100000"/>
-              </a:srgbClr>
-            </a:solidFill>
-            <a:prstDash val="solid"/>
-            <a:round/>
-          </a:ln>
-        </p:spPr>
-        <p:txBody>
-          <a:bodyPr/>
-          <a:lstStyle/>
-          <a:p>
-            <a:endParaRPr noProof="1">
-              <a:latin typeface="Helvetica Neue" panose="02000503000000020004" pitchFamily="2" charset="0"/>
-              <a:ea typeface="Helvetica Neue" panose="02000503000000020004" pitchFamily="2" charset="0"/>
-              <a:cs typeface="Helvetica Neue" panose="02000503000000020004" pitchFamily="2" charset="0"/>
-            </a:endParaRPr>
-          </a:p>
-        </p:txBody>
-      </p:sp>
-      <p:sp>
-        <p:nvSpPr>
-          <p:cNvPr id="5" name="rc5"/>
-          <p:cNvSpPr/>
-          <p:nvPr/>
-        </p:nvSpPr>
-        <p:spPr>
-          <a:xfrm>
-            <a:off x="7669430" y="4678780"/>
-            <a:ext cx="15957443" cy="11170210"/>
-          </a:xfrm>
-          <a:prstGeom prst="rect">
-            <a:avLst/>
-          </a:prstGeom>
-          <a:solidFill>
-            <a:srgbClr val="FFFFFF">
-              <a:alpha val="100000"/>
-            </a:srgbClr>
-          </a:solidFill>
-        </p:spPr>
-        <p:txBody>
-          <a:bodyPr/>
-          <a:lstStyle/>
-          <a:p>
-            <a:endParaRPr noProof="1">
-              <a:latin typeface="Helvetica Neue" panose="02000503000000020004" pitchFamily="2" charset="0"/>
-              <a:ea typeface="Helvetica Neue" panose="02000503000000020004" pitchFamily="2" charset="0"/>
-              <a:cs typeface="Helvetica Neue" panose="02000503000000020004" pitchFamily="2" charset="0"/>
+        </p:spPr>
+        <p:txBody>
+          <a:bodyPr/>
+          <a:lstStyle/>
+          <a:p>
+            <a:endParaRPr noProof="1">
+              <a:latin typeface="Graphik Web" panose="020B0503030202060203" pitchFamily="34" charset="77"/>
             </a:endParaRPr>
           </a:p>
         </p:txBody>
@@ -3713,9 +3192,7 @@
           <a:lstStyle/>
           <a:p>
             <a:endParaRPr noProof="1">
-              <a:latin typeface="Helvetica Neue" panose="02000503000000020004" pitchFamily="2" charset="0"/>
-              <a:ea typeface="Helvetica Neue" panose="02000503000000020004" pitchFamily="2" charset="0"/>
-              <a:cs typeface="Helvetica Neue" panose="02000503000000020004" pitchFamily="2" charset="0"/>
+              <a:latin typeface="Graphik Web" panose="020B0503030202060203" pitchFamily="34" charset="77"/>
             </a:endParaRPr>
           </a:p>
         </p:txBody>
@@ -3766,9 +3243,7 @@
           <a:lstStyle/>
           <a:p>
             <a:endParaRPr noProof="1">
-              <a:latin typeface="Helvetica Neue" panose="02000503000000020004" pitchFamily="2" charset="0"/>
-              <a:ea typeface="Helvetica Neue" panose="02000503000000020004" pitchFamily="2" charset="0"/>
-              <a:cs typeface="Helvetica Neue" panose="02000503000000020004" pitchFamily="2" charset="0"/>
+              <a:latin typeface="Graphik Web" panose="020B0503030202060203" pitchFamily="34" charset="77"/>
             </a:endParaRPr>
           </a:p>
         </p:txBody>
@@ -3819,9 +3294,7 @@
           <a:lstStyle/>
           <a:p>
             <a:endParaRPr noProof="1">
-              <a:latin typeface="Helvetica Neue" panose="02000503000000020004" pitchFamily="2" charset="0"/>
-              <a:ea typeface="Helvetica Neue" panose="02000503000000020004" pitchFamily="2" charset="0"/>
-              <a:cs typeface="Helvetica Neue" panose="02000503000000020004" pitchFamily="2" charset="0"/>
+              <a:latin typeface="Graphik Web" panose="020B0503030202060203" pitchFamily="34" charset="77"/>
             </a:endParaRPr>
           </a:p>
         </p:txBody>
@@ -3872,9 +3345,7 @@
           <a:lstStyle/>
           <a:p>
             <a:endParaRPr noProof="1">
-              <a:latin typeface="Helvetica Neue" panose="02000503000000020004" pitchFamily="2" charset="0"/>
-              <a:ea typeface="Helvetica Neue" panose="02000503000000020004" pitchFamily="2" charset="0"/>
-              <a:cs typeface="Helvetica Neue" panose="02000503000000020004" pitchFamily="2" charset="0"/>
+              <a:latin typeface="Graphik Web" panose="020B0503030202060203" pitchFamily="34" charset="77"/>
             </a:endParaRPr>
           </a:p>
         </p:txBody>
@@ -3887,7 +3358,7 @@
         </p:nvSpPr>
         <p:spPr>
           <a:xfrm>
-            <a:off x="7669430" y="15499922"/>
+            <a:off x="7669430" y="15459332"/>
             <a:ext cx="15957443" cy="0"/>
           </a:xfrm>
           <a:custGeom>
@@ -3925,9 +3396,7 @@
           <a:lstStyle/>
           <a:p>
             <a:endParaRPr noProof="1">
-              <a:latin typeface="Helvetica Neue" panose="02000503000000020004" pitchFamily="2" charset="0"/>
-              <a:ea typeface="Helvetica Neue" panose="02000503000000020004" pitchFamily="2" charset="0"/>
-              <a:cs typeface="Helvetica Neue" panose="02000503000000020004" pitchFamily="2" charset="0"/>
+              <a:latin typeface="Graphik Web" panose="020B0503030202060203" pitchFamily="34" charset="77"/>
             </a:endParaRPr>
           </a:p>
         </p:txBody>
@@ -3940,7 +3409,7 @@
         </p:nvSpPr>
         <p:spPr>
           <a:xfrm>
-            <a:off x="7669430" y="14918140"/>
+            <a:off x="7669430" y="14809902"/>
             <a:ext cx="15957443" cy="0"/>
           </a:xfrm>
           <a:custGeom>
@@ -3978,9 +3447,7 @@
           <a:lstStyle/>
           <a:p>
             <a:endParaRPr noProof="1">
-              <a:latin typeface="Helvetica Neue" panose="02000503000000020004" pitchFamily="2" charset="0"/>
-              <a:ea typeface="Helvetica Neue" panose="02000503000000020004" pitchFamily="2" charset="0"/>
-              <a:cs typeface="Helvetica Neue" panose="02000503000000020004" pitchFamily="2" charset="0"/>
+              <a:latin typeface="Graphik Web" panose="020B0503030202060203" pitchFamily="34" charset="77"/>
             </a:endParaRPr>
           </a:p>
         </p:txBody>
@@ -3993,7 +3460,7 @@
         </p:nvSpPr>
         <p:spPr>
           <a:xfrm>
-            <a:off x="7669430" y="14336358"/>
+            <a:off x="7669430" y="14160471"/>
             <a:ext cx="15957443" cy="0"/>
           </a:xfrm>
           <a:custGeom>
@@ -4031,9 +3498,7 @@
           <a:lstStyle/>
           <a:p>
             <a:endParaRPr noProof="1">
-              <a:latin typeface="Helvetica Neue" panose="02000503000000020004" pitchFamily="2" charset="0"/>
-              <a:ea typeface="Helvetica Neue" panose="02000503000000020004" pitchFamily="2" charset="0"/>
-              <a:cs typeface="Helvetica Neue" panose="02000503000000020004" pitchFamily="2" charset="0"/>
+              <a:latin typeface="Graphik Web" panose="020B0503030202060203" pitchFamily="34" charset="77"/>
             </a:endParaRPr>
           </a:p>
         </p:txBody>
@@ -4046,7 +3511,7 @@
         </p:nvSpPr>
         <p:spPr>
           <a:xfrm>
-            <a:off x="7669430" y="13754576"/>
+            <a:off x="7669430" y="13511040"/>
             <a:ext cx="15957443" cy="0"/>
           </a:xfrm>
           <a:custGeom>
@@ -4084,9 +3549,7 @@
           <a:lstStyle/>
           <a:p>
             <a:endParaRPr noProof="1">
-              <a:latin typeface="Helvetica Neue" panose="02000503000000020004" pitchFamily="2" charset="0"/>
-              <a:ea typeface="Helvetica Neue" panose="02000503000000020004" pitchFamily="2" charset="0"/>
-              <a:cs typeface="Helvetica Neue" panose="02000503000000020004" pitchFamily="2" charset="0"/>
+              <a:latin typeface="Graphik Web" panose="020B0503030202060203" pitchFamily="34" charset="77"/>
             </a:endParaRPr>
           </a:p>
         </p:txBody>
@@ -4099,7 +3562,7 @@
         </p:nvSpPr>
         <p:spPr>
           <a:xfrm>
-            <a:off x="7669430" y="13172795"/>
+            <a:off x="7669430" y="12861609"/>
             <a:ext cx="15957443" cy="0"/>
           </a:xfrm>
           <a:custGeom>
@@ -4137,9 +3600,7 @@
           <a:lstStyle/>
           <a:p>
             <a:endParaRPr noProof="1">
-              <a:latin typeface="Helvetica Neue" panose="02000503000000020004" pitchFamily="2" charset="0"/>
-              <a:ea typeface="Helvetica Neue" panose="02000503000000020004" pitchFamily="2" charset="0"/>
-              <a:cs typeface="Helvetica Neue" panose="02000503000000020004" pitchFamily="2" charset="0"/>
+              <a:latin typeface="Graphik Web" panose="020B0503030202060203" pitchFamily="34" charset="77"/>
             </a:endParaRPr>
           </a:p>
         </p:txBody>
@@ -4152,7 +3613,7 @@
         </p:nvSpPr>
         <p:spPr>
           <a:xfrm>
-            <a:off x="7669430" y="12591013"/>
+            <a:off x="7669430" y="12212178"/>
             <a:ext cx="15957443" cy="0"/>
           </a:xfrm>
           <a:custGeom>
@@ -4190,9 +3651,7 @@
           <a:lstStyle/>
           <a:p>
             <a:endParaRPr noProof="1">
-              <a:latin typeface="Helvetica Neue" panose="02000503000000020004" pitchFamily="2" charset="0"/>
-              <a:ea typeface="Helvetica Neue" panose="02000503000000020004" pitchFamily="2" charset="0"/>
-              <a:cs typeface="Helvetica Neue" panose="02000503000000020004" pitchFamily="2" charset="0"/>
+              <a:latin typeface="Graphik Web" panose="020B0503030202060203" pitchFamily="34" charset="77"/>
             </a:endParaRPr>
           </a:p>
         </p:txBody>
@@ -4205,7 +3664,7 @@
         </p:nvSpPr>
         <p:spPr>
           <a:xfrm>
-            <a:off x="7669430" y="12009231"/>
+            <a:off x="7669430" y="11562747"/>
             <a:ext cx="15957443" cy="0"/>
           </a:xfrm>
           <a:custGeom>
@@ -4243,9 +3702,7 @@
           <a:lstStyle/>
           <a:p>
             <a:endParaRPr noProof="1">
-              <a:latin typeface="Helvetica Neue" panose="02000503000000020004" pitchFamily="2" charset="0"/>
-              <a:ea typeface="Helvetica Neue" panose="02000503000000020004" pitchFamily="2" charset="0"/>
-              <a:cs typeface="Helvetica Neue" panose="02000503000000020004" pitchFamily="2" charset="0"/>
+              <a:latin typeface="Graphik Web" panose="020B0503030202060203" pitchFamily="34" charset="77"/>
             </a:endParaRPr>
           </a:p>
         </p:txBody>
@@ -4258,7 +3715,7 @@
         </p:nvSpPr>
         <p:spPr>
           <a:xfrm>
-            <a:off x="7669430" y="11427449"/>
+            <a:off x="7669430" y="10913316"/>
             <a:ext cx="15957443" cy="0"/>
           </a:xfrm>
           <a:custGeom>
@@ -4296,9 +3753,7 @@
           <a:lstStyle/>
           <a:p>
             <a:endParaRPr noProof="1">
-              <a:latin typeface="Helvetica Neue" panose="02000503000000020004" pitchFamily="2" charset="0"/>
-              <a:ea typeface="Helvetica Neue" panose="02000503000000020004" pitchFamily="2" charset="0"/>
-              <a:cs typeface="Helvetica Neue" panose="02000503000000020004" pitchFamily="2" charset="0"/>
+              <a:latin typeface="Graphik Web" panose="020B0503030202060203" pitchFamily="34" charset="77"/>
             </a:endParaRPr>
           </a:p>
         </p:txBody>
@@ -4311,7 +3766,7 @@
         </p:nvSpPr>
         <p:spPr>
           <a:xfrm>
-            <a:off x="7669430" y="10845667"/>
+            <a:off x="7669430" y="10263886"/>
             <a:ext cx="15957443" cy="0"/>
           </a:xfrm>
           <a:custGeom>
@@ -4349,9 +3804,7 @@
           <a:lstStyle/>
           <a:p>
             <a:endParaRPr noProof="1">
-              <a:latin typeface="Helvetica Neue" panose="02000503000000020004" pitchFamily="2" charset="0"/>
-              <a:ea typeface="Helvetica Neue" panose="02000503000000020004" pitchFamily="2" charset="0"/>
-              <a:cs typeface="Helvetica Neue" panose="02000503000000020004" pitchFamily="2" charset="0"/>
+              <a:latin typeface="Graphik Web" panose="020B0503030202060203" pitchFamily="34" charset="77"/>
             </a:endParaRPr>
           </a:p>
         </p:txBody>
@@ -4364,7 +3817,7 @@
         </p:nvSpPr>
         <p:spPr>
           <a:xfrm>
-            <a:off x="7669430" y="10263886"/>
+            <a:off x="7669430" y="9614455"/>
             <a:ext cx="15957443" cy="0"/>
           </a:xfrm>
           <a:custGeom>
@@ -4402,9 +3855,7 @@
           <a:lstStyle/>
           <a:p>
             <a:endParaRPr noProof="1">
-              <a:latin typeface="Helvetica Neue" panose="02000503000000020004" pitchFamily="2" charset="0"/>
-              <a:ea typeface="Helvetica Neue" panose="02000503000000020004" pitchFamily="2" charset="0"/>
-              <a:cs typeface="Helvetica Neue" panose="02000503000000020004" pitchFamily="2" charset="0"/>
+              <a:latin typeface="Graphik Web" panose="020B0503030202060203" pitchFamily="34" charset="77"/>
             </a:endParaRPr>
           </a:p>
         </p:txBody>
@@ -4417,7 +3868,7 @@
         </p:nvSpPr>
         <p:spPr>
           <a:xfrm>
-            <a:off x="7669430" y="9682104"/>
+            <a:off x="7669430" y="8965024"/>
             <a:ext cx="15957443" cy="0"/>
           </a:xfrm>
           <a:custGeom>
@@ -4455,9 +3906,7 @@
           <a:lstStyle/>
           <a:p>
             <a:endParaRPr noProof="1">
-              <a:latin typeface="Helvetica Neue" panose="02000503000000020004" pitchFamily="2" charset="0"/>
-              <a:ea typeface="Helvetica Neue" panose="02000503000000020004" pitchFamily="2" charset="0"/>
-              <a:cs typeface="Helvetica Neue" panose="02000503000000020004" pitchFamily="2" charset="0"/>
+              <a:latin typeface="Graphik Web" panose="020B0503030202060203" pitchFamily="34" charset="77"/>
             </a:endParaRPr>
           </a:p>
         </p:txBody>
@@ -4470,7 +3919,7 @@
         </p:nvSpPr>
         <p:spPr>
           <a:xfrm>
-            <a:off x="7669430" y="9100322"/>
+            <a:off x="7669430" y="8315593"/>
             <a:ext cx="15957443" cy="0"/>
           </a:xfrm>
           <a:custGeom>
@@ -4508,9 +3957,7 @@
           <a:lstStyle/>
           <a:p>
             <a:endParaRPr noProof="1">
-              <a:latin typeface="Helvetica Neue" panose="02000503000000020004" pitchFamily="2" charset="0"/>
-              <a:ea typeface="Helvetica Neue" panose="02000503000000020004" pitchFamily="2" charset="0"/>
-              <a:cs typeface="Helvetica Neue" panose="02000503000000020004" pitchFamily="2" charset="0"/>
+              <a:latin typeface="Graphik Web" panose="020B0503030202060203" pitchFamily="34" charset="77"/>
             </a:endParaRPr>
           </a:p>
         </p:txBody>
@@ -4523,7 +3970,7 @@
         </p:nvSpPr>
         <p:spPr>
           <a:xfrm>
-            <a:off x="7669430" y="8518540"/>
+            <a:off x="7669430" y="7666162"/>
             <a:ext cx="15957443" cy="0"/>
           </a:xfrm>
           <a:custGeom>
@@ -4561,9 +4008,7 @@
           <a:lstStyle/>
           <a:p>
             <a:endParaRPr noProof="1">
-              <a:latin typeface="Helvetica Neue" panose="02000503000000020004" pitchFamily="2" charset="0"/>
-              <a:ea typeface="Helvetica Neue" panose="02000503000000020004" pitchFamily="2" charset="0"/>
-              <a:cs typeface="Helvetica Neue" panose="02000503000000020004" pitchFamily="2" charset="0"/>
+              <a:latin typeface="Graphik Web" panose="020B0503030202060203" pitchFamily="34" charset="77"/>
             </a:endParaRPr>
           </a:p>
         </p:txBody>
@@ -4576,7 +4021,7 @@
         </p:nvSpPr>
         <p:spPr>
           <a:xfrm>
-            <a:off x="7669430" y="7936758"/>
+            <a:off x="7669430" y="7016731"/>
             <a:ext cx="15957443" cy="0"/>
           </a:xfrm>
           <a:custGeom>
@@ -4614,9 +4059,7 @@
           <a:lstStyle/>
           <a:p>
             <a:endParaRPr noProof="1">
-              <a:latin typeface="Helvetica Neue" panose="02000503000000020004" pitchFamily="2" charset="0"/>
-              <a:ea typeface="Helvetica Neue" panose="02000503000000020004" pitchFamily="2" charset="0"/>
-              <a:cs typeface="Helvetica Neue" panose="02000503000000020004" pitchFamily="2" charset="0"/>
+              <a:latin typeface="Graphik Web" panose="020B0503030202060203" pitchFamily="34" charset="77"/>
             </a:endParaRPr>
           </a:p>
         </p:txBody>
@@ -4629,7 +4072,7 @@
         </p:nvSpPr>
         <p:spPr>
           <a:xfrm>
-            <a:off x="7669430" y="7354977"/>
+            <a:off x="7669430" y="6367300"/>
             <a:ext cx="15957443" cy="0"/>
           </a:xfrm>
           <a:custGeom>
@@ -4667,9 +4110,7 @@
           <a:lstStyle/>
           <a:p>
             <a:endParaRPr noProof="1">
-              <a:latin typeface="Helvetica Neue" panose="02000503000000020004" pitchFamily="2" charset="0"/>
-              <a:ea typeface="Helvetica Neue" panose="02000503000000020004" pitchFamily="2" charset="0"/>
-              <a:cs typeface="Helvetica Neue" panose="02000503000000020004" pitchFamily="2" charset="0"/>
+              <a:latin typeface="Graphik Web" panose="020B0503030202060203" pitchFamily="34" charset="77"/>
             </a:endParaRPr>
           </a:p>
         </p:txBody>
@@ -4682,7 +4123,7 @@
         </p:nvSpPr>
         <p:spPr>
           <a:xfrm>
-            <a:off x="7669430" y="6773195"/>
+            <a:off x="7669430" y="5717870"/>
             <a:ext cx="15957443" cy="0"/>
           </a:xfrm>
           <a:custGeom>
@@ -4720,9 +4161,7 @@
           <a:lstStyle/>
           <a:p>
             <a:endParaRPr noProof="1">
-              <a:latin typeface="Helvetica Neue" panose="02000503000000020004" pitchFamily="2" charset="0"/>
-              <a:ea typeface="Helvetica Neue" panose="02000503000000020004" pitchFamily="2" charset="0"/>
-              <a:cs typeface="Helvetica Neue" panose="02000503000000020004" pitchFamily="2" charset="0"/>
+              <a:latin typeface="Graphik Web" panose="020B0503030202060203" pitchFamily="34" charset="77"/>
             </a:endParaRPr>
           </a:p>
         </p:txBody>
@@ -4735,7 +4174,7 @@
         </p:nvSpPr>
         <p:spPr>
           <a:xfrm>
-            <a:off x="7669430" y="6191413"/>
+            <a:off x="7669430" y="5068439"/>
             <a:ext cx="15957443" cy="0"/>
           </a:xfrm>
           <a:custGeom>
@@ -4773,9 +4212,7 @@
           <a:lstStyle/>
           <a:p>
             <a:endParaRPr noProof="1">
-              <a:latin typeface="Helvetica Neue" panose="02000503000000020004" pitchFamily="2" charset="0"/>
-              <a:ea typeface="Helvetica Neue" panose="02000503000000020004" pitchFamily="2" charset="0"/>
-              <a:cs typeface="Helvetica Neue" panose="02000503000000020004" pitchFamily="2" charset="0"/>
+              <a:latin typeface="Graphik Web" panose="020B0503030202060203" pitchFamily="34" charset="77"/>
             </a:endParaRPr>
           </a:p>
         </p:txBody>
@@ -4783,112 +4220,6 @@
       <p:sp>
         <p:nvSpPr>
           <p:cNvPr id="27" name="pl27"/>
-          <p:cNvSpPr/>
-          <p:nvPr/>
-        </p:nvSpPr>
-        <p:spPr>
-          <a:xfrm>
-            <a:off x="7669430" y="5609631"/>
-            <a:ext cx="15957443" cy="0"/>
-          </a:xfrm>
-          <a:custGeom>
-            <a:avLst/>
-            <a:gdLst/>
-            <a:ahLst/>
-            <a:cxnLst/>
-            <a:rect l="0" t="0" r="0" b="0"/>
-            <a:pathLst>
-              <a:path w="15957443">
-                <a:moveTo>
-                  <a:pt x="0" y="0"/>
-                </a:moveTo>
-                <a:lnTo>
-                  <a:pt x="15957443" y="0"/>
-                </a:lnTo>
-                <a:lnTo>
-                  <a:pt x="15957443" y="0"/>
-                </a:lnTo>
-              </a:path>
-            </a:pathLst>
-          </a:custGeom>
-          <a:ln w="13550" cap="flat">
-            <a:solidFill>
-              <a:srgbClr val="EBEBEB">
-                <a:alpha val="100000"/>
-              </a:srgbClr>
-            </a:solidFill>
-            <a:prstDash val="solid"/>
-            <a:round/>
-          </a:ln>
-        </p:spPr>
-        <p:txBody>
-          <a:bodyPr/>
-          <a:lstStyle/>
-          <a:p>
-            <a:endParaRPr noProof="1">
-              <a:latin typeface="Helvetica Neue" panose="02000503000000020004" pitchFamily="2" charset="0"/>
-              <a:ea typeface="Helvetica Neue" panose="02000503000000020004" pitchFamily="2" charset="0"/>
-              <a:cs typeface="Helvetica Neue" panose="02000503000000020004" pitchFamily="2" charset="0"/>
-            </a:endParaRPr>
-          </a:p>
-        </p:txBody>
-      </p:sp>
-      <p:sp>
-        <p:nvSpPr>
-          <p:cNvPr id="28" name="pl28"/>
-          <p:cNvSpPr/>
-          <p:nvPr/>
-        </p:nvSpPr>
-        <p:spPr>
-          <a:xfrm>
-            <a:off x="7669430" y="5027849"/>
-            <a:ext cx="15957443" cy="0"/>
-          </a:xfrm>
-          <a:custGeom>
-            <a:avLst/>
-            <a:gdLst/>
-            <a:ahLst/>
-            <a:cxnLst/>
-            <a:rect l="0" t="0" r="0" b="0"/>
-            <a:pathLst>
-              <a:path w="15957443">
-                <a:moveTo>
-                  <a:pt x="0" y="0"/>
-                </a:moveTo>
-                <a:lnTo>
-                  <a:pt x="15957443" y="0"/>
-                </a:lnTo>
-                <a:lnTo>
-                  <a:pt x="15957443" y="0"/>
-                </a:lnTo>
-              </a:path>
-            </a:pathLst>
-          </a:custGeom>
-          <a:ln w="13550" cap="flat">
-            <a:solidFill>
-              <a:srgbClr val="EBEBEB">
-                <a:alpha val="100000"/>
-              </a:srgbClr>
-            </a:solidFill>
-            <a:prstDash val="solid"/>
-            <a:round/>
-          </a:ln>
-        </p:spPr>
-        <p:txBody>
-          <a:bodyPr/>
-          <a:lstStyle/>
-          <a:p>
-            <a:endParaRPr noProof="1">
-              <a:latin typeface="Helvetica Neue" panose="02000503000000020004" pitchFamily="2" charset="0"/>
-              <a:ea typeface="Helvetica Neue" panose="02000503000000020004" pitchFamily="2" charset="0"/>
-              <a:cs typeface="Helvetica Neue" panose="02000503000000020004" pitchFamily="2" charset="0"/>
-            </a:endParaRPr>
-          </a:p>
-        </p:txBody>
-      </p:sp>
-      <p:sp>
-        <p:nvSpPr>
-          <p:cNvPr id="29" name="pl29"/>
           <p:cNvSpPr/>
           <p:nvPr/>
         </p:nvSpPr>
@@ -4932,16 +4263,14 @@
           <a:lstStyle/>
           <a:p>
             <a:endParaRPr noProof="1">
-              <a:latin typeface="Helvetica Neue" panose="02000503000000020004" pitchFamily="2" charset="0"/>
-              <a:ea typeface="Helvetica Neue" panose="02000503000000020004" pitchFamily="2" charset="0"/>
-              <a:cs typeface="Helvetica Neue" panose="02000503000000020004" pitchFamily="2" charset="0"/>
-            </a:endParaRPr>
-          </a:p>
-        </p:txBody>
-      </p:sp>
-      <p:sp>
-        <p:nvSpPr>
-          <p:cNvPr id="30" name="pl30"/>
+              <a:latin typeface="Graphik Web" panose="020B0503030202060203" pitchFamily="34" charset="77"/>
+            </a:endParaRPr>
+          </a:p>
+        </p:txBody>
+      </p:sp>
+      <p:sp>
+        <p:nvSpPr>
+          <p:cNvPr id="28" name="pl28"/>
           <p:cNvSpPr/>
           <p:nvPr/>
         </p:nvSpPr>
@@ -4985,16 +4314,14 @@
           <a:lstStyle/>
           <a:p>
             <a:endParaRPr noProof="1">
-              <a:latin typeface="Helvetica Neue" panose="02000503000000020004" pitchFamily="2" charset="0"/>
-              <a:ea typeface="Helvetica Neue" panose="02000503000000020004" pitchFamily="2" charset="0"/>
-              <a:cs typeface="Helvetica Neue" panose="02000503000000020004" pitchFamily="2" charset="0"/>
-            </a:endParaRPr>
-          </a:p>
-        </p:txBody>
-      </p:sp>
-      <p:sp>
-        <p:nvSpPr>
-          <p:cNvPr id="31" name="pl31"/>
+              <a:latin typeface="Graphik Web" panose="020B0503030202060203" pitchFamily="34" charset="77"/>
+            </a:endParaRPr>
+          </a:p>
+        </p:txBody>
+      </p:sp>
+      <p:sp>
+        <p:nvSpPr>
+          <p:cNvPr id="29" name="pl29"/>
           <p:cNvSpPr/>
           <p:nvPr/>
         </p:nvSpPr>
@@ -5038,16 +4365,14 @@
           <a:lstStyle/>
           <a:p>
             <a:endParaRPr noProof="1">
-              <a:latin typeface="Helvetica Neue" panose="02000503000000020004" pitchFamily="2" charset="0"/>
-              <a:ea typeface="Helvetica Neue" panose="02000503000000020004" pitchFamily="2" charset="0"/>
-              <a:cs typeface="Helvetica Neue" panose="02000503000000020004" pitchFamily="2" charset="0"/>
-            </a:endParaRPr>
-          </a:p>
-        </p:txBody>
-      </p:sp>
-      <p:sp>
-        <p:nvSpPr>
-          <p:cNvPr id="32" name="pl32"/>
+              <a:latin typeface="Graphik Web" panose="020B0503030202060203" pitchFamily="34" charset="77"/>
+            </a:endParaRPr>
+          </a:p>
+        </p:txBody>
+      </p:sp>
+      <p:sp>
+        <p:nvSpPr>
+          <p:cNvPr id="30" name="pl30"/>
           <p:cNvSpPr/>
           <p:nvPr/>
         </p:nvSpPr>
@@ -5091,23 +4416,21 @@
           <a:lstStyle/>
           <a:p>
             <a:endParaRPr noProof="1">
-              <a:latin typeface="Helvetica Neue" panose="02000503000000020004" pitchFamily="2" charset="0"/>
-              <a:ea typeface="Helvetica Neue" panose="02000503000000020004" pitchFamily="2" charset="0"/>
-              <a:cs typeface="Helvetica Neue" panose="02000503000000020004" pitchFamily="2" charset="0"/>
-            </a:endParaRPr>
-          </a:p>
-        </p:txBody>
-      </p:sp>
-      <p:sp>
-        <p:nvSpPr>
-          <p:cNvPr id="33" name="rc33"/>
-          <p:cNvSpPr/>
-          <p:nvPr/>
-        </p:nvSpPr>
-        <p:spPr>
-          <a:xfrm>
-            <a:off x="8394768" y="15238120"/>
-            <a:ext cx="0" cy="523603"/>
+              <a:latin typeface="Graphik Web" panose="020B0503030202060203" pitchFamily="34" charset="77"/>
+            </a:endParaRPr>
+          </a:p>
+        </p:txBody>
+      </p:sp>
+      <p:sp>
+        <p:nvSpPr>
+          <p:cNvPr id="31" name="rc31"/>
+          <p:cNvSpPr/>
+          <p:nvPr/>
+        </p:nvSpPr>
+        <p:spPr>
+          <a:xfrm>
+            <a:off x="8394768" y="15167089"/>
+            <a:ext cx="0" cy="584487"/>
           </a:xfrm>
           <a:prstGeom prst="rect">
             <a:avLst/>
@@ -5123,23 +4446,21 @@
           <a:lstStyle/>
           <a:p>
             <a:endParaRPr noProof="1">
-              <a:latin typeface="Helvetica Neue" panose="02000503000000020004" pitchFamily="2" charset="0"/>
-              <a:ea typeface="Helvetica Neue" panose="02000503000000020004" pitchFamily="2" charset="0"/>
-              <a:cs typeface="Helvetica Neue" panose="02000503000000020004" pitchFamily="2" charset="0"/>
-            </a:endParaRPr>
-          </a:p>
-        </p:txBody>
-      </p:sp>
-      <p:sp>
-        <p:nvSpPr>
-          <p:cNvPr id="34" name="rc34"/>
-          <p:cNvSpPr/>
-          <p:nvPr/>
-        </p:nvSpPr>
-        <p:spPr>
-          <a:xfrm>
-            <a:off x="8394768" y="15238120"/>
-            <a:ext cx="1695260" cy="523603"/>
+              <a:latin typeface="Graphik Web" panose="020B0503030202060203" pitchFamily="34" charset="77"/>
+            </a:endParaRPr>
+          </a:p>
+        </p:txBody>
+      </p:sp>
+      <p:sp>
+        <p:nvSpPr>
+          <p:cNvPr id="32" name="rc32"/>
+          <p:cNvSpPr/>
+          <p:nvPr/>
+        </p:nvSpPr>
+        <p:spPr>
+          <a:xfrm>
+            <a:off x="8394768" y="15167089"/>
+            <a:ext cx="1695260" cy="584487"/>
           </a:xfrm>
           <a:prstGeom prst="rect">
             <a:avLst/>
@@ -5155,23 +4476,21 @@
           <a:lstStyle/>
           <a:p>
             <a:endParaRPr noProof="1">
-              <a:latin typeface="Helvetica Neue" panose="02000503000000020004" pitchFamily="2" charset="0"/>
-              <a:ea typeface="Helvetica Neue" panose="02000503000000020004" pitchFamily="2" charset="0"/>
-              <a:cs typeface="Helvetica Neue" panose="02000503000000020004" pitchFamily="2" charset="0"/>
-            </a:endParaRPr>
-          </a:p>
-        </p:txBody>
-      </p:sp>
-      <p:sp>
-        <p:nvSpPr>
-          <p:cNvPr id="35" name="rc35"/>
-          <p:cNvSpPr/>
-          <p:nvPr/>
-        </p:nvSpPr>
-        <p:spPr>
-          <a:xfrm>
-            <a:off x="10090028" y="15238120"/>
-            <a:ext cx="5206561" cy="523603"/>
+              <a:latin typeface="Graphik Web" panose="020B0503030202060203" pitchFamily="34" charset="77"/>
+            </a:endParaRPr>
+          </a:p>
+        </p:txBody>
+      </p:sp>
+      <p:sp>
+        <p:nvSpPr>
+          <p:cNvPr id="33" name="rc33"/>
+          <p:cNvSpPr/>
+          <p:nvPr/>
+        </p:nvSpPr>
+        <p:spPr>
+          <a:xfrm>
+            <a:off x="10090028" y="15167089"/>
+            <a:ext cx="5206561" cy="584487"/>
           </a:xfrm>
           <a:prstGeom prst="rect">
             <a:avLst/>
@@ -5187,23 +4506,21 @@
           <a:lstStyle/>
           <a:p>
             <a:endParaRPr noProof="1">
-              <a:latin typeface="Helvetica Neue" panose="02000503000000020004" pitchFamily="2" charset="0"/>
-              <a:ea typeface="Helvetica Neue" panose="02000503000000020004" pitchFamily="2" charset="0"/>
-              <a:cs typeface="Helvetica Neue" panose="02000503000000020004" pitchFamily="2" charset="0"/>
-            </a:endParaRPr>
-          </a:p>
-        </p:txBody>
-      </p:sp>
-      <p:sp>
-        <p:nvSpPr>
-          <p:cNvPr id="36" name="rc36"/>
-          <p:cNvSpPr/>
-          <p:nvPr/>
-        </p:nvSpPr>
-        <p:spPr>
-          <a:xfrm>
-            <a:off x="8394768" y="14656338"/>
-            <a:ext cx="0" cy="523603"/>
+              <a:latin typeface="Graphik Web" panose="020B0503030202060203" pitchFamily="34" charset="77"/>
+            </a:endParaRPr>
+          </a:p>
+        </p:txBody>
+      </p:sp>
+      <p:sp>
+        <p:nvSpPr>
+          <p:cNvPr id="34" name="rc34"/>
+          <p:cNvSpPr/>
+          <p:nvPr/>
+        </p:nvSpPr>
+        <p:spPr>
+          <a:xfrm>
+            <a:off x="8394768" y="14517658"/>
+            <a:ext cx="0" cy="584487"/>
           </a:xfrm>
           <a:prstGeom prst="rect">
             <a:avLst/>
@@ -5219,23 +4536,21 @@
           <a:lstStyle/>
           <a:p>
             <a:endParaRPr noProof="1">
-              <a:latin typeface="Helvetica Neue" panose="02000503000000020004" pitchFamily="2" charset="0"/>
-              <a:ea typeface="Helvetica Neue" panose="02000503000000020004" pitchFamily="2" charset="0"/>
-              <a:cs typeface="Helvetica Neue" panose="02000503000000020004" pitchFamily="2" charset="0"/>
-            </a:endParaRPr>
-          </a:p>
-        </p:txBody>
-      </p:sp>
-      <p:sp>
-        <p:nvSpPr>
-          <p:cNvPr id="37" name="rc37"/>
-          <p:cNvSpPr/>
-          <p:nvPr/>
-        </p:nvSpPr>
-        <p:spPr>
-          <a:xfrm>
-            <a:off x="8394768" y="14656338"/>
-            <a:ext cx="211368" cy="523603"/>
+              <a:latin typeface="Graphik Web" panose="020B0503030202060203" pitchFamily="34" charset="77"/>
+            </a:endParaRPr>
+          </a:p>
+        </p:txBody>
+      </p:sp>
+      <p:sp>
+        <p:nvSpPr>
+          <p:cNvPr id="35" name="rc35"/>
+          <p:cNvSpPr/>
+          <p:nvPr/>
+        </p:nvSpPr>
+        <p:spPr>
+          <a:xfrm>
+            <a:off x="8394768" y="14517658"/>
+            <a:ext cx="211368" cy="584487"/>
           </a:xfrm>
           <a:prstGeom prst="rect">
             <a:avLst/>
@@ -5251,23 +4566,21 @@
           <a:lstStyle/>
           <a:p>
             <a:endParaRPr noProof="1">
-              <a:latin typeface="Helvetica Neue" panose="02000503000000020004" pitchFamily="2" charset="0"/>
-              <a:ea typeface="Helvetica Neue" panose="02000503000000020004" pitchFamily="2" charset="0"/>
-              <a:cs typeface="Helvetica Neue" panose="02000503000000020004" pitchFamily="2" charset="0"/>
-            </a:endParaRPr>
-          </a:p>
-        </p:txBody>
-      </p:sp>
-      <p:sp>
-        <p:nvSpPr>
-          <p:cNvPr id="38" name="rc38"/>
-          <p:cNvSpPr/>
-          <p:nvPr/>
-        </p:nvSpPr>
-        <p:spPr>
-          <a:xfrm>
-            <a:off x="8606137" y="14656338"/>
-            <a:ext cx="457245" cy="523603"/>
+              <a:latin typeface="Graphik Web" panose="020B0503030202060203" pitchFamily="34" charset="77"/>
+            </a:endParaRPr>
+          </a:p>
+        </p:txBody>
+      </p:sp>
+      <p:sp>
+        <p:nvSpPr>
+          <p:cNvPr id="36" name="rc36"/>
+          <p:cNvSpPr/>
+          <p:nvPr/>
+        </p:nvSpPr>
+        <p:spPr>
+          <a:xfrm>
+            <a:off x="8606137" y="14517658"/>
+            <a:ext cx="457245" cy="584487"/>
           </a:xfrm>
           <a:prstGeom prst="rect">
             <a:avLst/>
@@ -5283,23 +4596,21 @@
           <a:lstStyle/>
           <a:p>
             <a:endParaRPr noProof="1">
-              <a:latin typeface="Helvetica Neue" panose="02000503000000020004" pitchFamily="2" charset="0"/>
-              <a:ea typeface="Helvetica Neue" panose="02000503000000020004" pitchFamily="2" charset="0"/>
-              <a:cs typeface="Helvetica Neue" panose="02000503000000020004" pitchFamily="2" charset="0"/>
-            </a:endParaRPr>
-          </a:p>
-        </p:txBody>
-      </p:sp>
-      <p:sp>
-        <p:nvSpPr>
-          <p:cNvPr id="39" name="rc39"/>
-          <p:cNvSpPr/>
-          <p:nvPr/>
-        </p:nvSpPr>
-        <p:spPr>
-          <a:xfrm>
-            <a:off x="8394768" y="14074556"/>
-            <a:ext cx="60390" cy="523603"/>
+              <a:latin typeface="Graphik Web" panose="020B0503030202060203" pitchFamily="34" charset="77"/>
+            </a:endParaRPr>
+          </a:p>
+        </p:txBody>
+      </p:sp>
+      <p:sp>
+        <p:nvSpPr>
+          <p:cNvPr id="37" name="rc37"/>
+          <p:cNvSpPr/>
+          <p:nvPr/>
+        </p:nvSpPr>
+        <p:spPr>
+          <a:xfrm>
+            <a:off x="8394768" y="13868227"/>
+            <a:ext cx="60390" cy="584487"/>
           </a:xfrm>
           <a:prstGeom prst="rect">
             <a:avLst/>
@@ -5315,23 +4626,21 @@
           <a:lstStyle/>
           <a:p>
             <a:endParaRPr noProof="1">
-              <a:latin typeface="Helvetica Neue" panose="02000503000000020004" pitchFamily="2" charset="0"/>
-              <a:ea typeface="Helvetica Neue" panose="02000503000000020004" pitchFamily="2" charset="0"/>
-              <a:cs typeface="Helvetica Neue" panose="02000503000000020004" pitchFamily="2" charset="0"/>
-            </a:endParaRPr>
-          </a:p>
-        </p:txBody>
-      </p:sp>
-      <p:sp>
-        <p:nvSpPr>
-          <p:cNvPr id="40" name="rc40"/>
-          <p:cNvSpPr/>
-          <p:nvPr/>
-        </p:nvSpPr>
-        <p:spPr>
-          <a:xfrm>
-            <a:off x="8455159" y="14074556"/>
-            <a:ext cx="12940" cy="523603"/>
+              <a:latin typeface="Graphik Web" panose="020B0503030202060203" pitchFamily="34" charset="77"/>
+            </a:endParaRPr>
+          </a:p>
+        </p:txBody>
+      </p:sp>
+      <p:sp>
+        <p:nvSpPr>
+          <p:cNvPr id="38" name="rc38"/>
+          <p:cNvSpPr/>
+          <p:nvPr/>
+        </p:nvSpPr>
+        <p:spPr>
+          <a:xfrm>
+            <a:off x="8455159" y="13868227"/>
+            <a:ext cx="12940" cy="584487"/>
           </a:xfrm>
           <a:prstGeom prst="rect">
             <a:avLst/>
@@ -5347,23 +4656,21 @@
           <a:lstStyle/>
           <a:p>
             <a:endParaRPr noProof="1">
-              <a:latin typeface="Helvetica Neue" panose="02000503000000020004" pitchFamily="2" charset="0"/>
-              <a:ea typeface="Helvetica Neue" panose="02000503000000020004" pitchFamily="2" charset="0"/>
-              <a:cs typeface="Helvetica Neue" panose="02000503000000020004" pitchFamily="2" charset="0"/>
-            </a:endParaRPr>
-          </a:p>
-        </p:txBody>
-      </p:sp>
-      <p:sp>
-        <p:nvSpPr>
-          <p:cNvPr id="41" name="rc41"/>
-          <p:cNvSpPr/>
-          <p:nvPr/>
-        </p:nvSpPr>
-        <p:spPr>
-          <a:xfrm>
-            <a:off x="8468100" y="14074556"/>
-            <a:ext cx="21568" cy="523603"/>
+              <a:latin typeface="Graphik Web" panose="020B0503030202060203" pitchFamily="34" charset="77"/>
+            </a:endParaRPr>
+          </a:p>
+        </p:txBody>
+      </p:sp>
+      <p:sp>
+        <p:nvSpPr>
+          <p:cNvPr id="39" name="rc39"/>
+          <p:cNvSpPr/>
+          <p:nvPr/>
+        </p:nvSpPr>
+        <p:spPr>
+          <a:xfrm>
+            <a:off x="8468100" y="13868227"/>
+            <a:ext cx="21568" cy="584487"/>
           </a:xfrm>
           <a:prstGeom prst="rect">
             <a:avLst/>
@@ -5379,23 +4686,21 @@
           <a:lstStyle/>
           <a:p>
             <a:endParaRPr noProof="1">
-              <a:latin typeface="Helvetica Neue" panose="02000503000000020004" pitchFamily="2" charset="0"/>
-              <a:ea typeface="Helvetica Neue" panose="02000503000000020004" pitchFamily="2" charset="0"/>
-              <a:cs typeface="Helvetica Neue" panose="02000503000000020004" pitchFamily="2" charset="0"/>
-            </a:endParaRPr>
-          </a:p>
-        </p:txBody>
-      </p:sp>
-      <p:sp>
-        <p:nvSpPr>
-          <p:cNvPr id="42" name="rc42"/>
-          <p:cNvSpPr/>
-          <p:nvPr/>
-        </p:nvSpPr>
-        <p:spPr>
-          <a:xfrm>
-            <a:off x="8394768" y="13492775"/>
-            <a:ext cx="3847765" cy="523603"/>
+              <a:latin typeface="Graphik Web" panose="020B0503030202060203" pitchFamily="34" charset="77"/>
+            </a:endParaRPr>
+          </a:p>
+        </p:txBody>
+      </p:sp>
+      <p:sp>
+        <p:nvSpPr>
+          <p:cNvPr id="40" name="rc40"/>
+          <p:cNvSpPr/>
+          <p:nvPr/>
+        </p:nvSpPr>
+        <p:spPr>
+          <a:xfrm>
+            <a:off x="8394768" y="13218796"/>
+            <a:ext cx="3847765" cy="584487"/>
           </a:xfrm>
           <a:prstGeom prst="rect">
             <a:avLst/>
@@ -5411,23 +4716,21 @@
           <a:lstStyle/>
           <a:p>
             <a:endParaRPr noProof="1">
-              <a:latin typeface="Helvetica Neue" panose="02000503000000020004" pitchFamily="2" charset="0"/>
-              <a:ea typeface="Helvetica Neue" panose="02000503000000020004" pitchFamily="2" charset="0"/>
-              <a:cs typeface="Helvetica Neue" panose="02000503000000020004" pitchFamily="2" charset="0"/>
-            </a:endParaRPr>
-          </a:p>
-        </p:txBody>
-      </p:sp>
-      <p:sp>
-        <p:nvSpPr>
-          <p:cNvPr id="43" name="rc43"/>
-          <p:cNvSpPr/>
-          <p:nvPr/>
-        </p:nvSpPr>
-        <p:spPr>
-          <a:xfrm>
-            <a:off x="12242534" y="13492775"/>
-            <a:ext cx="129409" cy="523603"/>
+              <a:latin typeface="Graphik Web" panose="020B0503030202060203" pitchFamily="34" charset="77"/>
+            </a:endParaRPr>
+          </a:p>
+        </p:txBody>
+      </p:sp>
+      <p:sp>
+        <p:nvSpPr>
+          <p:cNvPr id="41" name="rc41"/>
+          <p:cNvSpPr/>
+          <p:nvPr/>
+        </p:nvSpPr>
+        <p:spPr>
+          <a:xfrm>
+            <a:off x="12242534" y="13218796"/>
+            <a:ext cx="129409" cy="584487"/>
           </a:xfrm>
           <a:prstGeom prst="rect">
             <a:avLst/>
@@ -5443,23 +4746,21 @@
           <a:lstStyle/>
           <a:p>
             <a:endParaRPr noProof="1">
-              <a:latin typeface="Helvetica Neue" panose="02000503000000020004" pitchFamily="2" charset="0"/>
-              <a:ea typeface="Helvetica Neue" panose="02000503000000020004" pitchFamily="2" charset="0"/>
-              <a:cs typeface="Helvetica Neue" panose="02000503000000020004" pitchFamily="2" charset="0"/>
-            </a:endParaRPr>
-          </a:p>
-        </p:txBody>
-      </p:sp>
-      <p:sp>
-        <p:nvSpPr>
-          <p:cNvPr id="44" name="rc44"/>
-          <p:cNvSpPr/>
-          <p:nvPr/>
-        </p:nvSpPr>
-        <p:spPr>
-          <a:xfrm>
-            <a:off x="12371943" y="13492775"/>
-            <a:ext cx="319209" cy="523603"/>
+              <a:latin typeface="Graphik Web" panose="020B0503030202060203" pitchFamily="34" charset="77"/>
+            </a:endParaRPr>
+          </a:p>
+        </p:txBody>
+      </p:sp>
+      <p:sp>
+        <p:nvSpPr>
+          <p:cNvPr id="42" name="rc42"/>
+          <p:cNvSpPr/>
+          <p:nvPr/>
+        </p:nvSpPr>
+        <p:spPr>
+          <a:xfrm>
+            <a:off x="12371943" y="13218796"/>
+            <a:ext cx="319209" cy="584487"/>
           </a:xfrm>
           <a:prstGeom prst="rect">
             <a:avLst/>
@@ -5475,23 +4776,21 @@
           <a:lstStyle/>
           <a:p>
             <a:endParaRPr noProof="1">
-              <a:latin typeface="Helvetica Neue" panose="02000503000000020004" pitchFamily="2" charset="0"/>
-              <a:ea typeface="Helvetica Neue" panose="02000503000000020004" pitchFamily="2" charset="0"/>
-              <a:cs typeface="Helvetica Neue" panose="02000503000000020004" pitchFamily="2" charset="0"/>
-            </a:endParaRPr>
-          </a:p>
-        </p:txBody>
-      </p:sp>
-      <p:sp>
-        <p:nvSpPr>
-          <p:cNvPr id="45" name="rc45"/>
-          <p:cNvSpPr/>
-          <p:nvPr/>
-        </p:nvSpPr>
-        <p:spPr>
-          <a:xfrm>
-            <a:off x="8394768" y="12910993"/>
-            <a:ext cx="7139072" cy="523603"/>
+              <a:latin typeface="Graphik Web" panose="020B0503030202060203" pitchFamily="34" charset="77"/>
+            </a:endParaRPr>
+          </a:p>
+        </p:txBody>
+      </p:sp>
+      <p:sp>
+        <p:nvSpPr>
+          <p:cNvPr id="43" name="rc43"/>
+          <p:cNvSpPr/>
+          <p:nvPr/>
+        </p:nvSpPr>
+        <p:spPr>
+          <a:xfrm>
+            <a:off x="8394768" y="12569365"/>
+            <a:ext cx="7139072" cy="584487"/>
           </a:xfrm>
           <a:prstGeom prst="rect">
             <a:avLst/>
@@ -5507,23 +4806,21 @@
           <a:lstStyle/>
           <a:p>
             <a:endParaRPr noProof="1">
-              <a:latin typeface="Helvetica Neue" panose="02000503000000020004" pitchFamily="2" charset="0"/>
-              <a:ea typeface="Helvetica Neue" panose="02000503000000020004" pitchFamily="2" charset="0"/>
-              <a:cs typeface="Helvetica Neue" panose="02000503000000020004" pitchFamily="2" charset="0"/>
-            </a:endParaRPr>
-          </a:p>
-        </p:txBody>
-      </p:sp>
-      <p:sp>
-        <p:nvSpPr>
-          <p:cNvPr id="46" name="rc46"/>
-          <p:cNvSpPr/>
-          <p:nvPr/>
-        </p:nvSpPr>
-        <p:spPr>
-          <a:xfrm>
-            <a:off x="15533841" y="12910993"/>
-            <a:ext cx="207054" cy="523603"/>
+              <a:latin typeface="Graphik Web" panose="020B0503030202060203" pitchFamily="34" charset="77"/>
+            </a:endParaRPr>
+          </a:p>
+        </p:txBody>
+      </p:sp>
+      <p:sp>
+        <p:nvSpPr>
+          <p:cNvPr id="44" name="rc44"/>
+          <p:cNvSpPr/>
+          <p:nvPr/>
+        </p:nvSpPr>
+        <p:spPr>
+          <a:xfrm>
+            <a:off x="15533841" y="12569365"/>
+            <a:ext cx="207054" cy="584487"/>
           </a:xfrm>
           <a:prstGeom prst="rect">
             <a:avLst/>
@@ -5539,23 +4836,21 @@
           <a:lstStyle/>
           <a:p>
             <a:endParaRPr noProof="1">
-              <a:latin typeface="Helvetica Neue" panose="02000503000000020004" pitchFamily="2" charset="0"/>
-              <a:ea typeface="Helvetica Neue" panose="02000503000000020004" pitchFamily="2" charset="0"/>
-              <a:cs typeface="Helvetica Neue" panose="02000503000000020004" pitchFamily="2" charset="0"/>
-            </a:endParaRPr>
-          </a:p>
-        </p:txBody>
-      </p:sp>
-      <p:sp>
-        <p:nvSpPr>
-          <p:cNvPr id="47" name="rc47"/>
-          <p:cNvSpPr/>
-          <p:nvPr/>
-        </p:nvSpPr>
-        <p:spPr>
-          <a:xfrm>
-            <a:off x="15740895" y="12910993"/>
-            <a:ext cx="521950" cy="523603"/>
+              <a:latin typeface="Graphik Web" panose="020B0503030202060203" pitchFamily="34" charset="77"/>
+            </a:endParaRPr>
+          </a:p>
+        </p:txBody>
+      </p:sp>
+      <p:sp>
+        <p:nvSpPr>
+          <p:cNvPr id="45" name="rc45"/>
+          <p:cNvSpPr/>
+          <p:nvPr/>
+        </p:nvSpPr>
+        <p:spPr>
+          <a:xfrm>
+            <a:off x="15740895" y="12569365"/>
+            <a:ext cx="521950" cy="584487"/>
           </a:xfrm>
           <a:prstGeom prst="rect">
             <a:avLst/>
@@ -5571,23 +4866,21 @@
           <a:lstStyle/>
           <a:p>
             <a:endParaRPr noProof="1">
-              <a:latin typeface="Helvetica Neue" panose="02000503000000020004" pitchFamily="2" charset="0"/>
-              <a:ea typeface="Helvetica Neue" panose="02000503000000020004" pitchFamily="2" charset="0"/>
-              <a:cs typeface="Helvetica Neue" panose="02000503000000020004" pitchFamily="2" charset="0"/>
-            </a:endParaRPr>
-          </a:p>
-        </p:txBody>
-      </p:sp>
-      <p:sp>
-        <p:nvSpPr>
-          <p:cNvPr id="48" name="rc48"/>
-          <p:cNvSpPr/>
-          <p:nvPr/>
-        </p:nvSpPr>
-        <p:spPr>
-          <a:xfrm>
-            <a:off x="8394768" y="12329211"/>
-            <a:ext cx="125095" cy="523603"/>
+              <a:latin typeface="Graphik Web" panose="020B0503030202060203" pitchFamily="34" charset="77"/>
+            </a:endParaRPr>
+          </a:p>
+        </p:txBody>
+      </p:sp>
+      <p:sp>
+        <p:nvSpPr>
+          <p:cNvPr id="46" name="rc46"/>
+          <p:cNvSpPr/>
+          <p:nvPr/>
+        </p:nvSpPr>
+        <p:spPr>
+          <a:xfrm>
+            <a:off x="8394768" y="11919934"/>
+            <a:ext cx="125095" cy="584487"/>
           </a:xfrm>
           <a:prstGeom prst="rect">
             <a:avLst/>
@@ -5603,23 +4896,21 @@
           <a:lstStyle/>
           <a:p>
             <a:endParaRPr noProof="1">
-              <a:latin typeface="Helvetica Neue" panose="02000503000000020004" pitchFamily="2" charset="0"/>
-              <a:ea typeface="Helvetica Neue" panose="02000503000000020004" pitchFamily="2" charset="0"/>
-              <a:cs typeface="Helvetica Neue" panose="02000503000000020004" pitchFamily="2" charset="0"/>
-            </a:endParaRPr>
-          </a:p>
-        </p:txBody>
-      </p:sp>
-      <p:sp>
-        <p:nvSpPr>
-          <p:cNvPr id="49" name="rc49"/>
-          <p:cNvSpPr/>
-          <p:nvPr/>
-        </p:nvSpPr>
-        <p:spPr>
-          <a:xfrm>
-            <a:off x="8519864" y="12329211"/>
-            <a:ext cx="25881" cy="523603"/>
+              <a:latin typeface="Graphik Web" panose="020B0503030202060203" pitchFamily="34" charset="77"/>
+            </a:endParaRPr>
+          </a:p>
+        </p:txBody>
+      </p:sp>
+      <p:sp>
+        <p:nvSpPr>
+          <p:cNvPr id="47" name="rc47"/>
+          <p:cNvSpPr/>
+          <p:nvPr/>
+        </p:nvSpPr>
+        <p:spPr>
+          <a:xfrm>
+            <a:off x="8519864" y="11919934"/>
+            <a:ext cx="25881" cy="584487"/>
           </a:xfrm>
           <a:prstGeom prst="rect">
             <a:avLst/>
@@ -5635,23 +4926,21 @@
           <a:lstStyle/>
           <a:p>
             <a:endParaRPr noProof="1">
-              <a:latin typeface="Helvetica Neue" panose="02000503000000020004" pitchFamily="2" charset="0"/>
-              <a:ea typeface="Helvetica Neue" panose="02000503000000020004" pitchFamily="2" charset="0"/>
-              <a:cs typeface="Helvetica Neue" panose="02000503000000020004" pitchFamily="2" charset="0"/>
-            </a:endParaRPr>
-          </a:p>
-        </p:txBody>
-      </p:sp>
-      <p:sp>
-        <p:nvSpPr>
-          <p:cNvPr id="50" name="rc50"/>
-          <p:cNvSpPr/>
-          <p:nvPr/>
-        </p:nvSpPr>
-        <p:spPr>
-          <a:xfrm>
-            <a:off x="8545746" y="12329211"/>
-            <a:ext cx="8627" cy="523603"/>
+              <a:latin typeface="Graphik Web" panose="020B0503030202060203" pitchFamily="34" charset="77"/>
+            </a:endParaRPr>
+          </a:p>
+        </p:txBody>
+      </p:sp>
+      <p:sp>
+        <p:nvSpPr>
+          <p:cNvPr id="48" name="rc48"/>
+          <p:cNvSpPr/>
+          <p:nvPr/>
+        </p:nvSpPr>
+        <p:spPr>
+          <a:xfrm>
+            <a:off x="8545746" y="11919934"/>
+            <a:ext cx="8627" cy="584487"/>
           </a:xfrm>
           <a:prstGeom prst="rect">
             <a:avLst/>
@@ -5667,23 +4956,21 @@
           <a:lstStyle/>
           <a:p>
             <a:endParaRPr noProof="1">
-              <a:latin typeface="Helvetica Neue" panose="02000503000000020004" pitchFamily="2" charset="0"/>
-              <a:ea typeface="Helvetica Neue" panose="02000503000000020004" pitchFamily="2" charset="0"/>
-              <a:cs typeface="Helvetica Neue" panose="02000503000000020004" pitchFamily="2" charset="0"/>
-            </a:endParaRPr>
-          </a:p>
-        </p:txBody>
-      </p:sp>
-      <p:sp>
-        <p:nvSpPr>
-          <p:cNvPr id="51" name="rc51"/>
-          <p:cNvSpPr/>
-          <p:nvPr/>
-        </p:nvSpPr>
-        <p:spPr>
-          <a:xfrm>
-            <a:off x="8394768" y="11747429"/>
-            <a:ext cx="1078409" cy="523603"/>
+              <a:latin typeface="Graphik Web" panose="020B0503030202060203" pitchFamily="34" charset="77"/>
+            </a:endParaRPr>
+          </a:p>
+        </p:txBody>
+      </p:sp>
+      <p:sp>
+        <p:nvSpPr>
+          <p:cNvPr id="49" name="rc49"/>
+          <p:cNvSpPr/>
+          <p:nvPr/>
+        </p:nvSpPr>
+        <p:spPr>
+          <a:xfrm>
+            <a:off x="8394768" y="11270503"/>
+            <a:ext cx="1078409" cy="584487"/>
           </a:xfrm>
           <a:prstGeom prst="rect">
             <a:avLst/>
@@ -5699,23 +4986,21 @@
           <a:lstStyle/>
           <a:p>
             <a:endParaRPr noProof="1">
-              <a:latin typeface="Helvetica Neue" panose="02000503000000020004" pitchFamily="2" charset="0"/>
-              <a:ea typeface="Helvetica Neue" panose="02000503000000020004" pitchFamily="2" charset="0"/>
-              <a:cs typeface="Helvetica Neue" panose="02000503000000020004" pitchFamily="2" charset="0"/>
-            </a:endParaRPr>
-          </a:p>
-        </p:txBody>
-      </p:sp>
-      <p:sp>
-        <p:nvSpPr>
-          <p:cNvPr id="52" name="rc52"/>
-          <p:cNvSpPr/>
-          <p:nvPr/>
-        </p:nvSpPr>
-        <p:spPr>
-          <a:xfrm>
-            <a:off x="9473178" y="11747429"/>
-            <a:ext cx="73331" cy="523603"/>
+              <a:latin typeface="Graphik Web" panose="020B0503030202060203" pitchFamily="34" charset="77"/>
+            </a:endParaRPr>
+          </a:p>
+        </p:txBody>
+      </p:sp>
+      <p:sp>
+        <p:nvSpPr>
+          <p:cNvPr id="50" name="rc50"/>
+          <p:cNvSpPr/>
+          <p:nvPr/>
+        </p:nvSpPr>
+        <p:spPr>
+          <a:xfrm>
+            <a:off x="9473178" y="11270503"/>
+            <a:ext cx="73331" cy="584487"/>
           </a:xfrm>
           <a:prstGeom prst="rect">
             <a:avLst/>
@@ -5731,23 +5016,21 @@
           <a:lstStyle/>
           <a:p>
             <a:endParaRPr noProof="1">
-              <a:latin typeface="Helvetica Neue" panose="02000503000000020004" pitchFamily="2" charset="0"/>
-              <a:ea typeface="Helvetica Neue" panose="02000503000000020004" pitchFamily="2" charset="0"/>
-              <a:cs typeface="Helvetica Neue" panose="02000503000000020004" pitchFamily="2" charset="0"/>
-            </a:endParaRPr>
-          </a:p>
-        </p:txBody>
-      </p:sp>
-      <p:sp>
-        <p:nvSpPr>
-          <p:cNvPr id="53" name="rc53"/>
-          <p:cNvSpPr/>
-          <p:nvPr/>
-        </p:nvSpPr>
-        <p:spPr>
-          <a:xfrm>
-            <a:off x="9546510" y="11747429"/>
-            <a:ext cx="81959" cy="523603"/>
+              <a:latin typeface="Graphik Web" panose="020B0503030202060203" pitchFamily="34" charset="77"/>
+            </a:endParaRPr>
+          </a:p>
+        </p:txBody>
+      </p:sp>
+      <p:sp>
+        <p:nvSpPr>
+          <p:cNvPr id="51" name="rc51"/>
+          <p:cNvSpPr/>
+          <p:nvPr/>
+        </p:nvSpPr>
+        <p:spPr>
+          <a:xfrm>
+            <a:off x="9546510" y="11270503"/>
+            <a:ext cx="81959" cy="584487"/>
           </a:xfrm>
           <a:prstGeom prst="rect">
             <a:avLst/>
@@ -5763,23 +5046,21 @@
           <a:lstStyle/>
           <a:p>
             <a:endParaRPr noProof="1">
-              <a:latin typeface="Helvetica Neue" panose="02000503000000020004" pitchFamily="2" charset="0"/>
-              <a:ea typeface="Helvetica Neue" panose="02000503000000020004" pitchFamily="2" charset="0"/>
-              <a:cs typeface="Helvetica Neue" panose="02000503000000020004" pitchFamily="2" charset="0"/>
-            </a:endParaRPr>
-          </a:p>
-        </p:txBody>
-      </p:sp>
-      <p:sp>
-        <p:nvSpPr>
-          <p:cNvPr id="54" name="rc54"/>
-          <p:cNvSpPr/>
-          <p:nvPr/>
-        </p:nvSpPr>
-        <p:spPr>
-          <a:xfrm>
-            <a:off x="8394768" y="11165647"/>
-            <a:ext cx="1393305" cy="523603"/>
+              <a:latin typeface="Graphik Web" panose="020B0503030202060203" pitchFamily="34" charset="77"/>
+            </a:endParaRPr>
+          </a:p>
+        </p:txBody>
+      </p:sp>
+      <p:sp>
+        <p:nvSpPr>
+          <p:cNvPr id="52" name="rc52"/>
+          <p:cNvSpPr/>
+          <p:nvPr/>
+        </p:nvSpPr>
+        <p:spPr>
+          <a:xfrm>
+            <a:off x="8394768" y="10621073"/>
+            <a:ext cx="1393305" cy="584487"/>
           </a:xfrm>
           <a:prstGeom prst="rect">
             <a:avLst/>
@@ -5795,23 +5076,21 @@
           <a:lstStyle/>
           <a:p>
             <a:endParaRPr noProof="1">
-              <a:latin typeface="Helvetica Neue" panose="02000503000000020004" pitchFamily="2" charset="0"/>
-              <a:ea typeface="Helvetica Neue" panose="02000503000000020004" pitchFamily="2" charset="0"/>
-              <a:cs typeface="Helvetica Neue" panose="02000503000000020004" pitchFamily="2" charset="0"/>
-            </a:endParaRPr>
-          </a:p>
-        </p:txBody>
-      </p:sp>
-      <p:sp>
-        <p:nvSpPr>
-          <p:cNvPr id="55" name="rc55"/>
-          <p:cNvSpPr/>
-          <p:nvPr/>
-        </p:nvSpPr>
-        <p:spPr>
-          <a:xfrm>
-            <a:off x="9788074" y="11165647"/>
-            <a:ext cx="94900" cy="523603"/>
+              <a:latin typeface="Graphik Web" panose="020B0503030202060203" pitchFamily="34" charset="77"/>
+            </a:endParaRPr>
+          </a:p>
+        </p:txBody>
+      </p:sp>
+      <p:sp>
+        <p:nvSpPr>
+          <p:cNvPr id="53" name="rc53"/>
+          <p:cNvSpPr/>
+          <p:nvPr/>
+        </p:nvSpPr>
+        <p:spPr>
+          <a:xfrm>
+            <a:off x="9788074" y="10621073"/>
+            <a:ext cx="94900" cy="584487"/>
           </a:xfrm>
           <a:prstGeom prst="rect">
             <a:avLst/>
@@ -5827,23 +5106,21 @@
           <a:lstStyle/>
           <a:p>
             <a:endParaRPr noProof="1">
-              <a:latin typeface="Helvetica Neue" panose="02000503000000020004" pitchFamily="2" charset="0"/>
-              <a:ea typeface="Helvetica Neue" panose="02000503000000020004" pitchFamily="2" charset="0"/>
-              <a:cs typeface="Helvetica Neue" panose="02000503000000020004" pitchFamily="2" charset="0"/>
-            </a:endParaRPr>
-          </a:p>
-        </p:txBody>
-      </p:sp>
-      <p:sp>
-        <p:nvSpPr>
-          <p:cNvPr id="56" name="rc56"/>
-          <p:cNvSpPr/>
-          <p:nvPr/>
-        </p:nvSpPr>
-        <p:spPr>
-          <a:xfrm>
-            <a:off x="9882974" y="11165647"/>
-            <a:ext cx="90586" cy="523603"/>
+              <a:latin typeface="Graphik Web" panose="020B0503030202060203" pitchFamily="34" charset="77"/>
+            </a:endParaRPr>
+          </a:p>
+        </p:txBody>
+      </p:sp>
+      <p:sp>
+        <p:nvSpPr>
+          <p:cNvPr id="54" name="rc54"/>
+          <p:cNvSpPr/>
+          <p:nvPr/>
+        </p:nvSpPr>
+        <p:spPr>
+          <a:xfrm>
+            <a:off x="9882974" y="10621073"/>
+            <a:ext cx="90586" cy="584487"/>
           </a:xfrm>
           <a:prstGeom prst="rect">
             <a:avLst/>
@@ -5859,23 +5136,21 @@
           <a:lstStyle/>
           <a:p>
             <a:endParaRPr noProof="1">
-              <a:latin typeface="Helvetica Neue" panose="02000503000000020004" pitchFamily="2" charset="0"/>
-              <a:ea typeface="Helvetica Neue" panose="02000503000000020004" pitchFamily="2" charset="0"/>
-              <a:cs typeface="Helvetica Neue" panose="02000503000000020004" pitchFamily="2" charset="0"/>
-            </a:endParaRPr>
-          </a:p>
-        </p:txBody>
-      </p:sp>
-      <p:sp>
-        <p:nvSpPr>
-          <p:cNvPr id="57" name="rc57"/>
-          <p:cNvSpPr/>
-          <p:nvPr/>
-        </p:nvSpPr>
-        <p:spPr>
-          <a:xfrm>
-            <a:off x="8394768" y="10583866"/>
-            <a:ext cx="1212132" cy="523603"/>
+              <a:latin typeface="Graphik Web" panose="020B0503030202060203" pitchFamily="34" charset="77"/>
+            </a:endParaRPr>
+          </a:p>
+        </p:txBody>
+      </p:sp>
+      <p:sp>
+        <p:nvSpPr>
+          <p:cNvPr id="55" name="rc55"/>
+          <p:cNvSpPr/>
+          <p:nvPr/>
+        </p:nvSpPr>
+        <p:spPr>
+          <a:xfrm>
+            <a:off x="8394768" y="9971642"/>
+            <a:ext cx="263131" cy="584487"/>
           </a:xfrm>
           <a:prstGeom prst="rect">
             <a:avLst/>
@@ -5891,23 +5166,21 @@
           <a:lstStyle/>
           <a:p>
             <a:endParaRPr noProof="1">
-              <a:latin typeface="Helvetica Neue" panose="02000503000000020004" pitchFamily="2" charset="0"/>
-              <a:ea typeface="Helvetica Neue" panose="02000503000000020004" pitchFamily="2" charset="0"/>
-              <a:cs typeface="Helvetica Neue" panose="02000503000000020004" pitchFamily="2" charset="0"/>
-            </a:endParaRPr>
-          </a:p>
-        </p:txBody>
-      </p:sp>
-      <p:sp>
-        <p:nvSpPr>
-          <p:cNvPr id="58" name="rc58"/>
-          <p:cNvSpPr/>
-          <p:nvPr/>
-        </p:nvSpPr>
-        <p:spPr>
-          <a:xfrm>
-            <a:off x="9606901" y="10583866"/>
-            <a:ext cx="0" cy="523603"/>
+              <a:latin typeface="Graphik Web" panose="020B0503030202060203" pitchFamily="34" charset="77"/>
+            </a:endParaRPr>
+          </a:p>
+        </p:txBody>
+      </p:sp>
+      <p:sp>
+        <p:nvSpPr>
+          <p:cNvPr id="56" name="rc56"/>
+          <p:cNvSpPr/>
+          <p:nvPr/>
+        </p:nvSpPr>
+        <p:spPr>
+          <a:xfrm>
+            <a:off x="8657900" y="9971642"/>
+            <a:ext cx="38822" cy="584487"/>
           </a:xfrm>
           <a:prstGeom prst="rect">
             <a:avLst/>
@@ -5923,23 +5196,21 @@
           <a:lstStyle/>
           <a:p>
             <a:endParaRPr noProof="1">
-              <a:latin typeface="Helvetica Neue" panose="02000503000000020004" pitchFamily="2" charset="0"/>
-              <a:ea typeface="Helvetica Neue" panose="02000503000000020004" pitchFamily="2" charset="0"/>
-              <a:cs typeface="Helvetica Neue" panose="02000503000000020004" pitchFamily="2" charset="0"/>
-            </a:endParaRPr>
-          </a:p>
-        </p:txBody>
-      </p:sp>
-      <p:sp>
-        <p:nvSpPr>
-          <p:cNvPr id="59" name="rc59"/>
-          <p:cNvSpPr/>
-          <p:nvPr/>
-        </p:nvSpPr>
-        <p:spPr>
-          <a:xfrm>
-            <a:off x="9606901" y="10583866"/>
-            <a:ext cx="8627" cy="523603"/>
+              <a:latin typeface="Graphik Web" panose="020B0503030202060203" pitchFamily="34" charset="77"/>
+            </a:endParaRPr>
+          </a:p>
+        </p:txBody>
+      </p:sp>
+      <p:sp>
+        <p:nvSpPr>
+          <p:cNvPr id="57" name="rc57"/>
+          <p:cNvSpPr/>
+          <p:nvPr/>
+        </p:nvSpPr>
+        <p:spPr>
+          <a:xfrm>
+            <a:off x="8696723" y="9971642"/>
+            <a:ext cx="47450" cy="584487"/>
           </a:xfrm>
           <a:prstGeom prst="rect">
             <a:avLst/>
@@ -5955,23 +5226,21 @@
           <a:lstStyle/>
           <a:p>
             <a:endParaRPr noProof="1">
-              <a:latin typeface="Helvetica Neue" panose="02000503000000020004" pitchFamily="2" charset="0"/>
-              <a:ea typeface="Helvetica Neue" panose="02000503000000020004" pitchFamily="2" charset="0"/>
-              <a:cs typeface="Helvetica Neue" panose="02000503000000020004" pitchFamily="2" charset="0"/>
-            </a:endParaRPr>
-          </a:p>
-        </p:txBody>
-      </p:sp>
-      <p:sp>
-        <p:nvSpPr>
-          <p:cNvPr id="60" name="rc60"/>
-          <p:cNvSpPr/>
-          <p:nvPr/>
-        </p:nvSpPr>
-        <p:spPr>
-          <a:xfrm>
-            <a:off x="8394768" y="10002084"/>
-            <a:ext cx="263131" cy="523603"/>
+              <a:latin typeface="Graphik Web" panose="020B0503030202060203" pitchFamily="34" charset="77"/>
+            </a:endParaRPr>
+          </a:p>
+        </p:txBody>
+      </p:sp>
+      <p:sp>
+        <p:nvSpPr>
+          <p:cNvPr id="58" name="rc58"/>
+          <p:cNvSpPr/>
+          <p:nvPr/>
+        </p:nvSpPr>
+        <p:spPr>
+          <a:xfrm>
+            <a:off x="8394768" y="9322211"/>
+            <a:ext cx="263131" cy="584487"/>
           </a:xfrm>
           <a:prstGeom prst="rect">
             <a:avLst/>
@@ -5987,23 +5256,21 @@
           <a:lstStyle/>
           <a:p>
             <a:endParaRPr noProof="1">
-              <a:latin typeface="Helvetica Neue" panose="02000503000000020004" pitchFamily="2" charset="0"/>
-              <a:ea typeface="Helvetica Neue" panose="02000503000000020004" pitchFamily="2" charset="0"/>
-              <a:cs typeface="Helvetica Neue" panose="02000503000000020004" pitchFamily="2" charset="0"/>
-            </a:endParaRPr>
-          </a:p>
-        </p:txBody>
-      </p:sp>
-      <p:sp>
-        <p:nvSpPr>
-          <p:cNvPr id="61" name="rc61"/>
-          <p:cNvSpPr/>
-          <p:nvPr/>
-        </p:nvSpPr>
-        <p:spPr>
-          <a:xfrm>
-            <a:off x="8657900" y="10002084"/>
-            <a:ext cx="38822" cy="523603"/>
+              <a:latin typeface="Graphik Web" panose="020B0503030202060203" pitchFamily="34" charset="77"/>
+            </a:endParaRPr>
+          </a:p>
+        </p:txBody>
+      </p:sp>
+      <p:sp>
+        <p:nvSpPr>
+          <p:cNvPr id="59" name="rc59"/>
+          <p:cNvSpPr/>
+          <p:nvPr/>
+        </p:nvSpPr>
+        <p:spPr>
+          <a:xfrm>
+            <a:off x="8657900" y="9322211"/>
+            <a:ext cx="17254" cy="584487"/>
           </a:xfrm>
           <a:prstGeom prst="rect">
             <a:avLst/>
@@ -6019,23 +5286,21 @@
           <a:lstStyle/>
           <a:p>
             <a:endParaRPr noProof="1">
-              <a:latin typeface="Helvetica Neue" panose="02000503000000020004" pitchFamily="2" charset="0"/>
-              <a:ea typeface="Helvetica Neue" panose="02000503000000020004" pitchFamily="2" charset="0"/>
-              <a:cs typeface="Helvetica Neue" panose="02000503000000020004" pitchFamily="2" charset="0"/>
-            </a:endParaRPr>
-          </a:p>
-        </p:txBody>
-      </p:sp>
-      <p:sp>
-        <p:nvSpPr>
-          <p:cNvPr id="62" name="rc62"/>
-          <p:cNvSpPr/>
-          <p:nvPr/>
-        </p:nvSpPr>
-        <p:spPr>
-          <a:xfrm>
-            <a:off x="8696723" y="10002084"/>
-            <a:ext cx="47450" cy="523603"/>
+              <a:latin typeface="Graphik Web" panose="020B0503030202060203" pitchFamily="34" charset="77"/>
+            </a:endParaRPr>
+          </a:p>
+        </p:txBody>
+      </p:sp>
+      <p:sp>
+        <p:nvSpPr>
+          <p:cNvPr id="60" name="rc60"/>
+          <p:cNvSpPr/>
+          <p:nvPr/>
+        </p:nvSpPr>
+        <p:spPr>
+          <a:xfrm>
+            <a:off x="8675155" y="9322211"/>
+            <a:ext cx="56077" cy="584487"/>
           </a:xfrm>
           <a:prstGeom prst="rect">
             <a:avLst/>
@@ -6051,23 +5316,21 @@
           <a:lstStyle/>
           <a:p>
             <a:endParaRPr noProof="1">
-              <a:latin typeface="Helvetica Neue" panose="02000503000000020004" pitchFamily="2" charset="0"/>
-              <a:ea typeface="Helvetica Neue" panose="02000503000000020004" pitchFamily="2" charset="0"/>
-              <a:cs typeface="Helvetica Neue" panose="02000503000000020004" pitchFamily="2" charset="0"/>
-            </a:endParaRPr>
-          </a:p>
-        </p:txBody>
-      </p:sp>
-      <p:sp>
-        <p:nvSpPr>
-          <p:cNvPr id="63" name="rc63"/>
-          <p:cNvSpPr/>
-          <p:nvPr/>
-        </p:nvSpPr>
-        <p:spPr>
-          <a:xfrm>
-            <a:off x="8394768" y="9420302"/>
-            <a:ext cx="263131" cy="523603"/>
+              <a:latin typeface="Graphik Web" panose="020B0503030202060203" pitchFamily="34" charset="77"/>
+            </a:endParaRPr>
+          </a:p>
+        </p:txBody>
+      </p:sp>
+      <p:sp>
+        <p:nvSpPr>
+          <p:cNvPr id="61" name="rc61"/>
+          <p:cNvSpPr/>
+          <p:nvPr/>
+        </p:nvSpPr>
+        <p:spPr>
+          <a:xfrm>
+            <a:off x="8394768" y="8672780"/>
+            <a:ext cx="11293106" cy="584487"/>
           </a:xfrm>
           <a:prstGeom prst="rect">
             <a:avLst/>
@@ -6083,23 +5346,21 @@
           <a:lstStyle/>
           <a:p>
             <a:endParaRPr noProof="1">
-              <a:latin typeface="Helvetica Neue" panose="02000503000000020004" pitchFamily="2" charset="0"/>
-              <a:ea typeface="Helvetica Neue" panose="02000503000000020004" pitchFamily="2" charset="0"/>
-              <a:cs typeface="Helvetica Neue" panose="02000503000000020004" pitchFamily="2" charset="0"/>
-            </a:endParaRPr>
-          </a:p>
-        </p:txBody>
-      </p:sp>
-      <p:sp>
-        <p:nvSpPr>
-          <p:cNvPr id="64" name="rc64"/>
-          <p:cNvSpPr/>
-          <p:nvPr/>
-        </p:nvSpPr>
-        <p:spPr>
-          <a:xfrm>
-            <a:off x="8657900" y="9420302"/>
-            <a:ext cx="17254" cy="523603"/>
+              <a:latin typeface="Graphik Web" panose="020B0503030202060203" pitchFamily="34" charset="77"/>
+            </a:endParaRPr>
+          </a:p>
+        </p:txBody>
+      </p:sp>
+      <p:sp>
+        <p:nvSpPr>
+          <p:cNvPr id="62" name="rc62"/>
+          <p:cNvSpPr/>
+          <p:nvPr/>
+        </p:nvSpPr>
+        <p:spPr>
+          <a:xfrm>
+            <a:off x="19687875" y="8672780"/>
+            <a:ext cx="284700" cy="584487"/>
           </a:xfrm>
           <a:prstGeom prst="rect">
             <a:avLst/>
@@ -6115,23 +5376,21 @@
           <a:lstStyle/>
           <a:p>
             <a:endParaRPr noProof="1">
-              <a:latin typeface="Helvetica Neue" panose="02000503000000020004" pitchFamily="2" charset="0"/>
-              <a:ea typeface="Helvetica Neue" panose="02000503000000020004" pitchFamily="2" charset="0"/>
-              <a:cs typeface="Helvetica Neue" panose="02000503000000020004" pitchFamily="2" charset="0"/>
-            </a:endParaRPr>
-          </a:p>
-        </p:txBody>
-      </p:sp>
-      <p:sp>
-        <p:nvSpPr>
-          <p:cNvPr id="65" name="rc65"/>
-          <p:cNvSpPr/>
-          <p:nvPr/>
-        </p:nvSpPr>
-        <p:spPr>
-          <a:xfrm>
-            <a:off x="8675155" y="9420302"/>
-            <a:ext cx="56077" cy="523603"/>
+              <a:latin typeface="Graphik Web" panose="020B0503030202060203" pitchFamily="34" charset="77"/>
+            </a:endParaRPr>
+          </a:p>
+        </p:txBody>
+      </p:sp>
+      <p:sp>
+        <p:nvSpPr>
+          <p:cNvPr id="63" name="rc63"/>
+          <p:cNvSpPr/>
+          <p:nvPr/>
+        </p:nvSpPr>
+        <p:spPr>
+          <a:xfrm>
+            <a:off x="19972575" y="8672780"/>
+            <a:ext cx="815277" cy="584487"/>
           </a:xfrm>
           <a:prstGeom prst="rect">
             <a:avLst/>
@@ -6147,23 +5406,21 @@
           <a:lstStyle/>
           <a:p>
             <a:endParaRPr noProof="1">
-              <a:latin typeface="Helvetica Neue" panose="02000503000000020004" pitchFamily="2" charset="0"/>
-              <a:ea typeface="Helvetica Neue" panose="02000503000000020004" pitchFamily="2" charset="0"/>
-              <a:cs typeface="Helvetica Neue" panose="02000503000000020004" pitchFamily="2" charset="0"/>
-            </a:endParaRPr>
-          </a:p>
-        </p:txBody>
-      </p:sp>
-      <p:sp>
-        <p:nvSpPr>
-          <p:cNvPr id="66" name="rc66"/>
-          <p:cNvSpPr/>
-          <p:nvPr/>
-        </p:nvSpPr>
-        <p:spPr>
-          <a:xfrm>
-            <a:off x="8394768" y="8838520"/>
-            <a:ext cx="1910941" cy="523603"/>
+              <a:latin typeface="Graphik Web" panose="020B0503030202060203" pitchFamily="34" charset="77"/>
+            </a:endParaRPr>
+          </a:p>
+        </p:txBody>
+      </p:sp>
+      <p:sp>
+        <p:nvSpPr>
+          <p:cNvPr id="64" name="rc64"/>
+          <p:cNvSpPr/>
+          <p:nvPr/>
+        </p:nvSpPr>
+        <p:spPr>
+          <a:xfrm>
+            <a:off x="8394768" y="8023349"/>
+            <a:ext cx="9101777" cy="584487"/>
           </a:xfrm>
           <a:prstGeom prst="rect">
             <a:avLst/>
@@ -6179,23 +5436,21 @@
           <a:lstStyle/>
           <a:p>
             <a:endParaRPr noProof="1">
-              <a:latin typeface="Helvetica Neue" panose="02000503000000020004" pitchFamily="2" charset="0"/>
-              <a:ea typeface="Helvetica Neue" panose="02000503000000020004" pitchFamily="2" charset="0"/>
-              <a:cs typeface="Helvetica Neue" panose="02000503000000020004" pitchFamily="2" charset="0"/>
-            </a:endParaRPr>
-          </a:p>
-        </p:txBody>
-      </p:sp>
-      <p:sp>
-        <p:nvSpPr>
-          <p:cNvPr id="67" name="rc67"/>
-          <p:cNvSpPr/>
-          <p:nvPr/>
-        </p:nvSpPr>
-        <p:spPr>
-          <a:xfrm>
-            <a:off x="10305710" y="8838520"/>
-            <a:ext cx="12940" cy="523603"/>
+              <a:latin typeface="Graphik Web" panose="020B0503030202060203" pitchFamily="34" charset="77"/>
+            </a:endParaRPr>
+          </a:p>
+        </p:txBody>
+      </p:sp>
+      <p:sp>
+        <p:nvSpPr>
+          <p:cNvPr id="65" name="rc65"/>
+          <p:cNvSpPr/>
+          <p:nvPr/>
+        </p:nvSpPr>
+        <p:spPr>
+          <a:xfrm>
+            <a:off x="17496546" y="8023349"/>
+            <a:ext cx="284700" cy="584487"/>
           </a:xfrm>
           <a:prstGeom prst="rect">
             <a:avLst/>
@@ -6211,23 +5466,21 @@
           <a:lstStyle/>
           <a:p>
             <a:endParaRPr noProof="1">
-              <a:latin typeface="Helvetica Neue" panose="02000503000000020004" pitchFamily="2" charset="0"/>
-              <a:ea typeface="Helvetica Neue" panose="02000503000000020004" pitchFamily="2" charset="0"/>
-              <a:cs typeface="Helvetica Neue" panose="02000503000000020004" pitchFamily="2" charset="0"/>
-            </a:endParaRPr>
-          </a:p>
-        </p:txBody>
-      </p:sp>
-      <p:sp>
-        <p:nvSpPr>
-          <p:cNvPr id="68" name="rc68"/>
-          <p:cNvSpPr/>
-          <p:nvPr/>
-        </p:nvSpPr>
-        <p:spPr>
-          <a:xfrm>
-            <a:off x="10318651" y="8838520"/>
-            <a:ext cx="38822" cy="523603"/>
+              <a:latin typeface="Graphik Web" panose="020B0503030202060203" pitchFamily="34" charset="77"/>
+            </a:endParaRPr>
+          </a:p>
+        </p:txBody>
+      </p:sp>
+      <p:sp>
+        <p:nvSpPr>
+          <p:cNvPr id="66" name="rc66"/>
+          <p:cNvSpPr/>
+          <p:nvPr/>
+        </p:nvSpPr>
+        <p:spPr>
+          <a:xfrm>
+            <a:off x="17781246" y="8023349"/>
+            <a:ext cx="612536" cy="584487"/>
           </a:xfrm>
           <a:prstGeom prst="rect">
             <a:avLst/>
@@ -6243,23 +5496,21 @@
           <a:lstStyle/>
           <a:p>
             <a:endParaRPr noProof="1">
-              <a:latin typeface="Helvetica Neue" panose="02000503000000020004" pitchFamily="2" charset="0"/>
-              <a:ea typeface="Helvetica Neue" panose="02000503000000020004" pitchFamily="2" charset="0"/>
-              <a:cs typeface="Helvetica Neue" panose="02000503000000020004" pitchFamily="2" charset="0"/>
-            </a:endParaRPr>
-          </a:p>
-        </p:txBody>
-      </p:sp>
-      <p:sp>
-        <p:nvSpPr>
-          <p:cNvPr id="69" name="rc69"/>
-          <p:cNvSpPr/>
-          <p:nvPr/>
-        </p:nvSpPr>
-        <p:spPr>
-          <a:xfrm>
-            <a:off x="8394768" y="8256738"/>
-            <a:ext cx="11293106" cy="523603"/>
+              <a:latin typeface="Graphik Web" panose="020B0503030202060203" pitchFamily="34" charset="77"/>
+            </a:endParaRPr>
+          </a:p>
+        </p:txBody>
+      </p:sp>
+      <p:sp>
+        <p:nvSpPr>
+          <p:cNvPr id="67" name="rc67"/>
+          <p:cNvSpPr/>
+          <p:nvPr/>
+        </p:nvSpPr>
+        <p:spPr>
+          <a:xfrm>
+            <a:off x="8394768" y="7373918"/>
+            <a:ext cx="4274816" cy="584487"/>
           </a:xfrm>
           <a:prstGeom prst="rect">
             <a:avLst/>
@@ -6275,23 +5526,21 @@
           <a:lstStyle/>
           <a:p>
             <a:endParaRPr noProof="1">
-              <a:latin typeface="Helvetica Neue" panose="02000503000000020004" pitchFamily="2" charset="0"/>
-              <a:ea typeface="Helvetica Neue" panose="02000503000000020004" pitchFamily="2" charset="0"/>
-              <a:cs typeface="Helvetica Neue" panose="02000503000000020004" pitchFamily="2" charset="0"/>
-            </a:endParaRPr>
-          </a:p>
-        </p:txBody>
-      </p:sp>
-      <p:sp>
-        <p:nvSpPr>
-          <p:cNvPr id="70" name="rc70"/>
-          <p:cNvSpPr/>
-          <p:nvPr/>
-        </p:nvSpPr>
-        <p:spPr>
-          <a:xfrm>
-            <a:off x="19687875" y="8256738"/>
-            <a:ext cx="284700" cy="523603"/>
+              <a:latin typeface="Graphik Web" panose="020B0503030202060203" pitchFamily="34" charset="77"/>
+            </a:endParaRPr>
+          </a:p>
+        </p:txBody>
+      </p:sp>
+      <p:sp>
+        <p:nvSpPr>
+          <p:cNvPr id="68" name="rc68"/>
+          <p:cNvSpPr/>
+          <p:nvPr/>
+        </p:nvSpPr>
+        <p:spPr>
+          <a:xfrm>
+            <a:off x="12669584" y="7373918"/>
+            <a:ext cx="159604" cy="584487"/>
           </a:xfrm>
           <a:prstGeom prst="rect">
             <a:avLst/>
@@ -6307,23 +5556,21 @@
           <a:lstStyle/>
           <a:p>
             <a:endParaRPr noProof="1">
-              <a:latin typeface="Helvetica Neue" panose="02000503000000020004" pitchFamily="2" charset="0"/>
-              <a:ea typeface="Helvetica Neue" panose="02000503000000020004" pitchFamily="2" charset="0"/>
-              <a:cs typeface="Helvetica Neue" panose="02000503000000020004" pitchFamily="2" charset="0"/>
-            </a:endParaRPr>
-          </a:p>
-        </p:txBody>
-      </p:sp>
-      <p:sp>
-        <p:nvSpPr>
-          <p:cNvPr id="71" name="rc71"/>
-          <p:cNvSpPr/>
-          <p:nvPr/>
-        </p:nvSpPr>
-        <p:spPr>
-          <a:xfrm>
-            <a:off x="19972575" y="8256738"/>
-            <a:ext cx="815277" cy="523603"/>
+              <a:latin typeface="Graphik Web" panose="020B0503030202060203" pitchFamily="34" charset="77"/>
+            </a:endParaRPr>
+          </a:p>
+        </p:txBody>
+      </p:sp>
+      <p:sp>
+        <p:nvSpPr>
+          <p:cNvPr id="69" name="rc69"/>
+          <p:cNvSpPr/>
+          <p:nvPr/>
+        </p:nvSpPr>
+        <p:spPr>
+          <a:xfrm>
+            <a:off x="12829189" y="7373918"/>
+            <a:ext cx="297641" cy="584487"/>
           </a:xfrm>
           <a:prstGeom prst="rect">
             <a:avLst/>
@@ -6339,23 +5586,21 @@
           <a:lstStyle/>
           <a:p>
             <a:endParaRPr noProof="1">
-              <a:latin typeface="Helvetica Neue" panose="02000503000000020004" pitchFamily="2" charset="0"/>
-              <a:ea typeface="Helvetica Neue" panose="02000503000000020004" pitchFamily="2" charset="0"/>
-              <a:cs typeface="Helvetica Neue" panose="02000503000000020004" pitchFamily="2" charset="0"/>
-            </a:endParaRPr>
-          </a:p>
-        </p:txBody>
-      </p:sp>
-      <p:sp>
-        <p:nvSpPr>
-          <p:cNvPr id="72" name="rc72"/>
-          <p:cNvSpPr/>
-          <p:nvPr/>
-        </p:nvSpPr>
-        <p:spPr>
-          <a:xfrm>
-            <a:off x="8394768" y="7674957"/>
-            <a:ext cx="9101777" cy="523603"/>
+              <a:latin typeface="Graphik Web" panose="020B0503030202060203" pitchFamily="34" charset="77"/>
+            </a:endParaRPr>
+          </a:p>
+        </p:txBody>
+      </p:sp>
+      <p:sp>
+        <p:nvSpPr>
+          <p:cNvPr id="70" name="rc70"/>
+          <p:cNvSpPr/>
+          <p:nvPr/>
+        </p:nvSpPr>
+        <p:spPr>
+          <a:xfrm>
+            <a:off x="8394768" y="6724487"/>
+            <a:ext cx="1108605" cy="584487"/>
           </a:xfrm>
           <a:prstGeom prst="rect">
             <a:avLst/>
@@ -6371,23 +5616,21 @@
           <a:lstStyle/>
           <a:p>
             <a:endParaRPr noProof="1">
-              <a:latin typeface="Helvetica Neue" panose="02000503000000020004" pitchFamily="2" charset="0"/>
-              <a:ea typeface="Helvetica Neue" panose="02000503000000020004" pitchFamily="2" charset="0"/>
-              <a:cs typeface="Helvetica Neue" panose="02000503000000020004" pitchFamily="2" charset="0"/>
-            </a:endParaRPr>
-          </a:p>
-        </p:txBody>
-      </p:sp>
-      <p:sp>
-        <p:nvSpPr>
-          <p:cNvPr id="73" name="rc73"/>
-          <p:cNvSpPr/>
-          <p:nvPr/>
-        </p:nvSpPr>
-        <p:spPr>
-          <a:xfrm>
-            <a:off x="17496546" y="7674957"/>
-            <a:ext cx="284700" cy="523603"/>
+              <a:latin typeface="Graphik Web" panose="020B0503030202060203" pitchFamily="34" charset="77"/>
+            </a:endParaRPr>
+          </a:p>
+        </p:txBody>
+      </p:sp>
+      <p:sp>
+        <p:nvSpPr>
+          <p:cNvPr id="71" name="rc71"/>
+          <p:cNvSpPr/>
+          <p:nvPr/>
+        </p:nvSpPr>
+        <p:spPr>
+          <a:xfrm>
+            <a:off x="9503374" y="6724487"/>
+            <a:ext cx="69018" cy="584487"/>
           </a:xfrm>
           <a:prstGeom prst="rect">
             <a:avLst/>
@@ -6403,23 +5646,21 @@
           <a:lstStyle/>
           <a:p>
             <a:endParaRPr noProof="1">
-              <a:latin typeface="Helvetica Neue" panose="02000503000000020004" pitchFamily="2" charset="0"/>
-              <a:ea typeface="Helvetica Neue" panose="02000503000000020004" pitchFamily="2" charset="0"/>
-              <a:cs typeface="Helvetica Neue" panose="02000503000000020004" pitchFamily="2" charset="0"/>
-            </a:endParaRPr>
-          </a:p>
-        </p:txBody>
-      </p:sp>
-      <p:sp>
-        <p:nvSpPr>
-          <p:cNvPr id="74" name="rc74"/>
-          <p:cNvSpPr/>
-          <p:nvPr/>
-        </p:nvSpPr>
-        <p:spPr>
-          <a:xfrm>
-            <a:off x="17781246" y="7674957"/>
-            <a:ext cx="612536" cy="523603"/>
+              <a:latin typeface="Graphik Web" panose="020B0503030202060203" pitchFamily="34" charset="77"/>
+            </a:endParaRPr>
+          </a:p>
+        </p:txBody>
+      </p:sp>
+      <p:sp>
+        <p:nvSpPr>
+          <p:cNvPr id="72" name="rc72"/>
+          <p:cNvSpPr/>
+          <p:nvPr/>
+        </p:nvSpPr>
+        <p:spPr>
+          <a:xfrm>
+            <a:off x="9572392" y="6724487"/>
+            <a:ext cx="60390" cy="584487"/>
           </a:xfrm>
           <a:prstGeom prst="rect">
             <a:avLst/>
@@ -6435,23 +5676,21 @@
           <a:lstStyle/>
           <a:p>
             <a:endParaRPr noProof="1">
-              <a:latin typeface="Helvetica Neue" panose="02000503000000020004" pitchFamily="2" charset="0"/>
-              <a:ea typeface="Helvetica Neue" panose="02000503000000020004" pitchFamily="2" charset="0"/>
-              <a:cs typeface="Helvetica Neue" panose="02000503000000020004" pitchFamily="2" charset="0"/>
-            </a:endParaRPr>
-          </a:p>
-        </p:txBody>
-      </p:sp>
-      <p:sp>
-        <p:nvSpPr>
-          <p:cNvPr id="75" name="rc75"/>
-          <p:cNvSpPr/>
-          <p:nvPr/>
-        </p:nvSpPr>
-        <p:spPr>
-          <a:xfrm>
-            <a:off x="8394768" y="7093175"/>
-            <a:ext cx="4274816" cy="523603"/>
+              <a:latin typeface="Graphik Web" panose="020B0503030202060203" pitchFamily="34" charset="77"/>
+            </a:endParaRPr>
+          </a:p>
+        </p:txBody>
+      </p:sp>
+      <p:sp>
+        <p:nvSpPr>
+          <p:cNvPr id="73" name="rc73"/>
+          <p:cNvSpPr/>
+          <p:nvPr/>
+        </p:nvSpPr>
+        <p:spPr>
+          <a:xfrm>
+            <a:off x="8394768" y="6075057"/>
+            <a:ext cx="9084523" cy="584487"/>
           </a:xfrm>
           <a:prstGeom prst="rect">
             <a:avLst/>
@@ -6467,23 +5706,21 @@
           <a:lstStyle/>
           <a:p>
             <a:endParaRPr noProof="1">
-              <a:latin typeface="Helvetica Neue" panose="02000503000000020004" pitchFamily="2" charset="0"/>
-              <a:ea typeface="Helvetica Neue" panose="02000503000000020004" pitchFamily="2" charset="0"/>
-              <a:cs typeface="Helvetica Neue" panose="02000503000000020004" pitchFamily="2" charset="0"/>
-            </a:endParaRPr>
-          </a:p>
-        </p:txBody>
-      </p:sp>
-      <p:sp>
-        <p:nvSpPr>
-          <p:cNvPr id="76" name="rc76"/>
-          <p:cNvSpPr/>
-          <p:nvPr/>
-        </p:nvSpPr>
-        <p:spPr>
-          <a:xfrm>
-            <a:off x="12669584" y="7093175"/>
-            <a:ext cx="159604" cy="523603"/>
+              <a:latin typeface="Graphik Web" panose="020B0503030202060203" pitchFamily="34" charset="77"/>
+            </a:endParaRPr>
+          </a:p>
+        </p:txBody>
+      </p:sp>
+      <p:sp>
+        <p:nvSpPr>
+          <p:cNvPr id="74" name="rc74"/>
+          <p:cNvSpPr/>
+          <p:nvPr/>
+        </p:nvSpPr>
+        <p:spPr>
+          <a:xfrm>
+            <a:off x="17479292" y="6075057"/>
+            <a:ext cx="241563" cy="584487"/>
           </a:xfrm>
           <a:prstGeom prst="rect">
             <a:avLst/>
@@ -6499,23 +5736,21 @@
           <a:lstStyle/>
           <a:p>
             <a:endParaRPr noProof="1">
-              <a:latin typeface="Helvetica Neue" panose="02000503000000020004" pitchFamily="2" charset="0"/>
-              <a:ea typeface="Helvetica Neue" panose="02000503000000020004" pitchFamily="2" charset="0"/>
-              <a:cs typeface="Helvetica Neue" panose="02000503000000020004" pitchFamily="2" charset="0"/>
-            </a:endParaRPr>
-          </a:p>
-        </p:txBody>
-      </p:sp>
-      <p:sp>
-        <p:nvSpPr>
-          <p:cNvPr id="77" name="rc77"/>
-          <p:cNvSpPr/>
-          <p:nvPr/>
-        </p:nvSpPr>
-        <p:spPr>
-          <a:xfrm>
-            <a:off x="12829189" y="7093175"/>
-            <a:ext cx="297641" cy="523603"/>
+              <a:latin typeface="Graphik Web" panose="020B0503030202060203" pitchFamily="34" charset="77"/>
+            </a:endParaRPr>
+          </a:p>
+        </p:txBody>
+      </p:sp>
+      <p:sp>
+        <p:nvSpPr>
+          <p:cNvPr id="75" name="rc75"/>
+          <p:cNvSpPr/>
+          <p:nvPr/>
+        </p:nvSpPr>
+        <p:spPr>
+          <a:xfrm>
+            <a:off x="17720855" y="6075057"/>
+            <a:ext cx="703123" cy="584487"/>
           </a:xfrm>
           <a:prstGeom prst="rect">
             <a:avLst/>
@@ -6531,23 +5766,21 @@
           <a:lstStyle/>
           <a:p>
             <a:endParaRPr noProof="1">
-              <a:latin typeface="Helvetica Neue" panose="02000503000000020004" pitchFamily="2" charset="0"/>
-              <a:ea typeface="Helvetica Neue" panose="02000503000000020004" pitchFamily="2" charset="0"/>
-              <a:cs typeface="Helvetica Neue" panose="02000503000000020004" pitchFamily="2" charset="0"/>
-            </a:endParaRPr>
-          </a:p>
-        </p:txBody>
-      </p:sp>
-      <p:sp>
-        <p:nvSpPr>
-          <p:cNvPr id="78" name="rc78"/>
-          <p:cNvSpPr/>
-          <p:nvPr/>
-        </p:nvSpPr>
-        <p:spPr>
-          <a:xfrm>
-            <a:off x="8394768" y="6511393"/>
-            <a:ext cx="1108605" cy="523603"/>
+              <a:latin typeface="Graphik Web" panose="020B0503030202060203" pitchFamily="34" charset="77"/>
+            </a:endParaRPr>
+          </a:p>
+        </p:txBody>
+      </p:sp>
+      <p:sp>
+        <p:nvSpPr>
+          <p:cNvPr id="76" name="rc76"/>
+          <p:cNvSpPr/>
+          <p:nvPr/>
+        </p:nvSpPr>
+        <p:spPr>
+          <a:xfrm>
+            <a:off x="8394768" y="5425626"/>
+            <a:ext cx="3998743" cy="584487"/>
           </a:xfrm>
           <a:prstGeom prst="rect">
             <a:avLst/>
@@ -6563,23 +5796,21 @@
           <a:lstStyle/>
           <a:p>
             <a:endParaRPr noProof="1">
-              <a:latin typeface="Helvetica Neue" panose="02000503000000020004" pitchFamily="2" charset="0"/>
-              <a:ea typeface="Helvetica Neue" panose="02000503000000020004" pitchFamily="2" charset="0"/>
-              <a:cs typeface="Helvetica Neue" panose="02000503000000020004" pitchFamily="2" charset="0"/>
-            </a:endParaRPr>
-          </a:p>
-        </p:txBody>
-      </p:sp>
-      <p:sp>
-        <p:nvSpPr>
-          <p:cNvPr id="79" name="rc79"/>
-          <p:cNvSpPr/>
-          <p:nvPr/>
-        </p:nvSpPr>
-        <p:spPr>
-          <a:xfrm>
-            <a:off x="9503374" y="6511393"/>
-            <a:ext cx="69018" cy="523603"/>
+              <a:latin typeface="Graphik Web" panose="020B0503030202060203" pitchFamily="34" charset="77"/>
+            </a:endParaRPr>
+          </a:p>
+        </p:txBody>
+      </p:sp>
+      <p:sp>
+        <p:nvSpPr>
+          <p:cNvPr id="77" name="rc77"/>
+          <p:cNvSpPr/>
+          <p:nvPr/>
+        </p:nvSpPr>
+        <p:spPr>
+          <a:xfrm>
+            <a:off x="12393512" y="5425626"/>
+            <a:ext cx="138036" cy="584487"/>
           </a:xfrm>
           <a:prstGeom prst="rect">
             <a:avLst/>
@@ -6595,23 +5826,21 @@
           <a:lstStyle/>
           <a:p>
             <a:endParaRPr noProof="1">
-              <a:latin typeface="Helvetica Neue" panose="02000503000000020004" pitchFamily="2" charset="0"/>
-              <a:ea typeface="Helvetica Neue" panose="02000503000000020004" pitchFamily="2" charset="0"/>
-              <a:cs typeface="Helvetica Neue" panose="02000503000000020004" pitchFamily="2" charset="0"/>
-            </a:endParaRPr>
-          </a:p>
-        </p:txBody>
-      </p:sp>
-      <p:sp>
-        <p:nvSpPr>
-          <p:cNvPr id="80" name="rc80"/>
-          <p:cNvSpPr/>
-          <p:nvPr/>
-        </p:nvSpPr>
-        <p:spPr>
-          <a:xfrm>
-            <a:off x="9572392" y="6511393"/>
-            <a:ext cx="60390" cy="523603"/>
+              <a:latin typeface="Graphik Web" panose="020B0503030202060203" pitchFamily="34" charset="77"/>
+            </a:endParaRPr>
+          </a:p>
+        </p:txBody>
+      </p:sp>
+      <p:sp>
+        <p:nvSpPr>
+          <p:cNvPr id="78" name="rc78"/>
+          <p:cNvSpPr/>
+          <p:nvPr/>
+        </p:nvSpPr>
+        <p:spPr>
+          <a:xfrm>
+            <a:off x="12531548" y="5425626"/>
+            <a:ext cx="332150" cy="584487"/>
           </a:xfrm>
           <a:prstGeom prst="rect">
             <a:avLst/>
@@ -6627,23 +5856,21 @@
           <a:lstStyle/>
           <a:p>
             <a:endParaRPr noProof="1">
-              <a:latin typeface="Helvetica Neue" panose="02000503000000020004" pitchFamily="2" charset="0"/>
-              <a:ea typeface="Helvetica Neue" panose="02000503000000020004" pitchFamily="2" charset="0"/>
-              <a:cs typeface="Helvetica Neue" panose="02000503000000020004" pitchFamily="2" charset="0"/>
-            </a:endParaRPr>
-          </a:p>
-        </p:txBody>
-      </p:sp>
-      <p:sp>
-        <p:nvSpPr>
-          <p:cNvPr id="81" name="rc81"/>
-          <p:cNvSpPr/>
-          <p:nvPr/>
-        </p:nvSpPr>
-        <p:spPr>
-          <a:xfrm>
-            <a:off x="8394768" y="5929611"/>
-            <a:ext cx="9084523" cy="523603"/>
+              <a:latin typeface="Graphik Web" panose="020B0503030202060203" pitchFamily="34" charset="77"/>
+            </a:endParaRPr>
+          </a:p>
+        </p:txBody>
+      </p:sp>
+      <p:sp>
+        <p:nvSpPr>
+          <p:cNvPr id="79" name="rc79"/>
+          <p:cNvSpPr/>
+          <p:nvPr/>
+        </p:nvSpPr>
+        <p:spPr>
+          <a:xfrm>
+            <a:off x="8394768" y="4776195"/>
+            <a:ext cx="13307575" cy="584487"/>
           </a:xfrm>
           <a:prstGeom prst="rect">
             <a:avLst/>
@@ -6659,23 +5886,21 @@
           <a:lstStyle/>
           <a:p>
             <a:endParaRPr noProof="1">
-              <a:latin typeface="Helvetica Neue" panose="02000503000000020004" pitchFamily="2" charset="0"/>
-              <a:ea typeface="Helvetica Neue" panose="02000503000000020004" pitchFamily="2" charset="0"/>
-              <a:cs typeface="Helvetica Neue" panose="02000503000000020004" pitchFamily="2" charset="0"/>
-            </a:endParaRPr>
-          </a:p>
-        </p:txBody>
-      </p:sp>
-      <p:sp>
-        <p:nvSpPr>
-          <p:cNvPr id="82" name="rc82"/>
-          <p:cNvSpPr/>
-          <p:nvPr/>
-        </p:nvSpPr>
-        <p:spPr>
-          <a:xfrm>
-            <a:off x="17479292" y="5929611"/>
-            <a:ext cx="241563" cy="523603"/>
+              <a:latin typeface="Graphik Web" panose="020B0503030202060203" pitchFamily="34" charset="77"/>
+            </a:endParaRPr>
+          </a:p>
+        </p:txBody>
+      </p:sp>
+      <p:sp>
+        <p:nvSpPr>
+          <p:cNvPr id="80" name="rc80"/>
+          <p:cNvSpPr/>
+          <p:nvPr/>
+        </p:nvSpPr>
+        <p:spPr>
+          <a:xfrm>
+            <a:off x="21702344" y="4776195"/>
+            <a:ext cx="310581" cy="584487"/>
           </a:xfrm>
           <a:prstGeom prst="rect">
             <a:avLst/>
@@ -6691,23 +5916,21 @@
           <a:lstStyle/>
           <a:p>
             <a:endParaRPr noProof="1">
-              <a:latin typeface="Helvetica Neue" panose="02000503000000020004" pitchFamily="2" charset="0"/>
-              <a:ea typeface="Helvetica Neue" panose="02000503000000020004" pitchFamily="2" charset="0"/>
-              <a:cs typeface="Helvetica Neue" panose="02000503000000020004" pitchFamily="2" charset="0"/>
-            </a:endParaRPr>
-          </a:p>
-        </p:txBody>
-      </p:sp>
-      <p:sp>
-        <p:nvSpPr>
-          <p:cNvPr id="83" name="rc83"/>
-          <p:cNvSpPr/>
-          <p:nvPr/>
-        </p:nvSpPr>
-        <p:spPr>
-          <a:xfrm>
-            <a:off x="17720855" y="5929611"/>
-            <a:ext cx="703123" cy="523603"/>
+              <a:latin typeface="Graphik Web" panose="020B0503030202060203" pitchFamily="34" charset="77"/>
+            </a:endParaRPr>
+          </a:p>
+        </p:txBody>
+      </p:sp>
+      <p:sp>
+        <p:nvSpPr>
+          <p:cNvPr id="81" name="rc81"/>
+          <p:cNvSpPr/>
+          <p:nvPr/>
+        </p:nvSpPr>
+        <p:spPr>
+          <a:xfrm>
+            <a:off x="22012926" y="4776195"/>
+            <a:ext cx="888609" cy="584487"/>
           </a:xfrm>
           <a:prstGeom prst="rect">
             <a:avLst/>
@@ -6723,208 +5946,14 @@
           <a:lstStyle/>
           <a:p>
             <a:endParaRPr noProof="1">
-              <a:latin typeface="Helvetica Neue" panose="02000503000000020004" pitchFamily="2" charset="0"/>
-              <a:ea typeface="Helvetica Neue" panose="02000503000000020004" pitchFamily="2" charset="0"/>
-              <a:cs typeface="Helvetica Neue" panose="02000503000000020004" pitchFamily="2" charset="0"/>
-            </a:endParaRPr>
-          </a:p>
-        </p:txBody>
-      </p:sp>
-      <p:sp>
-        <p:nvSpPr>
-          <p:cNvPr id="84" name="rc84"/>
-          <p:cNvSpPr/>
-          <p:nvPr/>
-        </p:nvSpPr>
-        <p:spPr>
-          <a:xfrm>
-            <a:off x="8394768" y="5347829"/>
-            <a:ext cx="3998743" cy="523603"/>
-          </a:xfrm>
-          <a:prstGeom prst="rect">
-            <a:avLst/>
-          </a:prstGeom>
-          <a:solidFill>
-            <a:srgbClr val="DDDDDD">
-              <a:alpha val="100000"/>
-            </a:srgbClr>
-          </a:solidFill>
-        </p:spPr>
-        <p:txBody>
-          <a:bodyPr/>
-          <a:lstStyle/>
-          <a:p>
-            <a:endParaRPr noProof="1">
-              <a:latin typeface="Helvetica Neue" panose="02000503000000020004" pitchFamily="2" charset="0"/>
-              <a:ea typeface="Helvetica Neue" panose="02000503000000020004" pitchFamily="2" charset="0"/>
-              <a:cs typeface="Helvetica Neue" panose="02000503000000020004" pitchFamily="2" charset="0"/>
-            </a:endParaRPr>
-          </a:p>
-        </p:txBody>
-      </p:sp>
-      <p:sp>
-        <p:nvSpPr>
-          <p:cNvPr id="85" name="rc85"/>
-          <p:cNvSpPr/>
-          <p:nvPr/>
-        </p:nvSpPr>
-        <p:spPr>
-          <a:xfrm>
-            <a:off x="12393512" y="5347829"/>
-            <a:ext cx="138036" cy="523603"/>
-          </a:xfrm>
-          <a:prstGeom prst="rect">
-            <a:avLst/>
-          </a:prstGeom>
-          <a:solidFill>
-            <a:srgbClr val="FF0066">
-              <a:alpha val="100000"/>
-            </a:srgbClr>
-          </a:solidFill>
-        </p:spPr>
-        <p:txBody>
-          <a:bodyPr/>
-          <a:lstStyle/>
-          <a:p>
-            <a:endParaRPr noProof="1">
-              <a:latin typeface="Helvetica Neue" panose="02000503000000020004" pitchFamily="2" charset="0"/>
-              <a:ea typeface="Helvetica Neue" panose="02000503000000020004" pitchFamily="2" charset="0"/>
-              <a:cs typeface="Helvetica Neue" panose="02000503000000020004" pitchFamily="2" charset="0"/>
-            </a:endParaRPr>
-          </a:p>
-        </p:txBody>
-      </p:sp>
-      <p:sp>
-        <p:nvSpPr>
-          <p:cNvPr id="86" name="rc86"/>
-          <p:cNvSpPr/>
-          <p:nvPr/>
-        </p:nvSpPr>
-        <p:spPr>
-          <a:xfrm>
-            <a:off x="12531548" y="5347829"/>
-            <a:ext cx="332150" cy="523603"/>
-          </a:xfrm>
-          <a:prstGeom prst="rect">
-            <a:avLst/>
-          </a:prstGeom>
-          <a:solidFill>
-            <a:srgbClr val="FBB829">
-              <a:alpha val="100000"/>
-            </a:srgbClr>
-          </a:solidFill>
-        </p:spPr>
-        <p:txBody>
-          <a:bodyPr/>
-          <a:lstStyle/>
-          <a:p>
-            <a:endParaRPr noProof="1">
-              <a:latin typeface="Helvetica Neue" panose="02000503000000020004" pitchFamily="2" charset="0"/>
-              <a:ea typeface="Helvetica Neue" panose="02000503000000020004" pitchFamily="2" charset="0"/>
-              <a:cs typeface="Helvetica Neue" panose="02000503000000020004" pitchFamily="2" charset="0"/>
-            </a:endParaRPr>
-          </a:p>
-        </p:txBody>
-      </p:sp>
-      <p:sp>
-        <p:nvSpPr>
-          <p:cNvPr id="87" name="rc87"/>
-          <p:cNvSpPr/>
-          <p:nvPr/>
-        </p:nvSpPr>
-        <p:spPr>
-          <a:xfrm>
-            <a:off x="8394768" y="4766048"/>
-            <a:ext cx="13307575" cy="523603"/>
-          </a:xfrm>
-          <a:prstGeom prst="rect">
-            <a:avLst/>
-          </a:prstGeom>
-          <a:solidFill>
-            <a:srgbClr val="DDDDDD">
-              <a:alpha val="100000"/>
-            </a:srgbClr>
-          </a:solidFill>
-        </p:spPr>
-        <p:txBody>
-          <a:bodyPr/>
-          <a:lstStyle/>
-          <a:p>
-            <a:endParaRPr noProof="1">
-              <a:latin typeface="Helvetica Neue" panose="02000503000000020004" pitchFamily="2" charset="0"/>
-              <a:ea typeface="Helvetica Neue" panose="02000503000000020004" pitchFamily="2" charset="0"/>
-              <a:cs typeface="Helvetica Neue" panose="02000503000000020004" pitchFamily="2" charset="0"/>
-            </a:endParaRPr>
-          </a:p>
-        </p:txBody>
-      </p:sp>
-      <p:sp>
-        <p:nvSpPr>
-          <p:cNvPr id="88" name="rc88"/>
-          <p:cNvSpPr/>
-          <p:nvPr/>
-        </p:nvSpPr>
-        <p:spPr>
-          <a:xfrm>
-            <a:off x="21702344" y="4766048"/>
-            <a:ext cx="310581" cy="523603"/>
-          </a:xfrm>
-          <a:prstGeom prst="rect">
-            <a:avLst/>
-          </a:prstGeom>
-          <a:solidFill>
-            <a:srgbClr val="FF0066">
-              <a:alpha val="100000"/>
-            </a:srgbClr>
-          </a:solidFill>
-        </p:spPr>
-        <p:txBody>
-          <a:bodyPr/>
-          <a:lstStyle/>
-          <a:p>
-            <a:endParaRPr noProof="1">
-              <a:latin typeface="Helvetica Neue" panose="02000503000000020004" pitchFamily="2" charset="0"/>
-              <a:ea typeface="Helvetica Neue" panose="02000503000000020004" pitchFamily="2" charset="0"/>
-              <a:cs typeface="Helvetica Neue" panose="02000503000000020004" pitchFamily="2" charset="0"/>
-            </a:endParaRPr>
-          </a:p>
-        </p:txBody>
-      </p:sp>
-      <p:sp>
-        <p:nvSpPr>
-          <p:cNvPr id="89" name="rc89"/>
-          <p:cNvSpPr/>
-          <p:nvPr/>
-        </p:nvSpPr>
-        <p:spPr>
-          <a:xfrm>
-            <a:off x="22012926" y="4766048"/>
-            <a:ext cx="888609" cy="523603"/>
-          </a:xfrm>
-          <a:prstGeom prst="rect">
-            <a:avLst/>
-          </a:prstGeom>
-          <a:solidFill>
-            <a:srgbClr val="FBB829">
-              <a:alpha val="100000"/>
-            </a:srgbClr>
-          </a:solidFill>
-        </p:spPr>
-        <p:txBody>
-          <a:bodyPr/>
-          <a:lstStyle/>
-          <a:p>
-            <a:endParaRPr noProof="1">
-              <a:latin typeface="Helvetica Neue" panose="02000503000000020004" pitchFamily="2" charset="0"/>
-              <a:ea typeface="Helvetica Neue" panose="02000503000000020004" pitchFamily="2" charset="0"/>
-              <a:cs typeface="Helvetica Neue" panose="02000503000000020004" pitchFamily="2" charset="0"/>
-            </a:endParaRPr>
-          </a:p>
-        </p:txBody>
-      </p:sp>
-      <p:sp>
-        <p:nvSpPr>
-          <p:cNvPr id="90" name="rc90"/>
+              <a:latin typeface="Graphik Web" panose="020B0503030202060203" pitchFamily="34" charset="77"/>
+            </a:endParaRPr>
+          </a:p>
+        </p:txBody>
+      </p:sp>
+      <p:sp>
+        <p:nvSpPr>
+          <p:cNvPr id="82" name="rc82"/>
           <p:cNvSpPr/>
           <p:nvPr/>
         </p:nvSpPr>
@@ -6951,23 +5980,137 @@
           <a:lstStyle/>
           <a:p>
             <a:endParaRPr noProof="1">
-              <a:latin typeface="Helvetica Neue" panose="02000503000000020004" pitchFamily="2" charset="0"/>
-              <a:ea typeface="Helvetica Neue" panose="02000503000000020004" pitchFamily="2" charset="0"/>
-              <a:cs typeface="Helvetica Neue" panose="02000503000000020004" pitchFamily="2" charset="0"/>
-            </a:endParaRPr>
-          </a:p>
-        </p:txBody>
-      </p:sp>
-      <p:sp>
-        <p:nvSpPr>
-          <p:cNvPr id="91" name="tx91"/>
-          <p:cNvSpPr/>
-          <p:nvPr/>
-        </p:nvSpPr>
-        <p:spPr>
-          <a:xfrm>
-            <a:off x="6103972" y="15253947"/>
+              <a:latin typeface="Graphik Web" panose="020B0503030202060203" pitchFamily="34" charset="77"/>
+            </a:endParaRPr>
+          </a:p>
+        </p:txBody>
+      </p:sp>
+      <p:sp>
+        <p:nvSpPr>
+          <p:cNvPr id="86" name="tx86"/>
+          <p:cNvSpPr/>
+          <p:nvPr/>
+        </p:nvSpPr>
+        <p:spPr>
+          <a:xfrm>
+            <a:off x="5722589" y="14685896"/>
             <a:ext cx="1368350" cy="124817"/>
+          </a:xfrm>
+          <a:prstGeom prst="rect">
+            <a:avLst/>
+          </a:prstGeom>
+          <a:noFill/>
+        </p:spPr>
+        <p:txBody>
+          <a:bodyPr wrap="none" lIns="0" tIns="0" rIns="0" bIns="0" anchor="ctr" anchorCtr="1"/>
+          <a:lstStyle/>
+          <a:p>
+            <a:pPr marL="0" marR="0" indent="0" algn="r">
+              <a:lnSpc>
+                <a:spcPts val="1300"/>
+              </a:lnSpc>
+              <a:spcBef>
+                <a:spcPts val="0"/>
+              </a:spcBef>
+              <a:spcAft>
+                <a:spcPts val="0"/>
+              </a:spcAft>
+            </a:pPr>
+            <a:r>
+              <a:rPr sz="1300" b="1" noProof="1">
+                <a:solidFill>
+                  <a:srgbClr val="333333">
+                    <a:alpha val="100000"/>
+                  </a:srgbClr>
+                </a:solidFill>
+                <a:latin typeface="Graphik Web" panose="020B0503030202060203" pitchFamily="34" charset="77"/>
+                <a:cs typeface="Utopia"/>
+              </a:rPr>
+              <a:t>G</a:t>
+            </a:r>
+            <a:r>
+              <a:rPr lang="en-AU" sz="1300" b="1" noProof="1">
+                <a:solidFill>
+                  <a:srgbClr val="333333">
+                    <a:alpha val="100000"/>
+                  </a:srgbClr>
+                </a:solidFill>
+                <a:latin typeface="Graphik Web" panose="020B0503030202060203" pitchFamily="34" charset="77"/>
+                <a:cs typeface="Utopia"/>
+              </a:rPr>
+              <a:t>RC</a:t>
+            </a:r>
+            <a:r>
+              <a:rPr sz="1300" b="1" noProof="1">
+                <a:solidFill>
+                  <a:srgbClr val="333333">
+                    <a:alpha val="100000"/>
+                  </a:srgbClr>
+                </a:solidFill>
+                <a:latin typeface="Graphik Web" panose="020B0503030202060203" pitchFamily="34" charset="77"/>
+                <a:cs typeface="Utopia"/>
+              </a:rPr>
+              <a:t>z11 Zebrafish</a:t>
+            </a:r>
+            <a:r>
+              <a:rPr lang="en-AU" sz="1300" b="1" noProof="1">
+                <a:solidFill>
+                  <a:srgbClr val="333333">
+                    <a:alpha val="100000"/>
+                  </a:srgbClr>
+                </a:solidFill>
+                <a:latin typeface="Graphik Web" panose="020B0503030202060203" pitchFamily="34" charset="77"/>
+                <a:cs typeface="Utopia"/>
+              </a:rPr>
+              <a:t> Genes</a:t>
+            </a:r>
+          </a:p>
+          <a:p>
+            <a:pPr marL="0" marR="0" indent="0" algn="r">
+              <a:lnSpc>
+                <a:spcPts val="1300"/>
+              </a:lnSpc>
+              <a:spcBef>
+                <a:spcPts val="0"/>
+              </a:spcBef>
+              <a:spcAft>
+                <a:spcPts val="0"/>
+              </a:spcAft>
+            </a:pPr>
+            <a:r>
+              <a:rPr lang="en-AU" sz="1300" b="1" noProof="1">
+                <a:solidFill>
+                  <a:srgbClr val="333333">
+                    <a:alpha val="100000"/>
+                  </a:srgbClr>
+                </a:solidFill>
+                <a:latin typeface="Graphik Web" panose="020B0503030202060203" pitchFamily="34" charset="77"/>
+                <a:cs typeface="Utopia"/>
+              </a:rPr>
+              <a:t>High Quality predicted IREs</a:t>
+            </a:r>
+            <a:endParaRPr sz="1300" b="1" noProof="1">
+              <a:solidFill>
+                <a:srgbClr val="333333">
+                  <a:alpha val="100000"/>
+                </a:srgbClr>
+              </a:solidFill>
+              <a:latin typeface="Graphik Web" panose="020B0503030202060203" pitchFamily="34" charset="77"/>
+              <a:cs typeface="Utopia"/>
+            </a:endParaRPr>
+          </a:p>
+        </p:txBody>
+      </p:sp>
+      <p:sp>
+        <p:nvSpPr>
+          <p:cNvPr id="89" name="tx89"/>
+          <p:cNvSpPr/>
+          <p:nvPr/>
+        </p:nvSpPr>
+        <p:spPr>
+          <a:xfrm>
+            <a:off x="6008104" y="14088075"/>
+            <a:ext cx="1372312" cy="157956"/>
           </a:xfrm>
           <a:prstGeom prst="rect">
             <a:avLst/>
@@ -6996,25 +6139,172 @@
                     <a:alpha val="100000"/>
                   </a:srgbClr>
                 </a:solidFill>
-                <a:latin typeface="Helvetica Neue" panose="02000503000000020004" pitchFamily="2" charset="0"/>
-                <a:ea typeface="Helvetica Neue" panose="02000503000000020004" pitchFamily="2" charset="0"/>
-                <a:cs typeface="Helvetica Neue" panose="02000503000000020004" pitchFamily="2" charset="0"/>
+                <a:latin typeface="Graphik Web" panose="020B0503030202060203" pitchFamily="34" charset="77"/>
+                <a:cs typeface="Utopia"/>
               </a:rPr>
-              <a:t>GRC</a:t>
-            </a:r>
-            <a:r>
-              <a:rPr sz="1300" b="1" noProof="1">
+              <a:t>CTACTAG mir325 </a:t>
+            </a:r>
+            <a:r>
+              <a:rPr sz="1300" noProof="1">
                 <a:solidFill>
                   <a:srgbClr val="333333">
                     <a:alpha val="100000"/>
                   </a:srgbClr>
                 </a:solidFill>
-                <a:latin typeface="Helvetica Neue" panose="02000503000000020004" pitchFamily="2" charset="0"/>
-                <a:ea typeface="Helvetica Neue" panose="02000503000000020004" pitchFamily="2" charset="0"/>
-                <a:cs typeface="Helvetica Neue" panose="02000503000000020004" pitchFamily="2" charset="0"/>
+                <a:latin typeface="Graphik Web" panose="020B0503030202060203" pitchFamily="34" charset="77"/>
+                <a:cs typeface="Utopia"/>
               </a:rPr>
-              <a:t>z11 Zebrafish</a:t>
-            </a:r>
+              <a:t>C3</a:t>
+            </a:r>
+          </a:p>
+        </p:txBody>
+      </p:sp>
+      <p:sp>
+        <p:nvSpPr>
+          <p:cNvPr id="90" name="tx90"/>
+          <p:cNvSpPr/>
+          <p:nvPr/>
+        </p:nvSpPr>
+        <p:spPr>
+          <a:xfrm>
+            <a:off x="5597326" y="13416583"/>
+            <a:ext cx="1889406" cy="155971"/>
+          </a:xfrm>
+          <a:prstGeom prst="rect">
+            <a:avLst/>
+          </a:prstGeom>
+          <a:noFill/>
+        </p:spPr>
+        <p:txBody>
+          <a:bodyPr wrap="none" lIns="0" tIns="0" rIns="0" bIns="0" anchor="ctr" anchorCtr="1"/>
+          <a:lstStyle/>
+          <a:p>
+            <a:pPr marL="0" marR="0" indent="0" algn="r">
+              <a:lnSpc>
+                <a:spcPts val="1300"/>
+              </a:lnSpc>
+              <a:spcBef>
+                <a:spcPts val="0"/>
+              </a:spcBef>
+              <a:spcAft>
+                <a:spcPts val="0"/>
+              </a:spcAft>
+            </a:pPr>
+            <a:r>
+              <a:rPr sz="1300" b="1" noProof="1">
+                <a:solidFill>
+                  <a:srgbClr val="333333">
+                    <a:alpha val="100000"/>
+                  </a:srgbClr>
+                </a:solidFill>
+                <a:latin typeface="Graphik Web" panose="020B0503030202060203" pitchFamily="34" charset="77"/>
+                <a:cs typeface="Utopia"/>
+              </a:rPr>
+              <a:t>Dacosta U</a:t>
+            </a:r>
+            <a:r>
+              <a:rPr lang="en-AU" sz="1300" b="1" noProof="1">
+                <a:solidFill>
+                  <a:srgbClr val="333333">
+                    <a:alpha val="100000"/>
+                  </a:srgbClr>
+                </a:solidFill>
+                <a:latin typeface="Graphik Web" panose="020B0503030202060203" pitchFamily="34" charset="77"/>
+                <a:cs typeface="Utopia"/>
+              </a:rPr>
+              <a:t>V</a:t>
+            </a:r>
+            <a:r>
+              <a:rPr sz="1300" b="1" noProof="1">
+                <a:solidFill>
+                  <a:srgbClr val="333333">
+                    <a:alpha val="100000"/>
+                  </a:srgbClr>
+                </a:solidFill>
+                <a:latin typeface="Graphik Web" panose="020B0503030202060203" pitchFamily="34" charset="77"/>
+                <a:cs typeface="Utopia"/>
+              </a:rPr>
+              <a:t> Response </a:t>
+            </a:r>
+            <a:r>
+              <a:rPr lang="en-AU" sz="1300" b="1" noProof="1">
+                <a:solidFill>
+                  <a:srgbClr val="333333">
+                    <a:alpha val="100000"/>
+                  </a:srgbClr>
+                </a:solidFill>
+                <a:latin typeface="Graphik Web" panose="020B0503030202060203" pitchFamily="34" charset="77"/>
+                <a:cs typeface="Utopia"/>
+              </a:rPr>
+              <a:t>v</a:t>
+            </a:r>
+            <a:r>
+              <a:rPr sz="1300" b="1" noProof="1">
+                <a:solidFill>
+                  <a:srgbClr val="333333">
+                    <a:alpha val="100000"/>
+                  </a:srgbClr>
+                </a:solidFill>
+                <a:latin typeface="Graphik Web" panose="020B0503030202060203" pitchFamily="34" charset="77"/>
+                <a:cs typeface="Utopia"/>
+              </a:rPr>
+              <a:t>ia</a:t>
+            </a:r>
+            <a:endParaRPr lang="en-AU" sz="1300" b="1" noProof="1">
+              <a:solidFill>
+                <a:srgbClr val="333333">
+                  <a:alpha val="100000"/>
+                </a:srgbClr>
+              </a:solidFill>
+              <a:latin typeface="Graphik Web" panose="020B0503030202060203" pitchFamily="34" charset="77"/>
+              <a:cs typeface="Utopia"/>
+            </a:endParaRPr>
+          </a:p>
+          <a:p>
+            <a:pPr marL="0" marR="0" indent="0" algn="r">
+              <a:lnSpc>
+                <a:spcPts val="1300"/>
+              </a:lnSpc>
+              <a:spcBef>
+                <a:spcPts val="0"/>
+              </a:spcBef>
+              <a:spcAft>
+                <a:spcPts val="0"/>
+              </a:spcAft>
+            </a:pPr>
+            <a:r>
+              <a:rPr lang="en-AU" sz="1300" b="1" noProof="1">
+                <a:solidFill>
+                  <a:srgbClr val="333333">
+                    <a:alpha val="100000"/>
+                  </a:srgbClr>
+                </a:solidFill>
+                <a:latin typeface="Graphik Web" panose="020B0503030202060203" pitchFamily="34" charset="77"/>
+                <a:cs typeface="Utopia"/>
+              </a:rPr>
+              <a:t>Ercc3 Dn </a:t>
+            </a:r>
+            <a:r>
+              <a:rPr lang="en-AU" sz="1300" noProof="1">
+                <a:solidFill>
+                  <a:srgbClr val="333333">
+                    <a:alpha val="100000"/>
+                  </a:srgbClr>
+                </a:solidFill>
+                <a:latin typeface="Graphik Web" panose="020B0503030202060203" pitchFamily="34" charset="77"/>
+                <a:cs typeface="Utopia"/>
+              </a:rPr>
+              <a:t>C2</a:t>
+            </a:r>
+            <a:endParaRPr sz="1300" noProof="1">
+              <a:solidFill>
+                <a:srgbClr val="333333">
+                  <a:alpha val="100000"/>
+                </a:srgbClr>
+              </a:solidFill>
+              <a:latin typeface="Graphik Web" panose="020B0503030202060203" pitchFamily="34" charset="77"/>
+              <a:cs typeface="Utopia"/>
+            </a:endParaRPr>
           </a:p>
         </p:txBody>
       </p:sp>
@@ -7026,8 +6316,8 @@
         </p:nvSpPr>
         <p:spPr>
           <a:xfrm>
-            <a:off x="5916914" y="15432255"/>
-            <a:ext cx="1555408" cy="124817"/>
+            <a:off x="5799375" y="12676391"/>
+            <a:ext cx="1671309" cy="162321"/>
           </a:xfrm>
           <a:prstGeom prst="rect">
             <a:avLst/>
@@ -7050,30 +6340,28 @@
               </a:spcAft>
             </a:pPr>
             <a:r>
-              <a:rPr sz="1300" b="1" noProof="1">
+              <a:rPr lang="en-AU" sz="1300" b="1" noProof="1">
                 <a:solidFill>
                   <a:srgbClr val="333333">
                     <a:alpha val="100000"/>
                   </a:srgbClr>
                 </a:solidFill>
-                <a:latin typeface="Helvetica Neue" panose="02000503000000020004" pitchFamily="2" charset="0"/>
-                <a:ea typeface="Helvetica Neue" panose="02000503000000020004" pitchFamily="2" charset="0"/>
-                <a:cs typeface="Helvetica Neue" panose="02000503000000020004" pitchFamily="2" charset="0"/>
+                <a:latin typeface="Graphik Web" panose="020B0503030202060203" pitchFamily="34" charset="77"/>
+                <a:cs typeface="Utopia"/>
               </a:rPr>
-              <a:t>Genes</a:t>
-            </a:r>
-            <a:r>
-              <a:rPr sz="1300" noProof="1">
+              <a:t>GO</a:t>
+            </a:r>
+            <a:r>
+              <a:rPr sz="1300" b="1" noProof="1">
                 <a:solidFill>
                   <a:srgbClr val="333333">
                     <a:alpha val="100000"/>
                   </a:srgbClr>
                 </a:solidFill>
-                <a:latin typeface="Helvetica Neue" panose="02000503000000020004" pitchFamily="2" charset="0"/>
-                <a:ea typeface="Helvetica Neue" panose="02000503000000020004" pitchFamily="2" charset="0"/>
-                <a:cs typeface="Helvetica Neue" panose="02000503000000020004" pitchFamily="2" charset="0"/>
+                <a:latin typeface="Graphik Web" panose="020B0503030202060203" pitchFamily="34" charset="77"/>
+                <a:cs typeface="Utopia"/>
               </a:rPr>
-              <a:t> - All Predicted</a:t>
+              <a:t> Intracellular Signal</a:t>
             </a:r>
           </a:p>
         </p:txBody>
@@ -7086,8 +6374,8 @@
         </p:nvSpPr>
         <p:spPr>
           <a:xfrm>
-            <a:off x="6798053" y="15614928"/>
-            <a:ext cx="674268" cy="120451"/>
+            <a:off x="6234014" y="12884009"/>
+            <a:ext cx="1247827" cy="124817"/>
           </a:xfrm>
           <a:prstGeom prst="rect">
             <a:avLst/>
@@ -7110,17 +6398,16 @@
               </a:spcAft>
             </a:pPr>
             <a:r>
-              <a:rPr lang="en-AU" sz="1300" noProof="1">
+              <a:rPr sz="1300" b="1" noProof="1">
                 <a:solidFill>
                   <a:srgbClr val="333333">
                     <a:alpha val="100000"/>
                   </a:srgbClr>
                 </a:solidFill>
-                <a:latin typeface="Helvetica Neue" panose="02000503000000020004" pitchFamily="2" charset="0"/>
-                <a:ea typeface="Helvetica Neue" panose="02000503000000020004" pitchFamily="2" charset="0"/>
-                <a:cs typeface="Helvetica Neue" panose="02000503000000020004" pitchFamily="2" charset="0"/>
+                <a:latin typeface="Graphik Web" panose="020B0503030202060203" pitchFamily="34" charset="77"/>
+                <a:cs typeface="Utopia"/>
               </a:rPr>
-              <a:t>IRE</a:t>
+              <a:t>Transduction</a:t>
             </a:r>
             <a:r>
               <a:rPr sz="1300" noProof="1">
@@ -7129,24 +6416,136 @@
                     <a:alpha val="100000"/>
                   </a:srgbClr>
                 </a:solidFill>
-                <a:latin typeface="Helvetica Neue" panose="02000503000000020004" pitchFamily="2" charset="0"/>
-                <a:ea typeface="Helvetica Neue" panose="02000503000000020004" pitchFamily="2" charset="0"/>
-                <a:cs typeface="Helvetica Neue" panose="02000503000000020004" pitchFamily="2" charset="0"/>
+                <a:latin typeface="Graphik Web" panose="020B0503030202060203" pitchFamily="34" charset="77"/>
+                <a:cs typeface="Utopia"/>
               </a:rPr>
-              <a:t> </a:t>
-            </a:r>
-            <a:r>
-              <a:rPr lang="en-AU" sz="1300" noProof="1">
+              <a:t> C5</a:t>
+            </a:r>
+          </a:p>
+        </p:txBody>
+      </p:sp>
+      <p:sp>
+        <p:nvSpPr>
+          <p:cNvPr id="95" name="tx95"/>
+          <p:cNvSpPr/>
+          <p:nvPr/>
+        </p:nvSpPr>
+        <p:spPr>
+          <a:xfrm>
+            <a:off x="5558636" y="12099486"/>
+            <a:ext cx="1757723" cy="162321"/>
+          </a:xfrm>
+          <a:prstGeom prst="rect">
+            <a:avLst/>
+          </a:prstGeom>
+          <a:noFill/>
+        </p:spPr>
+        <p:txBody>
+          <a:bodyPr wrap="none" lIns="0" tIns="0" rIns="0" bIns="0" anchor="ctr" anchorCtr="1"/>
+          <a:lstStyle/>
+          <a:p>
+            <a:pPr algn="r">
+              <a:lnSpc>
+                <a:spcPts val="1300"/>
+              </a:lnSpc>
+            </a:pPr>
+            <a:r>
+              <a:rPr lang="en-AU" sz="1300" b="1" noProof="1">
                 <a:solidFill>
                   <a:srgbClr val="333333">
                     <a:alpha val="100000"/>
                   </a:srgbClr>
                 </a:solidFill>
-                <a:latin typeface="Helvetica Neue" panose="02000503000000020004" pitchFamily="2" charset="0"/>
-                <a:ea typeface="Helvetica Neue" panose="02000503000000020004" pitchFamily="2" charset="0"/>
-                <a:cs typeface="Helvetica Neue" panose="02000503000000020004" pitchFamily="2" charset="0"/>
+                <a:latin typeface="Graphik Web" panose="020B0503030202060203" pitchFamily="34" charset="77"/>
+                <a:cs typeface="Utopia"/>
               </a:rPr>
-              <a:t>Genes</a:t>
+              <a:t>GO Positive Regulation</a:t>
+            </a:r>
+          </a:p>
+          <a:p>
+            <a:pPr marL="0" marR="0" indent="0" algn="r">
+              <a:lnSpc>
+                <a:spcPts val="1300"/>
+              </a:lnSpc>
+              <a:spcBef>
+                <a:spcPts val="0"/>
+              </a:spcBef>
+              <a:spcAft>
+                <a:spcPts val="0"/>
+              </a:spcAft>
+            </a:pPr>
+            <a:r>
+              <a:rPr lang="en-AU" sz="1300" b="1" noProof="1">
+                <a:solidFill>
+                  <a:srgbClr val="333333">
+                    <a:alpha val="100000"/>
+                  </a:srgbClr>
+                </a:solidFill>
+                <a:latin typeface="Graphik Web" panose="020B0503030202060203" pitchFamily="34" charset="77"/>
+                <a:cs typeface="Utopia"/>
+              </a:rPr>
+              <a:t>o</a:t>
+            </a:r>
+            <a:r>
+              <a:rPr sz="1300" b="1" noProof="1">
+                <a:solidFill>
+                  <a:srgbClr val="333333">
+                    <a:alpha val="100000"/>
+                  </a:srgbClr>
+                </a:solidFill>
+                <a:latin typeface="Graphik Web" panose="020B0503030202060203" pitchFamily="34" charset="77"/>
+                <a:cs typeface="Utopia"/>
+              </a:rPr>
+              <a:t>f Blood Vessel</a:t>
+            </a:r>
+            <a:r>
+              <a:rPr lang="en-AU" sz="1300" b="1" noProof="1">
+                <a:solidFill>
+                  <a:srgbClr val="333333">
+                    <a:alpha val="100000"/>
+                  </a:srgbClr>
+                </a:solidFill>
+                <a:latin typeface="Graphik Web" panose="020B0503030202060203" pitchFamily="34" charset="77"/>
+                <a:cs typeface="Utopia"/>
+              </a:rPr>
+              <a:t> Endothelial</a:t>
+            </a:r>
+          </a:p>
+          <a:p>
+            <a:pPr marL="0" marR="0" indent="0" algn="r">
+              <a:lnSpc>
+                <a:spcPts val="1300"/>
+              </a:lnSpc>
+              <a:spcBef>
+                <a:spcPts val="0"/>
+              </a:spcBef>
+              <a:spcAft>
+                <a:spcPts val="0"/>
+              </a:spcAft>
+            </a:pPr>
+            <a:r>
+              <a:rPr lang="en-AU" sz="1300" b="1" noProof="1">
+                <a:solidFill>
+                  <a:srgbClr val="333333">
+                    <a:alpha val="100000"/>
+                  </a:srgbClr>
+                </a:solidFill>
+                <a:latin typeface="Graphik Web" panose="020B0503030202060203" pitchFamily="34" charset="77"/>
+                <a:cs typeface="Utopia"/>
+              </a:rPr>
+              <a:t>Cell Migration </a:t>
+            </a:r>
+            <a:r>
+              <a:rPr lang="en-AU" sz="1300" noProof="1">
+                <a:solidFill>
+                  <a:srgbClr val="333333">
+                    <a:alpha val="100000"/>
+                  </a:srgbClr>
+                </a:solidFill>
+                <a:latin typeface="Graphik Web" panose="020B0503030202060203" pitchFamily="34" charset="77"/>
+                <a:cs typeface="Utopia"/>
+              </a:rPr>
+              <a:t>C5</a:t>
             </a:r>
             <a:endParaRPr sz="1300" noProof="1">
               <a:solidFill>
@@ -7154,23 +6553,22 @@
                   <a:alpha val="100000"/>
                 </a:srgbClr>
               </a:solidFill>
-              <a:latin typeface="Helvetica Neue" panose="02000503000000020004" pitchFamily="2" charset="0"/>
-              <a:ea typeface="Helvetica Neue" panose="02000503000000020004" pitchFamily="2" charset="0"/>
-              <a:cs typeface="Helvetica Neue" panose="02000503000000020004" pitchFamily="2" charset="0"/>
-            </a:endParaRPr>
-          </a:p>
-        </p:txBody>
-      </p:sp>
-      <p:sp>
-        <p:nvSpPr>
-          <p:cNvPr id="94" name="tx94"/>
-          <p:cNvSpPr/>
-          <p:nvPr/>
-        </p:nvSpPr>
-        <p:spPr>
-          <a:xfrm>
-            <a:off x="6103972" y="14672165"/>
-            <a:ext cx="1368350" cy="124817"/>
+              <a:latin typeface="Graphik Web" panose="020B0503030202060203" pitchFamily="34" charset="77"/>
+              <a:cs typeface="Utopia"/>
+            </a:endParaRPr>
+          </a:p>
+        </p:txBody>
+      </p:sp>
+      <p:sp>
+        <p:nvSpPr>
+          <p:cNvPr id="98" name="tx98"/>
+          <p:cNvSpPr/>
+          <p:nvPr/>
+        </p:nvSpPr>
+        <p:spPr>
+          <a:xfrm>
+            <a:off x="5684724" y="11498910"/>
+            <a:ext cx="1207872" cy="157956"/>
           </a:xfrm>
           <a:prstGeom prst="rect">
             <a:avLst/>
@@ -7199,11 +6597,10 @@
                     <a:alpha val="100000"/>
                   </a:srgbClr>
                 </a:solidFill>
-                <a:latin typeface="Helvetica Neue" panose="02000503000000020004" pitchFamily="2" charset="0"/>
-                <a:ea typeface="Helvetica Neue" panose="02000503000000020004" pitchFamily="2" charset="0"/>
-                <a:cs typeface="Helvetica Neue" panose="02000503000000020004" pitchFamily="2" charset="0"/>
+                <a:latin typeface="Graphik Web" panose="020B0503030202060203" pitchFamily="34" charset="77"/>
+                <a:cs typeface="Utopia"/>
               </a:rPr>
-              <a:t>GRCz11</a:t>
+              <a:t>GO</a:t>
             </a:r>
             <a:r>
               <a:rPr sz="1300" b="1" noProof="1">
@@ -7212,25 +6609,57 @@
                     <a:alpha val="100000"/>
                   </a:srgbClr>
                 </a:solidFill>
-                <a:latin typeface="Helvetica Neue" panose="02000503000000020004" pitchFamily="2" charset="0"/>
-                <a:ea typeface="Helvetica Neue" panose="02000503000000020004" pitchFamily="2" charset="0"/>
-                <a:cs typeface="Helvetica Neue" panose="02000503000000020004" pitchFamily="2" charset="0"/>
+                <a:latin typeface="Graphik Web" panose="020B0503030202060203" pitchFamily="34" charset="77"/>
+                <a:cs typeface="Utopia"/>
               </a:rPr>
-              <a:t> Zebrafish</a:t>
-            </a:r>
-          </a:p>
-        </p:txBody>
-      </p:sp>
-      <p:sp>
-        <p:nvSpPr>
-          <p:cNvPr id="95" name="tx95"/>
-          <p:cNvSpPr/>
-          <p:nvPr/>
-        </p:nvSpPr>
-        <p:spPr>
-          <a:xfrm>
-            <a:off x="5918564" y="14812968"/>
-            <a:ext cx="1553757" cy="162321"/>
+              <a:t> Postsynaptic</a:t>
+            </a:r>
+            <a:r>
+              <a:rPr lang="en-AU" sz="1300" b="1" noProof="1">
+                <a:solidFill>
+                  <a:srgbClr val="333333">
+                    <a:alpha val="100000"/>
+                  </a:srgbClr>
+                </a:solidFill>
+                <a:latin typeface="Graphik Web" panose="020B0503030202060203" pitchFamily="34" charset="77"/>
+                <a:cs typeface="Utopia"/>
+              </a:rPr>
+              <a:t> Membrane </a:t>
+            </a:r>
+            <a:r>
+              <a:rPr lang="en-AU" sz="1300" noProof="1">
+                <a:solidFill>
+                  <a:srgbClr val="333333">
+                    <a:alpha val="100000"/>
+                  </a:srgbClr>
+                </a:solidFill>
+                <a:latin typeface="Graphik Web" panose="020B0503030202060203" pitchFamily="34" charset="77"/>
+                <a:cs typeface="Utopia"/>
+              </a:rPr>
+              <a:t>C5</a:t>
+            </a:r>
+            <a:endParaRPr sz="1300" noProof="1">
+              <a:solidFill>
+                <a:srgbClr val="333333">
+                  <a:alpha val="100000"/>
+                </a:srgbClr>
+              </a:solidFill>
+              <a:latin typeface="Graphik Web" panose="020B0503030202060203" pitchFamily="34" charset="77"/>
+              <a:cs typeface="Utopia"/>
+            </a:endParaRPr>
+          </a:p>
+        </p:txBody>
+      </p:sp>
+      <p:sp>
+        <p:nvSpPr>
+          <p:cNvPr id="100" name="tx100"/>
+          <p:cNvSpPr/>
+          <p:nvPr/>
+        </p:nvSpPr>
+        <p:spPr>
+          <a:xfrm>
+            <a:off x="5175353" y="10834538"/>
+            <a:ext cx="2455902" cy="157956"/>
           </a:xfrm>
           <a:prstGeom prst="rect">
             <a:avLst/>
@@ -7253,44 +6682,54 @@
               </a:spcAft>
             </a:pPr>
             <a:r>
-              <a:rPr sz="1300" b="1" noProof="1">
+              <a:rPr lang="en-AU" sz="1300" b="1" noProof="1">
                 <a:solidFill>
                   <a:srgbClr val="333333">
                     <a:alpha val="100000"/>
                   </a:srgbClr>
                 </a:solidFill>
-                <a:latin typeface="Helvetica Neue" panose="02000503000000020004" pitchFamily="2" charset="0"/>
-                <a:ea typeface="Helvetica Neue" panose="02000503000000020004" pitchFamily="2" charset="0"/>
-                <a:cs typeface="Helvetica Neue" panose="02000503000000020004" pitchFamily="2" charset="0"/>
+                <a:latin typeface="Graphik Web" panose="020B0503030202060203" pitchFamily="34" charset="77"/>
+                <a:cs typeface="Utopia"/>
               </a:rPr>
-              <a:t>Genes</a:t>
-            </a:r>
-            <a:r>
-              <a:rPr sz="1300" noProof="1">
+              <a:t>GO</a:t>
+            </a:r>
+            <a:r>
+              <a:rPr sz="1300" b="1" noProof="1">
                 <a:solidFill>
                   <a:srgbClr val="333333">
                     <a:alpha val="100000"/>
                   </a:srgbClr>
                 </a:solidFill>
-                <a:latin typeface="Helvetica Neue" panose="02000503000000020004" pitchFamily="2" charset="0"/>
-                <a:ea typeface="Helvetica Neue" panose="02000503000000020004" pitchFamily="2" charset="0"/>
-                <a:cs typeface="Helvetica Neue" panose="02000503000000020004" pitchFamily="2" charset="0"/>
+                <a:latin typeface="Graphik Web" panose="020B0503030202060203" pitchFamily="34" charset="77"/>
+                <a:cs typeface="Utopia"/>
               </a:rPr>
-              <a:t> - High Quality</a:t>
-            </a:r>
-          </a:p>
-        </p:txBody>
-      </p:sp>
-      <p:sp>
-        <p:nvSpPr>
-          <p:cNvPr id="96" name="tx96"/>
-          <p:cNvSpPr/>
-          <p:nvPr/>
-        </p:nvSpPr>
-        <p:spPr>
-          <a:xfrm>
-            <a:off x="6043710" y="15028781"/>
-            <a:ext cx="1428611" cy="124817"/>
+              <a:t> Synaptic Membrane </a:t>
+            </a:r>
+            <a:r>
+              <a:rPr sz="1300" noProof="1">
+                <a:solidFill>
+                  <a:srgbClr val="333333">
+                    <a:alpha val="100000"/>
+                  </a:srgbClr>
+                </a:solidFill>
+                <a:latin typeface="Graphik Web" panose="020B0503030202060203" pitchFamily="34" charset="77"/>
+                <a:cs typeface="Utopia"/>
+              </a:rPr>
+              <a:t>C5</a:t>
+            </a:r>
+          </a:p>
+        </p:txBody>
+      </p:sp>
+      <p:sp>
+        <p:nvSpPr>
+          <p:cNvPr id="101" name="tx101"/>
+          <p:cNvSpPr/>
+          <p:nvPr/>
+        </p:nvSpPr>
+        <p:spPr>
+          <a:xfrm>
+            <a:off x="6242938" y="10166708"/>
+            <a:ext cx="1189216" cy="162321"/>
           </a:xfrm>
           <a:prstGeom prst="rect">
             <a:avLst/>
@@ -7313,30 +6752,28 @@
               </a:spcAft>
             </a:pPr>
             <a:r>
-              <a:rPr sz="1300" noProof="1">
+              <a:rPr lang="en-AU" sz="1300" b="1" noProof="1">
                 <a:solidFill>
                   <a:srgbClr val="333333">
                     <a:alpha val="100000"/>
                   </a:srgbClr>
                 </a:solidFill>
-                <a:latin typeface="Helvetica Neue" panose="02000503000000020004" pitchFamily="2" charset="0"/>
-                <a:ea typeface="Helvetica Neue" panose="02000503000000020004" pitchFamily="2" charset="0"/>
-                <a:cs typeface="Helvetica Neue" panose="02000503000000020004" pitchFamily="2" charset="0"/>
+                <a:latin typeface="Graphik Web" panose="020B0503030202060203" pitchFamily="34" charset="77"/>
+                <a:cs typeface="Utopia"/>
               </a:rPr>
-              <a:t>Predicted </a:t>
-            </a:r>
-            <a:r>
-              <a:rPr lang="en-AU" sz="1300" noProof="1">
+              <a:t>KEGG</a:t>
+            </a:r>
+            <a:r>
+              <a:rPr sz="1300" b="1" noProof="1">
                 <a:solidFill>
                   <a:srgbClr val="333333">
                     <a:alpha val="100000"/>
                   </a:srgbClr>
                 </a:solidFill>
-                <a:latin typeface="Helvetica Neue" panose="02000503000000020004" pitchFamily="2" charset="0"/>
-                <a:ea typeface="Helvetica Neue" panose="02000503000000020004" pitchFamily="2" charset="0"/>
-                <a:cs typeface="Helvetica Neue" panose="02000503000000020004" pitchFamily="2" charset="0"/>
+                <a:latin typeface="Graphik Web" panose="020B0503030202060203" pitchFamily="34" charset="77"/>
+                <a:cs typeface="Utopia"/>
               </a:rPr>
-              <a:t>IRE</a:t>
+              <a:t> Glioma </a:t>
             </a:r>
             <a:r>
               <a:rPr sz="1300" noProof="1">
@@ -7345,48 +6782,24 @@
                     <a:alpha val="100000"/>
                   </a:srgbClr>
                 </a:solidFill>
-                <a:latin typeface="Helvetica Neue" panose="02000503000000020004" pitchFamily="2" charset="0"/>
-                <a:ea typeface="Helvetica Neue" panose="02000503000000020004" pitchFamily="2" charset="0"/>
-                <a:cs typeface="Helvetica Neue" panose="02000503000000020004" pitchFamily="2" charset="0"/>
+                <a:latin typeface="Graphik Web" panose="020B0503030202060203" pitchFamily="34" charset="77"/>
+                <a:cs typeface="Utopia"/>
               </a:rPr>
-              <a:t> </a:t>
-            </a:r>
-            <a:r>
-              <a:rPr lang="en-AU" sz="1300" noProof="1">
-                <a:solidFill>
-                  <a:srgbClr val="333333">
-                    <a:alpha val="100000"/>
-                  </a:srgbClr>
-                </a:solidFill>
-                <a:latin typeface="Helvetica Neue" panose="02000503000000020004" pitchFamily="2" charset="0"/>
-                <a:ea typeface="Helvetica Neue" panose="02000503000000020004" pitchFamily="2" charset="0"/>
-                <a:cs typeface="Helvetica Neue" panose="02000503000000020004" pitchFamily="2" charset="0"/>
-              </a:rPr>
-              <a:t>Genes</a:t>
-            </a:r>
-            <a:endParaRPr sz="1300" noProof="1">
-              <a:solidFill>
-                <a:srgbClr val="333333">
-                  <a:alpha val="100000"/>
-                </a:srgbClr>
-              </a:solidFill>
-              <a:latin typeface="Helvetica Neue" panose="02000503000000020004" pitchFamily="2" charset="0"/>
-              <a:ea typeface="Helvetica Neue" panose="02000503000000020004" pitchFamily="2" charset="0"/>
-              <a:cs typeface="Helvetica Neue" panose="02000503000000020004" pitchFamily="2" charset="0"/>
-            </a:endParaRPr>
-          </a:p>
-        </p:txBody>
-      </p:sp>
-      <p:sp>
-        <p:nvSpPr>
-          <p:cNvPr id="97" name="tx97"/>
-          <p:cNvSpPr/>
-          <p:nvPr/>
-        </p:nvSpPr>
-        <p:spPr>
-          <a:xfrm>
-            <a:off x="6100009" y="14235552"/>
-            <a:ext cx="1372312" cy="157956"/>
+              <a:t>C2</a:t>
+            </a:r>
+          </a:p>
+        </p:txBody>
+      </p:sp>
+      <p:sp>
+        <p:nvSpPr>
+          <p:cNvPr id="102" name="tx102"/>
+          <p:cNvSpPr/>
+          <p:nvPr/>
+        </p:nvSpPr>
+        <p:spPr>
+          <a:xfrm>
+            <a:off x="5384214" y="9574999"/>
+            <a:ext cx="1596023" cy="124817"/>
           </a:xfrm>
           <a:prstGeom prst="rect">
             <a:avLst/>
@@ -7409,57 +6822,75 @@
               </a:spcAft>
             </a:pPr>
             <a:r>
-              <a:rPr sz="1300" b="1" noProof="1">
+              <a:rPr lang="en-AU" sz="1300" b="1" noProof="1">
                 <a:solidFill>
                   <a:srgbClr val="333333">
                     <a:alpha val="100000"/>
                   </a:srgbClr>
                 </a:solidFill>
-                <a:latin typeface="Helvetica Neue" panose="02000503000000020004" pitchFamily="2" charset="0"/>
-                <a:ea typeface="Helvetica Neue" panose="02000503000000020004" pitchFamily="2" charset="0"/>
-                <a:cs typeface="Helvetica Neue" panose="02000503000000020004" pitchFamily="2" charset="0"/>
+                <a:latin typeface="Graphik Web" panose="020B0503030202060203" pitchFamily="34" charset="77"/>
+                <a:cs typeface="Utopia"/>
               </a:rPr>
-              <a:t>Ctactag Mir325 </a:t>
-            </a:r>
-            <a:r>
-              <a:rPr lang="en-AU" sz="1300" noProof="1">
+              <a:t>PID</a:t>
+            </a:r>
+            <a:r>
+              <a:rPr sz="1300" b="1" noProof="1">
                 <a:solidFill>
                   <a:srgbClr val="333333">
                     <a:alpha val="100000"/>
                   </a:srgbClr>
                 </a:solidFill>
-                <a:latin typeface="Helvetica Neue" panose="02000503000000020004" pitchFamily="2" charset="0"/>
-                <a:ea typeface="Helvetica Neue" panose="02000503000000020004" pitchFamily="2" charset="0"/>
-                <a:cs typeface="Helvetica Neue" panose="02000503000000020004" pitchFamily="2" charset="0"/>
+                <a:latin typeface="Graphik Web" panose="020B0503030202060203" pitchFamily="34" charset="77"/>
+                <a:cs typeface="Utopia"/>
               </a:rPr>
-              <a:t>- </a:t>
-            </a:r>
-            <a:r>
-              <a:rPr sz="1300" noProof="1">
+              <a:t> Beta Catenin Nuc</a:t>
+            </a:r>
+            <a:r>
+              <a:rPr lang="en-AU" sz="1300" b="1" noProof="1">
                 <a:solidFill>
                   <a:srgbClr val="333333">
                     <a:alpha val="100000"/>
                   </a:srgbClr>
                 </a:solidFill>
-                <a:latin typeface="Helvetica Neue" panose="02000503000000020004" pitchFamily="2" charset="0"/>
-                <a:ea typeface="Helvetica Neue" panose="02000503000000020004" pitchFamily="2" charset="0"/>
-                <a:cs typeface="Helvetica Neue" panose="02000503000000020004" pitchFamily="2" charset="0"/>
+                <a:latin typeface="Graphik Web" panose="020B0503030202060203" pitchFamily="34" charset="77"/>
+                <a:cs typeface="Utopia"/>
               </a:rPr>
-              <a:t>C3</a:t>
-            </a:r>
-          </a:p>
-        </p:txBody>
-      </p:sp>
-      <p:sp>
-        <p:nvSpPr>
-          <p:cNvPr id="98" name="tx98"/>
-          <p:cNvSpPr/>
-          <p:nvPr/>
-        </p:nvSpPr>
-        <p:spPr>
-          <a:xfrm>
-            <a:off x="5582916" y="13566601"/>
-            <a:ext cx="1889406" cy="155971"/>
+              <a:t> Pathway </a:t>
+            </a:r>
+            <a:r>
+              <a:rPr lang="en-AU" sz="1300" noProof="1">
+                <a:solidFill>
+                  <a:srgbClr val="333333">
+                    <a:alpha val="100000"/>
+                  </a:srgbClr>
+                </a:solidFill>
+                <a:latin typeface="Graphik Web" panose="020B0503030202060203" pitchFamily="34" charset="77"/>
+                <a:cs typeface="Utopia"/>
+              </a:rPr>
+              <a:t>C2</a:t>
+            </a:r>
+            <a:endParaRPr sz="1300" noProof="1">
+              <a:solidFill>
+                <a:srgbClr val="333333">
+                  <a:alpha val="100000"/>
+                </a:srgbClr>
+              </a:solidFill>
+              <a:latin typeface="Graphik Web" panose="020B0503030202060203" pitchFamily="34" charset="77"/>
+              <a:cs typeface="Utopia"/>
+            </a:endParaRPr>
+          </a:p>
+        </p:txBody>
+      </p:sp>
+      <p:sp>
+        <p:nvSpPr>
+          <p:cNvPr id="104" name="tx104"/>
+          <p:cNvSpPr/>
+          <p:nvPr/>
+        </p:nvSpPr>
+        <p:spPr>
+          <a:xfrm>
+            <a:off x="5857715" y="8865606"/>
+            <a:ext cx="1632628" cy="178291"/>
           </a:xfrm>
           <a:prstGeom prst="rect">
             <a:avLst/>
@@ -7482,83 +6913,54 @@
               </a:spcAft>
             </a:pPr>
             <a:r>
-              <a:rPr sz="1300" b="1" noProof="1">
+              <a:rPr lang="en-AU" sz="1300" b="1" noProof="1">
                 <a:solidFill>
                   <a:srgbClr val="333333">
                     <a:alpha val="100000"/>
                   </a:srgbClr>
                 </a:solidFill>
-                <a:latin typeface="Helvetica Neue" panose="02000503000000020004" pitchFamily="2" charset="0"/>
-                <a:ea typeface="Helvetica Neue" panose="02000503000000020004" pitchFamily="2" charset="0"/>
-                <a:cs typeface="Helvetica Neue" panose="02000503000000020004" pitchFamily="2" charset="0"/>
+                <a:latin typeface="Graphik Web" panose="020B0503030202060203" pitchFamily="34" charset="77"/>
+                <a:cs typeface="Utopia"/>
               </a:rPr>
-              <a:t>Dacosta U</a:t>
-            </a:r>
-            <a:r>
-              <a:rPr lang="en-AU" sz="1300" b="1" noProof="1">
+              <a:t>TGANTCA</a:t>
+            </a:r>
+            <a:r>
+              <a:rPr sz="1300" b="1" noProof="1">
                 <a:solidFill>
                   <a:srgbClr val="333333">
                     <a:alpha val="100000"/>
                   </a:srgbClr>
                 </a:solidFill>
-                <a:latin typeface="Helvetica Neue" panose="02000503000000020004" pitchFamily="2" charset="0"/>
-                <a:ea typeface="Helvetica Neue" panose="02000503000000020004" pitchFamily="2" charset="0"/>
-                <a:cs typeface="Helvetica Neue" panose="02000503000000020004" pitchFamily="2" charset="0"/>
+                <a:latin typeface="Graphik Web" panose="020B0503030202060203" pitchFamily="34" charset="77"/>
+                <a:cs typeface="Utopia"/>
               </a:rPr>
-              <a:t>V</a:t>
-            </a:r>
-            <a:r>
-              <a:rPr sz="1300" b="1" noProof="1">
+              <a:t> Ap1 C </a:t>
+            </a:r>
+            <a:r>
+              <a:rPr sz="1300" noProof="1">
                 <a:solidFill>
                   <a:srgbClr val="333333">
                     <a:alpha val="100000"/>
                   </a:srgbClr>
                 </a:solidFill>
-                <a:latin typeface="Helvetica Neue" panose="02000503000000020004" pitchFamily="2" charset="0"/>
-                <a:ea typeface="Helvetica Neue" panose="02000503000000020004" pitchFamily="2" charset="0"/>
-                <a:cs typeface="Helvetica Neue" panose="02000503000000020004" pitchFamily="2" charset="0"/>
+                <a:latin typeface="Graphik Web" panose="020B0503030202060203" pitchFamily="34" charset="77"/>
+                <a:cs typeface="Utopia"/>
               </a:rPr>
-              <a:t> Response </a:t>
-            </a:r>
-            <a:r>
-              <a:rPr lang="en-AU" sz="1300" b="1" noProof="1">
-                <a:solidFill>
-                  <a:srgbClr val="333333">
-                    <a:alpha val="100000"/>
-                  </a:srgbClr>
-                </a:solidFill>
-                <a:latin typeface="Helvetica Neue" panose="02000503000000020004" pitchFamily="2" charset="0"/>
-                <a:ea typeface="Helvetica Neue" panose="02000503000000020004" pitchFamily="2" charset="0"/>
-                <a:cs typeface="Helvetica Neue" panose="02000503000000020004" pitchFamily="2" charset="0"/>
-              </a:rPr>
-              <a:t>v</a:t>
-            </a:r>
-            <a:r>
-              <a:rPr sz="1300" b="1" noProof="1">
-                <a:solidFill>
-                  <a:srgbClr val="333333">
-                    <a:alpha val="100000"/>
-                  </a:srgbClr>
-                </a:solidFill>
-                <a:latin typeface="Helvetica Neue" panose="02000503000000020004" pitchFamily="2" charset="0"/>
-                <a:ea typeface="Helvetica Neue" panose="02000503000000020004" pitchFamily="2" charset="0"/>
-                <a:cs typeface="Helvetica Neue" panose="02000503000000020004" pitchFamily="2" charset="0"/>
-              </a:rPr>
-              <a:t>ia</a:t>
-            </a:r>
-          </a:p>
-        </p:txBody>
-      </p:sp>
-      <p:sp>
-        <p:nvSpPr>
-          <p:cNvPr id="99" name="tx99"/>
-          <p:cNvSpPr/>
-          <p:nvPr/>
-        </p:nvSpPr>
-        <p:spPr>
-          <a:xfrm>
-            <a:off x="6551228" y="13781818"/>
-            <a:ext cx="921093" cy="119062"/>
+              <a:t>C3</a:t>
+            </a:r>
+          </a:p>
+        </p:txBody>
+      </p:sp>
+      <p:sp>
+        <p:nvSpPr>
+          <p:cNvPr id="105" name="tx105"/>
+          <p:cNvSpPr/>
+          <p:nvPr/>
+        </p:nvSpPr>
+        <p:spPr>
+          <a:xfrm>
+            <a:off x="5635296" y="8210421"/>
+            <a:ext cx="1971503" cy="168076"/>
           </a:xfrm>
           <a:prstGeom prst="rect">
             <a:avLst/>
@@ -7581,30 +6983,28 @@
               </a:spcAft>
             </a:pPr>
             <a:r>
-              <a:rPr sz="1300" b="1" noProof="1">
+              <a:rPr lang="en-AU" sz="1300" b="1" noProof="1">
                 <a:solidFill>
                   <a:srgbClr val="333333">
                     <a:alpha val="100000"/>
                   </a:srgbClr>
                 </a:solidFill>
-                <a:latin typeface="Helvetica Neue" panose="02000503000000020004" pitchFamily="2" charset="0"/>
-                <a:ea typeface="Helvetica Neue" panose="02000503000000020004" pitchFamily="2" charset="0"/>
-                <a:cs typeface="Helvetica Neue" panose="02000503000000020004" pitchFamily="2" charset="0"/>
+                <a:latin typeface="Graphik Web" panose="020B0503030202060203" pitchFamily="34" charset="77"/>
+                <a:cs typeface="Utopia"/>
               </a:rPr>
-              <a:t>Ercc3 Dn </a:t>
-            </a:r>
-            <a:r>
-              <a:rPr lang="en-AU" sz="1300" b="1" noProof="1">
+              <a:t>TGGAAA</a:t>
+            </a:r>
+            <a:r>
+              <a:rPr sz="1300" b="1" noProof="1">
                 <a:solidFill>
                   <a:srgbClr val="333333">
                     <a:alpha val="100000"/>
                   </a:srgbClr>
                 </a:solidFill>
-                <a:latin typeface="Helvetica Neue" panose="02000503000000020004" pitchFamily="2" charset="0"/>
-                <a:ea typeface="Helvetica Neue" panose="02000503000000020004" pitchFamily="2" charset="0"/>
-                <a:cs typeface="Helvetica Neue" panose="02000503000000020004" pitchFamily="2" charset="0"/>
+                <a:latin typeface="Graphik Web" panose="020B0503030202060203" pitchFamily="34" charset="77"/>
+                <a:cs typeface="Utopia"/>
               </a:rPr>
-              <a:t>- </a:t>
+              <a:t> Nfat Q4 01 </a:t>
             </a:r>
             <a:r>
               <a:rPr sz="1300" noProof="1">
@@ -7613,25 +7013,24 @@
                     <a:alpha val="100000"/>
                   </a:srgbClr>
                 </a:solidFill>
-                <a:latin typeface="Helvetica Neue" panose="02000503000000020004" pitchFamily="2" charset="0"/>
-                <a:ea typeface="Helvetica Neue" panose="02000503000000020004" pitchFamily="2" charset="0"/>
-                <a:cs typeface="Helvetica Neue" panose="02000503000000020004" pitchFamily="2" charset="0"/>
+                <a:latin typeface="Graphik Web" panose="020B0503030202060203" pitchFamily="34" charset="77"/>
+                <a:cs typeface="Utopia"/>
               </a:rPr>
-              <a:t>C2</a:t>
-            </a:r>
-          </a:p>
-        </p:txBody>
-      </p:sp>
-      <p:sp>
-        <p:nvSpPr>
-          <p:cNvPr id="100" name="tx100"/>
-          <p:cNvSpPr/>
-          <p:nvPr/>
-        </p:nvSpPr>
-        <p:spPr>
-          <a:xfrm>
-            <a:off x="5801013" y="12978469"/>
-            <a:ext cx="1671309" cy="162321"/>
+              <a:t>C3</a:t>
+            </a:r>
+          </a:p>
+        </p:txBody>
+      </p:sp>
+      <p:sp>
+        <p:nvSpPr>
+          <p:cNvPr id="106" name="tx106"/>
+          <p:cNvSpPr/>
+          <p:nvPr/>
+        </p:nvSpPr>
+        <p:spPr>
+          <a:xfrm>
+            <a:off x="4830129" y="7597685"/>
+            <a:ext cx="2607762" cy="194317"/>
           </a:xfrm>
           <a:prstGeom prst="rect">
             <a:avLst/>
@@ -7654,57 +7053,75 @@
               </a:spcAft>
             </a:pPr>
             <a:r>
-              <a:rPr sz="1300" b="1" noProof="1">
+              <a:rPr lang="en-AU" sz="1300" b="1" noProof="1">
                 <a:solidFill>
                   <a:srgbClr val="333333">
                     <a:alpha val="100000"/>
                   </a:srgbClr>
                 </a:solidFill>
-                <a:latin typeface="Helvetica Neue" panose="02000503000000020004" pitchFamily="2" charset="0"/>
-                <a:ea typeface="Helvetica Neue" panose="02000503000000020004" pitchFamily="2" charset="0"/>
-                <a:cs typeface="Helvetica Neue" panose="02000503000000020004" pitchFamily="2" charset="0"/>
+                <a:latin typeface="Graphik Web" panose="020B0503030202060203" pitchFamily="34" charset="77"/>
+                <a:cs typeface="Utopia"/>
               </a:rPr>
-              <a:t>G</a:t>
-            </a:r>
-            <a:r>
-              <a:rPr lang="en-AU" sz="1300" b="1" noProof="1">
+              <a:t>TGGNNNNNNKCCAR</a:t>
+            </a:r>
+            <a:r>
+              <a:rPr sz="1300" b="1" noProof="1">
                 <a:solidFill>
                   <a:srgbClr val="333333">
                     <a:alpha val="100000"/>
                   </a:srgbClr>
                 </a:solidFill>
-                <a:latin typeface="Helvetica Neue" panose="02000503000000020004" pitchFamily="2" charset="0"/>
-                <a:ea typeface="Helvetica Neue" panose="02000503000000020004" pitchFamily="2" charset="0"/>
-                <a:cs typeface="Helvetica Neue" panose="02000503000000020004" pitchFamily="2" charset="0"/>
+                <a:latin typeface="Graphik Web" panose="020B0503030202060203" pitchFamily="34" charset="77"/>
+                <a:cs typeface="Utopia"/>
               </a:rPr>
-              <a:t>O</a:t>
-            </a:r>
-            <a:r>
-              <a:rPr sz="1300" b="1" noProof="1">
+              <a:t> Unknown</a:t>
+            </a:r>
+            <a:r>
+              <a:rPr lang="en-AU" sz="1300" b="1" noProof="1">
                 <a:solidFill>
                   <a:srgbClr val="333333">
                     <a:alpha val="100000"/>
                   </a:srgbClr>
                 </a:solidFill>
-                <a:latin typeface="Helvetica Neue" panose="02000503000000020004" pitchFamily="2" charset="0"/>
-                <a:ea typeface="Helvetica Neue" panose="02000503000000020004" pitchFamily="2" charset="0"/>
-                <a:cs typeface="Helvetica Neue" panose="02000503000000020004" pitchFamily="2" charset="0"/>
+                <a:latin typeface="Graphik Web" panose="020B0503030202060203" pitchFamily="34" charset="77"/>
+                <a:cs typeface="Utopia"/>
               </a:rPr>
-              <a:t> Intracellular Signal</a:t>
-            </a:r>
-          </a:p>
-        </p:txBody>
-      </p:sp>
-      <p:sp>
-        <p:nvSpPr>
-          <p:cNvPr id="101" name="tx101"/>
-          <p:cNvSpPr/>
-          <p:nvPr/>
-        </p:nvSpPr>
-        <p:spPr>
-          <a:xfrm>
-            <a:off x="6224495" y="13194281"/>
-            <a:ext cx="1247827" cy="124817"/>
+              <a:t> </a:t>
+            </a:r>
+            <a:r>
+              <a:rPr lang="en-AU" sz="1300" noProof="1">
+                <a:solidFill>
+                  <a:srgbClr val="333333">
+                    <a:alpha val="100000"/>
+                  </a:srgbClr>
+                </a:solidFill>
+                <a:latin typeface="Graphik Web" panose="020B0503030202060203" pitchFamily="34" charset="77"/>
+                <a:cs typeface="Utopia"/>
+              </a:rPr>
+              <a:t>C3</a:t>
+            </a:r>
+            <a:endParaRPr sz="1300" noProof="1">
+              <a:solidFill>
+                <a:srgbClr val="333333">
+                  <a:alpha val="100000"/>
+                </a:srgbClr>
+              </a:solidFill>
+              <a:latin typeface="Graphik Web" panose="020B0503030202060203" pitchFamily="34" charset="77"/>
+              <a:cs typeface="Utopia"/>
+            </a:endParaRPr>
+          </a:p>
+        </p:txBody>
+      </p:sp>
+      <p:sp>
+        <p:nvSpPr>
+          <p:cNvPr id="108" name="tx108"/>
+          <p:cNvSpPr/>
+          <p:nvPr/>
+        </p:nvSpPr>
+        <p:spPr>
+          <a:xfrm>
+            <a:off x="5441587" y="6940223"/>
+            <a:ext cx="1920775" cy="162321"/>
           </a:xfrm>
           <a:prstGeom prst="rect">
             <a:avLst/>
@@ -7727,17 +7144,16 @@
               </a:spcAft>
             </a:pPr>
             <a:r>
-              <a:rPr sz="1300" b="1" noProof="1">
+              <a:rPr lang="en-AU" sz="1300" b="1" noProof="1">
                 <a:solidFill>
                   <a:srgbClr val="333333">
                     <a:alpha val="100000"/>
                   </a:srgbClr>
                 </a:solidFill>
-                <a:latin typeface="Helvetica Neue" panose="02000503000000020004" pitchFamily="2" charset="0"/>
-                <a:ea typeface="Helvetica Neue" panose="02000503000000020004" pitchFamily="2" charset="0"/>
-                <a:cs typeface="Helvetica Neue" panose="02000503000000020004" pitchFamily="2" charset="0"/>
+                <a:latin typeface="Graphik Web" panose="020B0503030202060203" pitchFamily="34" charset="77"/>
+                <a:cs typeface="Utopia"/>
               </a:rPr>
-              <a:t>Transduction</a:t>
+              <a:t>TNCATNTCCYR</a:t>
             </a:r>
             <a:r>
               <a:rPr sz="1300" noProof="1">
@@ -7746,24 +7162,22 @@
                     <a:alpha val="100000"/>
                   </a:srgbClr>
                 </a:solidFill>
-                <a:latin typeface="Helvetica Neue" panose="02000503000000020004" pitchFamily="2" charset="0"/>
-                <a:ea typeface="Helvetica Neue" panose="02000503000000020004" pitchFamily="2" charset="0"/>
-                <a:cs typeface="Helvetica Neue" panose="02000503000000020004" pitchFamily="2" charset="0"/>
+                <a:latin typeface="Graphik Web" panose="020B0503030202060203" pitchFamily="34" charset="77"/>
+                <a:cs typeface="Utopia"/>
               </a:rPr>
               <a:t> </a:t>
             </a:r>
             <a:r>
-              <a:rPr lang="en-AU" sz="1300" noProof="1">
+              <a:rPr sz="1300" b="1" noProof="1">
                 <a:solidFill>
                   <a:srgbClr val="333333">
                     <a:alpha val="100000"/>
                   </a:srgbClr>
                 </a:solidFill>
-                <a:latin typeface="Helvetica Neue" panose="02000503000000020004" pitchFamily="2" charset="0"/>
-                <a:ea typeface="Helvetica Neue" panose="02000503000000020004" pitchFamily="2" charset="0"/>
-                <a:cs typeface="Helvetica Neue" panose="02000503000000020004" pitchFamily="2" charset="0"/>
+                <a:latin typeface="Graphik Web" panose="020B0503030202060203" pitchFamily="34" charset="77"/>
+                <a:cs typeface="Utopia"/>
               </a:rPr>
-              <a:t>- </a:t>
+              <a:t>Unknown</a:t>
             </a:r>
             <a:r>
               <a:rPr sz="1300" noProof="1">
@@ -7772,25 +7186,24 @@
                     <a:alpha val="100000"/>
                   </a:srgbClr>
                 </a:solidFill>
-                <a:latin typeface="Helvetica Neue" panose="02000503000000020004" pitchFamily="2" charset="0"/>
-                <a:ea typeface="Helvetica Neue" panose="02000503000000020004" pitchFamily="2" charset="0"/>
-                <a:cs typeface="Helvetica Neue" panose="02000503000000020004" pitchFamily="2" charset="0"/>
+                <a:latin typeface="Graphik Web" panose="020B0503030202060203" pitchFamily="34" charset="77"/>
+                <a:cs typeface="Utopia"/>
               </a:rPr>
-              <a:t>C5</a:t>
-            </a:r>
-          </a:p>
-        </p:txBody>
-      </p:sp>
-      <p:sp>
-        <p:nvSpPr>
-          <p:cNvPr id="102" name="tx102"/>
-          <p:cNvSpPr/>
-          <p:nvPr/>
-        </p:nvSpPr>
-        <p:spPr>
-          <a:xfrm>
-            <a:off x="5782522" y="12312824"/>
-            <a:ext cx="1689799" cy="162321"/>
+              <a:t> C3</a:t>
+            </a:r>
+          </a:p>
+        </p:txBody>
+      </p:sp>
+      <p:sp>
+        <p:nvSpPr>
+          <p:cNvPr id="109" name="tx109"/>
+          <p:cNvSpPr/>
+          <p:nvPr/>
+        </p:nvSpPr>
+        <p:spPr>
+          <a:xfrm>
+            <a:off x="5578528" y="6287953"/>
+            <a:ext cx="1774496" cy="162321"/>
           </a:xfrm>
           <a:prstGeom prst="rect">
             <a:avLst/>
@@ -7813,57 +7226,54 @@
               </a:spcAft>
             </a:pPr>
             <a:r>
-              <a:rPr sz="1300" b="1" noProof="1">
+              <a:rPr lang="en-AU" sz="1300" b="1" noProof="1">
                 <a:solidFill>
                   <a:srgbClr val="333333">
                     <a:alpha val="100000"/>
                   </a:srgbClr>
                 </a:solidFill>
-                <a:latin typeface="Helvetica Neue" panose="02000503000000020004" pitchFamily="2" charset="0"/>
-                <a:ea typeface="Helvetica Neue" panose="02000503000000020004" pitchFamily="2" charset="0"/>
-                <a:cs typeface="Helvetica Neue" panose="02000503000000020004" pitchFamily="2" charset="0"/>
+                <a:latin typeface="Graphik Web" panose="020B0503030202060203" pitchFamily="34" charset="77"/>
+                <a:cs typeface="Utopia"/>
               </a:rPr>
-              <a:t>G</a:t>
-            </a:r>
-            <a:r>
-              <a:rPr lang="en-AU" sz="1300" b="1" noProof="1">
+              <a:t>TTGCWCAAY</a:t>
+            </a:r>
+            <a:r>
+              <a:rPr sz="1300" b="1" noProof="1">
                 <a:solidFill>
                   <a:srgbClr val="333333">
                     <a:alpha val="100000"/>
                   </a:srgbClr>
                 </a:solidFill>
-                <a:latin typeface="Helvetica Neue" panose="02000503000000020004" pitchFamily="2" charset="0"/>
-                <a:ea typeface="Helvetica Neue" panose="02000503000000020004" pitchFamily="2" charset="0"/>
-                <a:cs typeface="Helvetica Neue" panose="02000503000000020004" pitchFamily="2" charset="0"/>
+                <a:latin typeface="Graphik Web" panose="020B0503030202060203" pitchFamily="34" charset="77"/>
+                <a:cs typeface="Utopia"/>
               </a:rPr>
-              <a:t>O</a:t>
-            </a:r>
-            <a:r>
-              <a:rPr sz="1300" b="1" noProof="1">
+              <a:t> Cebpb </a:t>
+            </a:r>
+            <a:r>
+              <a:rPr sz="1300" noProof="1">
                 <a:solidFill>
                   <a:srgbClr val="333333">
                     <a:alpha val="100000"/>
                   </a:srgbClr>
                 </a:solidFill>
-                <a:latin typeface="Helvetica Neue" panose="02000503000000020004" pitchFamily="2" charset="0"/>
-                <a:ea typeface="Helvetica Neue" panose="02000503000000020004" pitchFamily="2" charset="0"/>
-                <a:cs typeface="Helvetica Neue" panose="02000503000000020004" pitchFamily="2" charset="0"/>
+                <a:latin typeface="Graphik Web" panose="020B0503030202060203" pitchFamily="34" charset="77"/>
+                <a:cs typeface="Utopia"/>
               </a:rPr>
-              <a:t> Positive Regulation</a:t>
-            </a:r>
-          </a:p>
-        </p:txBody>
-      </p:sp>
-      <p:sp>
-        <p:nvSpPr>
-          <p:cNvPr id="103" name="tx103"/>
-          <p:cNvSpPr/>
-          <p:nvPr/>
-        </p:nvSpPr>
-        <p:spPr>
-          <a:xfrm>
-            <a:off x="5578387" y="12528638"/>
-            <a:ext cx="1782850" cy="124816"/>
+              <a:t>02 C3</a:t>
+            </a:r>
+          </a:p>
+        </p:txBody>
+      </p:sp>
+      <p:sp>
+        <p:nvSpPr>
+          <p:cNvPr id="110" name="tx110"/>
+          <p:cNvSpPr/>
+          <p:nvPr/>
+        </p:nvSpPr>
+        <p:spPr>
+          <a:xfrm>
+            <a:off x="5803276" y="5641361"/>
+            <a:ext cx="1634161" cy="162321"/>
           </a:xfrm>
           <a:prstGeom prst="rect">
             <a:avLst/>
@@ -7892,11 +7302,10 @@
                     <a:alpha val="100000"/>
                   </a:srgbClr>
                 </a:solidFill>
-                <a:latin typeface="Helvetica Neue" panose="02000503000000020004" pitchFamily="2" charset="0"/>
-                <a:ea typeface="Helvetica Neue" panose="02000503000000020004" pitchFamily="2" charset="0"/>
-                <a:cs typeface="Helvetica Neue" panose="02000503000000020004" pitchFamily="2" charset="0"/>
+                <a:latin typeface="Graphik Web" panose="020B0503030202060203" pitchFamily="34" charset="77"/>
+                <a:cs typeface="Utopia"/>
               </a:rPr>
-              <a:t>o</a:t>
+              <a:t>WTGAAAT</a:t>
             </a:r>
             <a:r>
               <a:rPr sz="1300" b="1" noProof="1">
@@ -7905,48 +7314,36 @@
                     <a:alpha val="100000"/>
                   </a:srgbClr>
                 </a:solidFill>
-                <a:latin typeface="Helvetica Neue" panose="02000503000000020004" pitchFamily="2" charset="0"/>
-                <a:ea typeface="Helvetica Neue" panose="02000503000000020004" pitchFamily="2" charset="0"/>
-                <a:cs typeface="Helvetica Neue" panose="02000503000000020004" pitchFamily="2" charset="0"/>
+                <a:latin typeface="Graphik Web" panose="020B0503030202060203" pitchFamily="34" charset="77"/>
+                <a:cs typeface="Utopia"/>
               </a:rPr>
-              <a:t>f Blood Vessel</a:t>
-            </a:r>
-            <a:r>
-              <a:rPr lang="en-AU" sz="1300" b="1" noProof="1">
+              <a:t> Unknown </a:t>
+            </a:r>
+            <a:r>
+              <a:rPr sz="1300" noProof="1">
                 <a:solidFill>
                   <a:srgbClr val="333333">
                     <a:alpha val="100000"/>
                   </a:srgbClr>
                 </a:solidFill>
-                <a:latin typeface="Helvetica Neue" panose="02000503000000020004" pitchFamily="2" charset="0"/>
-                <a:ea typeface="Helvetica Neue" panose="02000503000000020004" pitchFamily="2" charset="0"/>
-                <a:cs typeface="Helvetica Neue" panose="02000503000000020004" pitchFamily="2" charset="0"/>
+                <a:latin typeface="Graphik Web" panose="020B0503030202060203" pitchFamily="34" charset="77"/>
+                <a:cs typeface="Utopia"/>
               </a:rPr>
-              <a:t> Endothelial</a:t>
-            </a:r>
-            <a:endParaRPr sz="1300" b="1" noProof="1">
-              <a:solidFill>
-                <a:srgbClr val="333333">
-                  <a:alpha val="100000"/>
-                </a:srgbClr>
-              </a:solidFill>
-              <a:latin typeface="Helvetica Neue" panose="02000503000000020004" pitchFamily="2" charset="0"/>
-              <a:ea typeface="Helvetica Neue" panose="02000503000000020004" pitchFamily="2" charset="0"/>
-              <a:cs typeface="Helvetica Neue" panose="02000503000000020004" pitchFamily="2" charset="0"/>
-            </a:endParaRPr>
-          </a:p>
-        </p:txBody>
-      </p:sp>
-      <p:sp>
-        <p:nvSpPr>
-          <p:cNvPr id="104" name="tx104"/>
-          <p:cNvSpPr/>
-          <p:nvPr/>
-        </p:nvSpPr>
-        <p:spPr>
-          <a:xfrm>
-            <a:off x="6142037" y="12706945"/>
-            <a:ext cx="1191692" cy="124817"/>
+              <a:t>C3</a:t>
+            </a:r>
+          </a:p>
+        </p:txBody>
+      </p:sp>
+      <p:sp>
+        <p:nvSpPr>
+          <p:cNvPr id="111" name="tx111"/>
+          <p:cNvSpPr/>
+          <p:nvPr/>
+        </p:nvSpPr>
+        <p:spPr>
+          <a:xfrm>
+            <a:off x="5294399" y="4976814"/>
+            <a:ext cx="2128982" cy="206510"/>
           </a:xfrm>
           <a:prstGeom prst="rect">
             <a:avLst/>
@@ -7969,903 +7366,38 @@
               </a:spcAft>
             </a:pPr>
             <a:r>
-              <a:rPr sz="1300" b="1" noProof="1">
+              <a:rPr lang="en-AU" sz="1300" b="1" noProof="1">
                 <a:solidFill>
                   <a:srgbClr val="333333">
                     <a:alpha val="100000"/>
                   </a:srgbClr>
                 </a:solidFill>
-                <a:latin typeface="Helvetica Neue" panose="02000503000000020004" pitchFamily="2" charset="0"/>
-                <a:ea typeface="Helvetica Neue" panose="02000503000000020004" pitchFamily="2" charset="0"/>
-                <a:cs typeface="Helvetica Neue" panose="02000503000000020004" pitchFamily="2" charset="0"/>
+                <a:latin typeface="Graphik Web" panose="020B0503030202060203" pitchFamily="34" charset="77"/>
+                <a:cs typeface="Utopia"/>
               </a:rPr>
-              <a:t>Cell</a:t>
-            </a:r>
-            <a:r>
-              <a:rPr lang="en-AU" sz="1300" b="1" noProof="1">
+              <a:t>YRTCANNRCGC</a:t>
+            </a:r>
+            <a:r>
+              <a:rPr sz="1300" b="1" noProof="1">
                 <a:solidFill>
                   <a:srgbClr val="333333">
                     <a:alpha val="100000"/>
                   </a:srgbClr>
                 </a:solidFill>
-                <a:latin typeface="Helvetica Neue" panose="02000503000000020004" pitchFamily="2" charset="0"/>
-                <a:ea typeface="Helvetica Neue" panose="02000503000000020004" pitchFamily="2" charset="0"/>
-                <a:cs typeface="Helvetica Neue" panose="02000503000000020004" pitchFamily="2" charset="0"/>
+                <a:latin typeface="Graphik Web" panose="020B0503030202060203" pitchFamily="34" charset="77"/>
+                <a:cs typeface="Utopia"/>
               </a:rPr>
-              <a:t> Migration </a:t>
-            </a:r>
-            <a:r>
-              <a:rPr lang="en-AU" sz="1300" noProof="1">
+              <a:t> Unknown </a:t>
+            </a:r>
+            <a:r>
+              <a:rPr sz="1300" noProof="1">
                 <a:solidFill>
                   <a:srgbClr val="333333">
                     <a:alpha val="100000"/>
                   </a:srgbClr>
                 </a:solidFill>
-                <a:latin typeface="Helvetica Neue" panose="02000503000000020004" pitchFamily="2" charset="0"/>
-                <a:ea typeface="Helvetica Neue" panose="02000503000000020004" pitchFamily="2" charset="0"/>
-                <a:cs typeface="Helvetica Neue" panose="02000503000000020004" pitchFamily="2" charset="0"/>
-              </a:rPr>
-              <a:t>- C5</a:t>
-            </a:r>
-            <a:endParaRPr sz="1300" noProof="1">
-              <a:solidFill>
-                <a:srgbClr val="333333">
-                  <a:alpha val="100000"/>
-                </a:srgbClr>
-              </a:solidFill>
-              <a:latin typeface="Helvetica Neue" panose="02000503000000020004" pitchFamily="2" charset="0"/>
-              <a:ea typeface="Helvetica Neue" panose="02000503000000020004" pitchFamily="2" charset="0"/>
-              <a:cs typeface="Helvetica Neue" panose="02000503000000020004" pitchFamily="2" charset="0"/>
-            </a:endParaRPr>
-          </a:p>
-        </p:txBody>
-      </p:sp>
-      <p:sp>
-        <p:nvSpPr>
-          <p:cNvPr id="106" name="tx106"/>
-          <p:cNvSpPr/>
-          <p:nvPr/>
-        </p:nvSpPr>
-        <p:spPr>
-          <a:xfrm>
-            <a:off x="6264449" y="11764962"/>
-            <a:ext cx="1207872" cy="157956"/>
-          </a:xfrm>
-          <a:prstGeom prst="rect">
-            <a:avLst/>
-          </a:prstGeom>
-          <a:noFill/>
-        </p:spPr>
-        <p:txBody>
-          <a:bodyPr wrap="none" lIns="0" tIns="0" rIns="0" bIns="0" anchor="ctr" anchorCtr="1"/>
-          <a:lstStyle/>
-          <a:p>
-            <a:pPr marL="0" marR="0" indent="0" algn="l">
-              <a:lnSpc>
-                <a:spcPts val="1300"/>
-              </a:lnSpc>
-              <a:spcBef>
-                <a:spcPts val="0"/>
-              </a:spcBef>
-              <a:spcAft>
-                <a:spcPts val="0"/>
-              </a:spcAft>
-            </a:pPr>
-            <a:r>
-              <a:rPr sz="1300" b="1" noProof="1">
-                <a:solidFill>
-                  <a:srgbClr val="333333">
-                    <a:alpha val="100000"/>
-                  </a:srgbClr>
-                </a:solidFill>
-                <a:latin typeface="Helvetica Neue" panose="02000503000000020004" pitchFamily="2" charset="0"/>
-                <a:ea typeface="Helvetica Neue" panose="02000503000000020004" pitchFamily="2" charset="0"/>
-                <a:cs typeface="Helvetica Neue" panose="02000503000000020004" pitchFamily="2" charset="0"/>
-              </a:rPr>
-              <a:t>G</a:t>
-            </a:r>
-            <a:r>
-              <a:rPr lang="en-AU" sz="1300" b="1" noProof="1">
-                <a:solidFill>
-                  <a:srgbClr val="333333">
-                    <a:alpha val="100000"/>
-                  </a:srgbClr>
-                </a:solidFill>
-                <a:latin typeface="Helvetica Neue" panose="02000503000000020004" pitchFamily="2" charset="0"/>
-                <a:ea typeface="Helvetica Neue" panose="02000503000000020004" pitchFamily="2" charset="0"/>
-                <a:cs typeface="Helvetica Neue" panose="02000503000000020004" pitchFamily="2" charset="0"/>
-              </a:rPr>
-              <a:t>O</a:t>
-            </a:r>
-            <a:r>
-              <a:rPr sz="1300" b="1" noProof="1">
-                <a:solidFill>
-                  <a:srgbClr val="333333">
-                    <a:alpha val="100000"/>
-                  </a:srgbClr>
-                </a:solidFill>
-                <a:latin typeface="Helvetica Neue" panose="02000503000000020004" pitchFamily="2" charset="0"/>
-                <a:ea typeface="Helvetica Neue" panose="02000503000000020004" pitchFamily="2" charset="0"/>
-                <a:cs typeface="Helvetica Neue" panose="02000503000000020004" pitchFamily="2" charset="0"/>
-              </a:rPr>
-              <a:t> Postsynaptic</a:t>
-            </a:r>
-          </a:p>
-        </p:txBody>
-      </p:sp>
-      <p:sp>
-        <p:nvSpPr>
-          <p:cNvPr id="107" name="tx107"/>
-          <p:cNvSpPr/>
-          <p:nvPr/>
-        </p:nvSpPr>
-        <p:spPr>
-          <a:xfrm>
-            <a:off x="6405280" y="11976409"/>
-            <a:ext cx="1067042" cy="124817"/>
-          </a:xfrm>
-          <a:prstGeom prst="rect">
-            <a:avLst/>
-          </a:prstGeom>
-          <a:noFill/>
-        </p:spPr>
-        <p:txBody>
-          <a:bodyPr wrap="none" lIns="0" tIns="0" rIns="0" bIns="0" anchor="ctr" anchorCtr="1"/>
-          <a:lstStyle/>
-          <a:p>
-            <a:pPr marL="0" marR="0" indent="0" algn="l">
-              <a:lnSpc>
-                <a:spcPts val="1300"/>
-              </a:lnSpc>
-              <a:spcBef>
-                <a:spcPts val="0"/>
-              </a:spcBef>
-              <a:spcAft>
-                <a:spcPts val="0"/>
-              </a:spcAft>
-            </a:pPr>
-            <a:r>
-              <a:rPr sz="1300" b="1" noProof="1">
-                <a:solidFill>
-                  <a:srgbClr val="333333">
-                    <a:alpha val="100000"/>
-                  </a:srgbClr>
-                </a:solidFill>
-                <a:latin typeface="Helvetica Neue" panose="02000503000000020004" pitchFamily="2" charset="0"/>
-                <a:ea typeface="Helvetica Neue" panose="02000503000000020004" pitchFamily="2" charset="0"/>
-                <a:cs typeface="Helvetica Neue" panose="02000503000000020004" pitchFamily="2" charset="0"/>
-              </a:rPr>
-              <a:t>Membrane</a:t>
-            </a:r>
-            <a:r>
-              <a:rPr lang="en-AU" sz="1300" noProof="1">
-                <a:solidFill>
-                  <a:srgbClr val="333333">
-                    <a:alpha val="100000"/>
-                  </a:srgbClr>
-                </a:solidFill>
-                <a:latin typeface="Helvetica Neue" panose="02000503000000020004" pitchFamily="2" charset="0"/>
-                <a:ea typeface="Helvetica Neue" panose="02000503000000020004" pitchFamily="2" charset="0"/>
-                <a:cs typeface="Helvetica Neue" panose="02000503000000020004" pitchFamily="2" charset="0"/>
-              </a:rPr>
-              <a:t> -</a:t>
-            </a:r>
-            <a:r>
-              <a:rPr sz="1300" noProof="1">
-                <a:solidFill>
-                  <a:srgbClr val="333333">
-                    <a:alpha val="100000"/>
-                  </a:srgbClr>
-                </a:solidFill>
-                <a:latin typeface="Helvetica Neue" panose="02000503000000020004" pitchFamily="2" charset="0"/>
-                <a:ea typeface="Helvetica Neue" panose="02000503000000020004" pitchFamily="2" charset="0"/>
-                <a:cs typeface="Helvetica Neue" panose="02000503000000020004" pitchFamily="2" charset="0"/>
-              </a:rPr>
-              <a:t> C5</a:t>
-            </a:r>
-          </a:p>
-        </p:txBody>
-      </p:sp>
-      <p:sp>
-        <p:nvSpPr>
-          <p:cNvPr id="108" name="tx108"/>
-          <p:cNvSpPr/>
-          <p:nvPr/>
-        </p:nvSpPr>
-        <p:spPr>
-          <a:xfrm>
-            <a:off x="5466025" y="11322277"/>
-            <a:ext cx="2006297" cy="162321"/>
-          </a:xfrm>
-          <a:prstGeom prst="rect">
-            <a:avLst/>
-          </a:prstGeom>
-          <a:noFill/>
-        </p:spPr>
-        <p:txBody>
-          <a:bodyPr wrap="none" lIns="0" tIns="0" rIns="0" bIns="0" anchor="ctr" anchorCtr="1"/>
-          <a:lstStyle/>
-          <a:p>
-            <a:pPr marL="0" marR="0" indent="0" algn="l">
-              <a:lnSpc>
-                <a:spcPts val="1300"/>
-              </a:lnSpc>
-              <a:spcBef>
-                <a:spcPts val="0"/>
-              </a:spcBef>
-              <a:spcAft>
-                <a:spcPts val="0"/>
-              </a:spcAft>
-            </a:pPr>
-            <a:r>
-              <a:rPr sz="1300" b="1" noProof="1">
-                <a:solidFill>
-                  <a:srgbClr val="333333">
-                    <a:alpha val="100000"/>
-                  </a:srgbClr>
-                </a:solidFill>
-                <a:latin typeface="Helvetica Neue" panose="02000503000000020004" pitchFamily="2" charset="0"/>
-                <a:ea typeface="Helvetica Neue" panose="02000503000000020004" pitchFamily="2" charset="0"/>
-                <a:cs typeface="Helvetica Neue" panose="02000503000000020004" pitchFamily="2" charset="0"/>
-              </a:rPr>
-              <a:t>G</a:t>
-            </a:r>
-            <a:r>
-              <a:rPr lang="en-AU" sz="1300" b="1" noProof="1">
-                <a:solidFill>
-                  <a:srgbClr val="333333">
-                    <a:alpha val="100000"/>
-                  </a:srgbClr>
-                </a:solidFill>
-                <a:latin typeface="Helvetica Neue" panose="02000503000000020004" pitchFamily="2" charset="0"/>
-                <a:ea typeface="Helvetica Neue" panose="02000503000000020004" pitchFamily="2" charset="0"/>
-                <a:cs typeface="Helvetica Neue" panose="02000503000000020004" pitchFamily="2" charset="0"/>
-              </a:rPr>
-              <a:t>O</a:t>
-            </a:r>
-            <a:r>
-              <a:rPr sz="1300" b="1" noProof="1">
-                <a:solidFill>
-                  <a:srgbClr val="333333">
-                    <a:alpha val="100000"/>
-                  </a:srgbClr>
-                </a:solidFill>
-                <a:latin typeface="Helvetica Neue" panose="02000503000000020004" pitchFamily="2" charset="0"/>
-                <a:ea typeface="Helvetica Neue" panose="02000503000000020004" pitchFamily="2" charset="0"/>
-                <a:cs typeface="Helvetica Neue" panose="02000503000000020004" pitchFamily="2" charset="0"/>
-              </a:rPr>
-              <a:t> Synaptic Membrane</a:t>
-            </a:r>
-            <a:r>
-              <a:rPr lang="en-AU" sz="1300" b="1" noProof="1">
-                <a:solidFill>
-                  <a:srgbClr val="333333">
-                    <a:alpha val="100000"/>
-                  </a:srgbClr>
-                </a:solidFill>
-                <a:latin typeface="Helvetica Neue" panose="02000503000000020004" pitchFamily="2" charset="0"/>
-                <a:ea typeface="Helvetica Neue" panose="02000503000000020004" pitchFamily="2" charset="0"/>
-                <a:cs typeface="Helvetica Neue" panose="02000503000000020004" pitchFamily="2" charset="0"/>
-              </a:rPr>
-              <a:t> </a:t>
-            </a:r>
-            <a:r>
-              <a:rPr lang="en-AU" sz="1300" noProof="1">
-                <a:solidFill>
-                  <a:srgbClr val="333333">
-                    <a:alpha val="100000"/>
-                  </a:srgbClr>
-                </a:solidFill>
-                <a:latin typeface="Helvetica Neue" panose="02000503000000020004" pitchFamily="2" charset="0"/>
-                <a:ea typeface="Helvetica Neue" panose="02000503000000020004" pitchFamily="2" charset="0"/>
-                <a:cs typeface="Helvetica Neue" panose="02000503000000020004" pitchFamily="2" charset="0"/>
-              </a:rPr>
-              <a:t>-</a:t>
-            </a:r>
-            <a:r>
-              <a:rPr sz="1300" noProof="1">
-                <a:solidFill>
-                  <a:srgbClr val="333333">
-                    <a:alpha val="100000"/>
-                  </a:srgbClr>
-                </a:solidFill>
-                <a:latin typeface="Helvetica Neue" panose="02000503000000020004" pitchFamily="2" charset="0"/>
-                <a:ea typeface="Helvetica Neue" panose="02000503000000020004" pitchFamily="2" charset="0"/>
-                <a:cs typeface="Helvetica Neue" panose="02000503000000020004" pitchFamily="2" charset="0"/>
-              </a:rPr>
-              <a:t> C5</a:t>
-            </a:r>
-          </a:p>
-        </p:txBody>
-      </p:sp>
-      <p:sp>
-        <p:nvSpPr>
-          <p:cNvPr id="109" name="tx109"/>
-          <p:cNvSpPr/>
-          <p:nvPr/>
-        </p:nvSpPr>
-        <p:spPr>
-          <a:xfrm>
-            <a:off x="5921371" y="10688846"/>
-            <a:ext cx="1550951" cy="124817"/>
-          </a:xfrm>
-          <a:prstGeom prst="rect">
-            <a:avLst/>
-          </a:prstGeom>
-          <a:noFill/>
-        </p:spPr>
-        <p:txBody>
-          <a:bodyPr wrap="none" lIns="0" tIns="0" rIns="0" bIns="0" anchor="ctr" anchorCtr="1"/>
-          <a:lstStyle/>
-          <a:p>
-            <a:pPr marL="0" marR="0" indent="0" algn="l">
-              <a:lnSpc>
-                <a:spcPts val="1300"/>
-              </a:lnSpc>
-              <a:spcBef>
-                <a:spcPts val="0"/>
-              </a:spcBef>
-              <a:spcAft>
-                <a:spcPts val="0"/>
-              </a:spcAft>
-            </a:pPr>
-            <a:r>
-              <a:rPr sz="1300" b="1" noProof="1">
-                <a:solidFill>
-                  <a:srgbClr val="333333">
-                    <a:alpha val="100000"/>
-                  </a:srgbClr>
-                </a:solidFill>
-                <a:latin typeface="Helvetica Neue" panose="02000503000000020004" pitchFamily="2" charset="0"/>
-                <a:ea typeface="Helvetica Neue" panose="02000503000000020004" pitchFamily="2" charset="0"/>
-                <a:cs typeface="Helvetica Neue" panose="02000503000000020004" pitchFamily="2" charset="0"/>
-              </a:rPr>
-              <a:t>Hallmark Xenobiotic</a:t>
-            </a:r>
-          </a:p>
-        </p:txBody>
-      </p:sp>
-      <p:sp>
-        <p:nvSpPr>
-          <p:cNvPr id="110" name="tx110"/>
-          <p:cNvSpPr/>
-          <p:nvPr/>
-        </p:nvSpPr>
-        <p:spPr>
-          <a:xfrm>
-            <a:off x="6370637" y="10867154"/>
-            <a:ext cx="1065226" cy="124817"/>
-          </a:xfrm>
-          <a:prstGeom prst="rect">
-            <a:avLst/>
-          </a:prstGeom>
-          <a:noFill/>
-        </p:spPr>
-        <p:txBody>
-          <a:bodyPr wrap="none" lIns="0" tIns="0" rIns="0" bIns="0" anchor="ctr" anchorCtr="1"/>
-          <a:lstStyle/>
-          <a:p>
-            <a:pPr marL="0" marR="0" indent="0" algn="l">
-              <a:lnSpc>
-                <a:spcPts val="1300"/>
-              </a:lnSpc>
-              <a:spcBef>
-                <a:spcPts val="0"/>
-              </a:spcBef>
-              <a:spcAft>
-                <a:spcPts val="0"/>
-              </a:spcAft>
-            </a:pPr>
-            <a:r>
-              <a:rPr sz="1300" b="1" noProof="1">
-                <a:solidFill>
-                  <a:srgbClr val="333333">
-                    <a:alpha val="100000"/>
-                  </a:srgbClr>
-                </a:solidFill>
-                <a:latin typeface="Helvetica Neue" panose="02000503000000020004" pitchFamily="2" charset="0"/>
-                <a:ea typeface="Helvetica Neue" panose="02000503000000020004" pitchFamily="2" charset="0"/>
-                <a:cs typeface="Helvetica Neue" panose="02000503000000020004" pitchFamily="2" charset="0"/>
-              </a:rPr>
-              <a:t>Metabolism</a:t>
-            </a:r>
-            <a:r>
-              <a:rPr lang="en-AU" sz="1300" noProof="1">
-                <a:solidFill>
-                  <a:srgbClr val="333333">
-                    <a:alpha val="100000"/>
-                  </a:srgbClr>
-                </a:solidFill>
-                <a:latin typeface="Helvetica Neue" panose="02000503000000020004" pitchFamily="2" charset="0"/>
-                <a:ea typeface="Helvetica Neue" panose="02000503000000020004" pitchFamily="2" charset="0"/>
-                <a:cs typeface="Helvetica Neue" panose="02000503000000020004" pitchFamily="2" charset="0"/>
-              </a:rPr>
-              <a:t> - H</a:t>
-            </a:r>
-            <a:endParaRPr sz="1300" noProof="1">
-              <a:solidFill>
-                <a:srgbClr val="333333">
-                  <a:alpha val="100000"/>
-                </a:srgbClr>
-              </a:solidFill>
-              <a:latin typeface="Helvetica Neue" panose="02000503000000020004" pitchFamily="2" charset="0"/>
-              <a:ea typeface="Helvetica Neue" panose="02000503000000020004" pitchFamily="2" charset="0"/>
-              <a:cs typeface="Helvetica Neue" panose="02000503000000020004" pitchFamily="2" charset="0"/>
-            </a:endParaRPr>
-          </a:p>
-        </p:txBody>
-      </p:sp>
-      <p:sp>
-        <p:nvSpPr>
-          <p:cNvPr id="111" name="tx111"/>
-          <p:cNvSpPr/>
-          <p:nvPr/>
-        </p:nvSpPr>
-        <p:spPr>
-          <a:xfrm>
-            <a:off x="6218237" y="10164762"/>
-            <a:ext cx="1189216" cy="162321"/>
-          </a:xfrm>
-          <a:prstGeom prst="rect">
-            <a:avLst/>
-          </a:prstGeom>
-          <a:noFill/>
-        </p:spPr>
-        <p:txBody>
-          <a:bodyPr wrap="none" lIns="0" tIns="0" rIns="0" bIns="0" anchor="ctr" anchorCtr="1"/>
-          <a:lstStyle/>
-          <a:p>
-            <a:pPr marL="0" marR="0" indent="0" algn="l">
-              <a:lnSpc>
-                <a:spcPts val="1300"/>
-              </a:lnSpc>
-              <a:spcBef>
-                <a:spcPts val="0"/>
-              </a:spcBef>
-              <a:spcAft>
-                <a:spcPts val="0"/>
-              </a:spcAft>
-            </a:pPr>
-            <a:r>
-              <a:rPr lang="en-AU" sz="1300" b="1" noProof="1">
-                <a:solidFill>
-                  <a:srgbClr val="333333">
-                    <a:alpha val="100000"/>
-                  </a:srgbClr>
-                </a:solidFill>
-                <a:latin typeface="Helvetica Neue" panose="02000503000000020004" pitchFamily="2" charset="0"/>
-                <a:ea typeface="Helvetica Neue" panose="02000503000000020004" pitchFamily="2" charset="0"/>
-                <a:cs typeface="Helvetica Neue" panose="02000503000000020004" pitchFamily="2" charset="0"/>
-              </a:rPr>
-              <a:t>KEGG</a:t>
-            </a:r>
-            <a:r>
-              <a:rPr sz="1300" b="1" noProof="1">
-                <a:solidFill>
-                  <a:srgbClr val="333333">
-                    <a:alpha val="100000"/>
-                  </a:srgbClr>
-                </a:solidFill>
-                <a:latin typeface="Helvetica Neue" panose="02000503000000020004" pitchFamily="2" charset="0"/>
-                <a:ea typeface="Helvetica Neue" panose="02000503000000020004" pitchFamily="2" charset="0"/>
-                <a:cs typeface="Helvetica Neue" panose="02000503000000020004" pitchFamily="2" charset="0"/>
-              </a:rPr>
-              <a:t> Glioma</a:t>
-            </a:r>
-            <a:r>
-              <a:rPr lang="en-AU" sz="1300" b="1" noProof="1">
-                <a:solidFill>
-                  <a:srgbClr val="333333">
-                    <a:alpha val="100000"/>
-                  </a:srgbClr>
-                </a:solidFill>
-                <a:latin typeface="Helvetica Neue" panose="02000503000000020004" pitchFamily="2" charset="0"/>
-                <a:ea typeface="Helvetica Neue" panose="02000503000000020004" pitchFamily="2" charset="0"/>
-                <a:cs typeface="Helvetica Neue" panose="02000503000000020004" pitchFamily="2" charset="0"/>
-              </a:rPr>
-              <a:t> </a:t>
-            </a:r>
-            <a:r>
-              <a:rPr lang="en-AU" sz="1300" noProof="1">
-                <a:solidFill>
-                  <a:srgbClr val="333333">
-                    <a:alpha val="100000"/>
-                  </a:srgbClr>
-                </a:solidFill>
-                <a:latin typeface="Helvetica Neue" panose="02000503000000020004" pitchFamily="2" charset="0"/>
-                <a:ea typeface="Helvetica Neue" panose="02000503000000020004" pitchFamily="2" charset="0"/>
-                <a:cs typeface="Helvetica Neue" panose="02000503000000020004" pitchFamily="2" charset="0"/>
-              </a:rPr>
-              <a:t>-</a:t>
-            </a:r>
-            <a:r>
-              <a:rPr sz="1300" noProof="1">
-                <a:solidFill>
-                  <a:srgbClr val="333333">
-                    <a:alpha val="100000"/>
-                  </a:srgbClr>
-                </a:solidFill>
-                <a:latin typeface="Helvetica Neue" panose="02000503000000020004" pitchFamily="2" charset="0"/>
-                <a:ea typeface="Helvetica Neue" panose="02000503000000020004" pitchFamily="2" charset="0"/>
-                <a:cs typeface="Helvetica Neue" panose="02000503000000020004" pitchFamily="2" charset="0"/>
-              </a:rPr>
-              <a:t> C2</a:t>
-            </a:r>
-          </a:p>
-        </p:txBody>
-      </p:sp>
-      <p:sp>
-        <p:nvSpPr>
-          <p:cNvPr id="112" name="tx112"/>
-          <p:cNvSpPr/>
-          <p:nvPr/>
-        </p:nvSpPr>
-        <p:spPr>
-          <a:xfrm>
-            <a:off x="5876298" y="9525283"/>
-            <a:ext cx="1596023" cy="124817"/>
-          </a:xfrm>
-          <a:prstGeom prst="rect">
-            <a:avLst/>
-          </a:prstGeom>
-          <a:noFill/>
-        </p:spPr>
-        <p:txBody>
-          <a:bodyPr wrap="none" lIns="0" tIns="0" rIns="0" bIns="0" anchor="ctr" anchorCtr="1"/>
-          <a:lstStyle/>
-          <a:p>
-            <a:pPr marL="0" marR="0" indent="0" algn="l">
-              <a:lnSpc>
-                <a:spcPts val="1300"/>
-              </a:lnSpc>
-              <a:spcBef>
-                <a:spcPts val="0"/>
-              </a:spcBef>
-              <a:spcAft>
-                <a:spcPts val="0"/>
-              </a:spcAft>
-            </a:pPr>
-            <a:r>
-              <a:rPr lang="en-AU" sz="1300" b="1" noProof="1">
-                <a:solidFill>
-                  <a:srgbClr val="333333">
-                    <a:alpha val="100000"/>
-                  </a:srgbClr>
-                </a:solidFill>
-                <a:latin typeface="Helvetica Neue" panose="02000503000000020004" pitchFamily="2" charset="0"/>
-                <a:ea typeface="Helvetica Neue" panose="02000503000000020004" pitchFamily="2" charset="0"/>
-                <a:cs typeface="Helvetica Neue" panose="02000503000000020004" pitchFamily="2" charset="0"/>
-              </a:rPr>
-              <a:t>PID</a:t>
-            </a:r>
-            <a:r>
-              <a:rPr sz="1300" b="1" noProof="1">
-                <a:solidFill>
-                  <a:srgbClr val="333333">
-                    <a:alpha val="100000"/>
-                  </a:srgbClr>
-                </a:solidFill>
-                <a:latin typeface="Helvetica Neue" panose="02000503000000020004" pitchFamily="2" charset="0"/>
-                <a:ea typeface="Helvetica Neue" panose="02000503000000020004" pitchFamily="2" charset="0"/>
-                <a:cs typeface="Helvetica Neue" panose="02000503000000020004" pitchFamily="2" charset="0"/>
-              </a:rPr>
-              <a:t> Beta Catenin Nuc</a:t>
-            </a:r>
-          </a:p>
-        </p:txBody>
-      </p:sp>
-      <p:sp>
-        <p:nvSpPr>
-          <p:cNvPr id="113" name="tx113"/>
-          <p:cNvSpPr/>
-          <p:nvPr/>
-        </p:nvSpPr>
-        <p:spPr>
-          <a:xfrm>
-            <a:off x="6595640" y="9666086"/>
-            <a:ext cx="876681" cy="162321"/>
-          </a:xfrm>
-          <a:prstGeom prst="rect">
-            <a:avLst/>
-          </a:prstGeom>
-          <a:noFill/>
-        </p:spPr>
-        <p:txBody>
-          <a:bodyPr wrap="none" lIns="0" tIns="0" rIns="0" bIns="0" anchor="ctr" anchorCtr="1"/>
-          <a:lstStyle/>
-          <a:p>
-            <a:pPr marL="0" marR="0" indent="0" algn="l">
-              <a:lnSpc>
-                <a:spcPts val="1300"/>
-              </a:lnSpc>
-              <a:spcBef>
-                <a:spcPts val="0"/>
-              </a:spcBef>
-              <a:spcAft>
-                <a:spcPts val="0"/>
-              </a:spcAft>
-            </a:pPr>
-            <a:r>
-              <a:rPr sz="1300" b="1" noProof="1">
-                <a:solidFill>
-                  <a:srgbClr val="333333">
-                    <a:alpha val="100000"/>
-                  </a:srgbClr>
-                </a:solidFill>
-                <a:latin typeface="Helvetica Neue" panose="02000503000000020004" pitchFamily="2" charset="0"/>
-                <a:ea typeface="Helvetica Neue" panose="02000503000000020004" pitchFamily="2" charset="0"/>
-                <a:cs typeface="Helvetica Neue" panose="02000503000000020004" pitchFamily="2" charset="0"/>
-              </a:rPr>
-              <a:t>Pathway</a:t>
-            </a:r>
-            <a:r>
-              <a:rPr lang="en-AU" sz="1300" noProof="1">
-                <a:solidFill>
-                  <a:srgbClr val="333333">
-                    <a:alpha val="100000"/>
-                  </a:srgbClr>
-                </a:solidFill>
-                <a:latin typeface="Helvetica Neue" panose="02000503000000020004" pitchFamily="2" charset="0"/>
-                <a:ea typeface="Helvetica Neue" panose="02000503000000020004" pitchFamily="2" charset="0"/>
-                <a:cs typeface="Helvetica Neue" panose="02000503000000020004" pitchFamily="2" charset="0"/>
-              </a:rPr>
-              <a:t> -</a:t>
-            </a:r>
-            <a:r>
-              <a:rPr sz="1300" noProof="1">
-                <a:solidFill>
-                  <a:srgbClr val="333333">
-                    <a:alpha val="100000"/>
-                  </a:srgbClr>
-                </a:solidFill>
-                <a:latin typeface="Helvetica Neue" panose="02000503000000020004" pitchFamily="2" charset="0"/>
-                <a:ea typeface="Helvetica Neue" panose="02000503000000020004" pitchFamily="2" charset="0"/>
-                <a:cs typeface="Helvetica Neue" panose="02000503000000020004" pitchFamily="2" charset="0"/>
-              </a:rPr>
-              <a:t> C2</a:t>
-            </a:r>
-          </a:p>
-        </p:txBody>
-      </p:sp>
-      <p:sp>
-        <p:nvSpPr>
-          <p:cNvPr id="114" name="tx114"/>
-          <p:cNvSpPr/>
-          <p:nvPr/>
-        </p:nvSpPr>
-        <p:spPr>
-          <a:xfrm>
-            <a:off x="5766672" y="8905996"/>
-            <a:ext cx="1705649" cy="162321"/>
-          </a:xfrm>
-          <a:prstGeom prst="rect">
-            <a:avLst/>
-          </a:prstGeom>
-          <a:noFill/>
-        </p:spPr>
-        <p:txBody>
-          <a:bodyPr wrap="none" lIns="0" tIns="0" rIns="0" bIns="0" anchor="ctr" anchorCtr="1"/>
-          <a:lstStyle/>
-          <a:p>
-            <a:pPr marL="0" marR="0" indent="0" algn="l">
-              <a:lnSpc>
-                <a:spcPts val="1300"/>
-              </a:lnSpc>
-              <a:spcBef>
-                <a:spcPts val="0"/>
-              </a:spcBef>
-              <a:spcAft>
-                <a:spcPts val="0"/>
-              </a:spcAft>
-            </a:pPr>
-            <a:r>
-              <a:rPr sz="1300" b="1" noProof="1">
-                <a:solidFill>
-                  <a:srgbClr val="333333">
-                    <a:alpha val="100000"/>
-                  </a:srgbClr>
-                </a:solidFill>
-                <a:latin typeface="Helvetica Neue" panose="02000503000000020004" pitchFamily="2" charset="0"/>
-                <a:ea typeface="Helvetica Neue" panose="02000503000000020004" pitchFamily="2" charset="0"/>
-                <a:cs typeface="Helvetica Neue" panose="02000503000000020004" pitchFamily="2" charset="0"/>
-              </a:rPr>
-              <a:t>Reactome </a:t>
-            </a:r>
-            <a:r>
-              <a:rPr lang="en-AU" sz="1300" b="1" noProof="1">
-                <a:solidFill>
-                  <a:srgbClr val="333333">
-                    <a:alpha val="100000"/>
-                  </a:srgbClr>
-                </a:solidFill>
-                <a:latin typeface="Helvetica Neue" panose="02000503000000020004" pitchFamily="2" charset="0"/>
-                <a:ea typeface="Helvetica Neue" panose="02000503000000020004" pitchFamily="2" charset="0"/>
-                <a:cs typeface="Helvetica Neue" panose="02000503000000020004" pitchFamily="2" charset="0"/>
-              </a:rPr>
-              <a:t>GPCR</a:t>
-            </a:r>
-            <a:r>
-              <a:rPr sz="1300" b="1" noProof="1">
-                <a:solidFill>
-                  <a:srgbClr val="333333">
-                    <a:alpha val="100000"/>
-                  </a:srgbClr>
-                </a:solidFill>
-                <a:latin typeface="Helvetica Neue" panose="02000503000000020004" pitchFamily="2" charset="0"/>
-                <a:ea typeface="Helvetica Neue" panose="02000503000000020004" pitchFamily="2" charset="0"/>
-                <a:cs typeface="Helvetica Neue" panose="02000503000000020004" pitchFamily="2" charset="0"/>
-              </a:rPr>
-              <a:t> Ligand</a:t>
-            </a:r>
-          </a:p>
-        </p:txBody>
-      </p:sp>
-      <p:sp>
-        <p:nvSpPr>
-          <p:cNvPr id="115" name="tx115"/>
-          <p:cNvSpPr/>
-          <p:nvPr/>
-        </p:nvSpPr>
-        <p:spPr>
-          <a:xfrm>
-            <a:off x="6643024" y="9084304"/>
-            <a:ext cx="829298" cy="162321"/>
-          </a:xfrm>
-          <a:prstGeom prst="rect">
-            <a:avLst/>
-          </a:prstGeom>
-          <a:noFill/>
-        </p:spPr>
-        <p:txBody>
-          <a:bodyPr wrap="none" lIns="0" tIns="0" rIns="0" bIns="0" anchor="ctr" anchorCtr="1"/>
-          <a:lstStyle/>
-          <a:p>
-            <a:pPr marL="0" marR="0" indent="0" algn="l">
-              <a:lnSpc>
-                <a:spcPts val="1300"/>
-              </a:lnSpc>
-              <a:spcBef>
-                <a:spcPts val="0"/>
-              </a:spcBef>
-              <a:spcAft>
-                <a:spcPts val="0"/>
-              </a:spcAft>
-            </a:pPr>
-            <a:r>
-              <a:rPr sz="1300" b="1" noProof="1">
-                <a:solidFill>
-                  <a:srgbClr val="333333">
-                    <a:alpha val="100000"/>
-                  </a:srgbClr>
-                </a:solidFill>
-                <a:latin typeface="Helvetica Neue" panose="02000503000000020004" pitchFamily="2" charset="0"/>
-                <a:ea typeface="Helvetica Neue" panose="02000503000000020004" pitchFamily="2" charset="0"/>
-                <a:cs typeface="Helvetica Neue" panose="02000503000000020004" pitchFamily="2" charset="0"/>
-              </a:rPr>
-              <a:t>Binding</a:t>
-            </a:r>
-            <a:r>
-              <a:rPr sz="1300" noProof="1">
-                <a:solidFill>
-                  <a:srgbClr val="333333">
-                    <a:alpha val="100000"/>
-                  </a:srgbClr>
-                </a:solidFill>
-                <a:latin typeface="Helvetica Neue" panose="02000503000000020004" pitchFamily="2" charset="0"/>
-                <a:ea typeface="Helvetica Neue" panose="02000503000000020004" pitchFamily="2" charset="0"/>
-                <a:cs typeface="Helvetica Neue" panose="02000503000000020004" pitchFamily="2" charset="0"/>
-              </a:rPr>
-              <a:t> </a:t>
-            </a:r>
-            <a:r>
-              <a:rPr lang="en-AU" sz="1300" noProof="1">
-                <a:solidFill>
-                  <a:srgbClr val="333333">
-                    <a:alpha val="100000"/>
-                  </a:srgbClr>
-                </a:solidFill>
-                <a:latin typeface="Helvetica Neue" panose="02000503000000020004" pitchFamily="2" charset="0"/>
-                <a:ea typeface="Helvetica Neue" panose="02000503000000020004" pitchFamily="2" charset="0"/>
-                <a:cs typeface="Helvetica Neue" panose="02000503000000020004" pitchFamily="2" charset="0"/>
-              </a:rPr>
-              <a:t>- </a:t>
-            </a:r>
-            <a:r>
-              <a:rPr sz="1300" noProof="1">
-                <a:solidFill>
-                  <a:srgbClr val="333333">
-                    <a:alpha val="100000"/>
-                  </a:srgbClr>
-                </a:solidFill>
-                <a:latin typeface="Helvetica Neue" panose="02000503000000020004" pitchFamily="2" charset="0"/>
-                <a:ea typeface="Helvetica Neue" panose="02000503000000020004" pitchFamily="2" charset="0"/>
-                <a:cs typeface="Helvetica Neue" panose="02000503000000020004" pitchFamily="2" charset="0"/>
-              </a:rPr>
-              <a:t>C2</a:t>
-            </a:r>
-          </a:p>
-        </p:txBody>
-      </p:sp>
-      <p:sp>
-        <p:nvSpPr>
-          <p:cNvPr id="116" name="tx116"/>
-          <p:cNvSpPr/>
-          <p:nvPr/>
-        </p:nvSpPr>
-        <p:spPr>
-          <a:xfrm>
-            <a:off x="6142037" y="8419123"/>
-            <a:ext cx="1319480" cy="156567"/>
-          </a:xfrm>
-          <a:prstGeom prst="rect">
-            <a:avLst/>
-          </a:prstGeom>
-          <a:noFill/>
-        </p:spPr>
-        <p:txBody>
-          <a:bodyPr wrap="none" lIns="0" tIns="0" rIns="0" bIns="0" anchor="ctr" anchorCtr="1"/>
-          <a:lstStyle/>
-          <a:p>
-            <a:pPr marL="0" marR="0" indent="0" algn="l">
-              <a:lnSpc>
-                <a:spcPts val="1300"/>
-              </a:lnSpc>
-              <a:spcBef>
-                <a:spcPts val="0"/>
-              </a:spcBef>
-              <a:spcAft>
-                <a:spcPts val="0"/>
-              </a:spcAft>
-            </a:pPr>
-            <a:r>
-              <a:rPr sz="1300" b="1" noProof="1">
-                <a:solidFill>
-                  <a:srgbClr val="333333">
-                    <a:alpha val="100000"/>
-                  </a:srgbClr>
-                </a:solidFill>
-                <a:latin typeface="Helvetica Neue" panose="02000503000000020004" pitchFamily="2" charset="0"/>
-                <a:ea typeface="Helvetica Neue" panose="02000503000000020004" pitchFamily="2" charset="0"/>
-                <a:cs typeface="Helvetica Neue" panose="02000503000000020004" pitchFamily="2" charset="0"/>
-              </a:rPr>
-              <a:t>Tgantca Ap1 C </a:t>
-            </a:r>
-            <a:r>
-              <a:rPr lang="en-AU" sz="1300" noProof="1">
-                <a:solidFill>
-                  <a:srgbClr val="333333">
-                    <a:alpha val="100000"/>
-                  </a:srgbClr>
-                </a:solidFill>
-                <a:latin typeface="Helvetica Neue" panose="02000503000000020004" pitchFamily="2" charset="0"/>
-                <a:ea typeface="Helvetica Neue" panose="02000503000000020004" pitchFamily="2" charset="0"/>
-                <a:cs typeface="Helvetica Neue" panose="02000503000000020004" pitchFamily="2" charset="0"/>
-              </a:rPr>
-              <a:t>-</a:t>
-            </a:r>
-            <a:r>
-              <a:rPr lang="en-AU" sz="1300" b="1" noProof="1">
-                <a:solidFill>
-                  <a:srgbClr val="333333">
-                    <a:alpha val="100000"/>
-                  </a:srgbClr>
-                </a:solidFill>
-                <a:latin typeface="Helvetica Neue" panose="02000503000000020004" pitchFamily="2" charset="0"/>
-                <a:ea typeface="Helvetica Neue" panose="02000503000000020004" pitchFamily="2" charset="0"/>
-                <a:cs typeface="Helvetica Neue" panose="02000503000000020004" pitchFamily="2" charset="0"/>
-              </a:rPr>
-              <a:t> </a:t>
-            </a:r>
-            <a:r>
-              <a:rPr sz="1300" noProof="1">
-                <a:solidFill>
-                  <a:srgbClr val="333333">
-                    <a:alpha val="100000"/>
-                  </a:srgbClr>
-                </a:solidFill>
-                <a:latin typeface="Helvetica Neue" panose="02000503000000020004" pitchFamily="2" charset="0"/>
-                <a:ea typeface="Helvetica Neue" panose="02000503000000020004" pitchFamily="2" charset="0"/>
-                <a:cs typeface="Helvetica Neue" panose="02000503000000020004" pitchFamily="2" charset="0"/>
+                <a:latin typeface="Graphik Web" panose="020B0503030202060203" pitchFamily="34" charset="77"/>
+                <a:cs typeface="Utopia"/>
               </a:rPr>
               <a:t>C3</a:t>
             </a:r>
@@ -8874,526 +7406,13 @@
       </p:sp>
       <p:sp>
         <p:nvSpPr>
-          <p:cNvPr id="117" name="tx117"/>
-          <p:cNvSpPr/>
-          <p:nvPr/>
-        </p:nvSpPr>
-        <p:spPr>
-          <a:xfrm>
-            <a:off x="5877124" y="7831587"/>
-            <a:ext cx="1595197" cy="162321"/>
-          </a:xfrm>
-          <a:prstGeom prst="rect">
-            <a:avLst/>
-          </a:prstGeom>
-          <a:noFill/>
-        </p:spPr>
-        <p:txBody>
-          <a:bodyPr wrap="none" lIns="0" tIns="0" rIns="0" bIns="0" anchor="ctr" anchorCtr="1"/>
-          <a:lstStyle/>
-          <a:p>
-            <a:pPr marL="0" marR="0" indent="0" algn="l">
-              <a:lnSpc>
-                <a:spcPts val="1300"/>
-              </a:lnSpc>
-              <a:spcBef>
-                <a:spcPts val="0"/>
-              </a:spcBef>
-              <a:spcAft>
-                <a:spcPts val="0"/>
-              </a:spcAft>
-            </a:pPr>
-            <a:r>
-              <a:rPr sz="1300" b="1" noProof="1">
-                <a:solidFill>
-                  <a:srgbClr val="333333">
-                    <a:alpha val="100000"/>
-                  </a:srgbClr>
-                </a:solidFill>
-                <a:latin typeface="Helvetica Neue" panose="02000503000000020004" pitchFamily="2" charset="0"/>
-                <a:ea typeface="Helvetica Neue" panose="02000503000000020004" pitchFamily="2" charset="0"/>
-                <a:cs typeface="Helvetica Neue" panose="02000503000000020004" pitchFamily="2" charset="0"/>
-              </a:rPr>
-              <a:t>Tggaaa Nfat Q4 0</a:t>
-            </a:r>
-            <a:r>
-              <a:rPr lang="en-AU" sz="1300" b="1" noProof="1">
-                <a:solidFill>
-                  <a:srgbClr val="333333">
-                    <a:alpha val="100000"/>
-                  </a:srgbClr>
-                </a:solidFill>
-                <a:latin typeface="Helvetica Neue" panose="02000503000000020004" pitchFamily="2" charset="0"/>
-                <a:ea typeface="Helvetica Neue" panose="02000503000000020004" pitchFamily="2" charset="0"/>
-                <a:cs typeface="Helvetica Neue" panose="02000503000000020004" pitchFamily="2" charset="0"/>
-              </a:rPr>
-              <a:t>1</a:t>
-            </a:r>
-            <a:r>
-              <a:rPr sz="1300" b="1" noProof="1">
-                <a:solidFill>
-                  <a:srgbClr val="333333">
-                    <a:alpha val="100000"/>
-                  </a:srgbClr>
-                </a:solidFill>
-                <a:latin typeface="Helvetica Neue" panose="02000503000000020004" pitchFamily="2" charset="0"/>
-                <a:ea typeface="Helvetica Neue" panose="02000503000000020004" pitchFamily="2" charset="0"/>
-                <a:cs typeface="Helvetica Neue" panose="02000503000000020004" pitchFamily="2" charset="0"/>
-              </a:rPr>
-              <a:t> </a:t>
-            </a:r>
-            <a:r>
-              <a:rPr lang="en-AU" sz="1300" noProof="1">
-                <a:solidFill>
-                  <a:srgbClr val="333333">
-                    <a:alpha val="100000"/>
-                  </a:srgbClr>
-                </a:solidFill>
-                <a:latin typeface="Helvetica Neue" panose="02000503000000020004" pitchFamily="2" charset="0"/>
-                <a:ea typeface="Helvetica Neue" panose="02000503000000020004" pitchFamily="2" charset="0"/>
-                <a:cs typeface="Helvetica Neue" panose="02000503000000020004" pitchFamily="2" charset="0"/>
-              </a:rPr>
-              <a:t>- </a:t>
-            </a:r>
-            <a:r>
-              <a:rPr sz="1300" noProof="1">
-                <a:solidFill>
-                  <a:srgbClr val="333333">
-                    <a:alpha val="100000"/>
-                  </a:srgbClr>
-                </a:solidFill>
-                <a:latin typeface="Helvetica Neue" panose="02000503000000020004" pitchFamily="2" charset="0"/>
-                <a:ea typeface="Helvetica Neue" panose="02000503000000020004" pitchFamily="2" charset="0"/>
-                <a:cs typeface="Helvetica Neue" panose="02000503000000020004" pitchFamily="2" charset="0"/>
-              </a:rPr>
-              <a:t>C3</a:t>
-            </a:r>
-          </a:p>
-        </p:txBody>
-      </p:sp>
-      <p:sp>
-        <p:nvSpPr>
-          <p:cNvPr id="118" name="tx118"/>
-          <p:cNvSpPr/>
-          <p:nvPr/>
-        </p:nvSpPr>
-        <p:spPr>
-          <a:xfrm>
-            <a:off x="5303837" y="7283317"/>
-            <a:ext cx="2071182" cy="162321"/>
-          </a:xfrm>
-          <a:prstGeom prst="rect">
-            <a:avLst/>
-          </a:prstGeom>
-          <a:noFill/>
-        </p:spPr>
-        <p:txBody>
-          <a:bodyPr wrap="none" lIns="0" tIns="0" rIns="0" bIns="0" anchor="ctr" anchorCtr="1"/>
-          <a:lstStyle/>
-          <a:p>
-            <a:pPr marL="0" marR="0" indent="0" algn="l">
-              <a:lnSpc>
-                <a:spcPts val="1300"/>
-              </a:lnSpc>
-              <a:spcBef>
-                <a:spcPts val="0"/>
-              </a:spcBef>
-              <a:spcAft>
-                <a:spcPts val="0"/>
-              </a:spcAft>
-            </a:pPr>
-            <a:r>
-              <a:rPr sz="1300" b="1" noProof="1">
-                <a:solidFill>
-                  <a:srgbClr val="333333">
-                    <a:alpha val="100000"/>
-                  </a:srgbClr>
-                </a:solidFill>
-                <a:latin typeface="Helvetica Neue" panose="02000503000000020004" pitchFamily="2" charset="0"/>
-                <a:ea typeface="Helvetica Neue" panose="02000503000000020004" pitchFamily="2" charset="0"/>
-                <a:cs typeface="Helvetica Neue" panose="02000503000000020004" pitchFamily="2" charset="0"/>
-              </a:rPr>
-              <a:t>Tggnnnnnnkccar Unknown</a:t>
-            </a:r>
-            <a:r>
-              <a:rPr lang="en-AU" sz="1300" b="1" noProof="1">
-                <a:solidFill>
-                  <a:srgbClr val="333333">
-                    <a:alpha val="100000"/>
-                  </a:srgbClr>
-                </a:solidFill>
-                <a:latin typeface="Helvetica Neue" panose="02000503000000020004" pitchFamily="2" charset="0"/>
-                <a:ea typeface="Helvetica Neue" panose="02000503000000020004" pitchFamily="2" charset="0"/>
-                <a:cs typeface="Helvetica Neue" panose="02000503000000020004" pitchFamily="2" charset="0"/>
-              </a:rPr>
-              <a:t> </a:t>
-            </a:r>
-            <a:r>
-              <a:rPr lang="en-AU" sz="1300" noProof="1">
-                <a:solidFill>
-                  <a:srgbClr val="333333">
-                    <a:alpha val="100000"/>
-                  </a:srgbClr>
-                </a:solidFill>
-                <a:latin typeface="Helvetica Neue" panose="02000503000000020004" pitchFamily="2" charset="0"/>
-                <a:ea typeface="Helvetica Neue" panose="02000503000000020004" pitchFamily="2" charset="0"/>
-                <a:cs typeface="Helvetica Neue" panose="02000503000000020004" pitchFamily="2" charset="0"/>
-              </a:rPr>
-              <a:t>- C3</a:t>
-            </a:r>
-            <a:endParaRPr sz="1300" noProof="1">
-              <a:solidFill>
-                <a:srgbClr val="333333">
-                  <a:alpha val="100000"/>
-                </a:srgbClr>
-              </a:solidFill>
-              <a:latin typeface="Helvetica Neue" panose="02000503000000020004" pitchFamily="2" charset="0"/>
-              <a:ea typeface="Helvetica Neue" panose="02000503000000020004" pitchFamily="2" charset="0"/>
-              <a:cs typeface="Helvetica Neue" panose="02000503000000020004" pitchFamily="2" charset="0"/>
-            </a:endParaRPr>
-          </a:p>
-        </p:txBody>
-      </p:sp>
-      <p:sp>
-        <p:nvSpPr>
-          <p:cNvPr id="120" name="tx120"/>
-          <p:cNvSpPr/>
-          <p:nvPr/>
-        </p:nvSpPr>
-        <p:spPr>
-          <a:xfrm>
-            <a:off x="5551546" y="6668023"/>
-            <a:ext cx="1920775" cy="162321"/>
-          </a:xfrm>
-          <a:prstGeom prst="rect">
-            <a:avLst/>
-          </a:prstGeom>
-          <a:noFill/>
-        </p:spPr>
-        <p:txBody>
-          <a:bodyPr wrap="none" lIns="0" tIns="0" rIns="0" bIns="0" anchor="ctr" anchorCtr="1"/>
-          <a:lstStyle/>
-          <a:p>
-            <a:pPr marL="0" marR="0" indent="0" algn="l">
-              <a:lnSpc>
-                <a:spcPts val="1300"/>
-              </a:lnSpc>
-              <a:spcBef>
-                <a:spcPts val="0"/>
-              </a:spcBef>
-              <a:spcAft>
-                <a:spcPts val="0"/>
-              </a:spcAft>
-            </a:pPr>
-            <a:r>
-              <a:rPr sz="1300" b="1" noProof="1">
-                <a:solidFill>
-                  <a:srgbClr val="333333">
-                    <a:alpha val="100000"/>
-                  </a:srgbClr>
-                </a:solidFill>
-                <a:latin typeface="Helvetica Neue" panose="02000503000000020004" pitchFamily="2" charset="0"/>
-                <a:ea typeface="Helvetica Neue" panose="02000503000000020004" pitchFamily="2" charset="0"/>
-                <a:cs typeface="Helvetica Neue" panose="02000503000000020004" pitchFamily="2" charset="0"/>
-              </a:rPr>
-              <a:t>Tncatntccyr Unknown </a:t>
-            </a:r>
-            <a:r>
-              <a:rPr lang="en-AU" sz="1300" noProof="1">
-                <a:solidFill>
-                  <a:srgbClr val="333333">
-                    <a:alpha val="100000"/>
-                  </a:srgbClr>
-                </a:solidFill>
-                <a:latin typeface="Helvetica Neue" panose="02000503000000020004" pitchFamily="2" charset="0"/>
-                <a:ea typeface="Helvetica Neue" panose="02000503000000020004" pitchFamily="2" charset="0"/>
-                <a:cs typeface="Helvetica Neue" panose="02000503000000020004" pitchFamily="2" charset="0"/>
-              </a:rPr>
-              <a:t>- </a:t>
-            </a:r>
-            <a:r>
-              <a:rPr sz="1300" noProof="1">
-                <a:solidFill>
-                  <a:srgbClr val="333333">
-                    <a:alpha val="100000"/>
-                  </a:srgbClr>
-                </a:solidFill>
-                <a:latin typeface="Helvetica Neue" panose="02000503000000020004" pitchFamily="2" charset="0"/>
-                <a:ea typeface="Helvetica Neue" panose="02000503000000020004" pitchFamily="2" charset="0"/>
-                <a:cs typeface="Helvetica Neue" panose="02000503000000020004" pitchFamily="2" charset="0"/>
-              </a:rPr>
-              <a:t>C3</a:t>
-            </a:r>
-          </a:p>
-        </p:txBody>
-      </p:sp>
-      <p:sp>
-        <p:nvSpPr>
-          <p:cNvPr id="121" name="tx121"/>
-          <p:cNvSpPr/>
-          <p:nvPr/>
-        </p:nvSpPr>
-        <p:spPr>
-          <a:xfrm>
-            <a:off x="5697825" y="6086241"/>
-            <a:ext cx="1774496" cy="162321"/>
-          </a:xfrm>
-          <a:prstGeom prst="rect">
-            <a:avLst/>
-          </a:prstGeom>
-          <a:noFill/>
-        </p:spPr>
-        <p:txBody>
-          <a:bodyPr wrap="none" lIns="0" tIns="0" rIns="0" bIns="0" anchor="ctr" anchorCtr="1"/>
-          <a:lstStyle/>
-          <a:p>
-            <a:pPr marL="0" marR="0" indent="0" algn="l">
-              <a:lnSpc>
-                <a:spcPts val="1300"/>
-              </a:lnSpc>
-              <a:spcBef>
-                <a:spcPts val="0"/>
-              </a:spcBef>
-              <a:spcAft>
-                <a:spcPts val="0"/>
-              </a:spcAft>
-            </a:pPr>
-            <a:r>
-              <a:rPr sz="1300" b="1" noProof="1">
-                <a:solidFill>
-                  <a:srgbClr val="333333">
-                    <a:alpha val="100000"/>
-                  </a:srgbClr>
-                </a:solidFill>
-                <a:latin typeface="Helvetica Neue" panose="02000503000000020004" pitchFamily="2" charset="0"/>
-                <a:ea typeface="Helvetica Neue" panose="02000503000000020004" pitchFamily="2" charset="0"/>
-                <a:cs typeface="Helvetica Neue" panose="02000503000000020004" pitchFamily="2" charset="0"/>
-              </a:rPr>
-              <a:t>Ttgcwcaay Cebpb 02</a:t>
-            </a:r>
-            <a:r>
-              <a:rPr lang="en-AU" sz="1300" b="1" noProof="1">
-                <a:solidFill>
-                  <a:srgbClr val="333333">
-                    <a:alpha val="100000"/>
-                  </a:srgbClr>
-                </a:solidFill>
-                <a:latin typeface="Helvetica Neue" panose="02000503000000020004" pitchFamily="2" charset="0"/>
-                <a:ea typeface="Helvetica Neue" panose="02000503000000020004" pitchFamily="2" charset="0"/>
-                <a:cs typeface="Helvetica Neue" panose="02000503000000020004" pitchFamily="2" charset="0"/>
-              </a:rPr>
-              <a:t> </a:t>
-            </a:r>
-            <a:r>
-              <a:rPr lang="en-AU" sz="1300" noProof="1">
-                <a:solidFill>
-                  <a:srgbClr val="333333">
-                    <a:alpha val="100000"/>
-                  </a:srgbClr>
-                </a:solidFill>
-                <a:latin typeface="Helvetica Neue" panose="02000503000000020004" pitchFamily="2" charset="0"/>
-                <a:ea typeface="Helvetica Neue" panose="02000503000000020004" pitchFamily="2" charset="0"/>
-                <a:cs typeface="Helvetica Neue" panose="02000503000000020004" pitchFamily="2" charset="0"/>
-              </a:rPr>
-              <a:t>-</a:t>
-            </a:r>
-            <a:r>
-              <a:rPr sz="1300" noProof="1">
-                <a:solidFill>
-                  <a:srgbClr val="333333">
-                    <a:alpha val="100000"/>
-                  </a:srgbClr>
-                </a:solidFill>
-                <a:latin typeface="Helvetica Neue" panose="02000503000000020004" pitchFamily="2" charset="0"/>
-                <a:ea typeface="Helvetica Neue" panose="02000503000000020004" pitchFamily="2" charset="0"/>
-                <a:cs typeface="Helvetica Neue" panose="02000503000000020004" pitchFamily="2" charset="0"/>
-              </a:rPr>
-              <a:t> C3</a:t>
-            </a:r>
-          </a:p>
-        </p:txBody>
-      </p:sp>
-      <p:sp>
-        <p:nvSpPr>
-          <p:cNvPr id="122" name="tx122"/>
-          <p:cNvSpPr/>
-          <p:nvPr/>
-        </p:nvSpPr>
-        <p:spPr>
-          <a:xfrm>
-            <a:off x="5838160" y="5504459"/>
-            <a:ext cx="1634161" cy="162321"/>
-          </a:xfrm>
-          <a:prstGeom prst="rect">
-            <a:avLst/>
-          </a:prstGeom>
-          <a:noFill/>
-        </p:spPr>
-        <p:txBody>
-          <a:bodyPr wrap="none" lIns="0" tIns="0" rIns="0" bIns="0" anchor="ctr" anchorCtr="1"/>
-          <a:lstStyle/>
-          <a:p>
-            <a:pPr marL="0" marR="0" indent="0" algn="l">
-              <a:lnSpc>
-                <a:spcPts val="1300"/>
-              </a:lnSpc>
-              <a:spcBef>
-                <a:spcPts val="0"/>
-              </a:spcBef>
-              <a:spcAft>
-                <a:spcPts val="0"/>
-              </a:spcAft>
-            </a:pPr>
-            <a:r>
-              <a:rPr sz="1300" b="1" noProof="1">
-                <a:solidFill>
-                  <a:srgbClr val="333333">
-                    <a:alpha val="100000"/>
-                  </a:srgbClr>
-                </a:solidFill>
-                <a:latin typeface="Helvetica Neue" panose="02000503000000020004" pitchFamily="2" charset="0"/>
-                <a:ea typeface="Helvetica Neue" panose="02000503000000020004" pitchFamily="2" charset="0"/>
-                <a:cs typeface="Helvetica Neue" panose="02000503000000020004" pitchFamily="2" charset="0"/>
-              </a:rPr>
-              <a:t>Wtgaaat Unknown</a:t>
-            </a:r>
-            <a:r>
-              <a:rPr lang="en-AU" sz="1300" b="1" noProof="1">
-                <a:solidFill>
-                  <a:srgbClr val="333333">
-                    <a:alpha val="100000"/>
-                  </a:srgbClr>
-                </a:solidFill>
-                <a:latin typeface="Helvetica Neue" panose="02000503000000020004" pitchFamily="2" charset="0"/>
-                <a:ea typeface="Helvetica Neue" panose="02000503000000020004" pitchFamily="2" charset="0"/>
-                <a:cs typeface="Helvetica Neue" panose="02000503000000020004" pitchFamily="2" charset="0"/>
-              </a:rPr>
-              <a:t> </a:t>
-            </a:r>
-            <a:r>
-              <a:rPr lang="en-AU" sz="1300" noProof="1">
-                <a:solidFill>
-                  <a:srgbClr val="333333">
-                    <a:alpha val="100000"/>
-                  </a:srgbClr>
-                </a:solidFill>
-                <a:latin typeface="Helvetica Neue" panose="02000503000000020004" pitchFamily="2" charset="0"/>
-                <a:ea typeface="Helvetica Neue" panose="02000503000000020004" pitchFamily="2" charset="0"/>
-                <a:cs typeface="Helvetica Neue" panose="02000503000000020004" pitchFamily="2" charset="0"/>
-              </a:rPr>
-              <a:t>-</a:t>
-            </a:r>
-            <a:r>
-              <a:rPr sz="1300" noProof="1">
-                <a:solidFill>
-                  <a:srgbClr val="333333">
-                    <a:alpha val="100000"/>
-                  </a:srgbClr>
-                </a:solidFill>
-                <a:latin typeface="Helvetica Neue" panose="02000503000000020004" pitchFamily="2" charset="0"/>
-                <a:ea typeface="Helvetica Neue" panose="02000503000000020004" pitchFamily="2" charset="0"/>
-                <a:cs typeface="Helvetica Neue" panose="02000503000000020004" pitchFamily="2" charset="0"/>
-              </a:rPr>
-              <a:t> C3</a:t>
-            </a:r>
-          </a:p>
-        </p:txBody>
-      </p:sp>
-      <p:sp>
-        <p:nvSpPr>
-          <p:cNvPr id="123" name="tx123"/>
-          <p:cNvSpPr/>
-          <p:nvPr/>
-        </p:nvSpPr>
-        <p:spPr>
-          <a:xfrm>
-            <a:off x="5547253" y="4922677"/>
-            <a:ext cx="1925068" cy="162321"/>
-          </a:xfrm>
-          <a:prstGeom prst="rect">
-            <a:avLst/>
-          </a:prstGeom>
-          <a:noFill/>
-        </p:spPr>
-        <p:txBody>
-          <a:bodyPr wrap="none" lIns="0" tIns="0" rIns="0" bIns="0" anchor="ctr" anchorCtr="1"/>
-          <a:lstStyle/>
-          <a:p>
-            <a:pPr marL="0" marR="0" indent="0" algn="l">
-              <a:lnSpc>
-                <a:spcPts val="1300"/>
-              </a:lnSpc>
-              <a:spcBef>
-                <a:spcPts val="0"/>
-              </a:spcBef>
-              <a:spcAft>
-                <a:spcPts val="0"/>
-              </a:spcAft>
-            </a:pPr>
-            <a:r>
-              <a:rPr sz="1300" b="1" noProof="1">
-                <a:solidFill>
-                  <a:srgbClr val="333333">
-                    <a:alpha val="100000"/>
-                  </a:srgbClr>
-                </a:solidFill>
-                <a:latin typeface="Helvetica Neue" panose="02000503000000020004" pitchFamily="2" charset="0"/>
-                <a:ea typeface="Helvetica Neue" panose="02000503000000020004" pitchFamily="2" charset="0"/>
-                <a:cs typeface="Helvetica Neue" panose="02000503000000020004" pitchFamily="2" charset="0"/>
-              </a:rPr>
-              <a:t>Yrtcannrcgc Unknown</a:t>
-            </a:r>
-            <a:r>
-              <a:rPr lang="en-AU" sz="1300" b="1" noProof="1">
-                <a:solidFill>
-                  <a:srgbClr val="333333">
-                    <a:alpha val="100000"/>
-                  </a:srgbClr>
-                </a:solidFill>
-                <a:latin typeface="Helvetica Neue" panose="02000503000000020004" pitchFamily="2" charset="0"/>
-                <a:ea typeface="Helvetica Neue" panose="02000503000000020004" pitchFamily="2" charset="0"/>
-                <a:cs typeface="Helvetica Neue" panose="02000503000000020004" pitchFamily="2" charset="0"/>
-              </a:rPr>
-              <a:t> </a:t>
-            </a:r>
-            <a:r>
-              <a:rPr lang="en-AU" sz="1300" noProof="1">
-                <a:solidFill>
-                  <a:srgbClr val="333333">
-                    <a:alpha val="100000"/>
-                  </a:srgbClr>
-                </a:solidFill>
-                <a:latin typeface="Helvetica Neue" panose="02000503000000020004" pitchFamily="2" charset="0"/>
-                <a:ea typeface="Helvetica Neue" panose="02000503000000020004" pitchFamily="2" charset="0"/>
-                <a:cs typeface="Helvetica Neue" panose="02000503000000020004" pitchFamily="2" charset="0"/>
-              </a:rPr>
-              <a:t>-</a:t>
-            </a:r>
-            <a:r>
-              <a:rPr sz="1300" noProof="1">
-                <a:solidFill>
-                  <a:srgbClr val="333333">
-                    <a:alpha val="100000"/>
-                  </a:srgbClr>
-                </a:solidFill>
-                <a:latin typeface="Helvetica Neue" panose="02000503000000020004" pitchFamily="2" charset="0"/>
-                <a:ea typeface="Helvetica Neue" panose="02000503000000020004" pitchFamily="2" charset="0"/>
-                <a:cs typeface="Helvetica Neue" panose="02000503000000020004" pitchFamily="2" charset="0"/>
-              </a:rPr>
-              <a:t> C3</a:t>
-            </a:r>
-          </a:p>
-        </p:txBody>
-      </p:sp>
-      <p:sp>
-        <p:nvSpPr>
-          <p:cNvPr id="124" name="pl124"/>
-          <p:cNvSpPr/>
-          <p:nvPr/>
-        </p:nvSpPr>
-        <p:spPr>
-          <a:xfrm>
-            <a:off x="7634636" y="15499922"/>
+          <p:cNvPr id="112" name="pl112"/>
+          <p:cNvSpPr/>
+          <p:nvPr/>
+        </p:nvSpPr>
+        <p:spPr>
+          <a:xfrm>
+            <a:off x="7634636" y="15459332"/>
             <a:ext cx="34794" cy="0"/>
           </a:xfrm>
           <a:custGeom>
@@ -9428,22 +7447,20 @@
           <a:lstStyle/>
           <a:p>
             <a:endParaRPr noProof="1">
-              <a:latin typeface="Helvetica Neue" panose="02000503000000020004" pitchFamily="2" charset="0"/>
-              <a:ea typeface="Helvetica Neue" panose="02000503000000020004" pitchFamily="2" charset="0"/>
-              <a:cs typeface="Helvetica Neue" panose="02000503000000020004" pitchFamily="2" charset="0"/>
-            </a:endParaRPr>
-          </a:p>
-        </p:txBody>
-      </p:sp>
-      <p:sp>
-        <p:nvSpPr>
-          <p:cNvPr id="125" name="pl125"/>
-          <p:cNvSpPr/>
-          <p:nvPr/>
-        </p:nvSpPr>
-        <p:spPr>
-          <a:xfrm>
-            <a:off x="7634636" y="14918140"/>
+              <a:latin typeface="Graphik Web" panose="020B0503030202060203" pitchFamily="34" charset="77"/>
+            </a:endParaRPr>
+          </a:p>
+        </p:txBody>
+      </p:sp>
+      <p:sp>
+        <p:nvSpPr>
+          <p:cNvPr id="113" name="pl113"/>
+          <p:cNvSpPr/>
+          <p:nvPr/>
+        </p:nvSpPr>
+        <p:spPr>
+          <a:xfrm>
+            <a:off x="7634636" y="14809902"/>
             <a:ext cx="34794" cy="0"/>
           </a:xfrm>
           <a:custGeom>
@@ -9478,22 +7495,20 @@
           <a:lstStyle/>
           <a:p>
             <a:endParaRPr noProof="1">
-              <a:latin typeface="Helvetica Neue" panose="02000503000000020004" pitchFamily="2" charset="0"/>
-              <a:ea typeface="Helvetica Neue" panose="02000503000000020004" pitchFamily="2" charset="0"/>
-              <a:cs typeface="Helvetica Neue" panose="02000503000000020004" pitchFamily="2" charset="0"/>
-            </a:endParaRPr>
-          </a:p>
-        </p:txBody>
-      </p:sp>
-      <p:sp>
-        <p:nvSpPr>
-          <p:cNvPr id="126" name="pl126"/>
-          <p:cNvSpPr/>
-          <p:nvPr/>
-        </p:nvSpPr>
-        <p:spPr>
-          <a:xfrm>
-            <a:off x="7634636" y="14336358"/>
+              <a:latin typeface="Graphik Web" panose="020B0503030202060203" pitchFamily="34" charset="77"/>
+            </a:endParaRPr>
+          </a:p>
+        </p:txBody>
+      </p:sp>
+      <p:sp>
+        <p:nvSpPr>
+          <p:cNvPr id="114" name="pl114"/>
+          <p:cNvSpPr/>
+          <p:nvPr/>
+        </p:nvSpPr>
+        <p:spPr>
+          <a:xfrm>
+            <a:off x="7634636" y="14160471"/>
             <a:ext cx="34794" cy="0"/>
           </a:xfrm>
           <a:custGeom>
@@ -9528,22 +7543,20 @@
           <a:lstStyle/>
           <a:p>
             <a:endParaRPr noProof="1">
-              <a:latin typeface="Helvetica Neue" panose="02000503000000020004" pitchFamily="2" charset="0"/>
-              <a:ea typeface="Helvetica Neue" panose="02000503000000020004" pitchFamily="2" charset="0"/>
-              <a:cs typeface="Helvetica Neue" panose="02000503000000020004" pitchFamily="2" charset="0"/>
-            </a:endParaRPr>
-          </a:p>
-        </p:txBody>
-      </p:sp>
-      <p:sp>
-        <p:nvSpPr>
-          <p:cNvPr id="127" name="pl127"/>
-          <p:cNvSpPr/>
-          <p:nvPr/>
-        </p:nvSpPr>
-        <p:spPr>
-          <a:xfrm>
-            <a:off x="7634636" y="13754576"/>
+              <a:latin typeface="Graphik Web" panose="020B0503030202060203" pitchFamily="34" charset="77"/>
+            </a:endParaRPr>
+          </a:p>
+        </p:txBody>
+      </p:sp>
+      <p:sp>
+        <p:nvSpPr>
+          <p:cNvPr id="115" name="pl115"/>
+          <p:cNvSpPr/>
+          <p:nvPr/>
+        </p:nvSpPr>
+        <p:spPr>
+          <a:xfrm>
+            <a:off x="7634636" y="13511040"/>
             <a:ext cx="34794" cy="0"/>
           </a:xfrm>
           <a:custGeom>
@@ -9578,22 +7591,20 @@
           <a:lstStyle/>
           <a:p>
             <a:endParaRPr noProof="1">
-              <a:latin typeface="Helvetica Neue" panose="02000503000000020004" pitchFamily="2" charset="0"/>
-              <a:ea typeface="Helvetica Neue" panose="02000503000000020004" pitchFamily="2" charset="0"/>
-              <a:cs typeface="Helvetica Neue" panose="02000503000000020004" pitchFamily="2" charset="0"/>
-            </a:endParaRPr>
-          </a:p>
-        </p:txBody>
-      </p:sp>
-      <p:sp>
-        <p:nvSpPr>
-          <p:cNvPr id="128" name="pl128"/>
-          <p:cNvSpPr/>
-          <p:nvPr/>
-        </p:nvSpPr>
-        <p:spPr>
-          <a:xfrm>
-            <a:off x="7634636" y="13172795"/>
+              <a:latin typeface="Graphik Web" panose="020B0503030202060203" pitchFamily="34" charset="77"/>
+            </a:endParaRPr>
+          </a:p>
+        </p:txBody>
+      </p:sp>
+      <p:sp>
+        <p:nvSpPr>
+          <p:cNvPr id="116" name="pl116"/>
+          <p:cNvSpPr/>
+          <p:nvPr/>
+        </p:nvSpPr>
+        <p:spPr>
+          <a:xfrm>
+            <a:off x="7634636" y="12861609"/>
             <a:ext cx="34794" cy="0"/>
           </a:xfrm>
           <a:custGeom>
@@ -9628,22 +7639,20 @@
           <a:lstStyle/>
           <a:p>
             <a:endParaRPr noProof="1">
-              <a:latin typeface="Helvetica Neue" panose="02000503000000020004" pitchFamily="2" charset="0"/>
-              <a:ea typeface="Helvetica Neue" panose="02000503000000020004" pitchFamily="2" charset="0"/>
-              <a:cs typeface="Helvetica Neue" panose="02000503000000020004" pitchFamily="2" charset="0"/>
-            </a:endParaRPr>
-          </a:p>
-        </p:txBody>
-      </p:sp>
-      <p:sp>
-        <p:nvSpPr>
-          <p:cNvPr id="129" name="pl129"/>
-          <p:cNvSpPr/>
-          <p:nvPr/>
-        </p:nvSpPr>
-        <p:spPr>
-          <a:xfrm>
-            <a:off x="7634636" y="12591013"/>
+              <a:latin typeface="Graphik Web" panose="020B0503030202060203" pitchFamily="34" charset="77"/>
+            </a:endParaRPr>
+          </a:p>
+        </p:txBody>
+      </p:sp>
+      <p:sp>
+        <p:nvSpPr>
+          <p:cNvPr id="117" name="pl117"/>
+          <p:cNvSpPr/>
+          <p:nvPr/>
+        </p:nvSpPr>
+        <p:spPr>
+          <a:xfrm>
+            <a:off x="7634636" y="12212178"/>
             <a:ext cx="34794" cy="0"/>
           </a:xfrm>
           <a:custGeom>
@@ -9678,22 +7687,20 @@
           <a:lstStyle/>
           <a:p>
             <a:endParaRPr noProof="1">
-              <a:latin typeface="Helvetica Neue" panose="02000503000000020004" pitchFamily="2" charset="0"/>
-              <a:ea typeface="Helvetica Neue" panose="02000503000000020004" pitchFamily="2" charset="0"/>
-              <a:cs typeface="Helvetica Neue" panose="02000503000000020004" pitchFamily="2" charset="0"/>
-            </a:endParaRPr>
-          </a:p>
-        </p:txBody>
-      </p:sp>
-      <p:sp>
-        <p:nvSpPr>
-          <p:cNvPr id="130" name="pl130"/>
-          <p:cNvSpPr/>
-          <p:nvPr/>
-        </p:nvSpPr>
-        <p:spPr>
-          <a:xfrm>
-            <a:off x="7634636" y="12009231"/>
+              <a:latin typeface="Graphik Web" panose="020B0503030202060203" pitchFamily="34" charset="77"/>
+            </a:endParaRPr>
+          </a:p>
+        </p:txBody>
+      </p:sp>
+      <p:sp>
+        <p:nvSpPr>
+          <p:cNvPr id="118" name="pl118"/>
+          <p:cNvSpPr/>
+          <p:nvPr/>
+        </p:nvSpPr>
+        <p:spPr>
+          <a:xfrm>
+            <a:off x="7634636" y="11562747"/>
             <a:ext cx="34794" cy="0"/>
           </a:xfrm>
           <a:custGeom>
@@ -9728,22 +7735,20 @@
           <a:lstStyle/>
           <a:p>
             <a:endParaRPr noProof="1">
-              <a:latin typeface="Helvetica Neue" panose="02000503000000020004" pitchFamily="2" charset="0"/>
-              <a:ea typeface="Helvetica Neue" panose="02000503000000020004" pitchFamily="2" charset="0"/>
-              <a:cs typeface="Helvetica Neue" panose="02000503000000020004" pitchFamily="2" charset="0"/>
-            </a:endParaRPr>
-          </a:p>
-        </p:txBody>
-      </p:sp>
-      <p:sp>
-        <p:nvSpPr>
-          <p:cNvPr id="131" name="pl131"/>
-          <p:cNvSpPr/>
-          <p:nvPr/>
-        </p:nvSpPr>
-        <p:spPr>
-          <a:xfrm>
-            <a:off x="7634636" y="11427449"/>
+              <a:latin typeface="Graphik Web" panose="020B0503030202060203" pitchFamily="34" charset="77"/>
+            </a:endParaRPr>
+          </a:p>
+        </p:txBody>
+      </p:sp>
+      <p:sp>
+        <p:nvSpPr>
+          <p:cNvPr id="119" name="pl119"/>
+          <p:cNvSpPr/>
+          <p:nvPr/>
+        </p:nvSpPr>
+        <p:spPr>
+          <a:xfrm>
+            <a:off x="7634636" y="10913316"/>
             <a:ext cx="34794" cy="0"/>
           </a:xfrm>
           <a:custGeom>
@@ -9778,22 +7783,20 @@
           <a:lstStyle/>
           <a:p>
             <a:endParaRPr noProof="1">
-              <a:latin typeface="Helvetica Neue" panose="02000503000000020004" pitchFamily="2" charset="0"/>
-              <a:ea typeface="Helvetica Neue" panose="02000503000000020004" pitchFamily="2" charset="0"/>
-              <a:cs typeface="Helvetica Neue" panose="02000503000000020004" pitchFamily="2" charset="0"/>
-            </a:endParaRPr>
-          </a:p>
-        </p:txBody>
-      </p:sp>
-      <p:sp>
-        <p:nvSpPr>
-          <p:cNvPr id="132" name="pl132"/>
-          <p:cNvSpPr/>
-          <p:nvPr/>
-        </p:nvSpPr>
-        <p:spPr>
-          <a:xfrm>
-            <a:off x="7634636" y="10845667"/>
+              <a:latin typeface="Graphik Web" panose="020B0503030202060203" pitchFamily="34" charset="77"/>
+            </a:endParaRPr>
+          </a:p>
+        </p:txBody>
+      </p:sp>
+      <p:sp>
+        <p:nvSpPr>
+          <p:cNvPr id="120" name="pl120"/>
+          <p:cNvSpPr/>
+          <p:nvPr/>
+        </p:nvSpPr>
+        <p:spPr>
+          <a:xfrm>
+            <a:off x="7634636" y="10263886"/>
             <a:ext cx="34794" cy="0"/>
           </a:xfrm>
           <a:custGeom>
@@ -9828,22 +7831,20 @@
           <a:lstStyle/>
           <a:p>
             <a:endParaRPr noProof="1">
-              <a:latin typeface="Helvetica Neue" panose="02000503000000020004" pitchFamily="2" charset="0"/>
-              <a:ea typeface="Helvetica Neue" panose="02000503000000020004" pitchFamily="2" charset="0"/>
-              <a:cs typeface="Helvetica Neue" panose="02000503000000020004" pitchFamily="2" charset="0"/>
-            </a:endParaRPr>
-          </a:p>
-        </p:txBody>
-      </p:sp>
-      <p:sp>
-        <p:nvSpPr>
-          <p:cNvPr id="133" name="pl133"/>
-          <p:cNvSpPr/>
-          <p:nvPr/>
-        </p:nvSpPr>
-        <p:spPr>
-          <a:xfrm>
-            <a:off x="7634636" y="10263886"/>
+              <a:latin typeface="Graphik Web" panose="020B0503030202060203" pitchFamily="34" charset="77"/>
+            </a:endParaRPr>
+          </a:p>
+        </p:txBody>
+      </p:sp>
+      <p:sp>
+        <p:nvSpPr>
+          <p:cNvPr id="121" name="pl121"/>
+          <p:cNvSpPr/>
+          <p:nvPr/>
+        </p:nvSpPr>
+        <p:spPr>
+          <a:xfrm>
+            <a:off x="7634636" y="9614455"/>
             <a:ext cx="34794" cy="0"/>
           </a:xfrm>
           <a:custGeom>
@@ -9878,22 +7879,20 @@
           <a:lstStyle/>
           <a:p>
             <a:endParaRPr noProof="1">
-              <a:latin typeface="Helvetica Neue" panose="02000503000000020004" pitchFamily="2" charset="0"/>
-              <a:ea typeface="Helvetica Neue" panose="02000503000000020004" pitchFamily="2" charset="0"/>
-              <a:cs typeface="Helvetica Neue" panose="02000503000000020004" pitchFamily="2" charset="0"/>
-            </a:endParaRPr>
-          </a:p>
-        </p:txBody>
-      </p:sp>
-      <p:sp>
-        <p:nvSpPr>
-          <p:cNvPr id="134" name="pl134"/>
-          <p:cNvSpPr/>
-          <p:nvPr/>
-        </p:nvSpPr>
-        <p:spPr>
-          <a:xfrm>
-            <a:off x="7634636" y="9682104"/>
+              <a:latin typeface="Graphik Web" panose="020B0503030202060203" pitchFamily="34" charset="77"/>
+            </a:endParaRPr>
+          </a:p>
+        </p:txBody>
+      </p:sp>
+      <p:sp>
+        <p:nvSpPr>
+          <p:cNvPr id="122" name="pl122"/>
+          <p:cNvSpPr/>
+          <p:nvPr/>
+        </p:nvSpPr>
+        <p:spPr>
+          <a:xfrm>
+            <a:off x="7634636" y="8965024"/>
             <a:ext cx="34794" cy="0"/>
           </a:xfrm>
           <a:custGeom>
@@ -9928,22 +7927,20 @@
           <a:lstStyle/>
           <a:p>
             <a:endParaRPr noProof="1">
-              <a:latin typeface="Helvetica Neue" panose="02000503000000020004" pitchFamily="2" charset="0"/>
-              <a:ea typeface="Helvetica Neue" panose="02000503000000020004" pitchFamily="2" charset="0"/>
-              <a:cs typeface="Helvetica Neue" panose="02000503000000020004" pitchFamily="2" charset="0"/>
-            </a:endParaRPr>
-          </a:p>
-        </p:txBody>
-      </p:sp>
-      <p:sp>
-        <p:nvSpPr>
-          <p:cNvPr id="135" name="pl135"/>
-          <p:cNvSpPr/>
-          <p:nvPr/>
-        </p:nvSpPr>
-        <p:spPr>
-          <a:xfrm>
-            <a:off x="7634636" y="9100322"/>
+              <a:latin typeface="Graphik Web" panose="020B0503030202060203" pitchFamily="34" charset="77"/>
+            </a:endParaRPr>
+          </a:p>
+        </p:txBody>
+      </p:sp>
+      <p:sp>
+        <p:nvSpPr>
+          <p:cNvPr id="123" name="pl123"/>
+          <p:cNvSpPr/>
+          <p:nvPr/>
+        </p:nvSpPr>
+        <p:spPr>
+          <a:xfrm>
+            <a:off x="7634636" y="8315593"/>
             <a:ext cx="34794" cy="0"/>
           </a:xfrm>
           <a:custGeom>
@@ -9978,22 +7975,20 @@
           <a:lstStyle/>
           <a:p>
             <a:endParaRPr noProof="1">
-              <a:latin typeface="Helvetica Neue" panose="02000503000000020004" pitchFamily="2" charset="0"/>
-              <a:ea typeface="Helvetica Neue" panose="02000503000000020004" pitchFamily="2" charset="0"/>
-              <a:cs typeface="Helvetica Neue" panose="02000503000000020004" pitchFamily="2" charset="0"/>
-            </a:endParaRPr>
-          </a:p>
-        </p:txBody>
-      </p:sp>
-      <p:sp>
-        <p:nvSpPr>
-          <p:cNvPr id="136" name="pl136"/>
-          <p:cNvSpPr/>
-          <p:nvPr/>
-        </p:nvSpPr>
-        <p:spPr>
-          <a:xfrm>
-            <a:off x="7634636" y="8518540"/>
+              <a:latin typeface="Graphik Web" panose="020B0503030202060203" pitchFamily="34" charset="77"/>
+            </a:endParaRPr>
+          </a:p>
+        </p:txBody>
+      </p:sp>
+      <p:sp>
+        <p:nvSpPr>
+          <p:cNvPr id="124" name="pl124"/>
+          <p:cNvSpPr/>
+          <p:nvPr/>
+        </p:nvSpPr>
+        <p:spPr>
+          <a:xfrm>
+            <a:off x="7634636" y="7666162"/>
             <a:ext cx="34794" cy="0"/>
           </a:xfrm>
           <a:custGeom>
@@ -10028,22 +8023,20 @@
           <a:lstStyle/>
           <a:p>
             <a:endParaRPr noProof="1">
-              <a:latin typeface="Helvetica Neue" panose="02000503000000020004" pitchFamily="2" charset="0"/>
-              <a:ea typeface="Helvetica Neue" panose="02000503000000020004" pitchFamily="2" charset="0"/>
-              <a:cs typeface="Helvetica Neue" panose="02000503000000020004" pitchFamily="2" charset="0"/>
-            </a:endParaRPr>
-          </a:p>
-        </p:txBody>
-      </p:sp>
-      <p:sp>
-        <p:nvSpPr>
-          <p:cNvPr id="137" name="pl137"/>
-          <p:cNvSpPr/>
-          <p:nvPr/>
-        </p:nvSpPr>
-        <p:spPr>
-          <a:xfrm>
-            <a:off x="7634636" y="7936758"/>
+              <a:latin typeface="Graphik Web" panose="020B0503030202060203" pitchFamily="34" charset="77"/>
+            </a:endParaRPr>
+          </a:p>
+        </p:txBody>
+      </p:sp>
+      <p:sp>
+        <p:nvSpPr>
+          <p:cNvPr id="125" name="pl125"/>
+          <p:cNvSpPr/>
+          <p:nvPr/>
+        </p:nvSpPr>
+        <p:spPr>
+          <a:xfrm>
+            <a:off x="7634636" y="7016731"/>
             <a:ext cx="34794" cy="0"/>
           </a:xfrm>
           <a:custGeom>
@@ -10078,22 +8071,20 @@
           <a:lstStyle/>
           <a:p>
             <a:endParaRPr noProof="1">
-              <a:latin typeface="Helvetica Neue" panose="02000503000000020004" pitchFamily="2" charset="0"/>
-              <a:ea typeface="Helvetica Neue" panose="02000503000000020004" pitchFamily="2" charset="0"/>
-              <a:cs typeface="Helvetica Neue" panose="02000503000000020004" pitchFamily="2" charset="0"/>
-            </a:endParaRPr>
-          </a:p>
-        </p:txBody>
-      </p:sp>
-      <p:sp>
-        <p:nvSpPr>
-          <p:cNvPr id="138" name="pl138"/>
-          <p:cNvSpPr/>
-          <p:nvPr/>
-        </p:nvSpPr>
-        <p:spPr>
-          <a:xfrm>
-            <a:off x="7634636" y="7354977"/>
+              <a:latin typeface="Graphik Web" panose="020B0503030202060203" pitchFamily="34" charset="77"/>
+            </a:endParaRPr>
+          </a:p>
+        </p:txBody>
+      </p:sp>
+      <p:sp>
+        <p:nvSpPr>
+          <p:cNvPr id="126" name="pl126"/>
+          <p:cNvSpPr/>
+          <p:nvPr/>
+        </p:nvSpPr>
+        <p:spPr>
+          <a:xfrm>
+            <a:off x="7634636" y="6367300"/>
             <a:ext cx="34794" cy="0"/>
           </a:xfrm>
           <a:custGeom>
@@ -10128,22 +8119,20 @@
           <a:lstStyle/>
           <a:p>
             <a:endParaRPr noProof="1">
-              <a:latin typeface="Helvetica Neue" panose="02000503000000020004" pitchFamily="2" charset="0"/>
-              <a:ea typeface="Helvetica Neue" panose="02000503000000020004" pitchFamily="2" charset="0"/>
-              <a:cs typeface="Helvetica Neue" panose="02000503000000020004" pitchFamily="2" charset="0"/>
-            </a:endParaRPr>
-          </a:p>
-        </p:txBody>
-      </p:sp>
-      <p:sp>
-        <p:nvSpPr>
-          <p:cNvPr id="139" name="pl139"/>
-          <p:cNvSpPr/>
-          <p:nvPr/>
-        </p:nvSpPr>
-        <p:spPr>
-          <a:xfrm>
-            <a:off x="7634636" y="6773195"/>
+              <a:latin typeface="Graphik Web" panose="020B0503030202060203" pitchFamily="34" charset="77"/>
+            </a:endParaRPr>
+          </a:p>
+        </p:txBody>
+      </p:sp>
+      <p:sp>
+        <p:nvSpPr>
+          <p:cNvPr id="127" name="pl127"/>
+          <p:cNvSpPr/>
+          <p:nvPr/>
+        </p:nvSpPr>
+        <p:spPr>
+          <a:xfrm>
+            <a:off x="7634636" y="5717870"/>
             <a:ext cx="34794" cy="0"/>
           </a:xfrm>
           <a:custGeom>
@@ -10178,22 +8167,20 @@
           <a:lstStyle/>
           <a:p>
             <a:endParaRPr noProof="1">
-              <a:latin typeface="Helvetica Neue" panose="02000503000000020004" pitchFamily="2" charset="0"/>
-              <a:ea typeface="Helvetica Neue" panose="02000503000000020004" pitchFamily="2" charset="0"/>
-              <a:cs typeface="Helvetica Neue" panose="02000503000000020004" pitchFamily="2" charset="0"/>
-            </a:endParaRPr>
-          </a:p>
-        </p:txBody>
-      </p:sp>
-      <p:sp>
-        <p:nvSpPr>
-          <p:cNvPr id="140" name="pl140"/>
-          <p:cNvSpPr/>
-          <p:nvPr/>
-        </p:nvSpPr>
-        <p:spPr>
-          <a:xfrm>
-            <a:off x="7634636" y="6191413"/>
+              <a:latin typeface="Graphik Web" panose="020B0503030202060203" pitchFamily="34" charset="77"/>
+            </a:endParaRPr>
+          </a:p>
+        </p:txBody>
+      </p:sp>
+      <p:sp>
+        <p:nvSpPr>
+          <p:cNvPr id="128" name="pl128"/>
+          <p:cNvSpPr/>
+          <p:nvPr/>
+        </p:nvSpPr>
+        <p:spPr>
+          <a:xfrm>
+            <a:off x="7634636" y="5068439"/>
             <a:ext cx="34794" cy="0"/>
           </a:xfrm>
           <a:custGeom>
@@ -10228,122 +8215,20 @@
           <a:lstStyle/>
           <a:p>
             <a:endParaRPr noProof="1">
-              <a:latin typeface="Helvetica Neue" panose="02000503000000020004" pitchFamily="2" charset="0"/>
-              <a:ea typeface="Helvetica Neue" panose="02000503000000020004" pitchFamily="2" charset="0"/>
-              <a:cs typeface="Helvetica Neue" panose="02000503000000020004" pitchFamily="2" charset="0"/>
-            </a:endParaRPr>
-          </a:p>
-        </p:txBody>
-      </p:sp>
-      <p:sp>
-        <p:nvSpPr>
-          <p:cNvPr id="141" name="pl141"/>
-          <p:cNvSpPr/>
-          <p:nvPr/>
-        </p:nvSpPr>
-        <p:spPr>
-          <a:xfrm>
-            <a:off x="7634636" y="5609631"/>
-            <a:ext cx="34794" cy="0"/>
-          </a:xfrm>
-          <a:custGeom>
-            <a:avLst/>
-            <a:gdLst/>
-            <a:ahLst/>
-            <a:cxnLst/>
-            <a:rect l="0" t="0" r="0" b="0"/>
-            <a:pathLst>
-              <a:path w="34794">
-                <a:moveTo>
-                  <a:pt x="0" y="0"/>
-                </a:moveTo>
-                <a:lnTo>
-                  <a:pt x="34794" y="0"/>
-                </a:lnTo>
-              </a:path>
-            </a:pathLst>
-          </a:custGeom>
-          <a:ln w="13550" cap="flat">
-            <a:solidFill>
-              <a:srgbClr val="333333">
-                <a:alpha val="100000"/>
-              </a:srgbClr>
-            </a:solidFill>
-            <a:prstDash val="solid"/>
-            <a:round/>
-          </a:ln>
-        </p:spPr>
-        <p:txBody>
-          <a:bodyPr/>
-          <a:lstStyle/>
-          <a:p>
-            <a:endParaRPr noProof="1">
-              <a:latin typeface="Helvetica Neue" panose="02000503000000020004" pitchFamily="2" charset="0"/>
-              <a:ea typeface="Helvetica Neue" panose="02000503000000020004" pitchFamily="2" charset="0"/>
-              <a:cs typeface="Helvetica Neue" panose="02000503000000020004" pitchFamily="2" charset="0"/>
-            </a:endParaRPr>
-          </a:p>
-        </p:txBody>
-      </p:sp>
-      <p:sp>
-        <p:nvSpPr>
-          <p:cNvPr id="142" name="pl142"/>
-          <p:cNvSpPr/>
-          <p:nvPr/>
-        </p:nvSpPr>
-        <p:spPr>
-          <a:xfrm>
-            <a:off x="7634636" y="5027849"/>
-            <a:ext cx="34794" cy="0"/>
-          </a:xfrm>
-          <a:custGeom>
-            <a:avLst/>
-            <a:gdLst/>
-            <a:ahLst/>
-            <a:cxnLst/>
-            <a:rect l="0" t="0" r="0" b="0"/>
-            <a:pathLst>
-              <a:path w="34794">
-                <a:moveTo>
-                  <a:pt x="0" y="0"/>
-                </a:moveTo>
-                <a:lnTo>
-                  <a:pt x="34794" y="0"/>
-                </a:lnTo>
-              </a:path>
-            </a:pathLst>
-          </a:custGeom>
-          <a:ln w="13550" cap="flat">
-            <a:solidFill>
-              <a:srgbClr val="333333">
-                <a:alpha val="100000"/>
-              </a:srgbClr>
-            </a:solidFill>
-            <a:prstDash val="solid"/>
-            <a:round/>
-          </a:ln>
-        </p:spPr>
-        <p:txBody>
-          <a:bodyPr/>
-          <a:lstStyle/>
-          <a:p>
-            <a:endParaRPr noProof="1">
-              <a:latin typeface="Helvetica Neue" panose="02000503000000020004" pitchFamily="2" charset="0"/>
-              <a:ea typeface="Helvetica Neue" panose="02000503000000020004" pitchFamily="2" charset="0"/>
-              <a:cs typeface="Helvetica Neue" panose="02000503000000020004" pitchFamily="2" charset="0"/>
-            </a:endParaRPr>
-          </a:p>
-        </p:txBody>
-      </p:sp>
-      <p:sp>
-        <p:nvSpPr>
-          <p:cNvPr id="143" name="pl143"/>
-          <p:cNvSpPr/>
-          <p:nvPr/>
-        </p:nvSpPr>
-        <p:spPr>
-          <a:xfrm>
-            <a:off x="8394768" y="15848991"/>
+              <a:latin typeface="Graphik Web" panose="020B0503030202060203" pitchFamily="34" charset="77"/>
+            </a:endParaRPr>
+          </a:p>
+        </p:txBody>
+      </p:sp>
+      <p:sp>
+        <p:nvSpPr>
+          <p:cNvPr id="129" name="pl129"/>
+          <p:cNvSpPr/>
+          <p:nvPr/>
+        </p:nvSpPr>
+        <p:spPr>
+          <a:xfrm>
+            <a:off x="8394768" y="16094084"/>
             <a:ext cx="0" cy="34794"/>
           </a:xfrm>
           <a:custGeom>
@@ -10378,22 +8263,20 @@
           <a:lstStyle/>
           <a:p>
             <a:endParaRPr noProof="1">
-              <a:latin typeface="Helvetica Neue" panose="02000503000000020004" pitchFamily="2" charset="0"/>
-              <a:ea typeface="Helvetica Neue" panose="02000503000000020004" pitchFamily="2" charset="0"/>
-              <a:cs typeface="Helvetica Neue" panose="02000503000000020004" pitchFamily="2" charset="0"/>
-            </a:endParaRPr>
-          </a:p>
-        </p:txBody>
-      </p:sp>
-      <p:sp>
-        <p:nvSpPr>
-          <p:cNvPr id="144" name="pl144"/>
-          <p:cNvSpPr/>
-          <p:nvPr/>
-        </p:nvSpPr>
-        <p:spPr>
-          <a:xfrm>
-            <a:off x="12708407" y="15848991"/>
+              <a:latin typeface="Graphik Web" panose="020B0503030202060203" pitchFamily="34" charset="77"/>
+            </a:endParaRPr>
+          </a:p>
+        </p:txBody>
+      </p:sp>
+      <p:sp>
+        <p:nvSpPr>
+          <p:cNvPr id="130" name="pl130"/>
+          <p:cNvSpPr/>
+          <p:nvPr/>
+        </p:nvSpPr>
+        <p:spPr>
+          <a:xfrm>
+            <a:off x="12708407" y="16094084"/>
             <a:ext cx="0" cy="34794"/>
           </a:xfrm>
           <a:custGeom>
@@ -10428,22 +8311,20 @@
           <a:lstStyle/>
           <a:p>
             <a:endParaRPr noProof="1">
-              <a:latin typeface="Helvetica Neue" panose="02000503000000020004" pitchFamily="2" charset="0"/>
-              <a:ea typeface="Helvetica Neue" panose="02000503000000020004" pitchFamily="2" charset="0"/>
-              <a:cs typeface="Helvetica Neue" panose="02000503000000020004" pitchFamily="2" charset="0"/>
-            </a:endParaRPr>
-          </a:p>
-        </p:txBody>
-      </p:sp>
-      <p:sp>
-        <p:nvSpPr>
-          <p:cNvPr id="145" name="pl145"/>
-          <p:cNvSpPr/>
-          <p:nvPr/>
-        </p:nvSpPr>
-        <p:spPr>
-          <a:xfrm>
-            <a:off x="17022046" y="15848991"/>
+              <a:latin typeface="Graphik Web" panose="020B0503030202060203" pitchFamily="34" charset="77"/>
+            </a:endParaRPr>
+          </a:p>
+        </p:txBody>
+      </p:sp>
+      <p:sp>
+        <p:nvSpPr>
+          <p:cNvPr id="131" name="pl131"/>
+          <p:cNvSpPr/>
+          <p:nvPr/>
+        </p:nvSpPr>
+        <p:spPr>
+          <a:xfrm>
+            <a:off x="17022046" y="16094084"/>
             <a:ext cx="0" cy="34794"/>
           </a:xfrm>
           <a:custGeom>
@@ -10478,22 +8359,20 @@
           <a:lstStyle/>
           <a:p>
             <a:endParaRPr noProof="1">
-              <a:latin typeface="Helvetica Neue" panose="02000503000000020004" pitchFamily="2" charset="0"/>
-              <a:ea typeface="Helvetica Neue" panose="02000503000000020004" pitchFamily="2" charset="0"/>
-              <a:cs typeface="Helvetica Neue" panose="02000503000000020004" pitchFamily="2" charset="0"/>
-            </a:endParaRPr>
-          </a:p>
-        </p:txBody>
-      </p:sp>
-      <p:sp>
-        <p:nvSpPr>
-          <p:cNvPr id="146" name="pl146"/>
-          <p:cNvSpPr/>
-          <p:nvPr/>
-        </p:nvSpPr>
-        <p:spPr>
-          <a:xfrm>
-            <a:off x="21335685" y="15848991"/>
+              <a:latin typeface="Graphik Web" panose="020B0503030202060203" pitchFamily="34" charset="77"/>
+            </a:endParaRPr>
+          </a:p>
+        </p:txBody>
+      </p:sp>
+      <p:sp>
+        <p:nvSpPr>
+          <p:cNvPr id="132" name="pl132"/>
+          <p:cNvSpPr/>
+          <p:nvPr/>
+        </p:nvSpPr>
+        <p:spPr>
+          <a:xfrm>
+            <a:off x="21335685" y="16094084"/>
             <a:ext cx="0" cy="34794"/>
           </a:xfrm>
           <a:custGeom>
@@ -10528,22 +8407,20 @@
           <a:lstStyle/>
           <a:p>
             <a:endParaRPr noProof="1">
-              <a:latin typeface="Helvetica Neue" panose="02000503000000020004" pitchFamily="2" charset="0"/>
-              <a:ea typeface="Helvetica Neue" panose="02000503000000020004" pitchFamily="2" charset="0"/>
-              <a:cs typeface="Helvetica Neue" panose="02000503000000020004" pitchFamily="2" charset="0"/>
-            </a:endParaRPr>
-          </a:p>
-        </p:txBody>
-      </p:sp>
-      <p:sp>
-        <p:nvSpPr>
-          <p:cNvPr id="147" name="tx147"/>
-          <p:cNvSpPr/>
-          <p:nvPr/>
-        </p:nvSpPr>
-        <p:spPr>
-          <a:xfrm>
-            <a:off x="8276976" y="16032162"/>
+              <a:latin typeface="Graphik Web" panose="020B0503030202060203" pitchFamily="34" charset="77"/>
+            </a:endParaRPr>
+          </a:p>
+        </p:txBody>
+      </p:sp>
+      <p:sp>
+        <p:nvSpPr>
+          <p:cNvPr id="133" name="tx133"/>
+          <p:cNvSpPr/>
+          <p:nvPr/>
+        </p:nvSpPr>
+        <p:spPr>
+          <a:xfrm>
+            <a:off x="8276976" y="16156714"/>
             <a:ext cx="235585" cy="307578"/>
           </a:xfrm>
           <a:prstGeom prst="rect">
@@ -10573,9 +8450,8 @@
                     <a:alpha val="100000"/>
                   </a:srgbClr>
                 </a:solidFill>
-                <a:latin typeface="Helvetica Neue" panose="02000503000000020004" pitchFamily="2" charset="0"/>
-                <a:ea typeface="Helvetica Neue" panose="02000503000000020004" pitchFamily="2" charset="0"/>
-                <a:cs typeface="Helvetica Neue" panose="02000503000000020004" pitchFamily="2" charset="0"/>
+                <a:latin typeface="Graphik Web" panose="020B0503030202060203" pitchFamily="34" charset="77"/>
+                <a:cs typeface="Utopia"/>
               </a:rPr>
               <a:t>0</a:t>
             </a:r>
@@ -10584,13 +8460,13 @@
       </p:sp>
       <p:sp>
         <p:nvSpPr>
-          <p:cNvPr id="148" name="tx148"/>
-          <p:cNvSpPr/>
-          <p:nvPr/>
-        </p:nvSpPr>
-        <p:spPr>
-          <a:xfrm>
-            <a:off x="12237236" y="16032162"/>
+          <p:cNvPr id="134" name="tx134"/>
+          <p:cNvSpPr/>
+          <p:nvPr/>
+        </p:nvSpPr>
+        <p:spPr>
+          <a:xfrm>
+            <a:off x="12237236" y="16156714"/>
             <a:ext cx="942342" cy="307578"/>
           </a:xfrm>
           <a:prstGeom prst="rect">
@@ -10620,9 +8496,8 @@
                     <a:alpha val="100000"/>
                   </a:srgbClr>
                 </a:solidFill>
-                <a:latin typeface="Helvetica Neue" panose="02000503000000020004" pitchFamily="2" charset="0"/>
-                <a:ea typeface="Helvetica Neue" panose="02000503000000020004" pitchFamily="2" charset="0"/>
-                <a:cs typeface="Helvetica Neue" panose="02000503000000020004" pitchFamily="2" charset="0"/>
+                <a:latin typeface="Graphik Web" panose="020B0503030202060203" pitchFamily="34" charset="77"/>
+                <a:cs typeface="Utopia"/>
               </a:rPr>
               <a:t>1000</a:t>
             </a:r>
@@ -10631,13 +8506,13 @@
       </p:sp>
       <p:sp>
         <p:nvSpPr>
-          <p:cNvPr id="149" name="tx149"/>
-          <p:cNvSpPr/>
-          <p:nvPr/>
-        </p:nvSpPr>
-        <p:spPr>
-          <a:xfrm>
-            <a:off x="16550875" y="16032162"/>
+          <p:cNvPr id="135" name="tx135"/>
+          <p:cNvSpPr/>
+          <p:nvPr/>
+        </p:nvSpPr>
+        <p:spPr>
+          <a:xfrm>
+            <a:off x="16550875" y="16156714"/>
             <a:ext cx="942342" cy="307578"/>
           </a:xfrm>
           <a:prstGeom prst="rect">
@@ -10667,9 +8542,8 @@
                     <a:alpha val="100000"/>
                   </a:srgbClr>
                 </a:solidFill>
-                <a:latin typeface="Helvetica Neue" panose="02000503000000020004" pitchFamily="2" charset="0"/>
-                <a:ea typeface="Helvetica Neue" panose="02000503000000020004" pitchFamily="2" charset="0"/>
-                <a:cs typeface="Helvetica Neue" panose="02000503000000020004" pitchFamily="2" charset="0"/>
+                <a:latin typeface="Graphik Web" panose="020B0503030202060203" pitchFamily="34" charset="77"/>
+                <a:cs typeface="Utopia"/>
               </a:rPr>
               <a:t>2000</a:t>
             </a:r>
@@ -10678,13 +8552,13 @@
       </p:sp>
       <p:sp>
         <p:nvSpPr>
-          <p:cNvPr id="150" name="tx150"/>
-          <p:cNvSpPr/>
-          <p:nvPr/>
-        </p:nvSpPr>
-        <p:spPr>
-          <a:xfrm>
-            <a:off x="20864513" y="16032162"/>
+          <p:cNvPr id="136" name="tx136"/>
+          <p:cNvSpPr/>
+          <p:nvPr/>
+        </p:nvSpPr>
+        <p:spPr>
+          <a:xfrm>
+            <a:off x="20864513" y="16156714"/>
             <a:ext cx="942342" cy="307578"/>
           </a:xfrm>
           <a:prstGeom prst="rect">
@@ -10714,9 +8588,8 @@
                     <a:alpha val="100000"/>
                   </a:srgbClr>
                 </a:solidFill>
-                <a:latin typeface="Helvetica Neue" panose="02000503000000020004" pitchFamily="2" charset="0"/>
-                <a:ea typeface="Helvetica Neue" panose="02000503000000020004" pitchFamily="2" charset="0"/>
-                <a:cs typeface="Helvetica Neue" panose="02000503000000020004" pitchFamily="2" charset="0"/>
+                <a:latin typeface="Graphik Web" panose="020B0503030202060203" pitchFamily="34" charset="77"/>
+                <a:cs typeface="Utopia"/>
               </a:rPr>
               <a:t>3000</a:t>
             </a:r>
@@ -10725,13 +8598,13 @@
       </p:sp>
       <p:sp>
         <p:nvSpPr>
-          <p:cNvPr id="151" name="tx151"/>
-          <p:cNvSpPr/>
-          <p:nvPr/>
-        </p:nvSpPr>
-        <p:spPr>
-          <a:xfrm>
-            <a:off x="14170064" y="16647716"/>
+          <p:cNvPr id="137" name="tx137"/>
+          <p:cNvSpPr/>
+          <p:nvPr/>
+        </p:nvSpPr>
+        <p:spPr>
+          <a:xfrm>
+            <a:off x="14170063" y="16772016"/>
             <a:ext cx="2956176" cy="375046"/>
           </a:xfrm>
           <a:prstGeom prst="rect">
@@ -10755,15 +8628,14 @@
               </a:spcAft>
             </a:pPr>
             <a:r>
-              <a:rPr sz="3000" noProof="1">
+              <a:rPr sz="3000" b="1" noProof="1">
                 <a:solidFill>
                   <a:srgbClr val="000000">
                     <a:alpha val="100000"/>
                   </a:srgbClr>
                 </a:solidFill>
-                <a:latin typeface="Helvetica Neue" panose="02000503000000020004" pitchFamily="2" charset="0"/>
-                <a:ea typeface="Helvetica Neue" panose="02000503000000020004" pitchFamily="2" charset="0"/>
-                <a:cs typeface="Helvetica Neue" panose="02000503000000020004" pitchFamily="2" charset="0"/>
+                <a:latin typeface="Graphik Web" panose="020B0503030202060203" pitchFamily="34" charset="77"/>
+                <a:cs typeface="Utopia"/>
               </a:rPr>
               <a:t>Number of genes</a:t>
             </a:r>
@@ -10772,13 +8644,13 @@
       </p:sp>
       <p:sp>
         <p:nvSpPr>
-          <p:cNvPr id="152" name="tx152"/>
+          <p:cNvPr id="138" name="tx138"/>
           <p:cNvSpPr/>
           <p:nvPr/>
         </p:nvSpPr>
         <p:spPr>
           <a:xfrm rot="16200000">
-            <a:off x="4393605" y="10126368"/>
+            <a:off x="3314269" y="9648176"/>
             <a:ext cx="1485898" cy="275034"/>
           </a:xfrm>
           <a:prstGeom prst="rect">
@@ -10802,15 +8674,14 @@
               </a:spcAft>
             </a:pPr>
             <a:r>
-              <a:rPr sz="3000" noProof="1">
+              <a:rPr sz="3000" b="1" noProof="1">
                 <a:solidFill>
                   <a:srgbClr val="000000">
                     <a:alpha val="100000"/>
                   </a:srgbClr>
                 </a:solidFill>
-                <a:latin typeface="Helvetica Neue" panose="02000503000000020004" pitchFamily="2" charset="0"/>
-                <a:ea typeface="Helvetica Neue" panose="02000503000000020004" pitchFamily="2" charset="0"/>
-                <a:cs typeface="Helvetica Neue" panose="02000503000000020004" pitchFamily="2" charset="0"/>
+                <a:latin typeface="Graphik Web" panose="020B0503030202060203" pitchFamily="34" charset="77"/>
+                <a:cs typeface="Utopia"/>
               </a:rPr>
               <a:t>Gene set</a:t>
             </a:r>
@@ -10819,7 +8690,7 @@
       </p:sp>
       <p:sp>
         <p:nvSpPr>
-          <p:cNvPr id="153" name="rc153"/>
+          <p:cNvPr id="139" name="rc139"/>
           <p:cNvSpPr/>
           <p:nvPr/>
         </p:nvSpPr>
@@ -10842,16 +8713,14 @@
           <a:lstStyle/>
           <a:p>
             <a:endParaRPr noProof="1">
-              <a:latin typeface="Helvetica Neue" panose="02000503000000020004" pitchFamily="2" charset="0"/>
-              <a:ea typeface="Helvetica Neue" panose="02000503000000020004" pitchFamily="2" charset="0"/>
-              <a:cs typeface="Helvetica Neue" panose="02000503000000020004" pitchFamily="2" charset="0"/>
-            </a:endParaRPr>
-          </a:p>
-        </p:txBody>
-      </p:sp>
-      <p:sp>
-        <p:nvSpPr>
-          <p:cNvPr id="154" name="tx154"/>
+              <a:latin typeface="Graphik Web" panose="020B0503030202060203" pitchFamily="34" charset="77"/>
+            </a:endParaRPr>
+          </a:p>
+        </p:txBody>
+      </p:sp>
+      <p:sp>
+        <p:nvSpPr>
+          <p:cNvPr id="140" name="tx140"/>
           <p:cNvSpPr/>
           <p:nvPr/>
         </p:nvSpPr>
@@ -10887,9 +8756,8 @@
                     <a:alpha val="100000"/>
                   </a:srgbClr>
                 </a:solidFill>
-                <a:latin typeface="Helvetica Neue" panose="02000503000000020004" pitchFamily="2" charset="0"/>
-                <a:ea typeface="Helvetica Neue" panose="02000503000000020004" pitchFamily="2" charset="0"/>
-                <a:cs typeface="Helvetica Neue" panose="02000503000000020004" pitchFamily="2" charset="0"/>
+                <a:latin typeface="Graphik Web" panose="020B0503030202060203" pitchFamily="34" charset="77"/>
+                <a:cs typeface="Utopia"/>
               </a:rPr>
               <a:t>Gene</a:t>
             </a:r>
@@ -10898,7 +8766,7 @@
       </p:sp>
       <p:sp>
         <p:nvSpPr>
-          <p:cNvPr id="155" name="tx155"/>
+          <p:cNvPr id="141" name="tx141"/>
           <p:cNvSpPr/>
           <p:nvPr/>
         </p:nvSpPr>
@@ -10934,9 +8802,8 @@
                     <a:alpha val="100000"/>
                   </a:srgbClr>
                 </a:solidFill>
-                <a:latin typeface="Helvetica Neue" panose="02000503000000020004" pitchFamily="2" charset="0"/>
-                <a:ea typeface="Helvetica Neue" panose="02000503000000020004" pitchFamily="2" charset="0"/>
-                <a:cs typeface="Helvetica Neue" panose="02000503000000020004" pitchFamily="2" charset="0"/>
+                <a:latin typeface="Graphik Web" panose="020B0503030202060203" pitchFamily="34" charset="77"/>
+                <a:cs typeface="Utopia"/>
               </a:rPr>
               <a:t>has</a:t>
             </a:r>
@@ -10945,7 +8812,7 @@
       </p:sp>
       <p:sp>
         <p:nvSpPr>
-          <p:cNvPr id="156" name="tx156"/>
+          <p:cNvPr id="142" name="tx142"/>
           <p:cNvSpPr/>
           <p:nvPr/>
         </p:nvSpPr>
@@ -10981,9 +8848,8 @@
                     <a:alpha val="100000"/>
                   </a:srgbClr>
                 </a:solidFill>
-                <a:latin typeface="Helvetica Neue" panose="02000503000000020004" pitchFamily="2" charset="0"/>
-                <a:ea typeface="Helvetica Neue" panose="02000503000000020004" pitchFamily="2" charset="0"/>
-                <a:cs typeface="Helvetica Neue" panose="02000503000000020004" pitchFamily="2" charset="0"/>
+                <a:latin typeface="Graphik Web" panose="020B0503030202060203" pitchFamily="34" charset="77"/>
+                <a:cs typeface="Utopia"/>
               </a:rPr>
               <a:t>IRE?</a:t>
             </a:r>
@@ -10992,7 +8858,7 @@
       </p:sp>
       <p:sp>
         <p:nvSpPr>
-          <p:cNvPr id="157" name="rc157"/>
+          <p:cNvPr id="143" name="rc143"/>
           <p:cNvSpPr/>
           <p:nvPr/>
         </p:nvSpPr>
@@ -11015,16 +8881,14 @@
           <a:lstStyle/>
           <a:p>
             <a:endParaRPr noProof="1">
-              <a:latin typeface="Helvetica Neue" panose="02000503000000020004" pitchFamily="2" charset="0"/>
-              <a:ea typeface="Helvetica Neue" panose="02000503000000020004" pitchFamily="2" charset="0"/>
-              <a:cs typeface="Helvetica Neue" panose="02000503000000020004" pitchFamily="2" charset="0"/>
-            </a:endParaRPr>
-          </a:p>
-        </p:txBody>
-      </p:sp>
-      <p:sp>
-        <p:nvSpPr>
-          <p:cNvPr id="158" name="rc158"/>
+              <a:latin typeface="Graphik Web" panose="020B0503030202060203" pitchFamily="34" charset="77"/>
+            </a:endParaRPr>
+          </a:p>
+        </p:txBody>
+      </p:sp>
+      <p:sp>
+        <p:nvSpPr>
+          <p:cNvPr id="144" name="rc144"/>
           <p:cNvSpPr/>
           <p:nvPr/>
         </p:nvSpPr>
@@ -11047,16 +8911,14 @@
           <a:lstStyle/>
           <a:p>
             <a:endParaRPr noProof="1">
-              <a:latin typeface="Helvetica Neue" panose="02000503000000020004" pitchFamily="2" charset="0"/>
-              <a:ea typeface="Helvetica Neue" panose="02000503000000020004" pitchFamily="2" charset="0"/>
-              <a:cs typeface="Helvetica Neue" panose="02000503000000020004" pitchFamily="2" charset="0"/>
-            </a:endParaRPr>
-          </a:p>
-        </p:txBody>
-      </p:sp>
-      <p:sp>
-        <p:nvSpPr>
-          <p:cNvPr id="159" name="rc159"/>
+              <a:latin typeface="Graphik Web" panose="020B0503030202060203" pitchFamily="34" charset="77"/>
+            </a:endParaRPr>
+          </a:p>
+        </p:txBody>
+      </p:sp>
+      <p:sp>
+        <p:nvSpPr>
+          <p:cNvPr id="145" name="rc145"/>
           <p:cNvSpPr/>
           <p:nvPr/>
         </p:nvSpPr>
@@ -11079,16 +8941,14 @@
           <a:lstStyle/>
           <a:p>
             <a:endParaRPr noProof="1">
-              <a:latin typeface="Helvetica Neue" panose="02000503000000020004" pitchFamily="2" charset="0"/>
-              <a:ea typeface="Helvetica Neue" panose="02000503000000020004" pitchFamily="2" charset="0"/>
-              <a:cs typeface="Helvetica Neue" panose="02000503000000020004" pitchFamily="2" charset="0"/>
-            </a:endParaRPr>
-          </a:p>
-        </p:txBody>
-      </p:sp>
-      <p:sp>
-        <p:nvSpPr>
-          <p:cNvPr id="160" name="rc160"/>
+              <a:latin typeface="Graphik Web" panose="020B0503030202060203" pitchFamily="34" charset="77"/>
+            </a:endParaRPr>
+          </a:p>
+        </p:txBody>
+      </p:sp>
+      <p:sp>
+        <p:nvSpPr>
+          <p:cNvPr id="146" name="rc146"/>
           <p:cNvSpPr/>
           <p:nvPr/>
         </p:nvSpPr>
@@ -11111,16 +8971,14 @@
           <a:lstStyle/>
           <a:p>
             <a:endParaRPr noProof="1">
-              <a:latin typeface="Helvetica Neue" panose="02000503000000020004" pitchFamily="2" charset="0"/>
-              <a:ea typeface="Helvetica Neue" panose="02000503000000020004" pitchFamily="2" charset="0"/>
-              <a:cs typeface="Helvetica Neue" panose="02000503000000020004" pitchFamily="2" charset="0"/>
-            </a:endParaRPr>
-          </a:p>
-        </p:txBody>
-      </p:sp>
-      <p:sp>
-        <p:nvSpPr>
-          <p:cNvPr id="161" name="rc161"/>
+              <a:latin typeface="Graphik Web" panose="020B0503030202060203" pitchFamily="34" charset="77"/>
+            </a:endParaRPr>
+          </a:p>
+        </p:txBody>
+      </p:sp>
+      <p:sp>
+        <p:nvSpPr>
+          <p:cNvPr id="147" name="rc147"/>
           <p:cNvSpPr/>
           <p:nvPr/>
         </p:nvSpPr>
@@ -11143,16 +9001,14 @@
           <a:lstStyle/>
           <a:p>
             <a:endParaRPr noProof="1">
-              <a:latin typeface="Helvetica Neue" panose="02000503000000020004" pitchFamily="2" charset="0"/>
-              <a:ea typeface="Helvetica Neue" panose="02000503000000020004" pitchFamily="2" charset="0"/>
-              <a:cs typeface="Helvetica Neue" panose="02000503000000020004" pitchFamily="2" charset="0"/>
-            </a:endParaRPr>
-          </a:p>
-        </p:txBody>
-      </p:sp>
-      <p:sp>
-        <p:nvSpPr>
-          <p:cNvPr id="162" name="rc162"/>
+              <a:latin typeface="Graphik Web" panose="020B0503030202060203" pitchFamily="34" charset="77"/>
+            </a:endParaRPr>
+          </a:p>
+        </p:txBody>
+      </p:sp>
+      <p:sp>
+        <p:nvSpPr>
+          <p:cNvPr id="148" name="rc148"/>
           <p:cNvSpPr/>
           <p:nvPr/>
         </p:nvSpPr>
@@ -11175,16 +9031,14 @@
           <a:lstStyle/>
           <a:p>
             <a:endParaRPr noProof="1">
-              <a:latin typeface="Helvetica Neue" panose="02000503000000020004" pitchFamily="2" charset="0"/>
-              <a:ea typeface="Helvetica Neue" panose="02000503000000020004" pitchFamily="2" charset="0"/>
-              <a:cs typeface="Helvetica Neue" panose="02000503000000020004" pitchFamily="2" charset="0"/>
-            </a:endParaRPr>
-          </a:p>
-        </p:txBody>
-      </p:sp>
-      <p:sp>
-        <p:nvSpPr>
-          <p:cNvPr id="163" name="tx163"/>
+              <a:latin typeface="Graphik Web" panose="020B0503030202060203" pitchFamily="34" charset="77"/>
+            </a:endParaRPr>
+          </a:p>
+        </p:txBody>
+      </p:sp>
+      <p:sp>
+        <p:nvSpPr>
+          <p:cNvPr id="149" name="tx149"/>
           <p:cNvSpPr/>
           <p:nvPr/>
         </p:nvSpPr>
@@ -11220,9 +9074,8 @@
                     <a:alpha val="100000"/>
                   </a:srgbClr>
                 </a:solidFill>
-                <a:latin typeface="Helvetica Neue" panose="02000503000000020004" pitchFamily="2" charset="0"/>
-                <a:ea typeface="Helvetica Neue" panose="02000503000000020004" pitchFamily="2" charset="0"/>
-                <a:cs typeface="Helvetica Neue" panose="02000503000000020004" pitchFamily="2" charset="0"/>
+                <a:latin typeface="Graphik Web" panose="020B0503030202060203" pitchFamily="34" charset="77"/>
+                <a:cs typeface="Utopia"/>
               </a:rPr>
               <a:t>3' IRE</a:t>
             </a:r>
@@ -11231,7 +9084,7 @@
       </p:sp>
       <p:sp>
         <p:nvSpPr>
-          <p:cNvPr id="164" name="tx164"/>
+          <p:cNvPr id="150" name="tx150"/>
           <p:cNvSpPr/>
           <p:nvPr/>
         </p:nvSpPr>
@@ -11267,9 +9120,8 @@
                     <a:alpha val="100000"/>
                   </a:srgbClr>
                 </a:solidFill>
-                <a:latin typeface="Helvetica Neue" panose="02000503000000020004" pitchFamily="2" charset="0"/>
-                <a:ea typeface="Helvetica Neue" panose="02000503000000020004" pitchFamily="2" charset="0"/>
-                <a:cs typeface="Helvetica Neue" panose="02000503000000020004" pitchFamily="2" charset="0"/>
+                <a:latin typeface="Graphik Web" panose="020B0503030202060203" pitchFamily="34" charset="77"/>
+                <a:cs typeface="Utopia"/>
               </a:rPr>
               <a:t>5' IRE</a:t>
             </a:r>
@@ -11278,7 +9130,7 @@
       </p:sp>
       <p:sp>
         <p:nvSpPr>
-          <p:cNvPr id="165" name="tx165"/>
+          <p:cNvPr id="151" name="tx151"/>
           <p:cNvSpPr/>
           <p:nvPr/>
         </p:nvSpPr>
@@ -11314,12 +9166,133 @@
                     <a:alpha val="100000"/>
                   </a:srgbClr>
                 </a:solidFill>
-                <a:latin typeface="Helvetica Neue" panose="02000503000000020004" pitchFamily="2" charset="0"/>
-                <a:ea typeface="Helvetica Neue" panose="02000503000000020004" pitchFamily="2" charset="0"/>
-                <a:cs typeface="Helvetica Neue" panose="02000503000000020004" pitchFamily="2" charset="0"/>
+                <a:latin typeface="Graphik Web" panose="020B0503030202060203" pitchFamily="34" charset="77"/>
+                <a:cs typeface="Utopia"/>
               </a:rPr>
               <a:t>No IRE</a:t>
             </a:r>
+          </a:p>
+        </p:txBody>
+      </p:sp>
+      <p:sp>
+        <p:nvSpPr>
+          <p:cNvPr id="152" name="tx86">
+            <a:extLst>
+              <a:ext uri="{FF2B5EF4-FFF2-40B4-BE49-F238E27FC236}">
+                <a16:creationId xmlns:a16="http://schemas.microsoft.com/office/drawing/2014/main" id="{B78BED80-5CB2-2E4C-9B36-D6621390BD72}"/>
+              </a:ext>
+            </a:extLst>
+          </p:cNvPr>
+          <p:cNvSpPr/>
+          <p:nvPr/>
+        </p:nvSpPr>
+        <p:spPr>
+          <a:xfrm>
+            <a:off x="5727081" y="15383287"/>
+            <a:ext cx="1368350" cy="124817"/>
+          </a:xfrm>
+          <a:prstGeom prst="rect">
+            <a:avLst/>
+          </a:prstGeom>
+          <a:noFill/>
+        </p:spPr>
+        <p:txBody>
+          <a:bodyPr wrap="none" lIns="0" tIns="0" rIns="0" bIns="0" anchor="ctr" anchorCtr="1"/>
+          <a:lstStyle/>
+          <a:p>
+            <a:pPr marL="0" marR="0" indent="0" algn="r">
+              <a:lnSpc>
+                <a:spcPts val="1300"/>
+              </a:lnSpc>
+              <a:spcBef>
+                <a:spcPts val="0"/>
+              </a:spcBef>
+              <a:spcAft>
+                <a:spcPts val="0"/>
+              </a:spcAft>
+            </a:pPr>
+            <a:r>
+              <a:rPr sz="1300" b="1" noProof="1">
+                <a:solidFill>
+                  <a:srgbClr val="333333">
+                    <a:alpha val="100000"/>
+                  </a:srgbClr>
+                </a:solidFill>
+                <a:latin typeface="Graphik Web" panose="020B0503030202060203" pitchFamily="34" charset="77"/>
+                <a:cs typeface="Utopia"/>
+              </a:rPr>
+              <a:t>G</a:t>
+            </a:r>
+            <a:r>
+              <a:rPr lang="en-AU" sz="1300" b="1" noProof="1">
+                <a:solidFill>
+                  <a:srgbClr val="333333">
+                    <a:alpha val="100000"/>
+                  </a:srgbClr>
+                </a:solidFill>
+                <a:latin typeface="Graphik Web" panose="020B0503030202060203" pitchFamily="34" charset="77"/>
+                <a:cs typeface="Utopia"/>
+              </a:rPr>
+              <a:t>RC</a:t>
+            </a:r>
+            <a:r>
+              <a:rPr sz="1300" b="1" noProof="1">
+                <a:solidFill>
+                  <a:srgbClr val="333333">
+                    <a:alpha val="100000"/>
+                  </a:srgbClr>
+                </a:solidFill>
+                <a:latin typeface="Graphik Web" panose="020B0503030202060203" pitchFamily="34" charset="77"/>
+                <a:cs typeface="Utopia"/>
+              </a:rPr>
+              <a:t>z11 Zebrafish</a:t>
+            </a:r>
+            <a:r>
+              <a:rPr lang="en-AU" sz="1300" b="1" noProof="1">
+                <a:solidFill>
+                  <a:srgbClr val="333333">
+                    <a:alpha val="100000"/>
+                  </a:srgbClr>
+                </a:solidFill>
+                <a:latin typeface="Graphik Web" panose="020B0503030202060203" pitchFamily="34" charset="77"/>
+                <a:cs typeface="Utopia"/>
+              </a:rPr>
+              <a:t> Genes</a:t>
+            </a:r>
+          </a:p>
+          <a:p>
+            <a:pPr marL="0" marR="0" indent="0" algn="r">
+              <a:lnSpc>
+                <a:spcPts val="1300"/>
+              </a:lnSpc>
+              <a:spcBef>
+                <a:spcPts val="0"/>
+              </a:spcBef>
+              <a:spcAft>
+                <a:spcPts val="0"/>
+              </a:spcAft>
+            </a:pPr>
+            <a:r>
+              <a:rPr lang="en-AU" sz="1300" b="1" noProof="1">
+                <a:solidFill>
+                  <a:srgbClr val="333333">
+                    <a:alpha val="100000"/>
+                  </a:srgbClr>
+                </a:solidFill>
+                <a:latin typeface="Graphik Web" panose="020B0503030202060203" pitchFamily="34" charset="77"/>
+                <a:cs typeface="Utopia"/>
+              </a:rPr>
+              <a:t>All predicted IREs</a:t>
+            </a:r>
+            <a:endParaRPr sz="1300" b="1" noProof="1">
+              <a:solidFill>
+                <a:srgbClr val="333333">
+                  <a:alpha val="100000"/>
+                </a:srgbClr>
+              </a:solidFill>
+              <a:latin typeface="Graphik Web" panose="020B0503030202060203" pitchFamily="34" charset="77"/>
+              <a:cs typeface="Utopia"/>
+            </a:endParaRPr>
           </a:p>
         </p:txBody>
       </p:sp>
@@ -11614,299 +9587,4 @@
   <a:objectDefaults/>
   <a:extraClrSchemeLst/>
 </a:theme>
-</file>
-
-<file path=ppt/theme/theme2.xml><?xml version="1.0" encoding="utf-8"?>
-<a:theme xmlns:a="http://schemas.openxmlformats.org/drawingml/2006/main" name="Office Theme">
-  <a:themeElements>
-    <a:clrScheme name="Office">
-      <a:dk1>
-        <a:sysClr val="windowText" lastClr="000000"/>
-      </a:dk1>
-      <a:lt1>
-        <a:sysClr val="window" lastClr="FFFFFF"/>
-      </a:lt1>
-      <a:dk2>
-        <a:srgbClr val="44546A"/>
-      </a:dk2>
-      <a:lt2>
-        <a:srgbClr val="E7E6E6"/>
-      </a:lt2>
-      <a:accent1>
-        <a:srgbClr val="4472C4"/>
-      </a:accent1>
-      <a:accent2>
-        <a:srgbClr val="ED7D31"/>
-      </a:accent2>
-      <a:accent3>
-        <a:srgbClr val="A5A5A5"/>
-      </a:accent3>
-      <a:accent4>
-        <a:srgbClr val="FFC000"/>
-      </a:accent4>
-      <a:accent5>
-        <a:srgbClr val="5B9BD5"/>
-      </a:accent5>
-      <a:accent6>
-        <a:srgbClr val="70AD47"/>
-      </a:accent6>
-      <a:hlink>
-        <a:srgbClr val="0563C1"/>
-      </a:hlink>
-      <a:folHlink>
-        <a:srgbClr val="954F72"/>
-      </a:folHlink>
-    </a:clrScheme>
-    <a:fontScheme name="Office">
-      <a:majorFont>
-        <a:latin typeface="Calibri Light" panose="020F0302020204030204"/>
-        <a:ea typeface=""/>
-        <a:cs typeface=""/>
-        <a:font script="Jpan" typeface="游ゴシック Light"/>
-        <a:font script="Hang" typeface="맑은 고딕"/>
-        <a:font script="Hans" typeface="等线 Light"/>
-        <a:font script="Hant" typeface="新細明體"/>
-        <a:font script="Arab" typeface="Times New Roman"/>
-        <a:font script="Hebr" typeface="Times New Roman"/>
-        <a:font script="Thai" typeface="Angsana New"/>
-        <a:font script="Ethi" typeface="Nyala"/>
-        <a:font script="Beng" typeface="Vrinda"/>
-        <a:font script="Gujr" typeface="Shruti"/>
-        <a:font script="Khmr" typeface="MoolBoran"/>
-        <a:font script="Knda" typeface="Tunga"/>
-        <a:font script="Guru" typeface="Raavi"/>
-        <a:font script="Cans" typeface="Euphemia"/>
-        <a:font script="Cher" typeface="Plantagenet Cherokee"/>
-        <a:font script="Yiii" typeface="Microsoft Yi Baiti"/>
-        <a:font script="Tibt" typeface="Microsoft Himalaya"/>
-        <a:font script="Thaa" typeface="MV Boli"/>
-        <a:font script="Deva" typeface="Mangal"/>
-        <a:font script="Telu" typeface="Gautami"/>
-        <a:font script="Taml" typeface="Latha"/>
-        <a:font script="Syrc" typeface="Estrangelo Edessa"/>
-        <a:font script="Orya" typeface="Kalinga"/>
-        <a:font script="Mlym" typeface="Kartika"/>
-        <a:font script="Laoo" typeface="DokChampa"/>
-        <a:font script="Sinh" typeface="Iskoola Pota"/>
-        <a:font script="Mong" typeface="Mongolian Baiti"/>
-        <a:font script="Viet" typeface="Times New Roman"/>
-        <a:font script="Uigh" typeface="Microsoft Uighur"/>
-        <a:font script="Geor" typeface="Sylfaen"/>
-        <a:font script="Armn" typeface="Arial"/>
-        <a:font script="Bugi" typeface="Leelawadee UI"/>
-        <a:font script="Bopo" typeface="Microsoft JhengHei"/>
-        <a:font script="Java" typeface="Javanese Text"/>
-        <a:font script="Lisu" typeface="Segoe UI"/>
-        <a:font script="Mymr" typeface="Myanmar Text"/>
-        <a:font script="Nkoo" typeface="Ebrima"/>
-        <a:font script="Olck" typeface="Nirmala UI"/>
-        <a:font script="Osma" typeface="Ebrima"/>
-        <a:font script="Phag" typeface="Phagspa"/>
-        <a:font script="Syrn" typeface="Estrangelo Edessa"/>
-        <a:font script="Syrj" typeface="Estrangelo Edessa"/>
-        <a:font script="Syre" typeface="Estrangelo Edessa"/>
-        <a:font script="Sora" typeface="Nirmala UI"/>
-        <a:font script="Tale" typeface="Microsoft Tai Le"/>
-        <a:font script="Talu" typeface="Microsoft New Tai Lue"/>
-        <a:font script="Tfng" typeface="Ebrima"/>
-      </a:majorFont>
-      <a:minorFont>
-        <a:latin typeface="Calibri" panose="020F0502020204030204"/>
-        <a:ea typeface=""/>
-        <a:cs typeface=""/>
-        <a:font script="Jpan" typeface="游ゴシック"/>
-        <a:font script="Hang" typeface="맑은 고딕"/>
-        <a:font script="Hans" typeface="等线"/>
-        <a:font script="Hant" typeface="新細明體"/>
-        <a:font script="Arab" typeface="Arial"/>
-        <a:font script="Hebr" typeface="Arial"/>
-        <a:font script="Thai" typeface="Cordia New"/>
-        <a:font script="Ethi" typeface="Nyala"/>
-        <a:font script="Beng" typeface="Vrinda"/>
-        <a:font script="Gujr" typeface="Shruti"/>
-        <a:font script="Khmr" typeface="DaunPenh"/>
-        <a:font script="Knda" typeface="Tunga"/>
-        <a:font script="Guru" typeface="Raavi"/>
-        <a:font script="Cans" typeface="Euphemia"/>
-        <a:font script="Cher" typeface="Plantagenet Cherokee"/>
-        <a:font script="Yiii" typeface="Microsoft Yi Baiti"/>
-        <a:font script="Tibt" typeface="Microsoft Himalaya"/>
-        <a:font script="Thaa" typeface="MV Boli"/>
-        <a:font script="Deva" typeface="Mangal"/>
-        <a:font script="Telu" typeface="Gautami"/>
-        <a:font script="Taml" typeface="Latha"/>
-        <a:font script="Syrc" typeface="Estrangelo Edessa"/>
-        <a:font script="Orya" typeface="Kalinga"/>
-        <a:font script="Mlym" typeface="Kartika"/>
-        <a:font script="Laoo" typeface="DokChampa"/>
-        <a:font script="Sinh" typeface="Iskoola Pota"/>
-        <a:font script="Mong" typeface="Mongolian Baiti"/>
-        <a:font script="Viet" typeface="Arial"/>
-        <a:font script="Uigh" typeface="Microsoft Uighur"/>
-        <a:font script="Geor" typeface="Sylfaen"/>
-        <a:font script="Armn" typeface="Arial"/>
-        <a:font script="Bugi" typeface="Leelawadee UI"/>
-        <a:font script="Bopo" typeface="Microsoft JhengHei"/>
-        <a:font script="Java" typeface="Javanese Text"/>
-        <a:font script="Lisu" typeface="Segoe UI"/>
-        <a:font script="Mymr" typeface="Myanmar Text"/>
-        <a:font script="Nkoo" typeface="Ebrima"/>
-        <a:font script="Olck" typeface="Nirmala UI"/>
-        <a:font script="Osma" typeface="Ebrima"/>
-        <a:font script="Phag" typeface="Phagspa"/>
-        <a:font script="Syrn" typeface="Estrangelo Edessa"/>
-        <a:font script="Syrj" typeface="Estrangelo Edessa"/>
-        <a:font script="Syre" typeface="Estrangelo Edessa"/>
-        <a:font script="Sora" typeface="Nirmala UI"/>
-        <a:font script="Tale" typeface="Microsoft Tai Le"/>
-        <a:font script="Talu" typeface="Microsoft New Tai Lue"/>
-        <a:font script="Tfng" typeface="Ebrima"/>
-      </a:minorFont>
-    </a:fontScheme>
-    <a:fmtScheme name="Office">
-      <a:fillStyleLst>
-        <a:solidFill>
-          <a:schemeClr val="phClr"/>
-        </a:solidFill>
-        <a:gradFill rotWithShape="1">
-          <a:gsLst>
-            <a:gs pos="0">
-              <a:schemeClr val="phClr">
-                <a:lumMod val="110000"/>
-                <a:satMod val="105000"/>
-                <a:tint val="67000"/>
-              </a:schemeClr>
-            </a:gs>
-            <a:gs pos="50000">
-              <a:schemeClr val="phClr">
-                <a:lumMod val="105000"/>
-                <a:satMod val="103000"/>
-                <a:tint val="73000"/>
-              </a:schemeClr>
-            </a:gs>
-            <a:gs pos="100000">
-              <a:schemeClr val="phClr">
-                <a:lumMod val="105000"/>
-                <a:satMod val="109000"/>
-                <a:tint val="81000"/>
-              </a:schemeClr>
-            </a:gs>
-          </a:gsLst>
-          <a:lin ang="5400000" scaled="0"/>
-        </a:gradFill>
-        <a:gradFill rotWithShape="1">
-          <a:gsLst>
-            <a:gs pos="0">
-              <a:schemeClr val="phClr">
-                <a:satMod val="103000"/>
-                <a:lumMod val="102000"/>
-                <a:tint val="94000"/>
-              </a:schemeClr>
-            </a:gs>
-            <a:gs pos="50000">
-              <a:schemeClr val="phClr">
-                <a:satMod val="110000"/>
-                <a:lumMod val="100000"/>
-                <a:shade val="100000"/>
-              </a:schemeClr>
-            </a:gs>
-            <a:gs pos="100000">
-              <a:schemeClr val="phClr">
-                <a:lumMod val="99000"/>
-                <a:satMod val="120000"/>
-                <a:shade val="78000"/>
-              </a:schemeClr>
-            </a:gs>
-          </a:gsLst>
-          <a:lin ang="5400000" scaled="0"/>
-        </a:gradFill>
-      </a:fillStyleLst>
-      <a:lnStyleLst>
-        <a:ln w="6350" cap="flat" cmpd="sng" algn="ctr">
-          <a:solidFill>
-            <a:schemeClr val="phClr"/>
-          </a:solidFill>
-          <a:prstDash val="solid"/>
-          <a:miter lim="800000"/>
-        </a:ln>
-        <a:ln w="12700" cap="flat" cmpd="sng" algn="ctr">
-          <a:solidFill>
-            <a:schemeClr val="phClr"/>
-          </a:solidFill>
-          <a:prstDash val="solid"/>
-          <a:miter lim="800000"/>
-        </a:ln>
-        <a:ln w="19050" cap="flat" cmpd="sng" algn="ctr">
-          <a:solidFill>
-            <a:schemeClr val="phClr"/>
-          </a:solidFill>
-          <a:prstDash val="solid"/>
-          <a:miter lim="800000"/>
-        </a:ln>
-      </a:lnStyleLst>
-      <a:effectStyleLst>
-        <a:effectStyle>
-          <a:effectLst/>
-        </a:effectStyle>
-        <a:effectStyle>
-          <a:effectLst/>
-        </a:effectStyle>
-        <a:effectStyle>
-          <a:effectLst>
-            <a:outerShdw blurRad="57150" dist="19050" dir="5400000" algn="ctr" rotWithShape="0">
-              <a:srgbClr val="000000">
-                <a:alpha val="63000"/>
-              </a:srgbClr>
-            </a:outerShdw>
-          </a:effectLst>
-        </a:effectStyle>
-      </a:effectStyleLst>
-      <a:bgFillStyleLst>
-        <a:solidFill>
-          <a:schemeClr val="phClr"/>
-        </a:solidFill>
-        <a:solidFill>
-          <a:schemeClr val="phClr">
-            <a:tint val="95000"/>
-            <a:satMod val="170000"/>
-          </a:schemeClr>
-        </a:solidFill>
-        <a:gradFill rotWithShape="1">
-          <a:gsLst>
-            <a:gs pos="0">
-              <a:schemeClr val="phClr">
-                <a:tint val="93000"/>
-                <a:satMod val="150000"/>
-                <a:shade val="98000"/>
-                <a:lumMod val="102000"/>
-              </a:schemeClr>
-            </a:gs>
-            <a:gs pos="50000">
-              <a:schemeClr val="phClr">
-                <a:tint val="98000"/>
-                <a:satMod val="130000"/>
-                <a:shade val="90000"/>
-                <a:lumMod val="103000"/>
-              </a:schemeClr>
-            </a:gs>
-            <a:gs pos="100000">
-              <a:schemeClr val="phClr">
-                <a:shade val="63000"/>
-                <a:satMod val="120000"/>
-              </a:schemeClr>
-            </a:gs>
-          </a:gsLst>
-          <a:lin ang="5400000" scaled="0"/>
-        </a:gradFill>
-      </a:bgFillStyleLst>
-    </a:fmtScheme>
-  </a:themeElements>
-  <a:objectDefaults/>
-  <a:extraClrSchemeLst/>
-  <a:extLst>
-    <a:ext uri="{05A4C25C-085E-4340-85A3-A5531E510DB2}">
-      <thm15:themeFamily xmlns:thm15="http://schemas.microsoft.com/office/thememl/2012/main" name="Office Theme" id="{62F939B6-93AF-4DB8-9C6B-D6C7DFDC589F}" vid="{4A3C46E8-61CC-4603-A589-7422A47A8E4A}"/>
-    </a:ext>
-  </a:extLst>
-</a:theme>
 </file>
--- a/R/GSEA/fig/overlapPlot.pptx
+++ b/R/GSEA/fig/overlapPlot.pptx
@@ -304,7 +304,7 @@
           <a:p>
             <a:fld id="{6BA5D40C-A8DC-479A-A5D3-E7B4936A184B}" type="datetimeFigureOut">
               <a:rPr lang="en-GB" smtClean="0"/>
-              <a:t>07/08/2019</a:t>
+              <a:t>10/10/2019</a:t>
             </a:fld>
             <a:endParaRPr lang="en-GB"/>
           </a:p>
@@ -474,7 +474,7 @@
           <a:p>
             <a:fld id="{6BA5D40C-A8DC-479A-A5D3-E7B4936A184B}" type="datetimeFigureOut">
               <a:rPr lang="en-GB" smtClean="0"/>
-              <a:t>07/08/2019</a:t>
+              <a:t>10/10/2019</a:t>
             </a:fld>
             <a:endParaRPr lang="en-GB"/>
           </a:p>
@@ -654,7 +654,7 @@
           <a:p>
             <a:fld id="{6BA5D40C-A8DC-479A-A5D3-E7B4936A184B}" type="datetimeFigureOut">
               <a:rPr lang="en-GB" smtClean="0"/>
-              <a:t>07/08/2019</a:t>
+              <a:t>10/10/2019</a:t>
             </a:fld>
             <a:endParaRPr lang="en-GB"/>
           </a:p>
@@ -824,7 +824,7 @@
           <a:p>
             <a:fld id="{6BA5D40C-A8DC-479A-A5D3-E7B4936A184B}" type="datetimeFigureOut">
               <a:rPr lang="en-GB" smtClean="0"/>
-              <a:t>07/08/2019</a:t>
+              <a:t>10/10/2019</a:t>
             </a:fld>
             <a:endParaRPr lang="en-GB"/>
           </a:p>
@@ -1070,7 +1070,7 @@
           <a:p>
             <a:fld id="{6BA5D40C-A8DC-479A-A5D3-E7B4936A184B}" type="datetimeFigureOut">
               <a:rPr lang="en-GB" smtClean="0"/>
-              <a:t>07/08/2019</a:t>
+              <a:t>10/10/2019</a:t>
             </a:fld>
             <a:endParaRPr lang="en-GB"/>
           </a:p>
@@ -1358,7 +1358,7 @@
           <a:p>
             <a:fld id="{6BA5D40C-A8DC-479A-A5D3-E7B4936A184B}" type="datetimeFigureOut">
               <a:rPr lang="en-GB" smtClean="0"/>
-              <a:t>07/08/2019</a:t>
+              <a:t>10/10/2019</a:t>
             </a:fld>
             <a:endParaRPr lang="en-GB"/>
           </a:p>
@@ -1785,7 +1785,7 @@
           <a:p>
             <a:fld id="{6BA5D40C-A8DC-479A-A5D3-E7B4936A184B}" type="datetimeFigureOut">
               <a:rPr lang="en-GB" smtClean="0"/>
-              <a:t>07/08/2019</a:t>
+              <a:t>10/10/2019</a:t>
             </a:fld>
             <a:endParaRPr lang="en-GB"/>
           </a:p>
@@ -1903,7 +1903,7 @@
           <a:p>
             <a:fld id="{6BA5D40C-A8DC-479A-A5D3-E7B4936A184B}" type="datetimeFigureOut">
               <a:rPr lang="en-GB" smtClean="0"/>
-              <a:t>07/08/2019</a:t>
+              <a:t>10/10/2019</a:t>
             </a:fld>
             <a:endParaRPr lang="en-GB"/>
           </a:p>
@@ -1998,7 +1998,7 @@
           <a:p>
             <a:fld id="{6BA5D40C-A8DC-479A-A5D3-E7B4936A184B}" type="datetimeFigureOut">
               <a:rPr lang="en-GB" smtClean="0"/>
-              <a:t>07/08/2019</a:t>
+              <a:t>10/10/2019</a:t>
             </a:fld>
             <a:endParaRPr lang="en-GB"/>
           </a:p>
@@ -2275,7 +2275,7 @@
           <a:p>
             <a:fld id="{6BA5D40C-A8DC-479A-A5D3-E7B4936A184B}" type="datetimeFigureOut">
               <a:rPr lang="en-GB" smtClean="0"/>
-              <a:t>07/08/2019</a:t>
+              <a:t>10/10/2019</a:t>
             </a:fld>
             <a:endParaRPr lang="en-GB"/>
           </a:p>
@@ -2528,7 +2528,7 @@
           <a:p>
             <a:fld id="{6BA5D40C-A8DC-479A-A5D3-E7B4936A184B}" type="datetimeFigureOut">
               <a:rPr lang="en-GB" smtClean="0"/>
-              <a:t>07/08/2019</a:t>
+              <a:t>10/10/2019</a:t>
             </a:fld>
             <a:endParaRPr lang="en-GB"/>
           </a:p>
@@ -2741,7 +2741,7 @@
           <a:p>
             <a:fld id="{6BA5D40C-A8DC-479A-A5D3-E7B4936A184B}" type="datetimeFigureOut">
               <a:rPr lang="en-GB" smtClean="0"/>
-              <a:t>07/08/2019</a:t>
+              <a:t>10/10/2019</a:t>
             </a:fld>
             <a:endParaRPr lang="en-GB"/>
           </a:p>
@@ -3118,247 +3118,19 @@
       </p:grpSpPr>
       <p:sp>
         <p:nvSpPr>
-          <p:cNvPr id="5" name="rc5"/>
-          <p:cNvSpPr/>
-          <p:nvPr/>
-        </p:nvSpPr>
-        <p:spPr>
-          <a:xfrm>
-            <a:off x="7669430" y="4678780"/>
-            <a:ext cx="15957443" cy="11170210"/>
-          </a:xfrm>
-          <a:prstGeom prst="rect">
-            <a:avLst/>
-          </a:prstGeom>
-          <a:solidFill>
-            <a:srgbClr val="FFFFFF">
-              <a:alpha val="100000"/>
-            </a:srgbClr>
-          </a:solidFill>
-        </p:spPr>
-        <p:txBody>
-          <a:bodyPr/>
-          <a:lstStyle/>
-          <a:p>
-            <a:endParaRPr noProof="1">
-              <a:latin typeface="Graphik Web" panose="020B0503030202060203" pitchFamily="34" charset="77"/>
-            </a:endParaRPr>
-          </a:p>
-        </p:txBody>
-      </p:sp>
-      <p:sp>
-        <p:nvSpPr>
-          <p:cNvPr id="6" name="pl6"/>
-          <p:cNvSpPr/>
-          <p:nvPr/>
-        </p:nvSpPr>
-        <p:spPr>
-          <a:xfrm>
-            <a:off x="10551588" y="4678780"/>
-            <a:ext cx="0" cy="11170210"/>
-          </a:xfrm>
-          <a:custGeom>
-            <a:avLst/>
-            <a:gdLst/>
-            <a:ahLst/>
-            <a:cxnLst/>
-            <a:rect l="0" t="0" r="0" b="0"/>
-            <a:pathLst>
-              <a:path h="11170210">
-                <a:moveTo>
-                  <a:pt x="0" y="11170210"/>
-                </a:moveTo>
-                <a:lnTo>
-                  <a:pt x="0" y="0"/>
-                </a:lnTo>
-                <a:lnTo>
-                  <a:pt x="0" y="0"/>
-                </a:lnTo>
-              </a:path>
-            </a:pathLst>
-          </a:custGeom>
-          <a:ln w="6775" cap="flat">
-            <a:solidFill>
-              <a:srgbClr val="EBEBEB">
-                <a:alpha val="100000"/>
-              </a:srgbClr>
-            </a:solidFill>
-            <a:prstDash val="solid"/>
-            <a:round/>
-          </a:ln>
-        </p:spPr>
-        <p:txBody>
-          <a:bodyPr/>
-          <a:lstStyle/>
-          <a:p>
-            <a:endParaRPr noProof="1">
-              <a:latin typeface="Graphik Web" panose="020B0503030202060203" pitchFamily="34" charset="77"/>
-            </a:endParaRPr>
-          </a:p>
-        </p:txBody>
-      </p:sp>
-      <p:sp>
-        <p:nvSpPr>
-          <p:cNvPr id="7" name="pl7"/>
-          <p:cNvSpPr/>
-          <p:nvPr/>
-        </p:nvSpPr>
-        <p:spPr>
-          <a:xfrm>
-            <a:off x="14865227" y="4678780"/>
-            <a:ext cx="0" cy="11170210"/>
-          </a:xfrm>
-          <a:custGeom>
-            <a:avLst/>
-            <a:gdLst/>
-            <a:ahLst/>
-            <a:cxnLst/>
-            <a:rect l="0" t="0" r="0" b="0"/>
-            <a:pathLst>
-              <a:path h="11170210">
-                <a:moveTo>
-                  <a:pt x="0" y="11170210"/>
-                </a:moveTo>
-                <a:lnTo>
-                  <a:pt x="0" y="0"/>
-                </a:lnTo>
-                <a:lnTo>
-                  <a:pt x="0" y="0"/>
-                </a:lnTo>
-              </a:path>
-            </a:pathLst>
-          </a:custGeom>
-          <a:ln w="6775" cap="flat">
-            <a:solidFill>
-              <a:srgbClr val="EBEBEB">
-                <a:alpha val="100000"/>
-              </a:srgbClr>
-            </a:solidFill>
-            <a:prstDash val="solid"/>
-            <a:round/>
-          </a:ln>
-        </p:spPr>
-        <p:txBody>
-          <a:bodyPr/>
-          <a:lstStyle/>
-          <a:p>
-            <a:endParaRPr noProof="1">
-              <a:latin typeface="Graphik Web" panose="020B0503030202060203" pitchFamily="34" charset="77"/>
-            </a:endParaRPr>
-          </a:p>
-        </p:txBody>
-      </p:sp>
-      <p:sp>
-        <p:nvSpPr>
-          <p:cNvPr id="8" name="pl8"/>
-          <p:cNvSpPr/>
-          <p:nvPr/>
-        </p:nvSpPr>
-        <p:spPr>
-          <a:xfrm>
-            <a:off x="19178865" y="4678780"/>
-            <a:ext cx="0" cy="11170210"/>
-          </a:xfrm>
-          <a:custGeom>
-            <a:avLst/>
-            <a:gdLst/>
-            <a:ahLst/>
-            <a:cxnLst/>
-            <a:rect l="0" t="0" r="0" b="0"/>
-            <a:pathLst>
-              <a:path h="11170210">
-                <a:moveTo>
-                  <a:pt x="0" y="11170210"/>
-                </a:moveTo>
-                <a:lnTo>
-                  <a:pt x="0" y="0"/>
-                </a:lnTo>
-                <a:lnTo>
-                  <a:pt x="0" y="0"/>
-                </a:lnTo>
-              </a:path>
-            </a:pathLst>
-          </a:custGeom>
-          <a:ln w="6775" cap="flat">
-            <a:solidFill>
-              <a:srgbClr val="EBEBEB">
-                <a:alpha val="100000"/>
-              </a:srgbClr>
-            </a:solidFill>
-            <a:prstDash val="solid"/>
-            <a:round/>
-          </a:ln>
-        </p:spPr>
-        <p:txBody>
-          <a:bodyPr/>
-          <a:lstStyle/>
-          <a:p>
-            <a:endParaRPr noProof="1">
-              <a:latin typeface="Graphik Web" panose="020B0503030202060203" pitchFamily="34" charset="77"/>
-            </a:endParaRPr>
-          </a:p>
-        </p:txBody>
-      </p:sp>
-      <p:sp>
-        <p:nvSpPr>
-          <p:cNvPr id="9" name="pl9"/>
-          <p:cNvSpPr/>
-          <p:nvPr/>
-        </p:nvSpPr>
-        <p:spPr>
-          <a:xfrm>
-            <a:off x="23492504" y="4678780"/>
-            <a:ext cx="0" cy="11170210"/>
-          </a:xfrm>
-          <a:custGeom>
-            <a:avLst/>
-            <a:gdLst/>
-            <a:ahLst/>
-            <a:cxnLst/>
-            <a:rect l="0" t="0" r="0" b="0"/>
-            <a:pathLst>
-              <a:path h="11170210">
-                <a:moveTo>
-                  <a:pt x="0" y="11170210"/>
-                </a:moveTo>
-                <a:lnTo>
-                  <a:pt x="0" y="0"/>
-                </a:lnTo>
-                <a:lnTo>
-                  <a:pt x="0" y="0"/>
-                </a:lnTo>
-              </a:path>
-            </a:pathLst>
-          </a:custGeom>
-          <a:ln w="6775" cap="flat">
-            <a:solidFill>
-              <a:srgbClr val="EBEBEB">
-                <a:alpha val="100000"/>
-              </a:srgbClr>
-            </a:solidFill>
-            <a:prstDash val="solid"/>
-            <a:round/>
-          </a:ln>
-        </p:spPr>
-        <p:txBody>
-          <a:bodyPr/>
-          <a:lstStyle/>
-          <a:p>
-            <a:endParaRPr noProof="1">
-              <a:latin typeface="Graphik Web" panose="020B0503030202060203" pitchFamily="34" charset="77"/>
-            </a:endParaRPr>
-          </a:p>
-        </p:txBody>
-      </p:sp>
-      <p:sp>
-        <p:nvSpPr>
-          <p:cNvPr id="10" name="pl10"/>
-          <p:cNvSpPr/>
-          <p:nvPr/>
-        </p:nvSpPr>
-        <p:spPr>
-          <a:xfrm>
-            <a:off x="7669430" y="15459332"/>
+          <p:cNvPr id="156" name="pl11">
+            <a:extLst>
+              <a:ext uri="{FF2B5EF4-FFF2-40B4-BE49-F238E27FC236}">
+                <a16:creationId xmlns:a16="http://schemas.microsoft.com/office/drawing/2014/main" id="{C74C249B-0955-2244-B363-AE05F2E2A89A}"/>
+              </a:ext>
+            </a:extLst>
+          </p:cNvPr>
+          <p:cNvSpPr/>
+          <p:nvPr/>
+        </p:nvSpPr>
+        <p:spPr>
+          <a:xfrm>
+            <a:off x="7666037" y="15498762"/>
             <a:ext cx="15957443" cy="0"/>
           </a:xfrm>
           <a:custGeom>
@@ -3396,7 +3168,9 @@
           <a:lstStyle/>
           <a:p>
             <a:endParaRPr noProof="1">
-              <a:latin typeface="Graphik Web" panose="020B0503030202060203" pitchFamily="34" charset="77"/>
+              <a:latin typeface="Helvetica Neue" panose="02000503000000020004" pitchFamily="2" charset="0"/>
+              <a:ea typeface="Helvetica Neue" panose="02000503000000020004" pitchFamily="2" charset="0"/>
+              <a:cs typeface="Helvetica Neue" panose="02000503000000020004" pitchFamily="2" charset="0"/>
             </a:endParaRPr>
           </a:p>
         </p:txBody>
@@ -3447,7 +3221,9 @@
           <a:lstStyle/>
           <a:p>
             <a:endParaRPr noProof="1">
-              <a:latin typeface="Graphik Web" panose="020B0503030202060203" pitchFamily="34" charset="77"/>
+              <a:latin typeface="Helvetica Neue" panose="02000503000000020004" pitchFamily="2" charset="0"/>
+              <a:ea typeface="Helvetica Neue" panose="02000503000000020004" pitchFamily="2" charset="0"/>
+              <a:cs typeface="Helvetica Neue" panose="02000503000000020004" pitchFamily="2" charset="0"/>
             </a:endParaRPr>
           </a:p>
         </p:txBody>
@@ -3498,7 +3274,9 @@
           <a:lstStyle/>
           <a:p>
             <a:endParaRPr noProof="1">
-              <a:latin typeface="Graphik Web" panose="020B0503030202060203" pitchFamily="34" charset="77"/>
+              <a:latin typeface="Helvetica Neue" panose="02000503000000020004" pitchFamily="2" charset="0"/>
+              <a:ea typeface="Helvetica Neue" panose="02000503000000020004" pitchFamily="2" charset="0"/>
+              <a:cs typeface="Helvetica Neue" panose="02000503000000020004" pitchFamily="2" charset="0"/>
             </a:endParaRPr>
           </a:p>
         </p:txBody>
@@ -3549,7 +3327,9 @@
           <a:lstStyle/>
           <a:p>
             <a:endParaRPr noProof="1">
-              <a:latin typeface="Graphik Web" panose="020B0503030202060203" pitchFamily="34" charset="77"/>
+              <a:latin typeface="Helvetica Neue" panose="02000503000000020004" pitchFamily="2" charset="0"/>
+              <a:ea typeface="Helvetica Neue" panose="02000503000000020004" pitchFamily="2" charset="0"/>
+              <a:cs typeface="Helvetica Neue" panose="02000503000000020004" pitchFamily="2" charset="0"/>
             </a:endParaRPr>
           </a:p>
         </p:txBody>
@@ -3600,7 +3380,9 @@
           <a:lstStyle/>
           <a:p>
             <a:endParaRPr noProof="1">
-              <a:latin typeface="Graphik Web" panose="020B0503030202060203" pitchFamily="34" charset="77"/>
+              <a:latin typeface="Helvetica Neue" panose="02000503000000020004" pitchFamily="2" charset="0"/>
+              <a:ea typeface="Helvetica Neue" panose="02000503000000020004" pitchFamily="2" charset="0"/>
+              <a:cs typeface="Helvetica Neue" panose="02000503000000020004" pitchFamily="2" charset="0"/>
             </a:endParaRPr>
           </a:p>
         </p:txBody>
@@ -3651,7 +3433,9 @@
           <a:lstStyle/>
           <a:p>
             <a:endParaRPr noProof="1">
-              <a:latin typeface="Graphik Web" panose="020B0503030202060203" pitchFamily="34" charset="77"/>
+              <a:latin typeface="Helvetica Neue" panose="02000503000000020004" pitchFamily="2" charset="0"/>
+              <a:ea typeface="Helvetica Neue" panose="02000503000000020004" pitchFamily="2" charset="0"/>
+              <a:cs typeface="Helvetica Neue" panose="02000503000000020004" pitchFamily="2" charset="0"/>
             </a:endParaRPr>
           </a:p>
         </p:txBody>
@@ -3702,7 +3486,9 @@
           <a:lstStyle/>
           <a:p>
             <a:endParaRPr noProof="1">
-              <a:latin typeface="Graphik Web" panose="020B0503030202060203" pitchFamily="34" charset="77"/>
+              <a:latin typeface="Helvetica Neue" panose="02000503000000020004" pitchFamily="2" charset="0"/>
+              <a:ea typeface="Helvetica Neue" panose="02000503000000020004" pitchFamily="2" charset="0"/>
+              <a:cs typeface="Helvetica Neue" panose="02000503000000020004" pitchFamily="2" charset="0"/>
             </a:endParaRPr>
           </a:p>
         </p:txBody>
@@ -3753,7 +3539,9 @@
           <a:lstStyle/>
           <a:p>
             <a:endParaRPr noProof="1">
-              <a:latin typeface="Graphik Web" panose="020B0503030202060203" pitchFamily="34" charset="77"/>
+              <a:latin typeface="Helvetica Neue" panose="02000503000000020004" pitchFamily="2" charset="0"/>
+              <a:ea typeface="Helvetica Neue" panose="02000503000000020004" pitchFamily="2" charset="0"/>
+              <a:cs typeface="Helvetica Neue" panose="02000503000000020004" pitchFamily="2" charset="0"/>
             </a:endParaRPr>
           </a:p>
         </p:txBody>
@@ -3804,7 +3592,9 @@
           <a:lstStyle/>
           <a:p>
             <a:endParaRPr noProof="1">
-              <a:latin typeface="Graphik Web" panose="020B0503030202060203" pitchFamily="34" charset="77"/>
+              <a:latin typeface="Helvetica Neue" panose="02000503000000020004" pitchFamily="2" charset="0"/>
+              <a:ea typeface="Helvetica Neue" panose="02000503000000020004" pitchFamily="2" charset="0"/>
+              <a:cs typeface="Helvetica Neue" panose="02000503000000020004" pitchFamily="2" charset="0"/>
             </a:endParaRPr>
           </a:p>
         </p:txBody>
@@ -3855,7 +3645,9 @@
           <a:lstStyle/>
           <a:p>
             <a:endParaRPr noProof="1">
-              <a:latin typeface="Graphik Web" panose="020B0503030202060203" pitchFamily="34" charset="77"/>
+              <a:latin typeface="Helvetica Neue" panose="02000503000000020004" pitchFamily="2" charset="0"/>
+              <a:ea typeface="Helvetica Neue" panose="02000503000000020004" pitchFamily="2" charset="0"/>
+              <a:cs typeface="Helvetica Neue" panose="02000503000000020004" pitchFamily="2" charset="0"/>
             </a:endParaRPr>
           </a:p>
         </p:txBody>
@@ -3906,7 +3698,9 @@
           <a:lstStyle/>
           <a:p>
             <a:endParaRPr noProof="1">
-              <a:latin typeface="Graphik Web" panose="020B0503030202060203" pitchFamily="34" charset="77"/>
+              <a:latin typeface="Helvetica Neue" panose="02000503000000020004" pitchFamily="2" charset="0"/>
+              <a:ea typeface="Helvetica Neue" panose="02000503000000020004" pitchFamily="2" charset="0"/>
+              <a:cs typeface="Helvetica Neue" panose="02000503000000020004" pitchFamily="2" charset="0"/>
             </a:endParaRPr>
           </a:p>
         </p:txBody>
@@ -3957,7 +3751,9 @@
           <a:lstStyle/>
           <a:p>
             <a:endParaRPr noProof="1">
-              <a:latin typeface="Graphik Web" panose="020B0503030202060203" pitchFamily="34" charset="77"/>
+              <a:latin typeface="Helvetica Neue" panose="02000503000000020004" pitchFamily="2" charset="0"/>
+              <a:ea typeface="Helvetica Neue" panose="02000503000000020004" pitchFamily="2" charset="0"/>
+              <a:cs typeface="Helvetica Neue" panose="02000503000000020004" pitchFamily="2" charset="0"/>
             </a:endParaRPr>
           </a:p>
         </p:txBody>
@@ -4008,7 +3804,9 @@
           <a:lstStyle/>
           <a:p>
             <a:endParaRPr noProof="1">
-              <a:latin typeface="Graphik Web" panose="020B0503030202060203" pitchFamily="34" charset="77"/>
+              <a:latin typeface="Helvetica Neue" panose="02000503000000020004" pitchFamily="2" charset="0"/>
+              <a:ea typeface="Helvetica Neue" panose="02000503000000020004" pitchFamily="2" charset="0"/>
+              <a:cs typeface="Helvetica Neue" panose="02000503000000020004" pitchFamily="2" charset="0"/>
             </a:endParaRPr>
           </a:p>
         </p:txBody>
@@ -4059,7 +3857,9 @@
           <a:lstStyle/>
           <a:p>
             <a:endParaRPr noProof="1">
-              <a:latin typeface="Graphik Web" panose="020B0503030202060203" pitchFamily="34" charset="77"/>
+              <a:latin typeface="Helvetica Neue" panose="02000503000000020004" pitchFamily="2" charset="0"/>
+              <a:ea typeface="Helvetica Neue" panose="02000503000000020004" pitchFamily="2" charset="0"/>
+              <a:cs typeface="Helvetica Neue" panose="02000503000000020004" pitchFamily="2" charset="0"/>
             </a:endParaRPr>
           </a:p>
         </p:txBody>
@@ -4110,7 +3910,9 @@
           <a:lstStyle/>
           <a:p>
             <a:endParaRPr noProof="1">
-              <a:latin typeface="Graphik Web" panose="020B0503030202060203" pitchFamily="34" charset="77"/>
+              <a:latin typeface="Helvetica Neue" panose="02000503000000020004" pitchFamily="2" charset="0"/>
+              <a:ea typeface="Helvetica Neue" panose="02000503000000020004" pitchFamily="2" charset="0"/>
+              <a:cs typeface="Helvetica Neue" panose="02000503000000020004" pitchFamily="2" charset="0"/>
             </a:endParaRPr>
           </a:p>
         </p:txBody>
@@ -4161,7 +3963,9 @@
           <a:lstStyle/>
           <a:p>
             <a:endParaRPr noProof="1">
-              <a:latin typeface="Graphik Web" panose="020B0503030202060203" pitchFamily="34" charset="77"/>
+              <a:latin typeface="Helvetica Neue" panose="02000503000000020004" pitchFamily="2" charset="0"/>
+              <a:ea typeface="Helvetica Neue" panose="02000503000000020004" pitchFamily="2" charset="0"/>
+              <a:cs typeface="Helvetica Neue" panose="02000503000000020004" pitchFamily="2" charset="0"/>
             </a:endParaRPr>
           </a:p>
         </p:txBody>
@@ -4212,7 +4016,9 @@
           <a:lstStyle/>
           <a:p>
             <a:endParaRPr noProof="1">
-              <a:latin typeface="Graphik Web" panose="020B0503030202060203" pitchFamily="34" charset="77"/>
+              <a:latin typeface="Helvetica Neue" panose="02000503000000020004" pitchFamily="2" charset="0"/>
+              <a:ea typeface="Helvetica Neue" panose="02000503000000020004" pitchFamily="2" charset="0"/>
+              <a:cs typeface="Helvetica Neue" panose="02000503000000020004" pitchFamily="2" charset="0"/>
             </a:endParaRPr>
           </a:p>
         </p:txBody>
@@ -4224,9 +4030,9 @@
           <p:nvPr/>
         </p:nvSpPr>
         <p:spPr>
-          <a:xfrm>
-            <a:off x="8394768" y="4678780"/>
-            <a:ext cx="0" cy="11170210"/>
+          <a:xfrm flipH="1">
+            <a:off x="8349048" y="4678779"/>
+            <a:ext cx="45719" cy="11429579"/>
           </a:xfrm>
           <a:custGeom>
             <a:avLst/>
@@ -4263,7 +4069,9 @@
           <a:lstStyle/>
           <a:p>
             <a:endParaRPr noProof="1">
-              <a:latin typeface="Graphik Web" panose="020B0503030202060203" pitchFamily="34" charset="77"/>
+              <a:latin typeface="Helvetica Neue" panose="02000503000000020004" pitchFamily="2" charset="0"/>
+              <a:ea typeface="Helvetica Neue" panose="02000503000000020004" pitchFamily="2" charset="0"/>
+              <a:cs typeface="Helvetica Neue" panose="02000503000000020004" pitchFamily="2" charset="0"/>
             </a:endParaRPr>
           </a:p>
         </p:txBody>
@@ -4275,9 +4083,9 @@
           <p:nvPr/>
         </p:nvSpPr>
         <p:spPr>
-          <a:xfrm>
-            <a:off x="12708407" y="4678780"/>
-            <a:ext cx="0" cy="11170210"/>
+          <a:xfrm flipH="1">
+            <a:off x="12662688" y="4678780"/>
+            <a:ext cx="45719" cy="11335960"/>
           </a:xfrm>
           <a:custGeom>
             <a:avLst/>
@@ -4314,7 +4122,9 @@
           <a:lstStyle/>
           <a:p>
             <a:endParaRPr noProof="1">
-              <a:latin typeface="Graphik Web" panose="020B0503030202060203" pitchFamily="34" charset="77"/>
+              <a:latin typeface="Helvetica Neue" panose="02000503000000020004" pitchFamily="2" charset="0"/>
+              <a:ea typeface="Helvetica Neue" panose="02000503000000020004" pitchFamily="2" charset="0"/>
+              <a:cs typeface="Helvetica Neue" panose="02000503000000020004" pitchFamily="2" charset="0"/>
             </a:endParaRPr>
           </a:p>
         </p:txBody>
@@ -4365,7 +4175,9 @@
           <a:lstStyle/>
           <a:p>
             <a:endParaRPr noProof="1">
-              <a:latin typeface="Graphik Web" panose="020B0503030202060203" pitchFamily="34" charset="77"/>
+              <a:latin typeface="Helvetica Neue" panose="02000503000000020004" pitchFamily="2" charset="0"/>
+              <a:ea typeface="Helvetica Neue" panose="02000503000000020004" pitchFamily="2" charset="0"/>
+              <a:cs typeface="Helvetica Neue" panose="02000503000000020004" pitchFamily="2" charset="0"/>
             </a:endParaRPr>
           </a:p>
         </p:txBody>
@@ -4416,7 +4228,9 @@
           <a:lstStyle/>
           <a:p>
             <a:endParaRPr noProof="1">
-              <a:latin typeface="Graphik Web" panose="020B0503030202060203" pitchFamily="34" charset="77"/>
+              <a:latin typeface="Helvetica Neue" panose="02000503000000020004" pitchFamily="2" charset="0"/>
+              <a:ea typeface="Helvetica Neue" panose="02000503000000020004" pitchFamily="2" charset="0"/>
+              <a:cs typeface="Helvetica Neue" panose="02000503000000020004" pitchFamily="2" charset="0"/>
             </a:endParaRPr>
           </a:p>
         </p:txBody>
@@ -4446,7 +4260,9 @@
           <a:lstStyle/>
           <a:p>
             <a:endParaRPr noProof="1">
-              <a:latin typeface="Graphik Web" panose="020B0503030202060203" pitchFamily="34" charset="77"/>
+              <a:latin typeface="Helvetica Neue" panose="02000503000000020004" pitchFamily="2" charset="0"/>
+              <a:ea typeface="Helvetica Neue" panose="02000503000000020004" pitchFamily="2" charset="0"/>
+              <a:cs typeface="Helvetica Neue" panose="02000503000000020004" pitchFamily="2" charset="0"/>
             </a:endParaRPr>
           </a:p>
         </p:txBody>
@@ -4459,16 +4275,14 @@
         </p:nvSpPr>
         <p:spPr>
           <a:xfrm>
-            <a:off x="8394768" y="15167089"/>
+            <a:off x="8394768" y="15193962"/>
             <a:ext cx="1695260" cy="584487"/>
           </a:xfrm>
           <a:prstGeom prst="rect">
             <a:avLst/>
           </a:prstGeom>
           <a:solidFill>
-            <a:srgbClr val="FF0066">
-              <a:alpha val="100000"/>
-            </a:srgbClr>
+            <a:srgbClr val="0084FF"/>
           </a:solidFill>
         </p:spPr>
         <p:txBody>
@@ -4476,7 +4290,9 @@
           <a:lstStyle/>
           <a:p>
             <a:endParaRPr noProof="1">
-              <a:latin typeface="Graphik Web" panose="020B0503030202060203" pitchFamily="34" charset="77"/>
+              <a:latin typeface="Helvetica Neue" panose="02000503000000020004" pitchFamily="2" charset="0"/>
+              <a:ea typeface="Helvetica Neue" panose="02000503000000020004" pitchFamily="2" charset="0"/>
+              <a:cs typeface="Helvetica Neue" panose="02000503000000020004" pitchFamily="2" charset="0"/>
             </a:endParaRPr>
           </a:p>
         </p:txBody>
@@ -4489,16 +4305,14 @@
         </p:nvSpPr>
         <p:spPr>
           <a:xfrm>
-            <a:off x="10090028" y="15167089"/>
+            <a:off x="10090028" y="15193962"/>
             <a:ext cx="5206561" cy="584487"/>
           </a:xfrm>
           <a:prstGeom prst="rect">
             <a:avLst/>
           </a:prstGeom>
           <a:solidFill>
-            <a:srgbClr val="FBB829">
-              <a:alpha val="100000"/>
-            </a:srgbClr>
+            <a:srgbClr val="FF2B67"/>
           </a:solidFill>
         </p:spPr>
         <p:txBody>
@@ -4506,7 +4320,9 @@
           <a:lstStyle/>
           <a:p>
             <a:endParaRPr noProof="1">
-              <a:latin typeface="Graphik Web" panose="020B0503030202060203" pitchFamily="34" charset="77"/>
+              <a:latin typeface="Helvetica Neue" panose="02000503000000020004" pitchFamily="2" charset="0"/>
+              <a:ea typeface="Helvetica Neue" panose="02000503000000020004" pitchFamily="2" charset="0"/>
+              <a:cs typeface="Helvetica Neue" panose="02000503000000020004" pitchFamily="2" charset="0"/>
             </a:endParaRPr>
           </a:p>
         </p:txBody>
@@ -4536,67 +4352,9 @@
           <a:lstStyle/>
           <a:p>
             <a:endParaRPr noProof="1">
-              <a:latin typeface="Graphik Web" panose="020B0503030202060203" pitchFamily="34" charset="77"/>
-            </a:endParaRPr>
-          </a:p>
-        </p:txBody>
-      </p:sp>
-      <p:sp>
-        <p:nvSpPr>
-          <p:cNvPr id="35" name="rc35"/>
-          <p:cNvSpPr/>
-          <p:nvPr/>
-        </p:nvSpPr>
-        <p:spPr>
-          <a:xfrm>
-            <a:off x="8394768" y="14517658"/>
-            <a:ext cx="211368" cy="584487"/>
-          </a:xfrm>
-          <a:prstGeom prst="rect">
-            <a:avLst/>
-          </a:prstGeom>
-          <a:solidFill>
-            <a:srgbClr val="FF0066">
-              <a:alpha val="100000"/>
-            </a:srgbClr>
-          </a:solidFill>
-        </p:spPr>
-        <p:txBody>
-          <a:bodyPr/>
-          <a:lstStyle/>
-          <a:p>
-            <a:endParaRPr noProof="1">
-              <a:latin typeface="Graphik Web" panose="020B0503030202060203" pitchFamily="34" charset="77"/>
-            </a:endParaRPr>
-          </a:p>
-        </p:txBody>
-      </p:sp>
-      <p:sp>
-        <p:nvSpPr>
-          <p:cNvPr id="36" name="rc36"/>
-          <p:cNvSpPr/>
-          <p:nvPr/>
-        </p:nvSpPr>
-        <p:spPr>
-          <a:xfrm>
-            <a:off x="8606137" y="14517658"/>
-            <a:ext cx="457245" cy="584487"/>
-          </a:xfrm>
-          <a:prstGeom prst="rect">
-            <a:avLst/>
-          </a:prstGeom>
-          <a:solidFill>
-            <a:srgbClr val="FBB829">
-              <a:alpha val="100000"/>
-            </a:srgbClr>
-          </a:solidFill>
-        </p:spPr>
-        <p:txBody>
-          <a:bodyPr/>
-          <a:lstStyle/>
-          <a:p>
-            <a:endParaRPr noProof="1">
-              <a:latin typeface="Graphik Web" panose="020B0503030202060203" pitchFamily="34" charset="77"/>
+              <a:latin typeface="Helvetica Neue" panose="02000503000000020004" pitchFamily="2" charset="0"/>
+              <a:ea typeface="Helvetica Neue" panose="02000503000000020004" pitchFamily="2" charset="0"/>
+              <a:cs typeface="Helvetica Neue" panose="02000503000000020004" pitchFamily="2" charset="0"/>
             </a:endParaRPr>
           </a:p>
         </p:txBody>
@@ -4626,7 +4384,9 @@
           <a:lstStyle/>
           <a:p>
             <a:endParaRPr noProof="1">
-              <a:latin typeface="Graphik Web" panose="020B0503030202060203" pitchFamily="34" charset="77"/>
+              <a:latin typeface="Helvetica Neue" panose="02000503000000020004" pitchFamily="2" charset="0"/>
+              <a:ea typeface="Helvetica Neue" panose="02000503000000020004" pitchFamily="2" charset="0"/>
+              <a:cs typeface="Helvetica Neue" panose="02000503000000020004" pitchFamily="2" charset="0"/>
             </a:endParaRPr>
           </a:p>
         </p:txBody>
@@ -4646,9 +4406,7 @@
             <a:avLst/>
           </a:prstGeom>
           <a:solidFill>
-            <a:srgbClr val="FF0066">
-              <a:alpha val="100000"/>
-            </a:srgbClr>
+            <a:srgbClr val="0084FF"/>
           </a:solidFill>
         </p:spPr>
         <p:txBody>
@@ -4656,7 +4414,9 @@
           <a:lstStyle/>
           <a:p>
             <a:endParaRPr noProof="1">
-              <a:latin typeface="Graphik Web" panose="020B0503030202060203" pitchFamily="34" charset="77"/>
+              <a:latin typeface="Helvetica Neue" panose="02000503000000020004" pitchFamily="2" charset="0"/>
+              <a:ea typeface="Helvetica Neue" panose="02000503000000020004" pitchFamily="2" charset="0"/>
+              <a:cs typeface="Helvetica Neue" panose="02000503000000020004" pitchFamily="2" charset="0"/>
             </a:endParaRPr>
           </a:p>
         </p:txBody>
@@ -4676,9 +4436,7 @@
             <a:avLst/>
           </a:prstGeom>
           <a:solidFill>
-            <a:srgbClr val="FBB829">
-              <a:alpha val="100000"/>
-            </a:srgbClr>
+            <a:srgbClr val="FF2B67"/>
           </a:solidFill>
         </p:spPr>
         <p:txBody>
@@ -4686,7 +4444,9 @@
           <a:lstStyle/>
           <a:p>
             <a:endParaRPr noProof="1">
-              <a:latin typeface="Graphik Web" panose="020B0503030202060203" pitchFamily="34" charset="77"/>
+              <a:latin typeface="Helvetica Neue" panose="02000503000000020004" pitchFamily="2" charset="0"/>
+              <a:ea typeface="Helvetica Neue" panose="02000503000000020004" pitchFamily="2" charset="0"/>
+              <a:cs typeface="Helvetica Neue" panose="02000503000000020004" pitchFamily="2" charset="0"/>
             </a:endParaRPr>
           </a:p>
         </p:txBody>
@@ -4716,7 +4476,9 @@
           <a:lstStyle/>
           <a:p>
             <a:endParaRPr noProof="1">
-              <a:latin typeface="Graphik Web" panose="020B0503030202060203" pitchFamily="34" charset="77"/>
+              <a:latin typeface="Helvetica Neue" panose="02000503000000020004" pitchFamily="2" charset="0"/>
+              <a:ea typeface="Helvetica Neue" panose="02000503000000020004" pitchFamily="2" charset="0"/>
+              <a:cs typeface="Helvetica Neue" panose="02000503000000020004" pitchFamily="2" charset="0"/>
             </a:endParaRPr>
           </a:p>
         </p:txBody>
@@ -4736,9 +4498,7 @@
             <a:avLst/>
           </a:prstGeom>
           <a:solidFill>
-            <a:srgbClr val="FF0066">
-              <a:alpha val="100000"/>
-            </a:srgbClr>
+            <a:srgbClr val="0084FF"/>
           </a:solidFill>
         </p:spPr>
         <p:txBody>
@@ -4746,7 +4506,9 @@
           <a:lstStyle/>
           <a:p>
             <a:endParaRPr noProof="1">
-              <a:latin typeface="Graphik Web" panose="020B0503030202060203" pitchFamily="34" charset="77"/>
+              <a:latin typeface="Helvetica Neue" panose="02000503000000020004" pitchFamily="2" charset="0"/>
+              <a:ea typeface="Helvetica Neue" panose="02000503000000020004" pitchFamily="2" charset="0"/>
+              <a:cs typeface="Helvetica Neue" panose="02000503000000020004" pitchFamily="2" charset="0"/>
             </a:endParaRPr>
           </a:p>
         </p:txBody>
@@ -4766,9 +4528,7 @@
             <a:avLst/>
           </a:prstGeom>
           <a:solidFill>
-            <a:srgbClr val="FBB829">
-              <a:alpha val="100000"/>
-            </a:srgbClr>
+            <a:srgbClr val="FF2B67"/>
           </a:solidFill>
         </p:spPr>
         <p:txBody>
@@ -4776,7 +4536,9 @@
           <a:lstStyle/>
           <a:p>
             <a:endParaRPr noProof="1">
-              <a:latin typeface="Graphik Web" panose="020B0503030202060203" pitchFamily="34" charset="77"/>
+              <a:latin typeface="Helvetica Neue" panose="02000503000000020004" pitchFamily="2" charset="0"/>
+              <a:ea typeface="Helvetica Neue" panose="02000503000000020004" pitchFamily="2" charset="0"/>
+              <a:cs typeface="Helvetica Neue" panose="02000503000000020004" pitchFamily="2" charset="0"/>
             </a:endParaRPr>
           </a:p>
         </p:txBody>
@@ -4806,7 +4568,9 @@
           <a:lstStyle/>
           <a:p>
             <a:endParaRPr noProof="1">
-              <a:latin typeface="Graphik Web" panose="020B0503030202060203" pitchFamily="34" charset="77"/>
+              <a:latin typeface="Helvetica Neue" panose="02000503000000020004" pitchFamily="2" charset="0"/>
+              <a:ea typeface="Helvetica Neue" panose="02000503000000020004" pitchFamily="2" charset="0"/>
+              <a:cs typeface="Helvetica Neue" panose="02000503000000020004" pitchFamily="2" charset="0"/>
             </a:endParaRPr>
           </a:p>
         </p:txBody>
@@ -4826,9 +4590,7 @@
             <a:avLst/>
           </a:prstGeom>
           <a:solidFill>
-            <a:srgbClr val="FF0066">
-              <a:alpha val="100000"/>
-            </a:srgbClr>
+            <a:srgbClr val="0084FF"/>
           </a:solidFill>
         </p:spPr>
         <p:txBody>
@@ -4836,7 +4598,9 @@
           <a:lstStyle/>
           <a:p>
             <a:endParaRPr noProof="1">
-              <a:latin typeface="Graphik Web" panose="020B0503030202060203" pitchFamily="34" charset="77"/>
+              <a:latin typeface="Helvetica Neue" panose="02000503000000020004" pitchFamily="2" charset="0"/>
+              <a:ea typeface="Helvetica Neue" panose="02000503000000020004" pitchFamily="2" charset="0"/>
+              <a:cs typeface="Helvetica Neue" panose="02000503000000020004" pitchFamily="2" charset="0"/>
             </a:endParaRPr>
           </a:p>
         </p:txBody>
@@ -4856,9 +4620,7 @@
             <a:avLst/>
           </a:prstGeom>
           <a:solidFill>
-            <a:srgbClr val="FBB829">
-              <a:alpha val="100000"/>
-            </a:srgbClr>
+            <a:srgbClr val="FF2B67"/>
           </a:solidFill>
         </p:spPr>
         <p:txBody>
@@ -4866,7 +4628,9 @@
           <a:lstStyle/>
           <a:p>
             <a:endParaRPr noProof="1">
-              <a:latin typeface="Graphik Web" panose="020B0503030202060203" pitchFamily="34" charset="77"/>
+              <a:latin typeface="Helvetica Neue" panose="02000503000000020004" pitchFamily="2" charset="0"/>
+              <a:ea typeface="Helvetica Neue" panose="02000503000000020004" pitchFamily="2" charset="0"/>
+              <a:cs typeface="Helvetica Neue" panose="02000503000000020004" pitchFamily="2" charset="0"/>
             </a:endParaRPr>
           </a:p>
         </p:txBody>
@@ -4896,7 +4660,9 @@
           <a:lstStyle/>
           <a:p>
             <a:endParaRPr noProof="1">
-              <a:latin typeface="Graphik Web" panose="020B0503030202060203" pitchFamily="34" charset="77"/>
+              <a:latin typeface="Helvetica Neue" panose="02000503000000020004" pitchFamily="2" charset="0"/>
+              <a:ea typeface="Helvetica Neue" panose="02000503000000020004" pitchFamily="2" charset="0"/>
+              <a:cs typeface="Helvetica Neue" panose="02000503000000020004" pitchFamily="2" charset="0"/>
             </a:endParaRPr>
           </a:p>
         </p:txBody>
@@ -4916,9 +4682,7 @@
             <a:avLst/>
           </a:prstGeom>
           <a:solidFill>
-            <a:srgbClr val="FF0066">
-              <a:alpha val="100000"/>
-            </a:srgbClr>
+            <a:srgbClr val="0084FF"/>
           </a:solidFill>
         </p:spPr>
         <p:txBody>
@@ -4926,7 +4690,9 @@
           <a:lstStyle/>
           <a:p>
             <a:endParaRPr noProof="1">
-              <a:latin typeface="Graphik Web" panose="020B0503030202060203" pitchFamily="34" charset="77"/>
+              <a:latin typeface="Helvetica Neue" panose="02000503000000020004" pitchFamily="2" charset="0"/>
+              <a:ea typeface="Helvetica Neue" panose="02000503000000020004" pitchFamily="2" charset="0"/>
+              <a:cs typeface="Helvetica Neue" panose="02000503000000020004" pitchFamily="2" charset="0"/>
             </a:endParaRPr>
           </a:p>
         </p:txBody>
@@ -4946,9 +4712,7 @@
             <a:avLst/>
           </a:prstGeom>
           <a:solidFill>
-            <a:srgbClr val="FBB829">
-              <a:alpha val="100000"/>
-            </a:srgbClr>
+            <a:srgbClr val="FF2B67"/>
           </a:solidFill>
         </p:spPr>
         <p:txBody>
@@ -4956,7 +4720,9 @@
           <a:lstStyle/>
           <a:p>
             <a:endParaRPr noProof="1">
-              <a:latin typeface="Graphik Web" panose="020B0503030202060203" pitchFamily="34" charset="77"/>
+              <a:latin typeface="Helvetica Neue" panose="02000503000000020004" pitchFamily="2" charset="0"/>
+              <a:ea typeface="Helvetica Neue" panose="02000503000000020004" pitchFamily="2" charset="0"/>
+              <a:cs typeface="Helvetica Neue" panose="02000503000000020004" pitchFamily="2" charset="0"/>
             </a:endParaRPr>
           </a:p>
         </p:txBody>
@@ -4986,7 +4752,9 @@
           <a:lstStyle/>
           <a:p>
             <a:endParaRPr noProof="1">
-              <a:latin typeface="Graphik Web" panose="020B0503030202060203" pitchFamily="34" charset="77"/>
+              <a:latin typeface="Helvetica Neue" panose="02000503000000020004" pitchFamily="2" charset="0"/>
+              <a:ea typeface="Helvetica Neue" panose="02000503000000020004" pitchFamily="2" charset="0"/>
+              <a:cs typeface="Helvetica Neue" panose="02000503000000020004" pitchFamily="2" charset="0"/>
             </a:endParaRPr>
           </a:p>
         </p:txBody>
@@ -5006,9 +4774,7 @@
             <a:avLst/>
           </a:prstGeom>
           <a:solidFill>
-            <a:srgbClr val="FF0066">
-              <a:alpha val="100000"/>
-            </a:srgbClr>
+            <a:srgbClr val="0084FF"/>
           </a:solidFill>
         </p:spPr>
         <p:txBody>
@@ -5016,7 +4782,9 @@
           <a:lstStyle/>
           <a:p>
             <a:endParaRPr noProof="1">
-              <a:latin typeface="Graphik Web" panose="020B0503030202060203" pitchFamily="34" charset="77"/>
+              <a:latin typeface="Helvetica Neue" panose="02000503000000020004" pitchFamily="2" charset="0"/>
+              <a:ea typeface="Helvetica Neue" panose="02000503000000020004" pitchFamily="2" charset="0"/>
+              <a:cs typeface="Helvetica Neue" panose="02000503000000020004" pitchFamily="2" charset="0"/>
             </a:endParaRPr>
           </a:p>
         </p:txBody>
@@ -5036,9 +4804,7 @@
             <a:avLst/>
           </a:prstGeom>
           <a:solidFill>
-            <a:srgbClr val="FBB829">
-              <a:alpha val="100000"/>
-            </a:srgbClr>
+            <a:srgbClr val="FF2B67"/>
           </a:solidFill>
         </p:spPr>
         <p:txBody>
@@ -5046,7 +4812,9 @@
           <a:lstStyle/>
           <a:p>
             <a:endParaRPr noProof="1">
-              <a:latin typeface="Graphik Web" panose="020B0503030202060203" pitchFamily="34" charset="77"/>
+              <a:latin typeface="Helvetica Neue" panose="02000503000000020004" pitchFamily="2" charset="0"/>
+              <a:ea typeface="Helvetica Neue" panose="02000503000000020004" pitchFamily="2" charset="0"/>
+              <a:cs typeface="Helvetica Neue" panose="02000503000000020004" pitchFamily="2" charset="0"/>
             </a:endParaRPr>
           </a:p>
         </p:txBody>
@@ -5076,7 +4844,9 @@
           <a:lstStyle/>
           <a:p>
             <a:endParaRPr noProof="1">
-              <a:latin typeface="Graphik Web" panose="020B0503030202060203" pitchFamily="34" charset="77"/>
+              <a:latin typeface="Helvetica Neue" panose="02000503000000020004" pitchFamily="2" charset="0"/>
+              <a:ea typeface="Helvetica Neue" panose="02000503000000020004" pitchFamily="2" charset="0"/>
+              <a:cs typeface="Helvetica Neue" panose="02000503000000020004" pitchFamily="2" charset="0"/>
             </a:endParaRPr>
           </a:p>
         </p:txBody>
@@ -5096,9 +4866,7 @@
             <a:avLst/>
           </a:prstGeom>
           <a:solidFill>
-            <a:srgbClr val="FF0066">
-              <a:alpha val="100000"/>
-            </a:srgbClr>
+            <a:srgbClr val="0084FF"/>
           </a:solidFill>
         </p:spPr>
         <p:txBody>
@@ -5106,7 +4874,9 @@
           <a:lstStyle/>
           <a:p>
             <a:endParaRPr noProof="1">
-              <a:latin typeface="Graphik Web" panose="020B0503030202060203" pitchFamily="34" charset="77"/>
+              <a:latin typeface="Helvetica Neue" panose="02000503000000020004" pitchFamily="2" charset="0"/>
+              <a:ea typeface="Helvetica Neue" panose="02000503000000020004" pitchFamily="2" charset="0"/>
+              <a:cs typeface="Helvetica Neue" panose="02000503000000020004" pitchFamily="2" charset="0"/>
             </a:endParaRPr>
           </a:p>
         </p:txBody>
@@ -5126,9 +4896,7 @@
             <a:avLst/>
           </a:prstGeom>
           <a:solidFill>
-            <a:srgbClr val="FBB829">
-              <a:alpha val="100000"/>
-            </a:srgbClr>
+            <a:srgbClr val="FF2B67"/>
           </a:solidFill>
         </p:spPr>
         <p:txBody>
@@ -5136,7 +4904,9 @@
           <a:lstStyle/>
           <a:p>
             <a:endParaRPr noProof="1">
-              <a:latin typeface="Graphik Web" panose="020B0503030202060203" pitchFamily="34" charset="77"/>
+              <a:latin typeface="Helvetica Neue" panose="02000503000000020004" pitchFamily="2" charset="0"/>
+              <a:ea typeface="Helvetica Neue" panose="02000503000000020004" pitchFamily="2" charset="0"/>
+              <a:cs typeface="Helvetica Neue" panose="02000503000000020004" pitchFamily="2" charset="0"/>
             </a:endParaRPr>
           </a:p>
         </p:txBody>
@@ -5166,7 +4936,9 @@
           <a:lstStyle/>
           <a:p>
             <a:endParaRPr noProof="1">
-              <a:latin typeface="Graphik Web" panose="020B0503030202060203" pitchFamily="34" charset="77"/>
+              <a:latin typeface="Helvetica Neue" panose="02000503000000020004" pitchFamily="2" charset="0"/>
+              <a:ea typeface="Helvetica Neue" panose="02000503000000020004" pitchFamily="2" charset="0"/>
+              <a:cs typeface="Helvetica Neue" panose="02000503000000020004" pitchFamily="2" charset="0"/>
             </a:endParaRPr>
           </a:p>
         </p:txBody>
@@ -5186,9 +4958,7 @@
             <a:avLst/>
           </a:prstGeom>
           <a:solidFill>
-            <a:srgbClr val="FF0066">
-              <a:alpha val="100000"/>
-            </a:srgbClr>
+            <a:srgbClr val="0084FF"/>
           </a:solidFill>
         </p:spPr>
         <p:txBody>
@@ -5196,7 +4966,9 @@
           <a:lstStyle/>
           <a:p>
             <a:endParaRPr noProof="1">
-              <a:latin typeface="Graphik Web" panose="020B0503030202060203" pitchFamily="34" charset="77"/>
+              <a:latin typeface="Helvetica Neue" panose="02000503000000020004" pitchFamily="2" charset="0"/>
+              <a:ea typeface="Helvetica Neue" panose="02000503000000020004" pitchFamily="2" charset="0"/>
+              <a:cs typeface="Helvetica Neue" panose="02000503000000020004" pitchFamily="2" charset="0"/>
             </a:endParaRPr>
           </a:p>
         </p:txBody>
@@ -5216,9 +4988,7 @@
             <a:avLst/>
           </a:prstGeom>
           <a:solidFill>
-            <a:srgbClr val="FBB829">
-              <a:alpha val="100000"/>
-            </a:srgbClr>
+            <a:srgbClr val="FF2B67"/>
           </a:solidFill>
         </p:spPr>
         <p:txBody>
@@ -5226,7 +4996,9 @@
           <a:lstStyle/>
           <a:p>
             <a:endParaRPr noProof="1">
-              <a:latin typeface="Graphik Web" panose="020B0503030202060203" pitchFamily="34" charset="77"/>
+              <a:latin typeface="Helvetica Neue" panose="02000503000000020004" pitchFamily="2" charset="0"/>
+              <a:ea typeface="Helvetica Neue" panose="02000503000000020004" pitchFamily="2" charset="0"/>
+              <a:cs typeface="Helvetica Neue" panose="02000503000000020004" pitchFamily="2" charset="0"/>
             </a:endParaRPr>
           </a:p>
         </p:txBody>
@@ -5256,7 +5028,9 @@
           <a:lstStyle/>
           <a:p>
             <a:endParaRPr noProof="1">
-              <a:latin typeface="Graphik Web" panose="020B0503030202060203" pitchFamily="34" charset="77"/>
+              <a:latin typeface="Helvetica Neue" panose="02000503000000020004" pitchFamily="2" charset="0"/>
+              <a:ea typeface="Helvetica Neue" panose="02000503000000020004" pitchFamily="2" charset="0"/>
+              <a:cs typeface="Helvetica Neue" panose="02000503000000020004" pitchFamily="2" charset="0"/>
             </a:endParaRPr>
           </a:p>
         </p:txBody>
@@ -5276,9 +5050,7 @@
             <a:avLst/>
           </a:prstGeom>
           <a:solidFill>
-            <a:srgbClr val="FF0066">
-              <a:alpha val="100000"/>
-            </a:srgbClr>
+            <a:srgbClr val="0084FF"/>
           </a:solidFill>
         </p:spPr>
         <p:txBody>
@@ -5286,7 +5058,9 @@
           <a:lstStyle/>
           <a:p>
             <a:endParaRPr noProof="1">
-              <a:latin typeface="Graphik Web" panose="020B0503030202060203" pitchFamily="34" charset="77"/>
+              <a:latin typeface="Helvetica Neue" panose="02000503000000020004" pitchFamily="2" charset="0"/>
+              <a:ea typeface="Helvetica Neue" panose="02000503000000020004" pitchFamily="2" charset="0"/>
+              <a:cs typeface="Helvetica Neue" panose="02000503000000020004" pitchFamily="2" charset="0"/>
             </a:endParaRPr>
           </a:p>
         </p:txBody>
@@ -5306,9 +5080,7 @@
             <a:avLst/>
           </a:prstGeom>
           <a:solidFill>
-            <a:srgbClr val="FBB829">
-              <a:alpha val="100000"/>
-            </a:srgbClr>
+            <a:srgbClr val="FF2B67"/>
           </a:solidFill>
         </p:spPr>
         <p:txBody>
@@ -5316,7 +5088,9 @@
           <a:lstStyle/>
           <a:p>
             <a:endParaRPr noProof="1">
-              <a:latin typeface="Graphik Web" panose="020B0503030202060203" pitchFamily="34" charset="77"/>
+              <a:latin typeface="Helvetica Neue" panose="02000503000000020004" pitchFamily="2" charset="0"/>
+              <a:ea typeface="Helvetica Neue" panose="02000503000000020004" pitchFamily="2" charset="0"/>
+              <a:cs typeface="Helvetica Neue" panose="02000503000000020004" pitchFamily="2" charset="0"/>
             </a:endParaRPr>
           </a:p>
         </p:txBody>
@@ -5346,7 +5120,9 @@
           <a:lstStyle/>
           <a:p>
             <a:endParaRPr noProof="1">
-              <a:latin typeface="Graphik Web" panose="020B0503030202060203" pitchFamily="34" charset="77"/>
+              <a:latin typeface="Helvetica Neue" panose="02000503000000020004" pitchFamily="2" charset="0"/>
+              <a:ea typeface="Helvetica Neue" panose="02000503000000020004" pitchFamily="2" charset="0"/>
+              <a:cs typeface="Helvetica Neue" panose="02000503000000020004" pitchFamily="2" charset="0"/>
             </a:endParaRPr>
           </a:p>
         </p:txBody>
@@ -5366,9 +5142,7 @@
             <a:avLst/>
           </a:prstGeom>
           <a:solidFill>
-            <a:srgbClr val="FF0066">
-              <a:alpha val="100000"/>
-            </a:srgbClr>
+            <a:srgbClr val="0084FF"/>
           </a:solidFill>
         </p:spPr>
         <p:txBody>
@@ -5376,7 +5150,9 @@
           <a:lstStyle/>
           <a:p>
             <a:endParaRPr noProof="1">
-              <a:latin typeface="Graphik Web" panose="020B0503030202060203" pitchFamily="34" charset="77"/>
+              <a:latin typeface="Helvetica Neue" panose="02000503000000020004" pitchFamily="2" charset="0"/>
+              <a:ea typeface="Helvetica Neue" panose="02000503000000020004" pitchFamily="2" charset="0"/>
+              <a:cs typeface="Helvetica Neue" panose="02000503000000020004" pitchFamily="2" charset="0"/>
             </a:endParaRPr>
           </a:p>
         </p:txBody>
@@ -5396,9 +5172,7 @@
             <a:avLst/>
           </a:prstGeom>
           <a:solidFill>
-            <a:srgbClr val="FBB829">
-              <a:alpha val="100000"/>
-            </a:srgbClr>
+            <a:srgbClr val="FF2B67"/>
           </a:solidFill>
         </p:spPr>
         <p:txBody>
@@ -5406,7 +5180,9 @@
           <a:lstStyle/>
           <a:p>
             <a:endParaRPr noProof="1">
-              <a:latin typeface="Graphik Web" panose="020B0503030202060203" pitchFamily="34" charset="77"/>
+              <a:latin typeface="Helvetica Neue" panose="02000503000000020004" pitchFamily="2" charset="0"/>
+              <a:ea typeface="Helvetica Neue" panose="02000503000000020004" pitchFamily="2" charset="0"/>
+              <a:cs typeface="Helvetica Neue" panose="02000503000000020004" pitchFamily="2" charset="0"/>
             </a:endParaRPr>
           </a:p>
         </p:txBody>
@@ -5436,7 +5212,9 @@
           <a:lstStyle/>
           <a:p>
             <a:endParaRPr noProof="1">
-              <a:latin typeface="Graphik Web" panose="020B0503030202060203" pitchFamily="34" charset="77"/>
+              <a:latin typeface="Helvetica Neue" panose="02000503000000020004" pitchFamily="2" charset="0"/>
+              <a:ea typeface="Helvetica Neue" panose="02000503000000020004" pitchFamily="2" charset="0"/>
+              <a:cs typeface="Helvetica Neue" panose="02000503000000020004" pitchFamily="2" charset="0"/>
             </a:endParaRPr>
           </a:p>
         </p:txBody>
@@ -5456,9 +5234,7 @@
             <a:avLst/>
           </a:prstGeom>
           <a:solidFill>
-            <a:srgbClr val="FF0066">
-              <a:alpha val="100000"/>
-            </a:srgbClr>
+            <a:srgbClr val="0084FF"/>
           </a:solidFill>
         </p:spPr>
         <p:txBody>
@@ -5466,7 +5242,9 @@
           <a:lstStyle/>
           <a:p>
             <a:endParaRPr noProof="1">
-              <a:latin typeface="Graphik Web" panose="020B0503030202060203" pitchFamily="34" charset="77"/>
+              <a:latin typeface="Helvetica Neue" panose="02000503000000020004" pitchFamily="2" charset="0"/>
+              <a:ea typeface="Helvetica Neue" panose="02000503000000020004" pitchFamily="2" charset="0"/>
+              <a:cs typeface="Helvetica Neue" panose="02000503000000020004" pitchFamily="2" charset="0"/>
             </a:endParaRPr>
           </a:p>
         </p:txBody>
@@ -5486,9 +5264,7 @@
             <a:avLst/>
           </a:prstGeom>
           <a:solidFill>
-            <a:srgbClr val="FBB829">
-              <a:alpha val="100000"/>
-            </a:srgbClr>
+            <a:srgbClr val="FF2B67"/>
           </a:solidFill>
         </p:spPr>
         <p:txBody>
@@ -5496,7 +5272,9 @@
           <a:lstStyle/>
           <a:p>
             <a:endParaRPr noProof="1">
-              <a:latin typeface="Graphik Web" panose="020B0503030202060203" pitchFamily="34" charset="77"/>
+              <a:latin typeface="Helvetica Neue" panose="02000503000000020004" pitchFamily="2" charset="0"/>
+              <a:ea typeface="Helvetica Neue" panose="02000503000000020004" pitchFamily="2" charset="0"/>
+              <a:cs typeface="Helvetica Neue" panose="02000503000000020004" pitchFamily="2" charset="0"/>
             </a:endParaRPr>
           </a:p>
         </p:txBody>
@@ -5526,7 +5304,9 @@
           <a:lstStyle/>
           <a:p>
             <a:endParaRPr noProof="1">
-              <a:latin typeface="Graphik Web" panose="020B0503030202060203" pitchFamily="34" charset="77"/>
+              <a:latin typeface="Helvetica Neue" panose="02000503000000020004" pitchFamily="2" charset="0"/>
+              <a:ea typeface="Helvetica Neue" panose="02000503000000020004" pitchFamily="2" charset="0"/>
+              <a:cs typeface="Helvetica Neue" panose="02000503000000020004" pitchFamily="2" charset="0"/>
             </a:endParaRPr>
           </a:p>
         </p:txBody>
@@ -5546,9 +5326,7 @@
             <a:avLst/>
           </a:prstGeom>
           <a:solidFill>
-            <a:srgbClr val="FF0066">
-              <a:alpha val="100000"/>
-            </a:srgbClr>
+            <a:srgbClr val="0084FF"/>
           </a:solidFill>
         </p:spPr>
         <p:txBody>
@@ -5556,7 +5334,9 @@
           <a:lstStyle/>
           <a:p>
             <a:endParaRPr noProof="1">
-              <a:latin typeface="Graphik Web" panose="020B0503030202060203" pitchFamily="34" charset="77"/>
+              <a:latin typeface="Helvetica Neue" panose="02000503000000020004" pitchFamily="2" charset="0"/>
+              <a:ea typeface="Helvetica Neue" panose="02000503000000020004" pitchFamily="2" charset="0"/>
+              <a:cs typeface="Helvetica Neue" panose="02000503000000020004" pitchFamily="2" charset="0"/>
             </a:endParaRPr>
           </a:p>
         </p:txBody>
@@ -5576,9 +5356,7 @@
             <a:avLst/>
           </a:prstGeom>
           <a:solidFill>
-            <a:srgbClr val="FBB829">
-              <a:alpha val="100000"/>
-            </a:srgbClr>
+            <a:srgbClr val="FF2B67"/>
           </a:solidFill>
         </p:spPr>
         <p:txBody>
@@ -5586,7 +5364,9 @@
           <a:lstStyle/>
           <a:p>
             <a:endParaRPr noProof="1">
-              <a:latin typeface="Graphik Web" panose="020B0503030202060203" pitchFamily="34" charset="77"/>
+              <a:latin typeface="Helvetica Neue" panose="02000503000000020004" pitchFamily="2" charset="0"/>
+              <a:ea typeface="Helvetica Neue" panose="02000503000000020004" pitchFamily="2" charset="0"/>
+              <a:cs typeface="Helvetica Neue" panose="02000503000000020004" pitchFamily="2" charset="0"/>
             </a:endParaRPr>
           </a:p>
         </p:txBody>
@@ -5616,7 +5396,9 @@
           <a:lstStyle/>
           <a:p>
             <a:endParaRPr noProof="1">
-              <a:latin typeface="Graphik Web" panose="020B0503030202060203" pitchFamily="34" charset="77"/>
+              <a:latin typeface="Helvetica Neue" panose="02000503000000020004" pitchFamily="2" charset="0"/>
+              <a:ea typeface="Helvetica Neue" panose="02000503000000020004" pitchFamily="2" charset="0"/>
+              <a:cs typeface="Helvetica Neue" panose="02000503000000020004" pitchFamily="2" charset="0"/>
             </a:endParaRPr>
           </a:p>
         </p:txBody>
@@ -5636,9 +5418,7 @@
             <a:avLst/>
           </a:prstGeom>
           <a:solidFill>
-            <a:srgbClr val="FF0066">
-              <a:alpha val="100000"/>
-            </a:srgbClr>
+            <a:srgbClr val="0084FF"/>
           </a:solidFill>
         </p:spPr>
         <p:txBody>
@@ -5646,7 +5426,9 @@
           <a:lstStyle/>
           <a:p>
             <a:endParaRPr noProof="1">
-              <a:latin typeface="Graphik Web" panose="020B0503030202060203" pitchFamily="34" charset="77"/>
+              <a:latin typeface="Helvetica Neue" panose="02000503000000020004" pitchFamily="2" charset="0"/>
+              <a:ea typeface="Helvetica Neue" panose="02000503000000020004" pitchFamily="2" charset="0"/>
+              <a:cs typeface="Helvetica Neue" panose="02000503000000020004" pitchFamily="2" charset="0"/>
             </a:endParaRPr>
           </a:p>
         </p:txBody>
@@ -5666,9 +5448,7 @@
             <a:avLst/>
           </a:prstGeom>
           <a:solidFill>
-            <a:srgbClr val="FBB829">
-              <a:alpha val="100000"/>
-            </a:srgbClr>
+            <a:srgbClr val="FF2B67"/>
           </a:solidFill>
         </p:spPr>
         <p:txBody>
@@ -5676,7 +5456,9 @@
           <a:lstStyle/>
           <a:p>
             <a:endParaRPr noProof="1">
-              <a:latin typeface="Graphik Web" panose="020B0503030202060203" pitchFamily="34" charset="77"/>
+              <a:latin typeface="Helvetica Neue" panose="02000503000000020004" pitchFamily="2" charset="0"/>
+              <a:ea typeface="Helvetica Neue" panose="02000503000000020004" pitchFamily="2" charset="0"/>
+              <a:cs typeface="Helvetica Neue" panose="02000503000000020004" pitchFamily="2" charset="0"/>
             </a:endParaRPr>
           </a:p>
         </p:txBody>
@@ -5706,7 +5488,9 @@
           <a:lstStyle/>
           <a:p>
             <a:endParaRPr noProof="1">
-              <a:latin typeface="Graphik Web" panose="020B0503030202060203" pitchFamily="34" charset="77"/>
+              <a:latin typeface="Helvetica Neue" panose="02000503000000020004" pitchFamily="2" charset="0"/>
+              <a:ea typeface="Helvetica Neue" panose="02000503000000020004" pitchFamily="2" charset="0"/>
+              <a:cs typeface="Helvetica Neue" panose="02000503000000020004" pitchFamily="2" charset="0"/>
             </a:endParaRPr>
           </a:p>
         </p:txBody>
@@ -5726,9 +5510,7 @@
             <a:avLst/>
           </a:prstGeom>
           <a:solidFill>
-            <a:srgbClr val="FF0066">
-              <a:alpha val="100000"/>
-            </a:srgbClr>
+            <a:srgbClr val="0084FF"/>
           </a:solidFill>
         </p:spPr>
         <p:txBody>
@@ -5736,7 +5518,9 @@
           <a:lstStyle/>
           <a:p>
             <a:endParaRPr noProof="1">
-              <a:latin typeface="Graphik Web" panose="020B0503030202060203" pitchFamily="34" charset="77"/>
+              <a:latin typeface="Helvetica Neue" panose="02000503000000020004" pitchFamily="2" charset="0"/>
+              <a:ea typeface="Helvetica Neue" panose="02000503000000020004" pitchFamily="2" charset="0"/>
+              <a:cs typeface="Helvetica Neue" panose="02000503000000020004" pitchFamily="2" charset="0"/>
             </a:endParaRPr>
           </a:p>
         </p:txBody>
@@ -5756,9 +5540,7 @@
             <a:avLst/>
           </a:prstGeom>
           <a:solidFill>
-            <a:srgbClr val="FBB829">
-              <a:alpha val="100000"/>
-            </a:srgbClr>
+            <a:srgbClr val="FF2B67"/>
           </a:solidFill>
         </p:spPr>
         <p:txBody>
@@ -5766,7 +5548,9 @@
           <a:lstStyle/>
           <a:p>
             <a:endParaRPr noProof="1">
-              <a:latin typeface="Graphik Web" panose="020B0503030202060203" pitchFamily="34" charset="77"/>
+              <a:latin typeface="Helvetica Neue" panose="02000503000000020004" pitchFamily="2" charset="0"/>
+              <a:ea typeface="Helvetica Neue" panose="02000503000000020004" pitchFamily="2" charset="0"/>
+              <a:cs typeface="Helvetica Neue" panose="02000503000000020004" pitchFamily="2" charset="0"/>
             </a:endParaRPr>
           </a:p>
         </p:txBody>
@@ -5796,7 +5580,9 @@
           <a:lstStyle/>
           <a:p>
             <a:endParaRPr noProof="1">
-              <a:latin typeface="Graphik Web" panose="020B0503030202060203" pitchFamily="34" charset="77"/>
+              <a:latin typeface="Helvetica Neue" panose="02000503000000020004" pitchFamily="2" charset="0"/>
+              <a:ea typeface="Helvetica Neue" panose="02000503000000020004" pitchFamily="2" charset="0"/>
+              <a:cs typeface="Helvetica Neue" panose="02000503000000020004" pitchFamily="2" charset="0"/>
             </a:endParaRPr>
           </a:p>
         </p:txBody>
@@ -5816,9 +5602,7 @@
             <a:avLst/>
           </a:prstGeom>
           <a:solidFill>
-            <a:srgbClr val="FF0066">
-              <a:alpha val="100000"/>
-            </a:srgbClr>
+            <a:srgbClr val="0084FF"/>
           </a:solidFill>
         </p:spPr>
         <p:txBody>
@@ -5826,7 +5610,9 @@
           <a:lstStyle/>
           <a:p>
             <a:endParaRPr noProof="1">
-              <a:latin typeface="Graphik Web" panose="020B0503030202060203" pitchFamily="34" charset="77"/>
+              <a:latin typeface="Helvetica Neue" panose="02000503000000020004" pitchFamily="2" charset="0"/>
+              <a:ea typeface="Helvetica Neue" panose="02000503000000020004" pitchFamily="2" charset="0"/>
+              <a:cs typeface="Helvetica Neue" panose="02000503000000020004" pitchFamily="2" charset="0"/>
             </a:endParaRPr>
           </a:p>
         </p:txBody>
@@ -5846,9 +5632,7 @@
             <a:avLst/>
           </a:prstGeom>
           <a:solidFill>
-            <a:srgbClr val="FBB829">
-              <a:alpha val="100000"/>
-            </a:srgbClr>
+            <a:srgbClr val="FF2B67"/>
           </a:solidFill>
         </p:spPr>
         <p:txBody>
@@ -5856,7 +5640,9 @@
           <a:lstStyle/>
           <a:p>
             <a:endParaRPr noProof="1">
-              <a:latin typeface="Graphik Web" panose="020B0503030202060203" pitchFamily="34" charset="77"/>
+              <a:latin typeface="Helvetica Neue" panose="02000503000000020004" pitchFamily="2" charset="0"/>
+              <a:ea typeface="Helvetica Neue" panose="02000503000000020004" pitchFamily="2" charset="0"/>
+              <a:cs typeface="Helvetica Neue" panose="02000503000000020004" pitchFamily="2" charset="0"/>
             </a:endParaRPr>
           </a:p>
         </p:txBody>
@@ -5886,7 +5672,9 @@
           <a:lstStyle/>
           <a:p>
             <a:endParaRPr noProof="1">
-              <a:latin typeface="Graphik Web" panose="020B0503030202060203" pitchFamily="34" charset="77"/>
+              <a:latin typeface="Helvetica Neue" panose="02000503000000020004" pitchFamily="2" charset="0"/>
+              <a:ea typeface="Helvetica Neue" panose="02000503000000020004" pitchFamily="2" charset="0"/>
+              <a:cs typeface="Helvetica Neue" panose="02000503000000020004" pitchFamily="2" charset="0"/>
             </a:endParaRPr>
           </a:p>
         </p:txBody>
@@ -5906,9 +5694,7 @@
             <a:avLst/>
           </a:prstGeom>
           <a:solidFill>
-            <a:srgbClr val="FF0066">
-              <a:alpha val="100000"/>
-            </a:srgbClr>
+            <a:srgbClr val="0084FF"/>
           </a:solidFill>
         </p:spPr>
         <p:txBody>
@@ -5916,7 +5702,9 @@
           <a:lstStyle/>
           <a:p>
             <a:endParaRPr noProof="1">
-              <a:latin typeface="Graphik Web" panose="020B0503030202060203" pitchFamily="34" charset="77"/>
+              <a:latin typeface="Helvetica Neue" panose="02000503000000020004" pitchFamily="2" charset="0"/>
+              <a:ea typeface="Helvetica Neue" panose="02000503000000020004" pitchFamily="2" charset="0"/>
+              <a:cs typeface="Helvetica Neue" panose="02000503000000020004" pitchFamily="2" charset="0"/>
             </a:endParaRPr>
           </a:p>
         </p:txBody>
@@ -5936,9 +5724,7 @@
             <a:avLst/>
           </a:prstGeom>
           <a:solidFill>
-            <a:srgbClr val="FBB829">
-              <a:alpha val="100000"/>
-            </a:srgbClr>
+            <a:srgbClr val="FF2B67"/>
           </a:solidFill>
         </p:spPr>
         <p:txBody>
@@ -5946,157 +5732,9 @@
           <a:lstStyle/>
           <a:p>
             <a:endParaRPr noProof="1">
-              <a:latin typeface="Graphik Web" panose="020B0503030202060203" pitchFamily="34" charset="77"/>
-            </a:endParaRPr>
-          </a:p>
-        </p:txBody>
-      </p:sp>
-      <p:sp>
-        <p:nvSpPr>
-          <p:cNvPr id="82" name="rc82"/>
-          <p:cNvSpPr/>
-          <p:nvPr/>
-        </p:nvSpPr>
-        <p:spPr>
-          <a:xfrm>
-            <a:off x="7669430" y="4678780"/>
-            <a:ext cx="15957443" cy="11170210"/>
-          </a:xfrm>
-          <a:prstGeom prst="rect">
-            <a:avLst/>
-          </a:prstGeom>
-          <a:ln w="13550" cap="rnd">
-            <a:solidFill>
-              <a:srgbClr val="333333">
-                <a:alpha val="100000"/>
-              </a:srgbClr>
-            </a:solidFill>
-            <a:prstDash val="solid"/>
-            <a:round/>
-          </a:ln>
-        </p:spPr>
-        <p:txBody>
-          <a:bodyPr/>
-          <a:lstStyle/>
-          <a:p>
-            <a:endParaRPr noProof="1">
-              <a:latin typeface="Graphik Web" panose="020B0503030202060203" pitchFamily="34" charset="77"/>
-            </a:endParaRPr>
-          </a:p>
-        </p:txBody>
-      </p:sp>
-      <p:sp>
-        <p:nvSpPr>
-          <p:cNvPr id="86" name="tx86"/>
-          <p:cNvSpPr/>
-          <p:nvPr/>
-        </p:nvSpPr>
-        <p:spPr>
-          <a:xfrm>
-            <a:off x="5722589" y="14685896"/>
-            <a:ext cx="1368350" cy="124817"/>
-          </a:xfrm>
-          <a:prstGeom prst="rect">
-            <a:avLst/>
-          </a:prstGeom>
-          <a:noFill/>
-        </p:spPr>
-        <p:txBody>
-          <a:bodyPr wrap="none" lIns="0" tIns="0" rIns="0" bIns="0" anchor="ctr" anchorCtr="1"/>
-          <a:lstStyle/>
-          <a:p>
-            <a:pPr marL="0" marR="0" indent="0" algn="r">
-              <a:lnSpc>
-                <a:spcPts val="1300"/>
-              </a:lnSpc>
-              <a:spcBef>
-                <a:spcPts val="0"/>
-              </a:spcBef>
-              <a:spcAft>
-                <a:spcPts val="0"/>
-              </a:spcAft>
-            </a:pPr>
-            <a:r>
-              <a:rPr sz="1300" b="1" noProof="1">
-                <a:solidFill>
-                  <a:srgbClr val="333333">
-                    <a:alpha val="100000"/>
-                  </a:srgbClr>
-                </a:solidFill>
-                <a:latin typeface="Graphik Web" panose="020B0503030202060203" pitchFamily="34" charset="77"/>
-                <a:cs typeface="Utopia"/>
-              </a:rPr>
-              <a:t>G</a:t>
-            </a:r>
-            <a:r>
-              <a:rPr lang="en-AU" sz="1300" b="1" noProof="1">
-                <a:solidFill>
-                  <a:srgbClr val="333333">
-                    <a:alpha val="100000"/>
-                  </a:srgbClr>
-                </a:solidFill>
-                <a:latin typeface="Graphik Web" panose="020B0503030202060203" pitchFamily="34" charset="77"/>
-                <a:cs typeface="Utopia"/>
-              </a:rPr>
-              <a:t>RC</a:t>
-            </a:r>
-            <a:r>
-              <a:rPr sz="1300" b="1" noProof="1">
-                <a:solidFill>
-                  <a:srgbClr val="333333">
-                    <a:alpha val="100000"/>
-                  </a:srgbClr>
-                </a:solidFill>
-                <a:latin typeface="Graphik Web" panose="020B0503030202060203" pitchFamily="34" charset="77"/>
-                <a:cs typeface="Utopia"/>
-              </a:rPr>
-              <a:t>z11 Zebrafish</a:t>
-            </a:r>
-            <a:r>
-              <a:rPr lang="en-AU" sz="1300" b="1" noProof="1">
-                <a:solidFill>
-                  <a:srgbClr val="333333">
-                    <a:alpha val="100000"/>
-                  </a:srgbClr>
-                </a:solidFill>
-                <a:latin typeface="Graphik Web" panose="020B0503030202060203" pitchFamily="34" charset="77"/>
-                <a:cs typeface="Utopia"/>
-              </a:rPr>
-              <a:t> Genes</a:t>
-            </a:r>
-          </a:p>
-          <a:p>
-            <a:pPr marL="0" marR="0" indent="0" algn="r">
-              <a:lnSpc>
-                <a:spcPts val="1300"/>
-              </a:lnSpc>
-              <a:spcBef>
-                <a:spcPts val="0"/>
-              </a:spcBef>
-              <a:spcAft>
-                <a:spcPts val="0"/>
-              </a:spcAft>
-            </a:pPr>
-            <a:r>
-              <a:rPr lang="en-AU" sz="1300" b="1" noProof="1">
-                <a:solidFill>
-                  <a:srgbClr val="333333">
-                    <a:alpha val="100000"/>
-                  </a:srgbClr>
-                </a:solidFill>
-                <a:latin typeface="Graphik Web" panose="020B0503030202060203" pitchFamily="34" charset="77"/>
-                <a:cs typeface="Utopia"/>
-              </a:rPr>
-              <a:t>High Quality predicted IREs</a:t>
-            </a:r>
-            <a:endParaRPr sz="1300" b="1" noProof="1">
-              <a:solidFill>
-                <a:srgbClr val="333333">
-                  <a:alpha val="100000"/>
-                </a:srgbClr>
-              </a:solidFill>
-              <a:latin typeface="Graphik Web" panose="020B0503030202060203" pitchFamily="34" charset="77"/>
-              <a:cs typeface="Utopia"/>
+              <a:latin typeface="Helvetica Neue" panose="02000503000000020004" pitchFamily="2" charset="0"/>
+              <a:ea typeface="Helvetica Neue" panose="02000503000000020004" pitchFamily="2" charset="0"/>
+              <a:cs typeface="Helvetica Neue" panose="02000503000000020004" pitchFamily="2" charset="0"/>
             </a:endParaRPr>
           </a:p>
         </p:txBody>
@@ -6109,7 +5747,7 @@
         </p:nvSpPr>
         <p:spPr>
           <a:xfrm>
-            <a:off x="6008104" y="14088075"/>
+            <a:off x="5487240" y="14088075"/>
             <a:ext cx="1372312" cy="157956"/>
           </a:xfrm>
           <a:prstGeom prst="rect">
@@ -6133,26 +5771,28 @@
               </a:spcAft>
             </a:pPr>
             <a:r>
-              <a:rPr lang="en-AU" sz="1300" b="1" noProof="1">
+              <a:rPr lang="en-AU" sz="2000" b="1" noProof="1">
                 <a:solidFill>
                   <a:srgbClr val="333333">
                     <a:alpha val="100000"/>
                   </a:srgbClr>
                 </a:solidFill>
-                <a:latin typeface="Graphik Web" panose="020B0503030202060203" pitchFamily="34" charset="77"/>
-                <a:cs typeface="Utopia"/>
+                <a:latin typeface="Helvetica Neue" panose="02000503000000020004" pitchFamily="2" charset="0"/>
+                <a:ea typeface="Helvetica Neue" panose="02000503000000020004" pitchFamily="2" charset="0"/>
+                <a:cs typeface="Helvetica Neue" panose="02000503000000020004" pitchFamily="2" charset="0"/>
               </a:rPr>
               <a:t>CTACTAG mir325 </a:t>
             </a:r>
             <a:r>
-              <a:rPr sz="1300" noProof="1">
+              <a:rPr sz="2000" noProof="1">
                 <a:solidFill>
                   <a:srgbClr val="333333">
                     <a:alpha val="100000"/>
                   </a:srgbClr>
                 </a:solidFill>
-                <a:latin typeface="Graphik Web" panose="020B0503030202060203" pitchFamily="34" charset="77"/>
-                <a:cs typeface="Utopia"/>
+                <a:latin typeface="Helvetica Neue" panose="02000503000000020004" pitchFamily="2" charset="0"/>
+                <a:ea typeface="Helvetica Neue" panose="02000503000000020004" pitchFamily="2" charset="0"/>
+                <a:cs typeface="Helvetica Neue" panose="02000503000000020004" pitchFamily="2" charset="0"/>
               </a:rPr>
               <a:t>C3</a:t>
             </a:r>
@@ -6167,7 +5807,7 @@
         </p:nvSpPr>
         <p:spPr>
           <a:xfrm>
-            <a:off x="5597326" y="13416583"/>
+            <a:off x="5076462" y="13416583"/>
             <a:ext cx="1889406" cy="155971"/>
           </a:xfrm>
           <a:prstGeom prst="rect">
@@ -6181,7 +5821,7 @@
           <a:p>
             <a:pPr marL="0" marR="0" indent="0" algn="r">
               <a:lnSpc>
-                <a:spcPts val="1300"/>
+                <a:spcPts val="1900"/>
               </a:lnSpc>
               <a:spcBef>
                 <a:spcPts val="0"/>
@@ -6191,79 +5831,85 @@
               </a:spcAft>
             </a:pPr>
             <a:r>
-              <a:rPr sz="1300" b="1" noProof="1">
+              <a:rPr sz="2000" b="1" noProof="1">
                 <a:solidFill>
                   <a:srgbClr val="333333">
                     <a:alpha val="100000"/>
                   </a:srgbClr>
                 </a:solidFill>
-                <a:latin typeface="Graphik Web" panose="020B0503030202060203" pitchFamily="34" charset="77"/>
-                <a:cs typeface="Utopia"/>
+                <a:latin typeface="Helvetica Neue" panose="02000503000000020004" pitchFamily="2" charset="0"/>
+                <a:ea typeface="Helvetica Neue" panose="02000503000000020004" pitchFamily="2" charset="0"/>
+                <a:cs typeface="Helvetica Neue" panose="02000503000000020004" pitchFamily="2" charset="0"/>
               </a:rPr>
               <a:t>Dacosta U</a:t>
             </a:r>
             <a:r>
-              <a:rPr lang="en-AU" sz="1300" b="1" noProof="1">
+              <a:rPr lang="en-AU" sz="2000" b="1" noProof="1">
                 <a:solidFill>
                   <a:srgbClr val="333333">
                     <a:alpha val="100000"/>
                   </a:srgbClr>
                 </a:solidFill>
-                <a:latin typeface="Graphik Web" panose="020B0503030202060203" pitchFamily="34" charset="77"/>
-                <a:cs typeface="Utopia"/>
+                <a:latin typeface="Helvetica Neue" panose="02000503000000020004" pitchFamily="2" charset="0"/>
+                <a:ea typeface="Helvetica Neue" panose="02000503000000020004" pitchFamily="2" charset="0"/>
+                <a:cs typeface="Helvetica Neue" panose="02000503000000020004" pitchFamily="2" charset="0"/>
               </a:rPr>
               <a:t>V</a:t>
             </a:r>
             <a:r>
-              <a:rPr sz="1300" b="1" noProof="1">
+              <a:rPr sz="2000" b="1" noProof="1">
                 <a:solidFill>
                   <a:srgbClr val="333333">
                     <a:alpha val="100000"/>
                   </a:srgbClr>
                 </a:solidFill>
-                <a:latin typeface="Graphik Web" panose="020B0503030202060203" pitchFamily="34" charset="77"/>
-                <a:cs typeface="Utopia"/>
+                <a:latin typeface="Helvetica Neue" panose="02000503000000020004" pitchFamily="2" charset="0"/>
+                <a:ea typeface="Helvetica Neue" panose="02000503000000020004" pitchFamily="2" charset="0"/>
+                <a:cs typeface="Helvetica Neue" panose="02000503000000020004" pitchFamily="2" charset="0"/>
               </a:rPr>
               <a:t> Response </a:t>
             </a:r>
             <a:r>
-              <a:rPr lang="en-AU" sz="1300" b="1" noProof="1">
+              <a:rPr lang="en-AU" sz="2000" b="1" noProof="1">
                 <a:solidFill>
                   <a:srgbClr val="333333">
                     <a:alpha val="100000"/>
                   </a:srgbClr>
                 </a:solidFill>
-                <a:latin typeface="Graphik Web" panose="020B0503030202060203" pitchFamily="34" charset="77"/>
-                <a:cs typeface="Utopia"/>
+                <a:latin typeface="Helvetica Neue" panose="02000503000000020004" pitchFamily="2" charset="0"/>
+                <a:ea typeface="Helvetica Neue" panose="02000503000000020004" pitchFamily="2" charset="0"/>
+                <a:cs typeface="Helvetica Neue" panose="02000503000000020004" pitchFamily="2" charset="0"/>
               </a:rPr>
               <a:t>v</a:t>
             </a:r>
             <a:r>
-              <a:rPr sz="1300" b="1" noProof="1">
+              <a:rPr sz="2000" b="1" noProof="1">
                 <a:solidFill>
                   <a:srgbClr val="333333">
                     <a:alpha val="100000"/>
                   </a:srgbClr>
                 </a:solidFill>
-                <a:latin typeface="Graphik Web" panose="020B0503030202060203" pitchFamily="34" charset="77"/>
-                <a:cs typeface="Utopia"/>
+                <a:latin typeface="Helvetica Neue" panose="02000503000000020004" pitchFamily="2" charset="0"/>
+                <a:ea typeface="Helvetica Neue" panose="02000503000000020004" pitchFamily="2" charset="0"/>
+                <a:cs typeface="Helvetica Neue" panose="02000503000000020004" pitchFamily="2" charset="0"/>
               </a:rPr>
               <a:t>ia</a:t>
             </a:r>
-            <a:endParaRPr lang="en-AU" sz="1300" b="1" noProof="1">
+            <a:endParaRPr lang="en-AU" sz="2000" b="1" noProof="1">
               <a:solidFill>
                 <a:srgbClr val="333333">
                   <a:alpha val="100000"/>
                 </a:srgbClr>
               </a:solidFill>
-              <a:latin typeface="Graphik Web" panose="020B0503030202060203" pitchFamily="34" charset="77"/>
-              <a:cs typeface="Utopia"/>
+              <a:latin typeface="Helvetica Neue" panose="02000503000000020004" pitchFamily="2" charset="0"/>
+              <a:ea typeface="Helvetica Neue" panose="02000503000000020004" pitchFamily="2" charset="0"/>
+              <a:cs typeface="Helvetica Neue" panose="02000503000000020004" pitchFamily="2" charset="0"/>
             </a:endParaRPr>
           </a:p>
           <a:p>
             <a:pPr marL="0" marR="0" indent="0" algn="r">
               <a:lnSpc>
-                <a:spcPts val="1300"/>
+                <a:spcPts val="1900"/>
               </a:lnSpc>
               <a:spcBef>
                 <a:spcPts val="0"/>
@@ -6273,37 +5919,40 @@
               </a:spcAft>
             </a:pPr>
             <a:r>
-              <a:rPr lang="en-AU" sz="1300" b="1" noProof="1">
+              <a:rPr lang="en-AU" sz="2000" b="1" noProof="1">
                 <a:solidFill>
                   <a:srgbClr val="333333">
                     <a:alpha val="100000"/>
                   </a:srgbClr>
                 </a:solidFill>
-                <a:latin typeface="Graphik Web" panose="020B0503030202060203" pitchFamily="34" charset="77"/>
-                <a:cs typeface="Utopia"/>
+                <a:latin typeface="Helvetica Neue" panose="02000503000000020004" pitchFamily="2" charset="0"/>
+                <a:ea typeface="Helvetica Neue" panose="02000503000000020004" pitchFamily="2" charset="0"/>
+                <a:cs typeface="Helvetica Neue" panose="02000503000000020004" pitchFamily="2" charset="0"/>
               </a:rPr>
               <a:t>Ercc3 Dn </a:t>
             </a:r>
             <a:r>
-              <a:rPr lang="en-AU" sz="1300" noProof="1">
+              <a:rPr lang="en-AU" sz="2000" noProof="1">
                 <a:solidFill>
                   <a:srgbClr val="333333">
                     <a:alpha val="100000"/>
                   </a:srgbClr>
                 </a:solidFill>
-                <a:latin typeface="Graphik Web" panose="020B0503030202060203" pitchFamily="34" charset="77"/>
-                <a:cs typeface="Utopia"/>
+                <a:latin typeface="Helvetica Neue" panose="02000503000000020004" pitchFamily="2" charset="0"/>
+                <a:ea typeface="Helvetica Neue" panose="02000503000000020004" pitchFamily="2" charset="0"/>
+                <a:cs typeface="Helvetica Neue" panose="02000503000000020004" pitchFamily="2" charset="0"/>
               </a:rPr>
               <a:t>C2</a:t>
             </a:r>
-            <a:endParaRPr sz="1300" noProof="1">
+            <a:endParaRPr sz="2000" noProof="1">
               <a:solidFill>
                 <a:srgbClr val="333333">
                   <a:alpha val="100000"/>
                 </a:srgbClr>
               </a:solidFill>
-              <a:latin typeface="Graphik Web" panose="020B0503030202060203" pitchFamily="34" charset="77"/>
-              <a:cs typeface="Utopia"/>
+              <a:latin typeface="Helvetica Neue" panose="02000503000000020004" pitchFamily="2" charset="0"/>
+              <a:ea typeface="Helvetica Neue" panose="02000503000000020004" pitchFamily="2" charset="0"/>
+              <a:cs typeface="Helvetica Neue" panose="02000503000000020004" pitchFamily="2" charset="0"/>
             </a:endParaRPr>
           </a:p>
         </p:txBody>
@@ -6316,8 +5965,258 @@
         </p:nvSpPr>
         <p:spPr>
           <a:xfrm>
-            <a:off x="5799375" y="12676391"/>
+            <a:off x="5385128" y="12821841"/>
             <a:ext cx="1671309" cy="162321"/>
+          </a:xfrm>
+          <a:prstGeom prst="rect">
+            <a:avLst/>
+          </a:prstGeom>
+          <a:noFill/>
+        </p:spPr>
+        <p:txBody>
+          <a:bodyPr wrap="none" lIns="0" tIns="0" rIns="0" bIns="0" anchor="ctr" anchorCtr="1"/>
+          <a:lstStyle/>
+          <a:p>
+            <a:pPr marL="0" marR="0" indent="0" algn="r">
+              <a:lnSpc>
+                <a:spcPts val="1900"/>
+              </a:lnSpc>
+              <a:spcBef>
+                <a:spcPts val="0"/>
+              </a:spcBef>
+              <a:spcAft>
+                <a:spcPts val="0"/>
+              </a:spcAft>
+            </a:pPr>
+            <a:r>
+              <a:rPr lang="en-AU" sz="2000" b="1" noProof="1">
+                <a:solidFill>
+                  <a:srgbClr val="333333">
+                    <a:alpha val="100000"/>
+                  </a:srgbClr>
+                </a:solidFill>
+                <a:latin typeface="Helvetica Neue" panose="02000503000000020004" pitchFamily="2" charset="0"/>
+                <a:ea typeface="Helvetica Neue" panose="02000503000000020004" pitchFamily="2" charset="0"/>
+                <a:cs typeface="Helvetica Neue" panose="02000503000000020004" pitchFamily="2" charset="0"/>
+              </a:rPr>
+              <a:t>GO</a:t>
+            </a:r>
+            <a:r>
+              <a:rPr sz="2000" b="1" noProof="1">
+                <a:solidFill>
+                  <a:srgbClr val="333333">
+                    <a:alpha val="100000"/>
+                  </a:srgbClr>
+                </a:solidFill>
+                <a:latin typeface="Helvetica Neue" panose="02000503000000020004" pitchFamily="2" charset="0"/>
+                <a:ea typeface="Helvetica Neue" panose="02000503000000020004" pitchFamily="2" charset="0"/>
+                <a:cs typeface="Helvetica Neue" panose="02000503000000020004" pitchFamily="2" charset="0"/>
+              </a:rPr>
+              <a:t> Intracellular Signal</a:t>
+            </a:r>
+            <a:br>
+              <a:rPr lang="en-AU" sz="2000" b="1" noProof="1">
+                <a:solidFill>
+                  <a:srgbClr val="333333">
+                    <a:alpha val="100000"/>
+                  </a:srgbClr>
+                </a:solidFill>
+                <a:latin typeface="Helvetica Neue" panose="02000503000000020004" pitchFamily="2" charset="0"/>
+                <a:ea typeface="Helvetica Neue" panose="02000503000000020004" pitchFamily="2" charset="0"/>
+                <a:cs typeface="Helvetica Neue" panose="02000503000000020004" pitchFamily="2" charset="0"/>
+              </a:rPr>
+            </a:br>
+            <a:r>
+              <a:rPr lang="en-AU" sz="2000" b="1" noProof="1">
+                <a:solidFill>
+                  <a:srgbClr val="333333">
+                    <a:alpha val="100000"/>
+                  </a:srgbClr>
+                </a:solidFill>
+                <a:latin typeface="Helvetica Neue" panose="02000503000000020004" pitchFamily="2" charset="0"/>
+                <a:ea typeface="Helvetica Neue" panose="02000503000000020004" pitchFamily="2" charset="0"/>
+                <a:cs typeface="Helvetica Neue" panose="02000503000000020004" pitchFamily="2" charset="0"/>
+              </a:rPr>
+              <a:t>Transduction </a:t>
+            </a:r>
+            <a:r>
+              <a:rPr lang="en-AU" sz="2000" noProof="1">
+                <a:solidFill>
+                  <a:srgbClr val="333333">
+                    <a:alpha val="100000"/>
+                  </a:srgbClr>
+                </a:solidFill>
+                <a:latin typeface="Helvetica Neue" panose="02000503000000020004" pitchFamily="2" charset="0"/>
+                <a:ea typeface="Helvetica Neue" panose="02000503000000020004" pitchFamily="2" charset="0"/>
+                <a:cs typeface="Helvetica Neue" panose="02000503000000020004" pitchFamily="2" charset="0"/>
+              </a:rPr>
+              <a:t>C5</a:t>
+            </a:r>
+            <a:endParaRPr lang="en-AU" sz="2000" b="1" noProof="1">
+              <a:solidFill>
+                <a:srgbClr val="333333">
+                  <a:alpha val="100000"/>
+                </a:srgbClr>
+              </a:solidFill>
+              <a:latin typeface="Helvetica Neue" panose="02000503000000020004" pitchFamily="2" charset="0"/>
+              <a:ea typeface="Helvetica Neue" panose="02000503000000020004" pitchFamily="2" charset="0"/>
+              <a:cs typeface="Helvetica Neue" panose="02000503000000020004" pitchFamily="2" charset="0"/>
+            </a:endParaRPr>
+          </a:p>
+        </p:txBody>
+      </p:sp>
+      <p:sp>
+        <p:nvSpPr>
+          <p:cNvPr id="95" name="tx95"/>
+          <p:cNvSpPr/>
+          <p:nvPr/>
+        </p:nvSpPr>
+        <p:spPr>
+          <a:xfrm>
+            <a:off x="4999037" y="12071211"/>
+            <a:ext cx="1757723" cy="162321"/>
+          </a:xfrm>
+          <a:prstGeom prst="rect">
+            <a:avLst/>
+          </a:prstGeom>
+          <a:noFill/>
+        </p:spPr>
+        <p:txBody>
+          <a:bodyPr wrap="none" lIns="0" tIns="0" rIns="0" bIns="0" anchor="ctr" anchorCtr="1"/>
+          <a:lstStyle/>
+          <a:p>
+            <a:pPr algn="r">
+              <a:lnSpc>
+                <a:spcPts val="1900"/>
+              </a:lnSpc>
+            </a:pPr>
+            <a:r>
+              <a:rPr lang="en-AU" sz="2000" b="1" noProof="1">
+                <a:solidFill>
+                  <a:srgbClr val="333333">
+                    <a:alpha val="100000"/>
+                  </a:srgbClr>
+                </a:solidFill>
+                <a:latin typeface="Helvetica Neue" panose="02000503000000020004" pitchFamily="2" charset="0"/>
+                <a:ea typeface="Helvetica Neue" panose="02000503000000020004" pitchFamily="2" charset="0"/>
+                <a:cs typeface="Helvetica Neue" panose="02000503000000020004" pitchFamily="2" charset="0"/>
+              </a:rPr>
+              <a:t>GO Positive Regulation</a:t>
+            </a:r>
+          </a:p>
+          <a:p>
+            <a:pPr marL="0" marR="0" indent="0" algn="r">
+              <a:lnSpc>
+                <a:spcPts val="1900"/>
+              </a:lnSpc>
+              <a:spcBef>
+                <a:spcPts val="0"/>
+              </a:spcBef>
+              <a:spcAft>
+                <a:spcPts val="0"/>
+              </a:spcAft>
+            </a:pPr>
+            <a:r>
+              <a:rPr lang="en-AU" sz="2000" b="1" noProof="1">
+                <a:solidFill>
+                  <a:srgbClr val="333333">
+                    <a:alpha val="100000"/>
+                  </a:srgbClr>
+                </a:solidFill>
+                <a:latin typeface="Helvetica Neue" panose="02000503000000020004" pitchFamily="2" charset="0"/>
+                <a:ea typeface="Helvetica Neue" panose="02000503000000020004" pitchFamily="2" charset="0"/>
+                <a:cs typeface="Helvetica Neue" panose="02000503000000020004" pitchFamily="2" charset="0"/>
+              </a:rPr>
+              <a:t>o</a:t>
+            </a:r>
+            <a:r>
+              <a:rPr sz="2000" b="1" noProof="1">
+                <a:solidFill>
+                  <a:srgbClr val="333333">
+                    <a:alpha val="100000"/>
+                  </a:srgbClr>
+                </a:solidFill>
+                <a:latin typeface="Helvetica Neue" panose="02000503000000020004" pitchFamily="2" charset="0"/>
+                <a:ea typeface="Helvetica Neue" panose="02000503000000020004" pitchFamily="2" charset="0"/>
+                <a:cs typeface="Helvetica Neue" panose="02000503000000020004" pitchFamily="2" charset="0"/>
+              </a:rPr>
+              <a:t>f Blood Vessel</a:t>
+            </a:r>
+            <a:r>
+              <a:rPr lang="en-AU" sz="2000" b="1" noProof="1">
+                <a:solidFill>
+                  <a:srgbClr val="333333">
+                    <a:alpha val="100000"/>
+                  </a:srgbClr>
+                </a:solidFill>
+                <a:latin typeface="Helvetica Neue" panose="02000503000000020004" pitchFamily="2" charset="0"/>
+                <a:ea typeface="Helvetica Neue" panose="02000503000000020004" pitchFamily="2" charset="0"/>
+                <a:cs typeface="Helvetica Neue" panose="02000503000000020004" pitchFamily="2" charset="0"/>
+              </a:rPr>
+              <a:t> Endothelial</a:t>
+            </a:r>
+          </a:p>
+          <a:p>
+            <a:pPr marL="0" marR="0" indent="0" algn="r">
+              <a:lnSpc>
+                <a:spcPts val="1900"/>
+              </a:lnSpc>
+              <a:spcBef>
+                <a:spcPts val="0"/>
+              </a:spcBef>
+              <a:spcAft>
+                <a:spcPts val="0"/>
+              </a:spcAft>
+            </a:pPr>
+            <a:r>
+              <a:rPr lang="en-AU" sz="2000" b="1" noProof="1">
+                <a:solidFill>
+                  <a:srgbClr val="333333">
+                    <a:alpha val="100000"/>
+                  </a:srgbClr>
+                </a:solidFill>
+                <a:latin typeface="Helvetica Neue" panose="02000503000000020004" pitchFamily="2" charset="0"/>
+                <a:ea typeface="Helvetica Neue" panose="02000503000000020004" pitchFamily="2" charset="0"/>
+                <a:cs typeface="Helvetica Neue" panose="02000503000000020004" pitchFamily="2" charset="0"/>
+              </a:rPr>
+              <a:t>Cell Migration </a:t>
+            </a:r>
+            <a:r>
+              <a:rPr lang="en-AU" sz="2000" noProof="1">
+                <a:solidFill>
+                  <a:srgbClr val="333333">
+                    <a:alpha val="100000"/>
+                  </a:srgbClr>
+                </a:solidFill>
+                <a:latin typeface="Helvetica Neue" panose="02000503000000020004" pitchFamily="2" charset="0"/>
+                <a:ea typeface="Helvetica Neue" panose="02000503000000020004" pitchFamily="2" charset="0"/>
+                <a:cs typeface="Helvetica Neue" panose="02000503000000020004" pitchFamily="2" charset="0"/>
+              </a:rPr>
+              <a:t>C5</a:t>
+            </a:r>
+            <a:endParaRPr sz="2000" noProof="1">
+              <a:solidFill>
+                <a:srgbClr val="333333">
+                  <a:alpha val="100000"/>
+                </a:srgbClr>
+              </a:solidFill>
+              <a:latin typeface="Helvetica Neue" panose="02000503000000020004" pitchFamily="2" charset="0"/>
+              <a:ea typeface="Helvetica Neue" panose="02000503000000020004" pitchFamily="2" charset="0"/>
+              <a:cs typeface="Helvetica Neue" panose="02000503000000020004" pitchFamily="2" charset="0"/>
+            </a:endParaRPr>
+          </a:p>
+        </p:txBody>
+      </p:sp>
+      <p:sp>
+        <p:nvSpPr>
+          <p:cNvPr id="98" name="tx98"/>
+          <p:cNvSpPr/>
+          <p:nvPr/>
+        </p:nvSpPr>
+        <p:spPr>
+          <a:xfrm>
+            <a:off x="5163860" y="11498910"/>
+            <a:ext cx="1207872" cy="157956"/>
           </a:xfrm>
           <a:prstGeom prst="rect">
             <a:avLst/>
@@ -6340,42 +6239,80 @@
               </a:spcAft>
             </a:pPr>
             <a:r>
-              <a:rPr lang="en-AU" sz="1300" b="1" noProof="1">
+              <a:rPr lang="en-AU" sz="2000" b="1" noProof="1">
                 <a:solidFill>
                   <a:srgbClr val="333333">
                     <a:alpha val="100000"/>
                   </a:srgbClr>
                 </a:solidFill>
-                <a:latin typeface="Graphik Web" panose="020B0503030202060203" pitchFamily="34" charset="77"/>
-                <a:cs typeface="Utopia"/>
+                <a:latin typeface="Helvetica Neue" panose="02000503000000020004" pitchFamily="2" charset="0"/>
+                <a:ea typeface="Helvetica Neue" panose="02000503000000020004" pitchFamily="2" charset="0"/>
+                <a:cs typeface="Helvetica Neue" panose="02000503000000020004" pitchFamily="2" charset="0"/>
               </a:rPr>
               <a:t>GO</a:t>
             </a:r>
             <a:r>
-              <a:rPr sz="1300" b="1" noProof="1">
+              <a:rPr sz="2000" b="1" noProof="1">
                 <a:solidFill>
                   <a:srgbClr val="333333">
                     <a:alpha val="100000"/>
                   </a:srgbClr>
                 </a:solidFill>
-                <a:latin typeface="Graphik Web" panose="020B0503030202060203" pitchFamily="34" charset="77"/>
-                <a:cs typeface="Utopia"/>
+                <a:latin typeface="Helvetica Neue" panose="02000503000000020004" pitchFamily="2" charset="0"/>
+                <a:ea typeface="Helvetica Neue" panose="02000503000000020004" pitchFamily="2" charset="0"/>
+                <a:cs typeface="Helvetica Neue" panose="02000503000000020004" pitchFamily="2" charset="0"/>
               </a:rPr>
-              <a:t> Intracellular Signal</a:t>
-            </a:r>
-          </a:p>
-        </p:txBody>
-      </p:sp>
-      <p:sp>
-        <p:nvSpPr>
-          <p:cNvPr id="93" name="tx93"/>
-          <p:cNvSpPr/>
-          <p:nvPr/>
-        </p:nvSpPr>
-        <p:spPr>
-          <a:xfrm>
-            <a:off x="6234014" y="12884009"/>
-            <a:ext cx="1247827" cy="124817"/>
+              <a:t> Postsynaptic</a:t>
+            </a:r>
+            <a:r>
+              <a:rPr lang="en-AU" sz="2000" b="1" noProof="1">
+                <a:solidFill>
+                  <a:srgbClr val="333333">
+                    <a:alpha val="100000"/>
+                  </a:srgbClr>
+                </a:solidFill>
+                <a:latin typeface="Helvetica Neue" panose="02000503000000020004" pitchFamily="2" charset="0"/>
+                <a:ea typeface="Helvetica Neue" panose="02000503000000020004" pitchFamily="2" charset="0"/>
+                <a:cs typeface="Helvetica Neue" panose="02000503000000020004" pitchFamily="2" charset="0"/>
+              </a:rPr>
+              <a:t> Membrane </a:t>
+            </a:r>
+            <a:r>
+              <a:rPr lang="en-AU" sz="2000" noProof="1">
+                <a:solidFill>
+                  <a:srgbClr val="333333">
+                    <a:alpha val="100000"/>
+                  </a:srgbClr>
+                </a:solidFill>
+                <a:latin typeface="Helvetica Neue" panose="02000503000000020004" pitchFamily="2" charset="0"/>
+                <a:ea typeface="Helvetica Neue" panose="02000503000000020004" pitchFamily="2" charset="0"/>
+                <a:cs typeface="Helvetica Neue" panose="02000503000000020004" pitchFamily="2" charset="0"/>
+              </a:rPr>
+              <a:t>C5</a:t>
+            </a:r>
+            <a:endParaRPr sz="2000" noProof="1">
+              <a:solidFill>
+                <a:srgbClr val="333333">
+                  <a:alpha val="100000"/>
+                </a:srgbClr>
+              </a:solidFill>
+              <a:latin typeface="Helvetica Neue" panose="02000503000000020004" pitchFamily="2" charset="0"/>
+              <a:ea typeface="Helvetica Neue" panose="02000503000000020004" pitchFamily="2" charset="0"/>
+              <a:cs typeface="Helvetica Neue" panose="02000503000000020004" pitchFamily="2" charset="0"/>
+            </a:endParaRPr>
+          </a:p>
+        </p:txBody>
+      </p:sp>
+      <p:sp>
+        <p:nvSpPr>
+          <p:cNvPr id="100" name="tx100"/>
+          <p:cNvSpPr/>
+          <p:nvPr/>
+        </p:nvSpPr>
+        <p:spPr>
+          <a:xfrm>
+            <a:off x="4654489" y="10834538"/>
+            <a:ext cx="2455902" cy="157956"/>
           </a:xfrm>
           <a:prstGeom prst="rect">
             <a:avLst/>
@@ -6398,177 +6335,57 @@
               </a:spcAft>
             </a:pPr>
             <a:r>
-              <a:rPr sz="1300" b="1" noProof="1">
+              <a:rPr lang="en-AU" sz="2000" b="1" noProof="1">
                 <a:solidFill>
                   <a:srgbClr val="333333">
                     <a:alpha val="100000"/>
                   </a:srgbClr>
                 </a:solidFill>
-                <a:latin typeface="Graphik Web" panose="020B0503030202060203" pitchFamily="34" charset="77"/>
-                <a:cs typeface="Utopia"/>
+                <a:latin typeface="Helvetica Neue" panose="02000503000000020004" pitchFamily="2" charset="0"/>
+                <a:ea typeface="Helvetica Neue" panose="02000503000000020004" pitchFamily="2" charset="0"/>
+                <a:cs typeface="Helvetica Neue" panose="02000503000000020004" pitchFamily="2" charset="0"/>
               </a:rPr>
-              <a:t>Transduction</a:t>
-            </a:r>
-            <a:r>
-              <a:rPr sz="1300" noProof="1">
+              <a:t>GO</a:t>
+            </a:r>
+            <a:r>
+              <a:rPr sz="2000" b="1" noProof="1">
                 <a:solidFill>
                   <a:srgbClr val="333333">
                     <a:alpha val="100000"/>
                   </a:srgbClr>
                 </a:solidFill>
-                <a:latin typeface="Graphik Web" panose="020B0503030202060203" pitchFamily="34" charset="77"/>
-                <a:cs typeface="Utopia"/>
+                <a:latin typeface="Helvetica Neue" panose="02000503000000020004" pitchFamily="2" charset="0"/>
+                <a:ea typeface="Helvetica Neue" panose="02000503000000020004" pitchFamily="2" charset="0"/>
+                <a:cs typeface="Helvetica Neue" panose="02000503000000020004" pitchFamily="2" charset="0"/>
               </a:rPr>
-              <a:t> C5</a:t>
-            </a:r>
-          </a:p>
-        </p:txBody>
-      </p:sp>
-      <p:sp>
-        <p:nvSpPr>
-          <p:cNvPr id="95" name="tx95"/>
-          <p:cNvSpPr/>
-          <p:nvPr/>
-        </p:nvSpPr>
-        <p:spPr>
-          <a:xfrm>
-            <a:off x="5558636" y="12099486"/>
-            <a:ext cx="1757723" cy="162321"/>
-          </a:xfrm>
-          <a:prstGeom prst="rect">
-            <a:avLst/>
-          </a:prstGeom>
-          <a:noFill/>
-        </p:spPr>
-        <p:txBody>
-          <a:bodyPr wrap="none" lIns="0" tIns="0" rIns="0" bIns="0" anchor="ctr" anchorCtr="1"/>
-          <a:lstStyle/>
-          <a:p>
-            <a:pPr algn="r">
-              <a:lnSpc>
-                <a:spcPts val="1300"/>
-              </a:lnSpc>
-            </a:pPr>
-            <a:r>
-              <a:rPr lang="en-AU" sz="1300" b="1" noProof="1">
+              <a:t> Synaptic Membrane </a:t>
+            </a:r>
+            <a:r>
+              <a:rPr sz="2000" noProof="1">
                 <a:solidFill>
                   <a:srgbClr val="333333">
                     <a:alpha val="100000"/>
                   </a:srgbClr>
                 </a:solidFill>
-                <a:latin typeface="Graphik Web" panose="020B0503030202060203" pitchFamily="34" charset="77"/>
-                <a:cs typeface="Utopia"/>
-              </a:rPr>
-              <a:t>GO Positive Regulation</a:t>
-            </a:r>
-          </a:p>
-          <a:p>
-            <a:pPr marL="0" marR="0" indent="0" algn="r">
-              <a:lnSpc>
-                <a:spcPts val="1300"/>
-              </a:lnSpc>
-              <a:spcBef>
-                <a:spcPts val="0"/>
-              </a:spcBef>
-              <a:spcAft>
-                <a:spcPts val="0"/>
-              </a:spcAft>
-            </a:pPr>
-            <a:r>
-              <a:rPr lang="en-AU" sz="1300" b="1" noProof="1">
-                <a:solidFill>
-                  <a:srgbClr val="333333">
-                    <a:alpha val="100000"/>
-                  </a:srgbClr>
-                </a:solidFill>
-                <a:latin typeface="Graphik Web" panose="020B0503030202060203" pitchFamily="34" charset="77"/>
-                <a:cs typeface="Utopia"/>
-              </a:rPr>
-              <a:t>o</a:t>
-            </a:r>
-            <a:r>
-              <a:rPr sz="1300" b="1" noProof="1">
-                <a:solidFill>
-                  <a:srgbClr val="333333">
-                    <a:alpha val="100000"/>
-                  </a:srgbClr>
-                </a:solidFill>
-                <a:latin typeface="Graphik Web" panose="020B0503030202060203" pitchFamily="34" charset="77"/>
-                <a:cs typeface="Utopia"/>
-              </a:rPr>
-              <a:t>f Blood Vessel</a:t>
-            </a:r>
-            <a:r>
-              <a:rPr lang="en-AU" sz="1300" b="1" noProof="1">
-                <a:solidFill>
-                  <a:srgbClr val="333333">
-                    <a:alpha val="100000"/>
-                  </a:srgbClr>
-                </a:solidFill>
-                <a:latin typeface="Graphik Web" panose="020B0503030202060203" pitchFamily="34" charset="77"/>
-                <a:cs typeface="Utopia"/>
-              </a:rPr>
-              <a:t> Endothelial</a:t>
-            </a:r>
-          </a:p>
-          <a:p>
-            <a:pPr marL="0" marR="0" indent="0" algn="r">
-              <a:lnSpc>
-                <a:spcPts val="1300"/>
-              </a:lnSpc>
-              <a:spcBef>
-                <a:spcPts val="0"/>
-              </a:spcBef>
-              <a:spcAft>
-                <a:spcPts val="0"/>
-              </a:spcAft>
-            </a:pPr>
-            <a:r>
-              <a:rPr lang="en-AU" sz="1300" b="1" noProof="1">
-                <a:solidFill>
-                  <a:srgbClr val="333333">
-                    <a:alpha val="100000"/>
-                  </a:srgbClr>
-                </a:solidFill>
-                <a:latin typeface="Graphik Web" panose="020B0503030202060203" pitchFamily="34" charset="77"/>
-                <a:cs typeface="Utopia"/>
-              </a:rPr>
-              <a:t>Cell Migration </a:t>
-            </a:r>
-            <a:r>
-              <a:rPr lang="en-AU" sz="1300" noProof="1">
-                <a:solidFill>
-                  <a:srgbClr val="333333">
-                    <a:alpha val="100000"/>
-                  </a:srgbClr>
-                </a:solidFill>
-                <a:latin typeface="Graphik Web" panose="020B0503030202060203" pitchFamily="34" charset="77"/>
-                <a:cs typeface="Utopia"/>
+                <a:latin typeface="Helvetica Neue" panose="02000503000000020004" pitchFamily="2" charset="0"/>
+                <a:ea typeface="Helvetica Neue" panose="02000503000000020004" pitchFamily="2" charset="0"/>
+                <a:cs typeface="Helvetica Neue" panose="02000503000000020004" pitchFamily="2" charset="0"/>
               </a:rPr>
               <a:t>C5</a:t>
             </a:r>
-            <a:endParaRPr sz="1300" noProof="1">
-              <a:solidFill>
-                <a:srgbClr val="333333">
-                  <a:alpha val="100000"/>
-                </a:srgbClr>
-              </a:solidFill>
-              <a:latin typeface="Graphik Web" panose="020B0503030202060203" pitchFamily="34" charset="77"/>
-              <a:cs typeface="Utopia"/>
-            </a:endParaRPr>
-          </a:p>
-        </p:txBody>
-      </p:sp>
-      <p:sp>
-        <p:nvSpPr>
-          <p:cNvPr id="98" name="tx98"/>
-          <p:cNvSpPr/>
-          <p:nvPr/>
-        </p:nvSpPr>
-        <p:spPr>
-          <a:xfrm>
-            <a:off x="5684724" y="11498910"/>
-            <a:ext cx="1207872" cy="157956"/>
+          </a:p>
+        </p:txBody>
+      </p:sp>
+      <p:sp>
+        <p:nvSpPr>
+          <p:cNvPr id="101" name="tx101"/>
+          <p:cNvSpPr/>
+          <p:nvPr/>
+        </p:nvSpPr>
+        <p:spPr>
+          <a:xfrm>
+            <a:off x="5722074" y="10166708"/>
+            <a:ext cx="1189216" cy="162321"/>
           </a:xfrm>
           <a:prstGeom prst="rect">
             <a:avLst/>
@@ -6591,75 +6408,57 @@
               </a:spcAft>
             </a:pPr>
             <a:r>
-              <a:rPr lang="en-AU" sz="1300" b="1" noProof="1">
+              <a:rPr lang="en-AU" sz="2000" b="1" noProof="1">
                 <a:solidFill>
                   <a:srgbClr val="333333">
                     <a:alpha val="100000"/>
                   </a:srgbClr>
                 </a:solidFill>
-                <a:latin typeface="Graphik Web" panose="020B0503030202060203" pitchFamily="34" charset="77"/>
-                <a:cs typeface="Utopia"/>
+                <a:latin typeface="Helvetica Neue" panose="02000503000000020004" pitchFamily="2" charset="0"/>
+                <a:ea typeface="Helvetica Neue" panose="02000503000000020004" pitchFamily="2" charset="0"/>
+                <a:cs typeface="Helvetica Neue" panose="02000503000000020004" pitchFamily="2" charset="0"/>
               </a:rPr>
-              <a:t>GO</a:t>
-            </a:r>
-            <a:r>
-              <a:rPr sz="1300" b="1" noProof="1">
+              <a:t>KEGG</a:t>
+            </a:r>
+            <a:r>
+              <a:rPr sz="2000" b="1" noProof="1">
                 <a:solidFill>
                   <a:srgbClr val="333333">
                     <a:alpha val="100000"/>
                   </a:srgbClr>
                 </a:solidFill>
-                <a:latin typeface="Graphik Web" panose="020B0503030202060203" pitchFamily="34" charset="77"/>
-                <a:cs typeface="Utopia"/>
+                <a:latin typeface="Helvetica Neue" panose="02000503000000020004" pitchFamily="2" charset="0"/>
+                <a:ea typeface="Helvetica Neue" panose="02000503000000020004" pitchFamily="2" charset="0"/>
+                <a:cs typeface="Helvetica Neue" panose="02000503000000020004" pitchFamily="2" charset="0"/>
               </a:rPr>
-              <a:t> Postsynaptic</a:t>
-            </a:r>
-            <a:r>
-              <a:rPr lang="en-AU" sz="1300" b="1" noProof="1">
+              <a:t> Glioma </a:t>
+            </a:r>
+            <a:r>
+              <a:rPr sz="2000" noProof="1">
                 <a:solidFill>
                   <a:srgbClr val="333333">
                     <a:alpha val="100000"/>
                   </a:srgbClr>
                 </a:solidFill>
-                <a:latin typeface="Graphik Web" panose="020B0503030202060203" pitchFamily="34" charset="77"/>
-                <a:cs typeface="Utopia"/>
+                <a:latin typeface="Helvetica Neue" panose="02000503000000020004" pitchFamily="2" charset="0"/>
+                <a:ea typeface="Helvetica Neue" panose="02000503000000020004" pitchFamily="2" charset="0"/>
+                <a:cs typeface="Helvetica Neue" panose="02000503000000020004" pitchFamily="2" charset="0"/>
               </a:rPr>
-              <a:t> Membrane </a:t>
-            </a:r>
-            <a:r>
-              <a:rPr lang="en-AU" sz="1300" noProof="1">
-                <a:solidFill>
-                  <a:srgbClr val="333333">
-                    <a:alpha val="100000"/>
-                  </a:srgbClr>
-                </a:solidFill>
-                <a:latin typeface="Graphik Web" panose="020B0503030202060203" pitchFamily="34" charset="77"/>
-                <a:cs typeface="Utopia"/>
-              </a:rPr>
-              <a:t>C5</a:t>
-            </a:r>
-            <a:endParaRPr sz="1300" noProof="1">
-              <a:solidFill>
-                <a:srgbClr val="333333">
-                  <a:alpha val="100000"/>
-                </a:srgbClr>
-              </a:solidFill>
-              <a:latin typeface="Graphik Web" panose="020B0503030202060203" pitchFamily="34" charset="77"/>
-              <a:cs typeface="Utopia"/>
-            </a:endParaRPr>
-          </a:p>
-        </p:txBody>
-      </p:sp>
-      <p:sp>
-        <p:nvSpPr>
-          <p:cNvPr id="100" name="tx100"/>
-          <p:cNvSpPr/>
-          <p:nvPr/>
-        </p:nvSpPr>
-        <p:spPr>
-          <a:xfrm>
-            <a:off x="5175353" y="10834538"/>
-            <a:ext cx="2455902" cy="157956"/>
+              <a:t>C2</a:t>
+            </a:r>
+          </a:p>
+        </p:txBody>
+      </p:sp>
+      <p:sp>
+        <p:nvSpPr>
+          <p:cNvPr id="102" name="tx102"/>
+          <p:cNvSpPr/>
+          <p:nvPr/>
+        </p:nvSpPr>
+        <p:spPr>
+          <a:xfrm>
+            <a:off x="4694237" y="9574999"/>
+            <a:ext cx="1596023" cy="124817"/>
           </a:xfrm>
           <a:prstGeom prst="rect">
             <a:avLst/>
@@ -6682,54 +6481,80 @@
               </a:spcAft>
             </a:pPr>
             <a:r>
-              <a:rPr lang="en-AU" sz="1300" b="1" noProof="1">
+              <a:rPr lang="en-AU" sz="2000" b="1" noProof="1">
                 <a:solidFill>
                   <a:srgbClr val="333333">
                     <a:alpha val="100000"/>
                   </a:srgbClr>
                 </a:solidFill>
-                <a:latin typeface="Graphik Web" panose="020B0503030202060203" pitchFamily="34" charset="77"/>
-                <a:cs typeface="Utopia"/>
+                <a:latin typeface="Helvetica Neue" panose="02000503000000020004" pitchFamily="2" charset="0"/>
+                <a:ea typeface="Helvetica Neue" panose="02000503000000020004" pitchFamily="2" charset="0"/>
+                <a:cs typeface="Helvetica Neue" panose="02000503000000020004" pitchFamily="2" charset="0"/>
               </a:rPr>
-              <a:t>GO</a:t>
-            </a:r>
-            <a:r>
-              <a:rPr sz="1300" b="1" noProof="1">
+              <a:t>PID</a:t>
+            </a:r>
+            <a:r>
+              <a:rPr sz="2000" b="1" noProof="1">
                 <a:solidFill>
                   <a:srgbClr val="333333">
                     <a:alpha val="100000"/>
                   </a:srgbClr>
                 </a:solidFill>
-                <a:latin typeface="Graphik Web" panose="020B0503030202060203" pitchFamily="34" charset="77"/>
-                <a:cs typeface="Utopia"/>
+                <a:latin typeface="Helvetica Neue" panose="02000503000000020004" pitchFamily="2" charset="0"/>
+                <a:ea typeface="Helvetica Neue" panose="02000503000000020004" pitchFamily="2" charset="0"/>
+                <a:cs typeface="Helvetica Neue" panose="02000503000000020004" pitchFamily="2" charset="0"/>
               </a:rPr>
-              <a:t> Synaptic Membrane </a:t>
-            </a:r>
-            <a:r>
-              <a:rPr sz="1300" noProof="1">
+              <a:t> Beta Catenin Nuc</a:t>
+            </a:r>
+            <a:r>
+              <a:rPr lang="en-AU" sz="2000" b="1" noProof="1">
                 <a:solidFill>
                   <a:srgbClr val="333333">
                     <a:alpha val="100000"/>
                   </a:srgbClr>
                 </a:solidFill>
-                <a:latin typeface="Graphik Web" panose="020B0503030202060203" pitchFamily="34" charset="77"/>
-                <a:cs typeface="Utopia"/>
+                <a:latin typeface="Helvetica Neue" panose="02000503000000020004" pitchFamily="2" charset="0"/>
+                <a:ea typeface="Helvetica Neue" panose="02000503000000020004" pitchFamily="2" charset="0"/>
+                <a:cs typeface="Helvetica Neue" panose="02000503000000020004" pitchFamily="2" charset="0"/>
               </a:rPr>
-              <a:t>C5</a:t>
-            </a:r>
-          </a:p>
-        </p:txBody>
-      </p:sp>
-      <p:sp>
-        <p:nvSpPr>
-          <p:cNvPr id="101" name="tx101"/>
-          <p:cNvSpPr/>
-          <p:nvPr/>
-        </p:nvSpPr>
-        <p:spPr>
-          <a:xfrm>
-            <a:off x="6242938" y="10166708"/>
-            <a:ext cx="1189216" cy="162321"/>
+              <a:t> Pathway </a:t>
+            </a:r>
+            <a:r>
+              <a:rPr lang="en-AU" sz="2000" noProof="1">
+                <a:solidFill>
+                  <a:srgbClr val="333333">
+                    <a:alpha val="100000"/>
+                  </a:srgbClr>
+                </a:solidFill>
+                <a:latin typeface="Helvetica Neue" panose="02000503000000020004" pitchFamily="2" charset="0"/>
+                <a:ea typeface="Helvetica Neue" panose="02000503000000020004" pitchFamily="2" charset="0"/>
+                <a:cs typeface="Helvetica Neue" panose="02000503000000020004" pitchFamily="2" charset="0"/>
+              </a:rPr>
+              <a:t>C2</a:t>
+            </a:r>
+            <a:endParaRPr sz="2000" noProof="1">
+              <a:solidFill>
+                <a:srgbClr val="333333">
+                  <a:alpha val="100000"/>
+                </a:srgbClr>
+              </a:solidFill>
+              <a:latin typeface="Helvetica Neue" panose="02000503000000020004" pitchFamily="2" charset="0"/>
+              <a:ea typeface="Helvetica Neue" panose="02000503000000020004" pitchFamily="2" charset="0"/>
+              <a:cs typeface="Helvetica Neue" panose="02000503000000020004" pitchFamily="2" charset="0"/>
+            </a:endParaRPr>
+          </a:p>
+        </p:txBody>
+      </p:sp>
+      <p:sp>
+        <p:nvSpPr>
+          <p:cNvPr id="104" name="tx104"/>
+          <p:cNvSpPr/>
+          <p:nvPr/>
+        </p:nvSpPr>
+        <p:spPr>
+          <a:xfrm>
+            <a:off x="5336851" y="8865606"/>
+            <a:ext cx="1632628" cy="178291"/>
           </a:xfrm>
           <a:prstGeom prst="rect">
             <a:avLst/>
@@ -6752,54 +6577,57 @@
               </a:spcAft>
             </a:pPr>
             <a:r>
-              <a:rPr lang="en-AU" sz="1300" b="1" noProof="1">
+              <a:rPr lang="en-AU" sz="2000" b="1" noProof="1">
                 <a:solidFill>
                   <a:srgbClr val="333333">
                     <a:alpha val="100000"/>
                   </a:srgbClr>
                 </a:solidFill>
-                <a:latin typeface="Graphik Web" panose="020B0503030202060203" pitchFamily="34" charset="77"/>
-                <a:cs typeface="Utopia"/>
+                <a:latin typeface="Helvetica Neue" panose="02000503000000020004" pitchFamily="2" charset="0"/>
+                <a:ea typeface="Helvetica Neue" panose="02000503000000020004" pitchFamily="2" charset="0"/>
+                <a:cs typeface="Helvetica Neue" panose="02000503000000020004" pitchFamily="2" charset="0"/>
               </a:rPr>
-              <a:t>KEGG</a:t>
-            </a:r>
-            <a:r>
-              <a:rPr sz="1300" b="1" noProof="1">
+              <a:t>TGANTCA</a:t>
+            </a:r>
+            <a:r>
+              <a:rPr sz="2000" b="1" noProof="1">
                 <a:solidFill>
                   <a:srgbClr val="333333">
                     <a:alpha val="100000"/>
                   </a:srgbClr>
                 </a:solidFill>
-                <a:latin typeface="Graphik Web" panose="020B0503030202060203" pitchFamily="34" charset="77"/>
-                <a:cs typeface="Utopia"/>
+                <a:latin typeface="Helvetica Neue" panose="02000503000000020004" pitchFamily="2" charset="0"/>
+                <a:ea typeface="Helvetica Neue" panose="02000503000000020004" pitchFamily="2" charset="0"/>
+                <a:cs typeface="Helvetica Neue" panose="02000503000000020004" pitchFamily="2" charset="0"/>
               </a:rPr>
-              <a:t> Glioma </a:t>
-            </a:r>
-            <a:r>
-              <a:rPr sz="1300" noProof="1">
+              <a:t> Ap1 C </a:t>
+            </a:r>
+            <a:r>
+              <a:rPr sz="2000" noProof="1">
                 <a:solidFill>
                   <a:srgbClr val="333333">
                     <a:alpha val="100000"/>
                   </a:srgbClr>
                 </a:solidFill>
-                <a:latin typeface="Graphik Web" panose="020B0503030202060203" pitchFamily="34" charset="77"/>
-                <a:cs typeface="Utopia"/>
+                <a:latin typeface="Helvetica Neue" panose="02000503000000020004" pitchFamily="2" charset="0"/>
+                <a:ea typeface="Helvetica Neue" panose="02000503000000020004" pitchFamily="2" charset="0"/>
+                <a:cs typeface="Helvetica Neue" panose="02000503000000020004" pitchFamily="2" charset="0"/>
               </a:rPr>
-              <a:t>C2</a:t>
-            </a:r>
-          </a:p>
-        </p:txBody>
-      </p:sp>
-      <p:sp>
-        <p:nvSpPr>
-          <p:cNvPr id="102" name="tx102"/>
-          <p:cNvSpPr/>
-          <p:nvPr/>
-        </p:nvSpPr>
-        <p:spPr>
-          <a:xfrm>
-            <a:off x="5384214" y="9574999"/>
-            <a:ext cx="1596023" cy="124817"/>
+              <a:t>C3</a:t>
+            </a:r>
+          </a:p>
+        </p:txBody>
+      </p:sp>
+      <p:sp>
+        <p:nvSpPr>
+          <p:cNvPr id="105" name="tx105"/>
+          <p:cNvSpPr/>
+          <p:nvPr/>
+        </p:nvSpPr>
+        <p:spPr>
+          <a:xfrm>
+            <a:off x="5114432" y="8210421"/>
+            <a:ext cx="1971503" cy="168076"/>
           </a:xfrm>
           <a:prstGeom prst="rect">
             <a:avLst/>
@@ -6822,75 +6650,57 @@
               </a:spcAft>
             </a:pPr>
             <a:r>
-              <a:rPr lang="en-AU" sz="1300" b="1" noProof="1">
+              <a:rPr lang="en-AU" sz="2000" b="1" noProof="1">
                 <a:solidFill>
                   <a:srgbClr val="333333">
                     <a:alpha val="100000"/>
                   </a:srgbClr>
                 </a:solidFill>
-                <a:latin typeface="Graphik Web" panose="020B0503030202060203" pitchFamily="34" charset="77"/>
-                <a:cs typeface="Utopia"/>
+                <a:latin typeface="Helvetica Neue" panose="02000503000000020004" pitchFamily="2" charset="0"/>
+                <a:ea typeface="Helvetica Neue" panose="02000503000000020004" pitchFamily="2" charset="0"/>
+                <a:cs typeface="Helvetica Neue" panose="02000503000000020004" pitchFamily="2" charset="0"/>
               </a:rPr>
-              <a:t>PID</a:t>
-            </a:r>
-            <a:r>
-              <a:rPr sz="1300" b="1" noProof="1">
+              <a:t>TGGAAA</a:t>
+            </a:r>
+            <a:r>
+              <a:rPr sz="2000" b="1" noProof="1">
                 <a:solidFill>
                   <a:srgbClr val="333333">
                     <a:alpha val="100000"/>
                   </a:srgbClr>
                 </a:solidFill>
-                <a:latin typeface="Graphik Web" panose="020B0503030202060203" pitchFamily="34" charset="77"/>
-                <a:cs typeface="Utopia"/>
+                <a:latin typeface="Helvetica Neue" panose="02000503000000020004" pitchFamily="2" charset="0"/>
+                <a:ea typeface="Helvetica Neue" panose="02000503000000020004" pitchFamily="2" charset="0"/>
+                <a:cs typeface="Helvetica Neue" panose="02000503000000020004" pitchFamily="2" charset="0"/>
               </a:rPr>
-              <a:t> Beta Catenin Nuc</a:t>
-            </a:r>
-            <a:r>
-              <a:rPr lang="en-AU" sz="1300" b="1" noProof="1">
+              <a:t> Nfat Q4 01 </a:t>
+            </a:r>
+            <a:r>
+              <a:rPr sz="2000" noProof="1">
                 <a:solidFill>
                   <a:srgbClr val="333333">
                     <a:alpha val="100000"/>
                   </a:srgbClr>
                 </a:solidFill>
-                <a:latin typeface="Graphik Web" panose="020B0503030202060203" pitchFamily="34" charset="77"/>
-                <a:cs typeface="Utopia"/>
+                <a:latin typeface="Helvetica Neue" panose="02000503000000020004" pitchFamily="2" charset="0"/>
+                <a:ea typeface="Helvetica Neue" panose="02000503000000020004" pitchFamily="2" charset="0"/>
+                <a:cs typeface="Helvetica Neue" panose="02000503000000020004" pitchFamily="2" charset="0"/>
               </a:rPr>
-              <a:t> Pathway </a:t>
-            </a:r>
-            <a:r>
-              <a:rPr lang="en-AU" sz="1300" noProof="1">
-                <a:solidFill>
-                  <a:srgbClr val="333333">
-                    <a:alpha val="100000"/>
-                  </a:srgbClr>
-                </a:solidFill>
-                <a:latin typeface="Graphik Web" panose="020B0503030202060203" pitchFamily="34" charset="77"/>
-                <a:cs typeface="Utopia"/>
-              </a:rPr>
-              <a:t>C2</a:t>
-            </a:r>
-            <a:endParaRPr sz="1300" noProof="1">
-              <a:solidFill>
-                <a:srgbClr val="333333">
-                  <a:alpha val="100000"/>
-                </a:srgbClr>
-              </a:solidFill>
-              <a:latin typeface="Graphik Web" panose="020B0503030202060203" pitchFamily="34" charset="77"/>
-              <a:cs typeface="Utopia"/>
-            </a:endParaRPr>
-          </a:p>
-        </p:txBody>
-      </p:sp>
-      <p:sp>
-        <p:nvSpPr>
-          <p:cNvPr id="104" name="tx104"/>
-          <p:cNvSpPr/>
-          <p:nvPr/>
-        </p:nvSpPr>
-        <p:spPr>
-          <a:xfrm>
-            <a:off x="5857715" y="8865606"/>
-            <a:ext cx="1632628" cy="178291"/>
+              <a:t>C3</a:t>
+            </a:r>
+          </a:p>
+        </p:txBody>
+      </p:sp>
+      <p:sp>
+        <p:nvSpPr>
+          <p:cNvPr id="106" name="tx106"/>
+          <p:cNvSpPr/>
+          <p:nvPr/>
+        </p:nvSpPr>
+        <p:spPr>
+          <a:xfrm>
+            <a:off x="4309265" y="7597685"/>
+            <a:ext cx="2607762" cy="194317"/>
           </a:xfrm>
           <a:prstGeom prst="rect">
             <a:avLst/>
@@ -6913,54 +6723,80 @@
               </a:spcAft>
             </a:pPr>
             <a:r>
-              <a:rPr lang="en-AU" sz="1300" b="1" noProof="1">
+              <a:rPr lang="en-AU" sz="2000" b="1" noProof="1">
                 <a:solidFill>
                   <a:srgbClr val="333333">
                     <a:alpha val="100000"/>
                   </a:srgbClr>
                 </a:solidFill>
-                <a:latin typeface="Graphik Web" panose="020B0503030202060203" pitchFamily="34" charset="77"/>
-                <a:cs typeface="Utopia"/>
+                <a:latin typeface="Helvetica Neue" panose="02000503000000020004" pitchFamily="2" charset="0"/>
+                <a:ea typeface="Helvetica Neue" panose="02000503000000020004" pitchFamily="2" charset="0"/>
+                <a:cs typeface="Helvetica Neue" panose="02000503000000020004" pitchFamily="2" charset="0"/>
               </a:rPr>
-              <a:t>TGANTCA</a:t>
-            </a:r>
-            <a:r>
-              <a:rPr sz="1300" b="1" noProof="1">
+              <a:t>TGGNNNNNNKCCAR</a:t>
+            </a:r>
+            <a:r>
+              <a:rPr sz="2000" b="1" noProof="1">
                 <a:solidFill>
                   <a:srgbClr val="333333">
                     <a:alpha val="100000"/>
                   </a:srgbClr>
                 </a:solidFill>
-                <a:latin typeface="Graphik Web" panose="020B0503030202060203" pitchFamily="34" charset="77"/>
-                <a:cs typeface="Utopia"/>
+                <a:latin typeface="Helvetica Neue" panose="02000503000000020004" pitchFamily="2" charset="0"/>
+                <a:ea typeface="Helvetica Neue" panose="02000503000000020004" pitchFamily="2" charset="0"/>
+                <a:cs typeface="Helvetica Neue" panose="02000503000000020004" pitchFamily="2" charset="0"/>
               </a:rPr>
-              <a:t> Ap1 C </a:t>
-            </a:r>
-            <a:r>
-              <a:rPr sz="1300" noProof="1">
+              <a:t> Unknown</a:t>
+            </a:r>
+            <a:r>
+              <a:rPr lang="en-AU" sz="2000" b="1" noProof="1">
                 <a:solidFill>
                   <a:srgbClr val="333333">
                     <a:alpha val="100000"/>
                   </a:srgbClr>
                 </a:solidFill>
-                <a:latin typeface="Graphik Web" panose="020B0503030202060203" pitchFamily="34" charset="77"/>
-                <a:cs typeface="Utopia"/>
+                <a:latin typeface="Helvetica Neue" panose="02000503000000020004" pitchFamily="2" charset="0"/>
+                <a:ea typeface="Helvetica Neue" panose="02000503000000020004" pitchFamily="2" charset="0"/>
+                <a:cs typeface="Helvetica Neue" panose="02000503000000020004" pitchFamily="2" charset="0"/>
+              </a:rPr>
+              <a:t> </a:t>
+            </a:r>
+            <a:r>
+              <a:rPr lang="en-AU" sz="2000" noProof="1">
+                <a:solidFill>
+                  <a:srgbClr val="333333">
+                    <a:alpha val="100000"/>
+                  </a:srgbClr>
+                </a:solidFill>
+                <a:latin typeface="Helvetica Neue" panose="02000503000000020004" pitchFamily="2" charset="0"/>
+                <a:ea typeface="Helvetica Neue" panose="02000503000000020004" pitchFamily="2" charset="0"/>
+                <a:cs typeface="Helvetica Neue" panose="02000503000000020004" pitchFamily="2" charset="0"/>
               </a:rPr>
               <a:t>C3</a:t>
             </a:r>
-          </a:p>
-        </p:txBody>
-      </p:sp>
-      <p:sp>
-        <p:nvSpPr>
-          <p:cNvPr id="105" name="tx105"/>
-          <p:cNvSpPr/>
-          <p:nvPr/>
-        </p:nvSpPr>
-        <p:spPr>
-          <a:xfrm>
-            <a:off x="5635296" y="8210421"/>
-            <a:ext cx="1971503" cy="168076"/>
+            <a:endParaRPr sz="2000" noProof="1">
+              <a:solidFill>
+                <a:srgbClr val="333333">
+                  <a:alpha val="100000"/>
+                </a:srgbClr>
+              </a:solidFill>
+              <a:latin typeface="Helvetica Neue" panose="02000503000000020004" pitchFamily="2" charset="0"/>
+              <a:ea typeface="Helvetica Neue" panose="02000503000000020004" pitchFamily="2" charset="0"/>
+              <a:cs typeface="Helvetica Neue" panose="02000503000000020004" pitchFamily="2" charset="0"/>
+            </a:endParaRPr>
+          </a:p>
+        </p:txBody>
+      </p:sp>
+      <p:sp>
+        <p:nvSpPr>
+          <p:cNvPr id="108" name="tx108"/>
+          <p:cNvSpPr/>
+          <p:nvPr/>
+        </p:nvSpPr>
+        <p:spPr>
+          <a:xfrm>
+            <a:off x="4920723" y="6940223"/>
+            <a:ext cx="1920775" cy="162321"/>
           </a:xfrm>
           <a:prstGeom prst="rect">
             <a:avLst/>
@@ -6983,54 +6819,70 @@
               </a:spcAft>
             </a:pPr>
             <a:r>
-              <a:rPr lang="en-AU" sz="1300" b="1" noProof="1">
+              <a:rPr lang="en-AU" sz="2000" b="1" noProof="1">
                 <a:solidFill>
                   <a:srgbClr val="333333">
                     <a:alpha val="100000"/>
                   </a:srgbClr>
                 </a:solidFill>
-                <a:latin typeface="Graphik Web" panose="020B0503030202060203" pitchFamily="34" charset="77"/>
-                <a:cs typeface="Utopia"/>
+                <a:latin typeface="Helvetica Neue" panose="02000503000000020004" pitchFamily="2" charset="0"/>
+                <a:ea typeface="Helvetica Neue" panose="02000503000000020004" pitchFamily="2" charset="0"/>
+                <a:cs typeface="Helvetica Neue" panose="02000503000000020004" pitchFamily="2" charset="0"/>
               </a:rPr>
-              <a:t>TGGAAA</a:t>
-            </a:r>
-            <a:r>
-              <a:rPr sz="1300" b="1" noProof="1">
+              <a:t>TNCATNTCCYR</a:t>
+            </a:r>
+            <a:r>
+              <a:rPr sz="2000" noProof="1">
                 <a:solidFill>
                   <a:srgbClr val="333333">
                     <a:alpha val="100000"/>
                   </a:srgbClr>
                 </a:solidFill>
-                <a:latin typeface="Graphik Web" panose="020B0503030202060203" pitchFamily="34" charset="77"/>
-                <a:cs typeface="Utopia"/>
+                <a:latin typeface="Helvetica Neue" panose="02000503000000020004" pitchFamily="2" charset="0"/>
+                <a:ea typeface="Helvetica Neue" panose="02000503000000020004" pitchFamily="2" charset="0"/>
+                <a:cs typeface="Helvetica Neue" panose="02000503000000020004" pitchFamily="2" charset="0"/>
               </a:rPr>
-              <a:t> Nfat Q4 01 </a:t>
-            </a:r>
-            <a:r>
-              <a:rPr sz="1300" noProof="1">
+              <a:t> </a:t>
+            </a:r>
+            <a:r>
+              <a:rPr sz="2000" b="1" noProof="1">
                 <a:solidFill>
                   <a:srgbClr val="333333">
                     <a:alpha val="100000"/>
                   </a:srgbClr>
                 </a:solidFill>
-                <a:latin typeface="Graphik Web" panose="020B0503030202060203" pitchFamily="34" charset="77"/>
-                <a:cs typeface="Utopia"/>
+                <a:latin typeface="Helvetica Neue" panose="02000503000000020004" pitchFamily="2" charset="0"/>
+                <a:ea typeface="Helvetica Neue" panose="02000503000000020004" pitchFamily="2" charset="0"/>
+                <a:cs typeface="Helvetica Neue" panose="02000503000000020004" pitchFamily="2" charset="0"/>
               </a:rPr>
-              <a:t>C3</a:t>
-            </a:r>
-          </a:p>
-        </p:txBody>
-      </p:sp>
-      <p:sp>
-        <p:nvSpPr>
-          <p:cNvPr id="106" name="tx106"/>
-          <p:cNvSpPr/>
-          <p:nvPr/>
-        </p:nvSpPr>
-        <p:spPr>
-          <a:xfrm>
-            <a:off x="4830129" y="7597685"/>
-            <a:ext cx="2607762" cy="194317"/>
+              <a:t>Unknown</a:t>
+            </a:r>
+            <a:r>
+              <a:rPr sz="2000" noProof="1">
+                <a:solidFill>
+                  <a:srgbClr val="333333">
+                    <a:alpha val="100000"/>
+                  </a:srgbClr>
+                </a:solidFill>
+                <a:latin typeface="Helvetica Neue" panose="02000503000000020004" pitchFamily="2" charset="0"/>
+                <a:ea typeface="Helvetica Neue" panose="02000503000000020004" pitchFamily="2" charset="0"/>
+                <a:cs typeface="Helvetica Neue" panose="02000503000000020004" pitchFamily="2" charset="0"/>
+              </a:rPr>
+              <a:t> C3</a:t>
+            </a:r>
+          </a:p>
+        </p:txBody>
+      </p:sp>
+      <p:sp>
+        <p:nvSpPr>
+          <p:cNvPr id="109" name="tx109"/>
+          <p:cNvSpPr/>
+          <p:nvPr/>
+        </p:nvSpPr>
+        <p:spPr>
+          <a:xfrm>
+            <a:off x="5057664" y="6287953"/>
+            <a:ext cx="1774496" cy="162321"/>
           </a:xfrm>
           <a:prstGeom prst="rect">
             <a:avLst/>
@@ -7053,75 +6905,57 @@
               </a:spcAft>
             </a:pPr>
             <a:r>
-              <a:rPr lang="en-AU" sz="1300" b="1" noProof="1">
+              <a:rPr lang="en-AU" sz="2000" b="1" noProof="1">
                 <a:solidFill>
                   <a:srgbClr val="333333">
                     <a:alpha val="100000"/>
                   </a:srgbClr>
                 </a:solidFill>
-                <a:latin typeface="Graphik Web" panose="020B0503030202060203" pitchFamily="34" charset="77"/>
-                <a:cs typeface="Utopia"/>
+                <a:latin typeface="Helvetica Neue" panose="02000503000000020004" pitchFamily="2" charset="0"/>
+                <a:ea typeface="Helvetica Neue" panose="02000503000000020004" pitchFamily="2" charset="0"/>
+                <a:cs typeface="Helvetica Neue" panose="02000503000000020004" pitchFamily="2" charset="0"/>
               </a:rPr>
-              <a:t>TGGNNNNNNKCCAR</a:t>
-            </a:r>
-            <a:r>
-              <a:rPr sz="1300" b="1" noProof="1">
+              <a:t>TTGCWCAAY</a:t>
+            </a:r>
+            <a:r>
+              <a:rPr sz="2000" b="1" noProof="1">
                 <a:solidFill>
                   <a:srgbClr val="333333">
                     <a:alpha val="100000"/>
                   </a:srgbClr>
                 </a:solidFill>
-                <a:latin typeface="Graphik Web" panose="020B0503030202060203" pitchFamily="34" charset="77"/>
-                <a:cs typeface="Utopia"/>
+                <a:latin typeface="Helvetica Neue" panose="02000503000000020004" pitchFamily="2" charset="0"/>
+                <a:ea typeface="Helvetica Neue" panose="02000503000000020004" pitchFamily="2" charset="0"/>
+                <a:cs typeface="Helvetica Neue" panose="02000503000000020004" pitchFamily="2" charset="0"/>
               </a:rPr>
-              <a:t> Unknown</a:t>
-            </a:r>
-            <a:r>
-              <a:rPr lang="en-AU" sz="1300" b="1" noProof="1">
+              <a:t> Cebpb </a:t>
+            </a:r>
+            <a:r>
+              <a:rPr sz="2000" noProof="1">
                 <a:solidFill>
                   <a:srgbClr val="333333">
                     <a:alpha val="100000"/>
                   </a:srgbClr>
                 </a:solidFill>
-                <a:latin typeface="Graphik Web" panose="020B0503030202060203" pitchFamily="34" charset="77"/>
-                <a:cs typeface="Utopia"/>
+                <a:latin typeface="Helvetica Neue" panose="02000503000000020004" pitchFamily="2" charset="0"/>
+                <a:ea typeface="Helvetica Neue" panose="02000503000000020004" pitchFamily="2" charset="0"/>
+                <a:cs typeface="Helvetica Neue" panose="02000503000000020004" pitchFamily="2" charset="0"/>
               </a:rPr>
-              <a:t> </a:t>
-            </a:r>
-            <a:r>
-              <a:rPr lang="en-AU" sz="1300" noProof="1">
-                <a:solidFill>
-                  <a:srgbClr val="333333">
-                    <a:alpha val="100000"/>
-                  </a:srgbClr>
-                </a:solidFill>
-                <a:latin typeface="Graphik Web" panose="020B0503030202060203" pitchFamily="34" charset="77"/>
-                <a:cs typeface="Utopia"/>
-              </a:rPr>
-              <a:t>C3</a:t>
-            </a:r>
-            <a:endParaRPr sz="1300" noProof="1">
-              <a:solidFill>
-                <a:srgbClr val="333333">
-                  <a:alpha val="100000"/>
-                </a:srgbClr>
-              </a:solidFill>
-              <a:latin typeface="Graphik Web" panose="020B0503030202060203" pitchFamily="34" charset="77"/>
-              <a:cs typeface="Utopia"/>
-            </a:endParaRPr>
-          </a:p>
-        </p:txBody>
-      </p:sp>
-      <p:sp>
-        <p:nvSpPr>
-          <p:cNvPr id="108" name="tx108"/>
-          <p:cNvSpPr/>
-          <p:nvPr/>
-        </p:nvSpPr>
-        <p:spPr>
-          <a:xfrm>
-            <a:off x="5441587" y="6940223"/>
-            <a:ext cx="1920775" cy="162321"/>
+              <a:t>02 C3</a:t>
+            </a:r>
+          </a:p>
+        </p:txBody>
+      </p:sp>
+      <p:sp>
+        <p:nvSpPr>
+          <p:cNvPr id="110" name="tx110"/>
+          <p:cNvSpPr/>
+          <p:nvPr/>
+        </p:nvSpPr>
+        <p:spPr>
+          <a:xfrm>
+            <a:off x="5282412" y="5641361"/>
+            <a:ext cx="1634161" cy="162321"/>
           </a:xfrm>
           <a:prstGeom prst="rect">
             <a:avLst/>
@@ -7144,66 +6978,57 @@
               </a:spcAft>
             </a:pPr>
             <a:r>
-              <a:rPr lang="en-AU" sz="1300" b="1" noProof="1">
+              <a:rPr lang="en-AU" sz="2000" b="1" noProof="1">
                 <a:solidFill>
                   <a:srgbClr val="333333">
                     <a:alpha val="100000"/>
                   </a:srgbClr>
                 </a:solidFill>
-                <a:latin typeface="Graphik Web" panose="020B0503030202060203" pitchFamily="34" charset="77"/>
-                <a:cs typeface="Utopia"/>
+                <a:latin typeface="Helvetica Neue" panose="02000503000000020004" pitchFamily="2" charset="0"/>
+                <a:ea typeface="Helvetica Neue" panose="02000503000000020004" pitchFamily="2" charset="0"/>
+                <a:cs typeface="Helvetica Neue" panose="02000503000000020004" pitchFamily="2" charset="0"/>
               </a:rPr>
-              <a:t>TNCATNTCCYR</a:t>
-            </a:r>
-            <a:r>
-              <a:rPr sz="1300" noProof="1">
+              <a:t>WTGAAAT</a:t>
+            </a:r>
+            <a:r>
+              <a:rPr sz="2000" b="1" noProof="1">
                 <a:solidFill>
                   <a:srgbClr val="333333">
                     <a:alpha val="100000"/>
                   </a:srgbClr>
                 </a:solidFill>
-                <a:latin typeface="Graphik Web" panose="020B0503030202060203" pitchFamily="34" charset="77"/>
-                <a:cs typeface="Utopia"/>
+                <a:latin typeface="Helvetica Neue" panose="02000503000000020004" pitchFamily="2" charset="0"/>
+                <a:ea typeface="Helvetica Neue" panose="02000503000000020004" pitchFamily="2" charset="0"/>
+                <a:cs typeface="Helvetica Neue" panose="02000503000000020004" pitchFamily="2" charset="0"/>
               </a:rPr>
-              <a:t> </a:t>
-            </a:r>
-            <a:r>
-              <a:rPr sz="1300" b="1" noProof="1">
+              <a:t> Unknown </a:t>
+            </a:r>
+            <a:r>
+              <a:rPr sz="2000" noProof="1">
                 <a:solidFill>
                   <a:srgbClr val="333333">
                     <a:alpha val="100000"/>
                   </a:srgbClr>
                 </a:solidFill>
-                <a:latin typeface="Graphik Web" panose="020B0503030202060203" pitchFamily="34" charset="77"/>
-                <a:cs typeface="Utopia"/>
+                <a:latin typeface="Helvetica Neue" panose="02000503000000020004" pitchFamily="2" charset="0"/>
+                <a:ea typeface="Helvetica Neue" panose="02000503000000020004" pitchFamily="2" charset="0"/>
+                <a:cs typeface="Helvetica Neue" panose="02000503000000020004" pitchFamily="2" charset="0"/>
               </a:rPr>
-              <a:t>Unknown</a:t>
-            </a:r>
-            <a:r>
-              <a:rPr sz="1300" noProof="1">
-                <a:solidFill>
-                  <a:srgbClr val="333333">
-                    <a:alpha val="100000"/>
-                  </a:srgbClr>
-                </a:solidFill>
-                <a:latin typeface="Graphik Web" panose="020B0503030202060203" pitchFamily="34" charset="77"/>
-                <a:cs typeface="Utopia"/>
-              </a:rPr>
-              <a:t> C3</a:t>
-            </a:r>
-          </a:p>
-        </p:txBody>
-      </p:sp>
-      <p:sp>
-        <p:nvSpPr>
-          <p:cNvPr id="109" name="tx109"/>
-          <p:cNvSpPr/>
-          <p:nvPr/>
-        </p:nvSpPr>
-        <p:spPr>
-          <a:xfrm>
-            <a:off x="5578528" y="6287953"/>
-            <a:ext cx="1774496" cy="162321"/>
+              <a:t>C3</a:t>
+            </a:r>
+          </a:p>
+        </p:txBody>
+      </p:sp>
+      <p:sp>
+        <p:nvSpPr>
+          <p:cNvPr id="111" name="tx111"/>
+          <p:cNvSpPr/>
+          <p:nvPr/>
+        </p:nvSpPr>
+        <p:spPr>
+          <a:xfrm>
+            <a:off x="4773535" y="4976814"/>
+            <a:ext cx="2128982" cy="206510"/>
           </a:xfrm>
           <a:prstGeom prst="rect">
             <a:avLst/>
@@ -7226,108 +7051,41 @@
               </a:spcAft>
             </a:pPr>
             <a:r>
-              <a:rPr lang="en-AU" sz="1300" b="1" noProof="1">
+              <a:rPr lang="en-AU" sz="2000" b="1" noProof="1">
                 <a:solidFill>
                   <a:srgbClr val="333333">
                     <a:alpha val="100000"/>
                   </a:srgbClr>
                 </a:solidFill>
-                <a:latin typeface="Graphik Web" panose="020B0503030202060203" pitchFamily="34" charset="77"/>
-                <a:cs typeface="Utopia"/>
+                <a:latin typeface="Helvetica Neue" panose="02000503000000020004" pitchFamily="2" charset="0"/>
+                <a:ea typeface="Helvetica Neue" panose="02000503000000020004" pitchFamily="2" charset="0"/>
+                <a:cs typeface="Helvetica Neue" panose="02000503000000020004" pitchFamily="2" charset="0"/>
               </a:rPr>
-              <a:t>TTGCWCAAY</a:t>
-            </a:r>
-            <a:r>
-              <a:rPr sz="1300" b="1" noProof="1">
+              <a:t>YRTCANNRCGC</a:t>
+            </a:r>
+            <a:r>
+              <a:rPr sz="2000" b="1" noProof="1">
                 <a:solidFill>
                   <a:srgbClr val="333333">
                     <a:alpha val="100000"/>
                   </a:srgbClr>
                 </a:solidFill>
-                <a:latin typeface="Graphik Web" panose="020B0503030202060203" pitchFamily="34" charset="77"/>
-                <a:cs typeface="Utopia"/>
+                <a:latin typeface="Helvetica Neue" panose="02000503000000020004" pitchFamily="2" charset="0"/>
+                <a:ea typeface="Helvetica Neue" panose="02000503000000020004" pitchFamily="2" charset="0"/>
+                <a:cs typeface="Helvetica Neue" panose="02000503000000020004" pitchFamily="2" charset="0"/>
               </a:rPr>
-              <a:t> Cebpb </a:t>
-            </a:r>
-            <a:r>
-              <a:rPr sz="1300" noProof="1">
+              <a:t> Unknown </a:t>
+            </a:r>
+            <a:r>
+              <a:rPr sz="2000" noProof="1">
                 <a:solidFill>
                   <a:srgbClr val="333333">
                     <a:alpha val="100000"/>
                   </a:srgbClr>
                 </a:solidFill>
-                <a:latin typeface="Graphik Web" panose="020B0503030202060203" pitchFamily="34" charset="77"/>
-                <a:cs typeface="Utopia"/>
-              </a:rPr>
-              <a:t>02 C3</a:t>
-            </a:r>
-          </a:p>
-        </p:txBody>
-      </p:sp>
-      <p:sp>
-        <p:nvSpPr>
-          <p:cNvPr id="110" name="tx110"/>
-          <p:cNvSpPr/>
-          <p:nvPr/>
-        </p:nvSpPr>
-        <p:spPr>
-          <a:xfrm>
-            <a:off x="5803276" y="5641361"/>
-            <a:ext cx="1634161" cy="162321"/>
-          </a:xfrm>
-          <a:prstGeom prst="rect">
-            <a:avLst/>
-          </a:prstGeom>
-          <a:noFill/>
-        </p:spPr>
-        <p:txBody>
-          <a:bodyPr wrap="none" lIns="0" tIns="0" rIns="0" bIns="0" anchor="ctr" anchorCtr="1"/>
-          <a:lstStyle/>
-          <a:p>
-            <a:pPr marL="0" marR="0" indent="0" algn="l">
-              <a:lnSpc>
-                <a:spcPts val="1300"/>
-              </a:lnSpc>
-              <a:spcBef>
-                <a:spcPts val="0"/>
-              </a:spcBef>
-              <a:spcAft>
-                <a:spcPts val="0"/>
-              </a:spcAft>
-            </a:pPr>
-            <a:r>
-              <a:rPr lang="en-AU" sz="1300" b="1" noProof="1">
-                <a:solidFill>
-                  <a:srgbClr val="333333">
-                    <a:alpha val="100000"/>
-                  </a:srgbClr>
-                </a:solidFill>
-                <a:latin typeface="Graphik Web" panose="020B0503030202060203" pitchFamily="34" charset="77"/>
-                <a:cs typeface="Utopia"/>
-              </a:rPr>
-              <a:t>WTGAAAT</a:t>
-            </a:r>
-            <a:r>
-              <a:rPr sz="1300" b="1" noProof="1">
-                <a:solidFill>
-                  <a:srgbClr val="333333">
-                    <a:alpha val="100000"/>
-                  </a:srgbClr>
-                </a:solidFill>
-                <a:latin typeface="Graphik Web" panose="020B0503030202060203" pitchFamily="34" charset="77"/>
-                <a:cs typeface="Utopia"/>
-              </a:rPr>
-              <a:t> Unknown </a:t>
-            </a:r>
-            <a:r>
-              <a:rPr sz="1300" noProof="1">
-                <a:solidFill>
-                  <a:srgbClr val="333333">
-                    <a:alpha val="100000"/>
-                  </a:srgbClr>
-                </a:solidFill>
-                <a:latin typeface="Graphik Web" panose="020B0503030202060203" pitchFamily="34" charset="77"/>
-                <a:cs typeface="Utopia"/>
+                <a:latin typeface="Helvetica Neue" panose="02000503000000020004" pitchFamily="2" charset="0"/>
+                <a:ea typeface="Helvetica Neue" panose="02000503000000020004" pitchFamily="2" charset="0"/>
+                <a:cs typeface="Helvetica Neue" panose="02000503000000020004" pitchFamily="2" charset="0"/>
               </a:rPr>
               <a:t>C3</a:t>
             </a:r>
@@ -7336,83 +7094,13 @@
       </p:sp>
       <p:sp>
         <p:nvSpPr>
-          <p:cNvPr id="111" name="tx111"/>
-          <p:cNvSpPr/>
-          <p:nvPr/>
-        </p:nvSpPr>
-        <p:spPr>
-          <a:xfrm>
-            <a:off x="5294399" y="4976814"/>
-            <a:ext cx="2128982" cy="206510"/>
-          </a:xfrm>
-          <a:prstGeom prst="rect">
-            <a:avLst/>
-          </a:prstGeom>
-          <a:noFill/>
-        </p:spPr>
-        <p:txBody>
-          <a:bodyPr wrap="none" lIns="0" tIns="0" rIns="0" bIns="0" anchor="ctr" anchorCtr="1"/>
-          <a:lstStyle/>
-          <a:p>
-            <a:pPr marL="0" marR="0" indent="0" algn="l">
-              <a:lnSpc>
-                <a:spcPts val="1300"/>
-              </a:lnSpc>
-              <a:spcBef>
-                <a:spcPts val="0"/>
-              </a:spcBef>
-              <a:spcAft>
-                <a:spcPts val="0"/>
-              </a:spcAft>
-            </a:pPr>
-            <a:r>
-              <a:rPr lang="en-AU" sz="1300" b="1" noProof="1">
-                <a:solidFill>
-                  <a:srgbClr val="333333">
-                    <a:alpha val="100000"/>
-                  </a:srgbClr>
-                </a:solidFill>
-                <a:latin typeface="Graphik Web" panose="020B0503030202060203" pitchFamily="34" charset="77"/>
-                <a:cs typeface="Utopia"/>
-              </a:rPr>
-              <a:t>YRTCANNRCGC</a:t>
-            </a:r>
-            <a:r>
-              <a:rPr sz="1300" b="1" noProof="1">
-                <a:solidFill>
-                  <a:srgbClr val="333333">
-                    <a:alpha val="100000"/>
-                  </a:srgbClr>
-                </a:solidFill>
-                <a:latin typeface="Graphik Web" panose="020B0503030202060203" pitchFamily="34" charset="77"/>
-                <a:cs typeface="Utopia"/>
-              </a:rPr>
-              <a:t> Unknown </a:t>
-            </a:r>
-            <a:r>
-              <a:rPr sz="1300" noProof="1">
-                <a:solidFill>
-                  <a:srgbClr val="333333">
-                    <a:alpha val="100000"/>
-                  </a:srgbClr>
-                </a:solidFill>
-                <a:latin typeface="Graphik Web" panose="020B0503030202060203" pitchFamily="34" charset="77"/>
-                <a:cs typeface="Utopia"/>
-              </a:rPr>
-              <a:t>C3</a:t>
-            </a:r>
-          </a:p>
-        </p:txBody>
-      </p:sp>
-      <p:sp>
-        <p:nvSpPr>
-          <p:cNvPr id="112" name="pl112"/>
-          <p:cNvSpPr/>
-          <p:nvPr/>
-        </p:nvSpPr>
-        <p:spPr>
-          <a:xfrm>
-            <a:off x="7634636" y="15459332"/>
+          <p:cNvPr id="114" name="pl114"/>
+          <p:cNvSpPr/>
+          <p:nvPr/>
+        </p:nvSpPr>
+        <p:spPr>
+          <a:xfrm>
+            <a:off x="7113772" y="14160471"/>
             <a:ext cx="34794" cy="0"/>
           </a:xfrm>
           <a:custGeom>
@@ -7446,21 +7134,23 @@
           <a:bodyPr/>
           <a:lstStyle/>
           <a:p>
-            <a:endParaRPr noProof="1">
-              <a:latin typeface="Graphik Web" panose="020B0503030202060203" pitchFamily="34" charset="77"/>
-            </a:endParaRPr>
-          </a:p>
-        </p:txBody>
-      </p:sp>
-      <p:sp>
-        <p:nvSpPr>
-          <p:cNvPr id="113" name="pl113"/>
-          <p:cNvSpPr/>
-          <p:nvPr/>
-        </p:nvSpPr>
-        <p:spPr>
-          <a:xfrm>
-            <a:off x="7634636" y="14809902"/>
+            <a:endParaRPr sz="6000" noProof="1">
+              <a:latin typeface="Helvetica Neue" panose="02000503000000020004" pitchFamily="2" charset="0"/>
+              <a:ea typeface="Helvetica Neue" panose="02000503000000020004" pitchFamily="2" charset="0"/>
+              <a:cs typeface="Helvetica Neue" panose="02000503000000020004" pitchFamily="2" charset="0"/>
+            </a:endParaRPr>
+          </a:p>
+        </p:txBody>
+      </p:sp>
+      <p:sp>
+        <p:nvSpPr>
+          <p:cNvPr id="115" name="pl115"/>
+          <p:cNvSpPr/>
+          <p:nvPr/>
+        </p:nvSpPr>
+        <p:spPr>
+          <a:xfrm>
+            <a:off x="7113772" y="13511040"/>
             <a:ext cx="34794" cy="0"/>
           </a:xfrm>
           <a:custGeom>
@@ -7494,21 +7184,23 @@
           <a:bodyPr/>
           <a:lstStyle/>
           <a:p>
-            <a:endParaRPr noProof="1">
-              <a:latin typeface="Graphik Web" panose="020B0503030202060203" pitchFamily="34" charset="77"/>
-            </a:endParaRPr>
-          </a:p>
-        </p:txBody>
-      </p:sp>
-      <p:sp>
-        <p:nvSpPr>
-          <p:cNvPr id="114" name="pl114"/>
-          <p:cNvSpPr/>
-          <p:nvPr/>
-        </p:nvSpPr>
-        <p:spPr>
-          <a:xfrm>
-            <a:off x="7634636" y="14160471"/>
+            <a:endParaRPr sz="6000" noProof="1">
+              <a:latin typeface="Helvetica Neue" panose="02000503000000020004" pitchFamily="2" charset="0"/>
+              <a:ea typeface="Helvetica Neue" panose="02000503000000020004" pitchFamily="2" charset="0"/>
+              <a:cs typeface="Helvetica Neue" panose="02000503000000020004" pitchFamily="2" charset="0"/>
+            </a:endParaRPr>
+          </a:p>
+        </p:txBody>
+      </p:sp>
+      <p:sp>
+        <p:nvSpPr>
+          <p:cNvPr id="116" name="pl116"/>
+          <p:cNvSpPr/>
+          <p:nvPr/>
+        </p:nvSpPr>
+        <p:spPr>
+          <a:xfrm>
+            <a:off x="7113772" y="12861609"/>
             <a:ext cx="34794" cy="0"/>
           </a:xfrm>
           <a:custGeom>
@@ -7542,21 +7234,23 @@
           <a:bodyPr/>
           <a:lstStyle/>
           <a:p>
-            <a:endParaRPr noProof="1">
-              <a:latin typeface="Graphik Web" panose="020B0503030202060203" pitchFamily="34" charset="77"/>
-            </a:endParaRPr>
-          </a:p>
-        </p:txBody>
-      </p:sp>
-      <p:sp>
-        <p:nvSpPr>
-          <p:cNvPr id="115" name="pl115"/>
-          <p:cNvSpPr/>
-          <p:nvPr/>
-        </p:nvSpPr>
-        <p:spPr>
-          <a:xfrm>
-            <a:off x="7634636" y="13511040"/>
+            <a:endParaRPr sz="6000" noProof="1">
+              <a:latin typeface="Helvetica Neue" panose="02000503000000020004" pitchFamily="2" charset="0"/>
+              <a:ea typeface="Helvetica Neue" panose="02000503000000020004" pitchFamily="2" charset="0"/>
+              <a:cs typeface="Helvetica Neue" panose="02000503000000020004" pitchFamily="2" charset="0"/>
+            </a:endParaRPr>
+          </a:p>
+        </p:txBody>
+      </p:sp>
+      <p:sp>
+        <p:nvSpPr>
+          <p:cNvPr id="117" name="pl117"/>
+          <p:cNvSpPr/>
+          <p:nvPr/>
+        </p:nvSpPr>
+        <p:spPr>
+          <a:xfrm>
+            <a:off x="7113772" y="12212178"/>
             <a:ext cx="34794" cy="0"/>
           </a:xfrm>
           <a:custGeom>
@@ -7590,21 +7284,23 @@
           <a:bodyPr/>
           <a:lstStyle/>
           <a:p>
-            <a:endParaRPr noProof="1">
-              <a:latin typeface="Graphik Web" panose="020B0503030202060203" pitchFamily="34" charset="77"/>
-            </a:endParaRPr>
-          </a:p>
-        </p:txBody>
-      </p:sp>
-      <p:sp>
-        <p:nvSpPr>
-          <p:cNvPr id="116" name="pl116"/>
-          <p:cNvSpPr/>
-          <p:nvPr/>
-        </p:nvSpPr>
-        <p:spPr>
-          <a:xfrm>
-            <a:off x="7634636" y="12861609"/>
+            <a:endParaRPr sz="6000" noProof="1">
+              <a:latin typeface="Helvetica Neue" panose="02000503000000020004" pitchFamily="2" charset="0"/>
+              <a:ea typeface="Helvetica Neue" panose="02000503000000020004" pitchFamily="2" charset="0"/>
+              <a:cs typeface="Helvetica Neue" panose="02000503000000020004" pitchFamily="2" charset="0"/>
+            </a:endParaRPr>
+          </a:p>
+        </p:txBody>
+      </p:sp>
+      <p:sp>
+        <p:nvSpPr>
+          <p:cNvPr id="118" name="pl118"/>
+          <p:cNvSpPr/>
+          <p:nvPr/>
+        </p:nvSpPr>
+        <p:spPr>
+          <a:xfrm>
+            <a:off x="7113772" y="11562747"/>
             <a:ext cx="34794" cy="0"/>
           </a:xfrm>
           <a:custGeom>
@@ -7638,21 +7334,23 @@
           <a:bodyPr/>
           <a:lstStyle/>
           <a:p>
-            <a:endParaRPr noProof="1">
-              <a:latin typeface="Graphik Web" panose="020B0503030202060203" pitchFamily="34" charset="77"/>
-            </a:endParaRPr>
-          </a:p>
-        </p:txBody>
-      </p:sp>
-      <p:sp>
-        <p:nvSpPr>
-          <p:cNvPr id="117" name="pl117"/>
-          <p:cNvSpPr/>
-          <p:nvPr/>
-        </p:nvSpPr>
-        <p:spPr>
-          <a:xfrm>
-            <a:off x="7634636" y="12212178"/>
+            <a:endParaRPr sz="6000" noProof="1">
+              <a:latin typeface="Helvetica Neue" panose="02000503000000020004" pitchFamily="2" charset="0"/>
+              <a:ea typeface="Helvetica Neue" panose="02000503000000020004" pitchFamily="2" charset="0"/>
+              <a:cs typeface="Helvetica Neue" panose="02000503000000020004" pitchFamily="2" charset="0"/>
+            </a:endParaRPr>
+          </a:p>
+        </p:txBody>
+      </p:sp>
+      <p:sp>
+        <p:nvSpPr>
+          <p:cNvPr id="119" name="pl119"/>
+          <p:cNvSpPr/>
+          <p:nvPr/>
+        </p:nvSpPr>
+        <p:spPr>
+          <a:xfrm>
+            <a:off x="7113772" y="10913316"/>
             <a:ext cx="34794" cy="0"/>
           </a:xfrm>
           <a:custGeom>
@@ -7686,21 +7384,23 @@
           <a:bodyPr/>
           <a:lstStyle/>
           <a:p>
-            <a:endParaRPr noProof="1">
-              <a:latin typeface="Graphik Web" panose="020B0503030202060203" pitchFamily="34" charset="77"/>
-            </a:endParaRPr>
-          </a:p>
-        </p:txBody>
-      </p:sp>
-      <p:sp>
-        <p:nvSpPr>
-          <p:cNvPr id="118" name="pl118"/>
-          <p:cNvSpPr/>
-          <p:nvPr/>
-        </p:nvSpPr>
-        <p:spPr>
-          <a:xfrm>
-            <a:off x="7634636" y="11562747"/>
+            <a:endParaRPr sz="6000" noProof="1">
+              <a:latin typeface="Helvetica Neue" panose="02000503000000020004" pitchFamily="2" charset="0"/>
+              <a:ea typeface="Helvetica Neue" panose="02000503000000020004" pitchFamily="2" charset="0"/>
+              <a:cs typeface="Helvetica Neue" panose="02000503000000020004" pitchFamily="2" charset="0"/>
+            </a:endParaRPr>
+          </a:p>
+        </p:txBody>
+      </p:sp>
+      <p:sp>
+        <p:nvSpPr>
+          <p:cNvPr id="120" name="pl120"/>
+          <p:cNvSpPr/>
+          <p:nvPr/>
+        </p:nvSpPr>
+        <p:spPr>
+          <a:xfrm>
+            <a:off x="7113772" y="10263886"/>
             <a:ext cx="34794" cy="0"/>
           </a:xfrm>
           <a:custGeom>
@@ -7734,21 +7434,23 @@
           <a:bodyPr/>
           <a:lstStyle/>
           <a:p>
-            <a:endParaRPr noProof="1">
-              <a:latin typeface="Graphik Web" panose="020B0503030202060203" pitchFamily="34" charset="77"/>
-            </a:endParaRPr>
-          </a:p>
-        </p:txBody>
-      </p:sp>
-      <p:sp>
-        <p:nvSpPr>
-          <p:cNvPr id="119" name="pl119"/>
-          <p:cNvSpPr/>
-          <p:nvPr/>
-        </p:nvSpPr>
-        <p:spPr>
-          <a:xfrm>
-            <a:off x="7634636" y="10913316"/>
+            <a:endParaRPr sz="6000" noProof="1">
+              <a:latin typeface="Helvetica Neue" panose="02000503000000020004" pitchFamily="2" charset="0"/>
+              <a:ea typeface="Helvetica Neue" panose="02000503000000020004" pitchFamily="2" charset="0"/>
+              <a:cs typeface="Helvetica Neue" panose="02000503000000020004" pitchFamily="2" charset="0"/>
+            </a:endParaRPr>
+          </a:p>
+        </p:txBody>
+      </p:sp>
+      <p:sp>
+        <p:nvSpPr>
+          <p:cNvPr id="121" name="pl121"/>
+          <p:cNvSpPr/>
+          <p:nvPr/>
+        </p:nvSpPr>
+        <p:spPr>
+          <a:xfrm>
+            <a:off x="7113772" y="9614455"/>
             <a:ext cx="34794" cy="0"/>
           </a:xfrm>
           <a:custGeom>
@@ -7782,21 +7484,23 @@
           <a:bodyPr/>
           <a:lstStyle/>
           <a:p>
-            <a:endParaRPr noProof="1">
-              <a:latin typeface="Graphik Web" panose="020B0503030202060203" pitchFamily="34" charset="77"/>
-            </a:endParaRPr>
-          </a:p>
-        </p:txBody>
-      </p:sp>
-      <p:sp>
-        <p:nvSpPr>
-          <p:cNvPr id="120" name="pl120"/>
-          <p:cNvSpPr/>
-          <p:nvPr/>
-        </p:nvSpPr>
-        <p:spPr>
-          <a:xfrm>
-            <a:off x="7634636" y="10263886"/>
+            <a:endParaRPr sz="6000" noProof="1">
+              <a:latin typeface="Helvetica Neue" panose="02000503000000020004" pitchFamily="2" charset="0"/>
+              <a:ea typeface="Helvetica Neue" panose="02000503000000020004" pitchFamily="2" charset="0"/>
+              <a:cs typeface="Helvetica Neue" panose="02000503000000020004" pitchFamily="2" charset="0"/>
+            </a:endParaRPr>
+          </a:p>
+        </p:txBody>
+      </p:sp>
+      <p:sp>
+        <p:nvSpPr>
+          <p:cNvPr id="122" name="pl122"/>
+          <p:cNvSpPr/>
+          <p:nvPr/>
+        </p:nvSpPr>
+        <p:spPr>
+          <a:xfrm>
+            <a:off x="7113772" y="8965024"/>
             <a:ext cx="34794" cy="0"/>
           </a:xfrm>
           <a:custGeom>
@@ -7830,21 +7534,23 @@
           <a:bodyPr/>
           <a:lstStyle/>
           <a:p>
-            <a:endParaRPr noProof="1">
-              <a:latin typeface="Graphik Web" panose="020B0503030202060203" pitchFamily="34" charset="77"/>
-            </a:endParaRPr>
-          </a:p>
-        </p:txBody>
-      </p:sp>
-      <p:sp>
-        <p:nvSpPr>
-          <p:cNvPr id="121" name="pl121"/>
-          <p:cNvSpPr/>
-          <p:nvPr/>
-        </p:nvSpPr>
-        <p:spPr>
-          <a:xfrm>
-            <a:off x="7634636" y="9614455"/>
+            <a:endParaRPr sz="6000" noProof="1">
+              <a:latin typeface="Helvetica Neue" panose="02000503000000020004" pitchFamily="2" charset="0"/>
+              <a:ea typeface="Helvetica Neue" panose="02000503000000020004" pitchFamily="2" charset="0"/>
+              <a:cs typeface="Helvetica Neue" panose="02000503000000020004" pitchFamily="2" charset="0"/>
+            </a:endParaRPr>
+          </a:p>
+        </p:txBody>
+      </p:sp>
+      <p:sp>
+        <p:nvSpPr>
+          <p:cNvPr id="123" name="pl123"/>
+          <p:cNvSpPr/>
+          <p:nvPr/>
+        </p:nvSpPr>
+        <p:spPr>
+          <a:xfrm>
+            <a:off x="7113772" y="8315593"/>
             <a:ext cx="34794" cy="0"/>
           </a:xfrm>
           <a:custGeom>
@@ -7878,21 +7584,23 @@
           <a:bodyPr/>
           <a:lstStyle/>
           <a:p>
-            <a:endParaRPr noProof="1">
-              <a:latin typeface="Graphik Web" panose="020B0503030202060203" pitchFamily="34" charset="77"/>
-            </a:endParaRPr>
-          </a:p>
-        </p:txBody>
-      </p:sp>
-      <p:sp>
-        <p:nvSpPr>
-          <p:cNvPr id="122" name="pl122"/>
-          <p:cNvSpPr/>
-          <p:nvPr/>
-        </p:nvSpPr>
-        <p:spPr>
-          <a:xfrm>
-            <a:off x="7634636" y="8965024"/>
+            <a:endParaRPr sz="6000" noProof="1">
+              <a:latin typeface="Helvetica Neue" panose="02000503000000020004" pitchFamily="2" charset="0"/>
+              <a:ea typeface="Helvetica Neue" panose="02000503000000020004" pitchFamily="2" charset="0"/>
+              <a:cs typeface="Helvetica Neue" panose="02000503000000020004" pitchFamily="2" charset="0"/>
+            </a:endParaRPr>
+          </a:p>
+        </p:txBody>
+      </p:sp>
+      <p:sp>
+        <p:nvSpPr>
+          <p:cNvPr id="124" name="pl124"/>
+          <p:cNvSpPr/>
+          <p:nvPr/>
+        </p:nvSpPr>
+        <p:spPr>
+          <a:xfrm>
+            <a:off x="7113772" y="7666162"/>
             <a:ext cx="34794" cy="0"/>
           </a:xfrm>
           <a:custGeom>
@@ -7926,21 +7634,23 @@
           <a:bodyPr/>
           <a:lstStyle/>
           <a:p>
-            <a:endParaRPr noProof="1">
-              <a:latin typeface="Graphik Web" panose="020B0503030202060203" pitchFamily="34" charset="77"/>
-            </a:endParaRPr>
-          </a:p>
-        </p:txBody>
-      </p:sp>
-      <p:sp>
-        <p:nvSpPr>
-          <p:cNvPr id="123" name="pl123"/>
-          <p:cNvSpPr/>
-          <p:nvPr/>
-        </p:nvSpPr>
-        <p:spPr>
-          <a:xfrm>
-            <a:off x="7634636" y="8315593"/>
+            <a:endParaRPr sz="6000" noProof="1">
+              <a:latin typeface="Helvetica Neue" panose="02000503000000020004" pitchFamily="2" charset="0"/>
+              <a:ea typeface="Helvetica Neue" panose="02000503000000020004" pitchFamily="2" charset="0"/>
+              <a:cs typeface="Helvetica Neue" panose="02000503000000020004" pitchFamily="2" charset="0"/>
+            </a:endParaRPr>
+          </a:p>
+        </p:txBody>
+      </p:sp>
+      <p:sp>
+        <p:nvSpPr>
+          <p:cNvPr id="125" name="pl125"/>
+          <p:cNvSpPr/>
+          <p:nvPr/>
+        </p:nvSpPr>
+        <p:spPr>
+          <a:xfrm>
+            <a:off x="7113772" y="7016731"/>
             <a:ext cx="34794" cy="0"/>
           </a:xfrm>
           <a:custGeom>
@@ -7974,21 +7684,23 @@
           <a:bodyPr/>
           <a:lstStyle/>
           <a:p>
-            <a:endParaRPr noProof="1">
-              <a:latin typeface="Graphik Web" panose="020B0503030202060203" pitchFamily="34" charset="77"/>
-            </a:endParaRPr>
-          </a:p>
-        </p:txBody>
-      </p:sp>
-      <p:sp>
-        <p:nvSpPr>
-          <p:cNvPr id="124" name="pl124"/>
-          <p:cNvSpPr/>
-          <p:nvPr/>
-        </p:nvSpPr>
-        <p:spPr>
-          <a:xfrm>
-            <a:off x="7634636" y="7666162"/>
+            <a:endParaRPr sz="6000" noProof="1">
+              <a:latin typeface="Helvetica Neue" panose="02000503000000020004" pitchFamily="2" charset="0"/>
+              <a:ea typeface="Helvetica Neue" panose="02000503000000020004" pitchFamily="2" charset="0"/>
+              <a:cs typeface="Helvetica Neue" panose="02000503000000020004" pitchFamily="2" charset="0"/>
+            </a:endParaRPr>
+          </a:p>
+        </p:txBody>
+      </p:sp>
+      <p:sp>
+        <p:nvSpPr>
+          <p:cNvPr id="126" name="pl126"/>
+          <p:cNvSpPr/>
+          <p:nvPr/>
+        </p:nvSpPr>
+        <p:spPr>
+          <a:xfrm>
+            <a:off x="7113772" y="6367300"/>
             <a:ext cx="34794" cy="0"/>
           </a:xfrm>
           <a:custGeom>
@@ -8022,21 +7734,23 @@
           <a:bodyPr/>
           <a:lstStyle/>
           <a:p>
-            <a:endParaRPr noProof="1">
-              <a:latin typeface="Graphik Web" panose="020B0503030202060203" pitchFamily="34" charset="77"/>
-            </a:endParaRPr>
-          </a:p>
-        </p:txBody>
-      </p:sp>
-      <p:sp>
-        <p:nvSpPr>
-          <p:cNvPr id="125" name="pl125"/>
-          <p:cNvSpPr/>
-          <p:nvPr/>
-        </p:nvSpPr>
-        <p:spPr>
-          <a:xfrm>
-            <a:off x="7634636" y="7016731"/>
+            <a:endParaRPr sz="6000" noProof="1">
+              <a:latin typeface="Helvetica Neue" panose="02000503000000020004" pitchFamily="2" charset="0"/>
+              <a:ea typeface="Helvetica Neue" panose="02000503000000020004" pitchFamily="2" charset="0"/>
+              <a:cs typeface="Helvetica Neue" panose="02000503000000020004" pitchFamily="2" charset="0"/>
+            </a:endParaRPr>
+          </a:p>
+        </p:txBody>
+      </p:sp>
+      <p:sp>
+        <p:nvSpPr>
+          <p:cNvPr id="127" name="pl127"/>
+          <p:cNvSpPr/>
+          <p:nvPr/>
+        </p:nvSpPr>
+        <p:spPr>
+          <a:xfrm>
+            <a:off x="7113772" y="5717870"/>
             <a:ext cx="34794" cy="0"/>
           </a:xfrm>
           <a:custGeom>
@@ -8070,21 +7784,23 @@
           <a:bodyPr/>
           <a:lstStyle/>
           <a:p>
-            <a:endParaRPr noProof="1">
-              <a:latin typeface="Graphik Web" panose="020B0503030202060203" pitchFamily="34" charset="77"/>
-            </a:endParaRPr>
-          </a:p>
-        </p:txBody>
-      </p:sp>
-      <p:sp>
-        <p:nvSpPr>
-          <p:cNvPr id="126" name="pl126"/>
-          <p:cNvSpPr/>
-          <p:nvPr/>
-        </p:nvSpPr>
-        <p:spPr>
-          <a:xfrm>
-            <a:off x="7634636" y="6367300"/>
+            <a:endParaRPr sz="6000" noProof="1">
+              <a:latin typeface="Helvetica Neue" panose="02000503000000020004" pitchFamily="2" charset="0"/>
+              <a:ea typeface="Helvetica Neue" panose="02000503000000020004" pitchFamily="2" charset="0"/>
+              <a:cs typeface="Helvetica Neue" panose="02000503000000020004" pitchFamily="2" charset="0"/>
+            </a:endParaRPr>
+          </a:p>
+        </p:txBody>
+      </p:sp>
+      <p:sp>
+        <p:nvSpPr>
+          <p:cNvPr id="128" name="pl128"/>
+          <p:cNvSpPr/>
+          <p:nvPr/>
+        </p:nvSpPr>
+        <p:spPr>
+          <a:xfrm>
+            <a:off x="7113772" y="5068439"/>
             <a:ext cx="34794" cy="0"/>
           </a:xfrm>
           <a:custGeom>
@@ -8118,104 +7834,10 @@
           <a:bodyPr/>
           <a:lstStyle/>
           <a:p>
-            <a:endParaRPr noProof="1">
-              <a:latin typeface="Graphik Web" panose="020B0503030202060203" pitchFamily="34" charset="77"/>
-            </a:endParaRPr>
-          </a:p>
-        </p:txBody>
-      </p:sp>
-      <p:sp>
-        <p:nvSpPr>
-          <p:cNvPr id="127" name="pl127"/>
-          <p:cNvSpPr/>
-          <p:nvPr/>
-        </p:nvSpPr>
-        <p:spPr>
-          <a:xfrm>
-            <a:off x="7634636" y="5717870"/>
-            <a:ext cx="34794" cy="0"/>
-          </a:xfrm>
-          <a:custGeom>
-            <a:avLst/>
-            <a:gdLst/>
-            <a:ahLst/>
-            <a:cxnLst/>
-            <a:rect l="0" t="0" r="0" b="0"/>
-            <a:pathLst>
-              <a:path w="34794">
-                <a:moveTo>
-                  <a:pt x="0" y="0"/>
-                </a:moveTo>
-                <a:lnTo>
-                  <a:pt x="34794" y="0"/>
-                </a:lnTo>
-              </a:path>
-            </a:pathLst>
-          </a:custGeom>
-          <a:ln w="13550" cap="flat">
-            <a:solidFill>
-              <a:srgbClr val="333333">
-                <a:alpha val="100000"/>
-              </a:srgbClr>
-            </a:solidFill>
-            <a:prstDash val="solid"/>
-            <a:round/>
-          </a:ln>
-        </p:spPr>
-        <p:txBody>
-          <a:bodyPr/>
-          <a:lstStyle/>
-          <a:p>
-            <a:endParaRPr noProof="1">
-              <a:latin typeface="Graphik Web" panose="020B0503030202060203" pitchFamily="34" charset="77"/>
-            </a:endParaRPr>
-          </a:p>
-        </p:txBody>
-      </p:sp>
-      <p:sp>
-        <p:nvSpPr>
-          <p:cNvPr id="128" name="pl128"/>
-          <p:cNvSpPr/>
-          <p:nvPr/>
-        </p:nvSpPr>
-        <p:spPr>
-          <a:xfrm>
-            <a:off x="7634636" y="5068439"/>
-            <a:ext cx="34794" cy="0"/>
-          </a:xfrm>
-          <a:custGeom>
-            <a:avLst/>
-            <a:gdLst/>
-            <a:ahLst/>
-            <a:cxnLst/>
-            <a:rect l="0" t="0" r="0" b="0"/>
-            <a:pathLst>
-              <a:path w="34794">
-                <a:moveTo>
-                  <a:pt x="0" y="0"/>
-                </a:moveTo>
-                <a:lnTo>
-                  <a:pt x="34794" y="0"/>
-                </a:lnTo>
-              </a:path>
-            </a:pathLst>
-          </a:custGeom>
-          <a:ln w="13550" cap="flat">
-            <a:solidFill>
-              <a:srgbClr val="333333">
-                <a:alpha val="100000"/>
-              </a:srgbClr>
-            </a:solidFill>
-            <a:prstDash val="solid"/>
-            <a:round/>
-          </a:ln>
-        </p:spPr>
-        <p:txBody>
-          <a:bodyPr/>
-          <a:lstStyle/>
-          <a:p>
-            <a:endParaRPr noProof="1">
-              <a:latin typeface="Graphik Web" panose="020B0503030202060203" pitchFamily="34" charset="77"/>
+            <a:endParaRPr sz="6000" noProof="1">
+              <a:latin typeface="Helvetica Neue" panose="02000503000000020004" pitchFamily="2" charset="0"/>
+              <a:ea typeface="Helvetica Neue" panose="02000503000000020004" pitchFamily="2" charset="0"/>
+              <a:cs typeface="Helvetica Neue" panose="02000503000000020004" pitchFamily="2" charset="0"/>
             </a:endParaRPr>
           </a:p>
         </p:txBody>
@@ -8228,7 +7850,7 @@
         </p:nvSpPr>
         <p:spPr>
           <a:xfrm>
-            <a:off x="8394768" y="16094084"/>
+            <a:off x="8394768" y="16876522"/>
             <a:ext cx="0" cy="34794"/>
           </a:xfrm>
           <a:custGeom>
@@ -8263,7 +7885,9 @@
           <a:lstStyle/>
           <a:p>
             <a:endParaRPr noProof="1">
-              <a:latin typeface="Graphik Web" panose="020B0503030202060203" pitchFamily="34" charset="77"/>
+              <a:latin typeface="Helvetica Neue" panose="02000503000000020004" pitchFamily="2" charset="0"/>
+              <a:ea typeface="Helvetica Neue" panose="02000503000000020004" pitchFamily="2" charset="0"/>
+              <a:cs typeface="Helvetica Neue" panose="02000503000000020004" pitchFamily="2" charset="0"/>
             </a:endParaRPr>
           </a:p>
         </p:txBody>
@@ -8276,7 +7900,7 @@
         </p:nvSpPr>
         <p:spPr>
           <a:xfrm>
-            <a:off x="12708407" y="16094084"/>
+            <a:off x="12708407" y="16876522"/>
             <a:ext cx="0" cy="34794"/>
           </a:xfrm>
           <a:custGeom>
@@ -8311,7 +7935,9 @@
           <a:lstStyle/>
           <a:p>
             <a:endParaRPr noProof="1">
-              <a:latin typeface="Graphik Web" panose="020B0503030202060203" pitchFamily="34" charset="77"/>
+              <a:latin typeface="Helvetica Neue" panose="02000503000000020004" pitchFamily="2" charset="0"/>
+              <a:ea typeface="Helvetica Neue" panose="02000503000000020004" pitchFamily="2" charset="0"/>
+              <a:cs typeface="Helvetica Neue" panose="02000503000000020004" pitchFamily="2" charset="0"/>
             </a:endParaRPr>
           </a:p>
         </p:txBody>
@@ -8324,7 +7950,7 @@
         </p:nvSpPr>
         <p:spPr>
           <a:xfrm>
-            <a:off x="17022046" y="16094084"/>
+            <a:off x="17022046" y="16876522"/>
             <a:ext cx="0" cy="34794"/>
           </a:xfrm>
           <a:custGeom>
@@ -8359,7 +7985,9 @@
           <a:lstStyle/>
           <a:p>
             <a:endParaRPr noProof="1">
-              <a:latin typeface="Graphik Web" panose="020B0503030202060203" pitchFamily="34" charset="77"/>
+              <a:latin typeface="Helvetica Neue" panose="02000503000000020004" pitchFamily="2" charset="0"/>
+              <a:ea typeface="Helvetica Neue" panose="02000503000000020004" pitchFamily="2" charset="0"/>
+              <a:cs typeface="Helvetica Neue" panose="02000503000000020004" pitchFamily="2" charset="0"/>
             </a:endParaRPr>
           </a:p>
         </p:txBody>
@@ -8372,7 +8000,7 @@
         </p:nvSpPr>
         <p:spPr>
           <a:xfrm>
-            <a:off x="21335685" y="16094084"/>
+            <a:off x="21335685" y="16876522"/>
             <a:ext cx="0" cy="34794"/>
           </a:xfrm>
           <a:custGeom>
@@ -8407,7 +8035,9 @@
           <a:lstStyle/>
           <a:p>
             <a:endParaRPr noProof="1">
-              <a:latin typeface="Graphik Web" panose="020B0503030202060203" pitchFamily="34" charset="77"/>
+              <a:latin typeface="Helvetica Neue" panose="02000503000000020004" pitchFamily="2" charset="0"/>
+              <a:ea typeface="Helvetica Neue" panose="02000503000000020004" pitchFamily="2" charset="0"/>
+              <a:cs typeface="Helvetica Neue" panose="02000503000000020004" pitchFamily="2" charset="0"/>
             </a:endParaRPr>
           </a:p>
         </p:txBody>
@@ -8420,7 +8050,7 @@
         </p:nvSpPr>
         <p:spPr>
           <a:xfrm>
-            <a:off x="8276976" y="16156714"/>
+            <a:off x="8276976" y="16939152"/>
             <a:ext cx="235585" cy="307578"/>
           </a:xfrm>
           <a:prstGeom prst="rect">
@@ -8450,8 +8080,9 @@
                     <a:alpha val="100000"/>
                   </a:srgbClr>
                 </a:solidFill>
-                <a:latin typeface="Graphik Web" panose="020B0503030202060203" pitchFamily="34" charset="77"/>
-                <a:cs typeface="Utopia"/>
+                <a:latin typeface="Helvetica Neue" panose="02000503000000020004" pitchFamily="2" charset="0"/>
+                <a:ea typeface="Helvetica Neue" panose="02000503000000020004" pitchFamily="2" charset="0"/>
+                <a:cs typeface="Helvetica Neue" panose="02000503000000020004" pitchFamily="2" charset="0"/>
               </a:rPr>
               <a:t>0</a:t>
             </a:r>
@@ -8466,7 +8097,7 @@
         </p:nvSpPr>
         <p:spPr>
           <a:xfrm>
-            <a:off x="12237236" y="16156714"/>
+            <a:off x="12237236" y="16939152"/>
             <a:ext cx="942342" cy="307578"/>
           </a:xfrm>
           <a:prstGeom prst="rect">
@@ -8496,8 +8127,9 @@
                     <a:alpha val="100000"/>
                   </a:srgbClr>
                 </a:solidFill>
-                <a:latin typeface="Graphik Web" panose="020B0503030202060203" pitchFamily="34" charset="77"/>
-                <a:cs typeface="Utopia"/>
+                <a:latin typeface="Helvetica Neue" panose="02000503000000020004" pitchFamily="2" charset="0"/>
+                <a:ea typeface="Helvetica Neue" panose="02000503000000020004" pitchFamily="2" charset="0"/>
+                <a:cs typeface="Helvetica Neue" panose="02000503000000020004" pitchFamily="2" charset="0"/>
               </a:rPr>
               <a:t>1000</a:t>
             </a:r>
@@ -8512,7 +8144,7 @@
         </p:nvSpPr>
         <p:spPr>
           <a:xfrm>
-            <a:off x="16550875" y="16156714"/>
+            <a:off x="16550875" y="16939152"/>
             <a:ext cx="942342" cy="307578"/>
           </a:xfrm>
           <a:prstGeom prst="rect">
@@ -8542,8 +8174,9 @@
                     <a:alpha val="100000"/>
                   </a:srgbClr>
                 </a:solidFill>
-                <a:latin typeface="Graphik Web" panose="020B0503030202060203" pitchFamily="34" charset="77"/>
-                <a:cs typeface="Utopia"/>
+                <a:latin typeface="Helvetica Neue" panose="02000503000000020004" pitchFamily="2" charset="0"/>
+                <a:ea typeface="Helvetica Neue" panose="02000503000000020004" pitchFamily="2" charset="0"/>
+                <a:cs typeface="Helvetica Neue" panose="02000503000000020004" pitchFamily="2" charset="0"/>
               </a:rPr>
               <a:t>2000</a:t>
             </a:r>
@@ -8558,7 +8191,7 @@
         </p:nvSpPr>
         <p:spPr>
           <a:xfrm>
-            <a:off x="20864513" y="16156714"/>
+            <a:off x="20864513" y="16939152"/>
             <a:ext cx="942342" cy="307578"/>
           </a:xfrm>
           <a:prstGeom prst="rect">
@@ -8588,8 +8221,9 @@
                     <a:alpha val="100000"/>
                   </a:srgbClr>
                 </a:solidFill>
-                <a:latin typeface="Graphik Web" panose="020B0503030202060203" pitchFamily="34" charset="77"/>
-                <a:cs typeface="Utopia"/>
+                <a:latin typeface="Helvetica Neue" panose="02000503000000020004" pitchFamily="2" charset="0"/>
+                <a:ea typeface="Helvetica Neue" panose="02000503000000020004" pitchFamily="2" charset="0"/>
+                <a:cs typeface="Helvetica Neue" panose="02000503000000020004" pitchFamily="2" charset="0"/>
               </a:rPr>
               <a:t>3000</a:t>
             </a:r>
@@ -8604,7 +8238,7 @@
         </p:nvSpPr>
         <p:spPr>
           <a:xfrm>
-            <a:off x="14170063" y="16772016"/>
+            <a:off x="14170063" y="17790716"/>
             <a:ext cx="2956176" cy="375046"/>
           </a:xfrm>
           <a:prstGeom prst="rect">
@@ -8628,14 +8262,15 @@
               </a:spcAft>
             </a:pPr>
             <a:r>
-              <a:rPr sz="3000" b="1" noProof="1">
+              <a:rPr sz="4000" noProof="1">
                 <a:solidFill>
                   <a:srgbClr val="000000">
                     <a:alpha val="100000"/>
                   </a:srgbClr>
                 </a:solidFill>
-                <a:latin typeface="Graphik Web" panose="020B0503030202060203" pitchFamily="34" charset="77"/>
-                <a:cs typeface="Utopia"/>
+                <a:latin typeface="Helvetica Neue" panose="02000503000000020004" pitchFamily="2" charset="0"/>
+                <a:ea typeface="Helvetica Neue" panose="02000503000000020004" pitchFamily="2" charset="0"/>
+                <a:cs typeface="Helvetica Neue" panose="02000503000000020004" pitchFamily="2" charset="0"/>
               </a:rPr>
               <a:t>Number of genes</a:t>
             </a:r>
@@ -8650,7 +8285,7 @@
         </p:nvSpPr>
         <p:spPr>
           <a:xfrm rot="16200000">
-            <a:off x="3314269" y="9648176"/>
+            <a:off x="1958491" y="9678124"/>
             <a:ext cx="1485898" cy="275034"/>
           </a:xfrm>
           <a:prstGeom prst="rect">
@@ -8674,14 +8309,15 @@
               </a:spcAft>
             </a:pPr>
             <a:r>
-              <a:rPr sz="3000" b="1" noProof="1">
+              <a:rPr sz="4000" noProof="1">
                 <a:solidFill>
                   <a:srgbClr val="000000">
                     <a:alpha val="100000"/>
                   </a:srgbClr>
                 </a:solidFill>
-                <a:latin typeface="Graphik Web" panose="020B0503030202060203" pitchFamily="34" charset="77"/>
-                <a:cs typeface="Utopia"/>
+                <a:latin typeface="Helvetica Neue" panose="02000503000000020004" pitchFamily="2" charset="0"/>
+                <a:ea typeface="Helvetica Neue" panose="02000503000000020004" pitchFamily="2" charset="0"/>
+                <a:cs typeface="Helvetica Neue" panose="02000503000000020004" pitchFamily="2" charset="0"/>
               </a:rPr>
               <a:t>Gene set</a:t>
             </a:r>
@@ -8713,7 +8349,9 @@
           <a:lstStyle/>
           <a:p>
             <a:endParaRPr noProof="1">
-              <a:latin typeface="Graphik Web" panose="020B0503030202060203" pitchFamily="34" charset="77"/>
+              <a:latin typeface="Helvetica Neue" panose="02000503000000020004" pitchFamily="2" charset="0"/>
+              <a:ea typeface="Helvetica Neue" panose="02000503000000020004" pitchFamily="2" charset="0"/>
+              <a:cs typeface="Helvetica Neue" panose="02000503000000020004" pitchFamily="2" charset="0"/>
             </a:endParaRPr>
           </a:p>
         </p:txBody>
@@ -8756,8 +8394,9 @@
                     <a:alpha val="100000"/>
                   </a:srgbClr>
                 </a:solidFill>
-                <a:latin typeface="Graphik Web" panose="020B0503030202060203" pitchFamily="34" charset="77"/>
-                <a:cs typeface="Utopia"/>
+                <a:latin typeface="Helvetica Neue" panose="02000503000000020004" pitchFamily="2" charset="0"/>
+                <a:ea typeface="Helvetica Neue" panose="02000503000000020004" pitchFamily="2" charset="0"/>
+                <a:cs typeface="Helvetica Neue" panose="02000503000000020004" pitchFamily="2" charset="0"/>
               </a:rPr>
               <a:t>Gene</a:t>
             </a:r>
@@ -8802,8 +8441,9 @@
                     <a:alpha val="100000"/>
                   </a:srgbClr>
                 </a:solidFill>
-                <a:latin typeface="Graphik Web" panose="020B0503030202060203" pitchFamily="34" charset="77"/>
-                <a:cs typeface="Utopia"/>
+                <a:latin typeface="Helvetica Neue" panose="02000503000000020004" pitchFamily="2" charset="0"/>
+                <a:ea typeface="Helvetica Neue" panose="02000503000000020004" pitchFamily="2" charset="0"/>
+                <a:cs typeface="Helvetica Neue" panose="02000503000000020004" pitchFamily="2" charset="0"/>
               </a:rPr>
               <a:t>has</a:t>
             </a:r>
@@ -8848,8 +8488,9 @@
                     <a:alpha val="100000"/>
                   </a:srgbClr>
                 </a:solidFill>
-                <a:latin typeface="Graphik Web" panose="020B0503030202060203" pitchFamily="34" charset="77"/>
-                <a:cs typeface="Utopia"/>
+                <a:latin typeface="Helvetica Neue" panose="02000503000000020004" pitchFamily="2" charset="0"/>
+                <a:ea typeface="Helvetica Neue" panose="02000503000000020004" pitchFamily="2" charset="0"/>
+                <a:cs typeface="Helvetica Neue" panose="02000503000000020004" pitchFamily="2" charset="0"/>
               </a:rPr>
               <a:t>IRE?</a:t>
             </a:r>
@@ -8881,7 +8522,9 @@
           <a:lstStyle/>
           <a:p>
             <a:endParaRPr noProof="1">
-              <a:latin typeface="Graphik Web" panose="020B0503030202060203" pitchFamily="34" charset="77"/>
+              <a:latin typeface="Helvetica Neue" panose="02000503000000020004" pitchFamily="2" charset="0"/>
+              <a:ea typeface="Helvetica Neue" panose="02000503000000020004" pitchFamily="2" charset="0"/>
+              <a:cs typeface="Helvetica Neue" panose="02000503000000020004" pitchFamily="2" charset="0"/>
             </a:endParaRPr>
           </a:p>
         </p:txBody>
@@ -8901,9 +8544,7 @@
             <a:avLst/>
           </a:prstGeom>
           <a:solidFill>
-            <a:srgbClr val="FBB829">
-              <a:alpha val="100000"/>
-            </a:srgbClr>
+            <a:srgbClr val="FF2B67"/>
           </a:solidFill>
         </p:spPr>
         <p:txBody>
@@ -8911,7 +8552,9 @@
           <a:lstStyle/>
           <a:p>
             <a:endParaRPr noProof="1">
-              <a:latin typeface="Graphik Web" panose="020B0503030202060203" pitchFamily="34" charset="77"/>
+              <a:latin typeface="Helvetica Neue" panose="02000503000000020004" pitchFamily="2" charset="0"/>
+              <a:ea typeface="Helvetica Neue" panose="02000503000000020004" pitchFamily="2" charset="0"/>
+              <a:cs typeface="Helvetica Neue" panose="02000503000000020004" pitchFamily="2" charset="0"/>
             </a:endParaRPr>
           </a:p>
         </p:txBody>
@@ -8941,7 +8584,9 @@
           <a:lstStyle/>
           <a:p>
             <a:endParaRPr noProof="1">
-              <a:latin typeface="Graphik Web" panose="020B0503030202060203" pitchFamily="34" charset="77"/>
+              <a:latin typeface="Helvetica Neue" panose="02000503000000020004" pitchFamily="2" charset="0"/>
+              <a:ea typeface="Helvetica Neue" panose="02000503000000020004" pitchFamily="2" charset="0"/>
+              <a:cs typeface="Helvetica Neue" panose="02000503000000020004" pitchFamily="2" charset="0"/>
             </a:endParaRPr>
           </a:p>
         </p:txBody>
@@ -8961,9 +8606,7 @@
             <a:avLst/>
           </a:prstGeom>
           <a:solidFill>
-            <a:srgbClr val="FF0066">
-              <a:alpha val="100000"/>
-            </a:srgbClr>
+            <a:srgbClr val="0084FF"/>
           </a:solidFill>
         </p:spPr>
         <p:txBody>
@@ -8971,7 +8614,9 @@
           <a:lstStyle/>
           <a:p>
             <a:endParaRPr noProof="1">
-              <a:latin typeface="Graphik Web" panose="020B0503030202060203" pitchFamily="34" charset="77"/>
+              <a:latin typeface="Helvetica Neue" panose="02000503000000020004" pitchFamily="2" charset="0"/>
+              <a:ea typeface="Helvetica Neue" panose="02000503000000020004" pitchFamily="2" charset="0"/>
+              <a:cs typeface="Helvetica Neue" panose="02000503000000020004" pitchFamily="2" charset="0"/>
             </a:endParaRPr>
           </a:p>
         </p:txBody>
@@ -9001,7 +8646,9 @@
           <a:lstStyle/>
           <a:p>
             <a:endParaRPr noProof="1">
-              <a:latin typeface="Graphik Web" panose="020B0503030202060203" pitchFamily="34" charset="77"/>
+              <a:latin typeface="Helvetica Neue" panose="02000503000000020004" pitchFamily="2" charset="0"/>
+              <a:ea typeface="Helvetica Neue" panose="02000503000000020004" pitchFamily="2" charset="0"/>
+              <a:cs typeface="Helvetica Neue" panose="02000503000000020004" pitchFamily="2" charset="0"/>
             </a:endParaRPr>
           </a:p>
         </p:txBody>
@@ -9031,7 +8678,9 @@
           <a:lstStyle/>
           <a:p>
             <a:endParaRPr noProof="1">
-              <a:latin typeface="Graphik Web" panose="020B0503030202060203" pitchFamily="34" charset="77"/>
+              <a:latin typeface="Helvetica Neue" panose="02000503000000020004" pitchFamily="2" charset="0"/>
+              <a:ea typeface="Helvetica Neue" panose="02000503000000020004" pitchFamily="2" charset="0"/>
+              <a:cs typeface="Helvetica Neue" panose="02000503000000020004" pitchFamily="2" charset="0"/>
             </a:endParaRPr>
           </a:p>
         </p:txBody>
@@ -9074,8 +8723,9 @@
                     <a:alpha val="100000"/>
                   </a:srgbClr>
                 </a:solidFill>
-                <a:latin typeface="Graphik Web" panose="020B0503030202060203" pitchFamily="34" charset="77"/>
-                <a:cs typeface="Utopia"/>
+                <a:latin typeface="Helvetica Neue" panose="02000503000000020004" pitchFamily="2" charset="0"/>
+                <a:ea typeface="Helvetica Neue" panose="02000503000000020004" pitchFamily="2" charset="0"/>
+                <a:cs typeface="Helvetica Neue" panose="02000503000000020004" pitchFamily="2" charset="0"/>
               </a:rPr>
               <a:t>3' IRE</a:t>
             </a:r>
@@ -9120,8 +8770,9 @@
                     <a:alpha val="100000"/>
                   </a:srgbClr>
                 </a:solidFill>
-                <a:latin typeface="Graphik Web" panose="020B0503030202060203" pitchFamily="34" charset="77"/>
-                <a:cs typeface="Utopia"/>
+                <a:latin typeface="Helvetica Neue" panose="02000503000000020004" pitchFamily="2" charset="0"/>
+                <a:ea typeface="Helvetica Neue" panose="02000503000000020004" pitchFamily="2" charset="0"/>
+                <a:cs typeface="Helvetica Neue" panose="02000503000000020004" pitchFamily="2" charset="0"/>
               </a:rPr>
               <a:t>5' IRE</a:t>
             </a:r>
@@ -9166,8 +8817,9 @@
                     <a:alpha val="100000"/>
                   </a:srgbClr>
                 </a:solidFill>
-                <a:latin typeface="Graphik Web" panose="020B0503030202060203" pitchFamily="34" charset="77"/>
-                <a:cs typeface="Utopia"/>
+                <a:latin typeface="Helvetica Neue" panose="02000503000000020004" pitchFamily="2" charset="0"/>
+                <a:ea typeface="Helvetica Neue" panose="02000503000000020004" pitchFamily="2" charset="0"/>
+                <a:cs typeface="Helvetica Neue" panose="02000503000000020004" pitchFamily="2" charset="0"/>
               </a:rPr>
               <a:t>No IRE</a:t>
             </a:r>
@@ -9188,7 +8840,7 @@
         </p:nvSpPr>
         <p:spPr>
           <a:xfrm>
-            <a:off x="5727081" y="15383287"/>
+            <a:off x="5307087" y="15498762"/>
             <a:ext cx="1368350" cy="124817"/>
           </a:xfrm>
           <a:prstGeom prst="rect">
@@ -9201,6 +8853,172 @@
           <a:lstStyle/>
           <a:p>
             <a:pPr marL="0" marR="0" indent="0" algn="r">
+              <a:lnSpc>
+                <a:spcPts val="1800"/>
+              </a:lnSpc>
+              <a:spcBef>
+                <a:spcPts val="0"/>
+              </a:spcBef>
+              <a:spcAft>
+                <a:spcPts val="0"/>
+              </a:spcAft>
+            </a:pPr>
+            <a:r>
+              <a:rPr sz="2000" b="1" noProof="1">
+                <a:solidFill>
+                  <a:srgbClr val="333333">
+                    <a:alpha val="100000"/>
+                  </a:srgbClr>
+                </a:solidFill>
+                <a:latin typeface="Helvetica Neue" panose="02000503000000020004" pitchFamily="2" charset="0"/>
+                <a:ea typeface="Helvetica Neue" panose="02000503000000020004" pitchFamily="2" charset="0"/>
+                <a:cs typeface="Helvetica Neue" panose="02000503000000020004" pitchFamily="2" charset="0"/>
+              </a:rPr>
+              <a:t>G</a:t>
+            </a:r>
+            <a:r>
+              <a:rPr lang="en-AU" sz="2000" b="1" noProof="1">
+                <a:solidFill>
+                  <a:srgbClr val="333333">
+                    <a:alpha val="100000"/>
+                  </a:srgbClr>
+                </a:solidFill>
+                <a:latin typeface="Helvetica Neue" panose="02000503000000020004" pitchFamily="2" charset="0"/>
+                <a:ea typeface="Helvetica Neue" panose="02000503000000020004" pitchFamily="2" charset="0"/>
+                <a:cs typeface="Helvetica Neue" panose="02000503000000020004" pitchFamily="2" charset="0"/>
+              </a:rPr>
+              <a:t>RC</a:t>
+            </a:r>
+            <a:r>
+              <a:rPr sz="2000" b="1" noProof="1">
+                <a:solidFill>
+                  <a:srgbClr val="333333">
+                    <a:alpha val="100000"/>
+                  </a:srgbClr>
+                </a:solidFill>
+                <a:latin typeface="Helvetica Neue" panose="02000503000000020004" pitchFamily="2" charset="0"/>
+                <a:ea typeface="Helvetica Neue" panose="02000503000000020004" pitchFamily="2" charset="0"/>
+                <a:cs typeface="Helvetica Neue" panose="02000503000000020004" pitchFamily="2" charset="0"/>
+              </a:rPr>
+              <a:t>z11 Zebrafish</a:t>
+            </a:r>
+            <a:r>
+              <a:rPr lang="en-AU" sz="2000" b="1" noProof="1">
+                <a:solidFill>
+                  <a:srgbClr val="333333">
+                    <a:alpha val="100000"/>
+                  </a:srgbClr>
+                </a:solidFill>
+                <a:latin typeface="Helvetica Neue" panose="02000503000000020004" pitchFamily="2" charset="0"/>
+                <a:ea typeface="Helvetica Neue" panose="02000503000000020004" pitchFamily="2" charset="0"/>
+                <a:cs typeface="Helvetica Neue" panose="02000503000000020004" pitchFamily="2" charset="0"/>
+              </a:rPr>
+              <a:t> Genes</a:t>
+            </a:r>
+          </a:p>
+          <a:p>
+            <a:pPr marL="0" marR="0" indent="0" algn="r">
+              <a:lnSpc>
+                <a:spcPts val="1800"/>
+              </a:lnSpc>
+              <a:spcBef>
+                <a:spcPts val="0"/>
+              </a:spcBef>
+              <a:spcAft>
+                <a:spcPts val="0"/>
+              </a:spcAft>
+            </a:pPr>
+            <a:r>
+              <a:rPr lang="en-AU" sz="2000" b="1" noProof="1">
+                <a:solidFill>
+                  <a:srgbClr val="333333">
+                    <a:alpha val="100000"/>
+                  </a:srgbClr>
+                </a:solidFill>
+                <a:latin typeface="Helvetica Neue" panose="02000503000000020004" pitchFamily="2" charset="0"/>
+                <a:ea typeface="Helvetica Neue" panose="02000503000000020004" pitchFamily="2" charset="0"/>
+                <a:cs typeface="Helvetica Neue" panose="02000503000000020004" pitchFamily="2" charset="0"/>
+              </a:rPr>
+              <a:t>with predicted IREs</a:t>
+            </a:r>
+            <a:endParaRPr sz="2000" b="1" noProof="1">
+              <a:solidFill>
+                <a:srgbClr val="333333">
+                  <a:alpha val="100000"/>
+                </a:srgbClr>
+              </a:solidFill>
+              <a:latin typeface="Helvetica Neue" panose="02000503000000020004" pitchFamily="2" charset="0"/>
+              <a:ea typeface="Helvetica Neue" panose="02000503000000020004" pitchFamily="2" charset="0"/>
+              <a:cs typeface="Helvetica Neue" panose="02000503000000020004" pitchFamily="2" charset="0"/>
+            </a:endParaRPr>
+          </a:p>
+        </p:txBody>
+      </p:sp>
+      <p:sp>
+        <p:nvSpPr>
+          <p:cNvPr id="157" name="rc49">
+            <a:extLst>
+              <a:ext uri="{FF2B5EF4-FFF2-40B4-BE49-F238E27FC236}">
+                <a16:creationId xmlns:a16="http://schemas.microsoft.com/office/drawing/2014/main" id="{AF643D48-6CFE-FF45-A1CA-936856576BAF}"/>
+              </a:ext>
+            </a:extLst>
+          </p:cNvPr>
+          <p:cNvSpPr/>
+          <p:nvPr/>
+        </p:nvSpPr>
+        <p:spPr>
+          <a:xfrm>
+            <a:off x="8409865" y="14517658"/>
+            <a:ext cx="1050373" cy="584487"/>
+          </a:xfrm>
+          <a:prstGeom prst="rect">
+            <a:avLst/>
+          </a:prstGeom>
+          <a:solidFill>
+            <a:srgbClr val="DDDDDD">
+              <a:alpha val="100000"/>
+            </a:srgbClr>
+          </a:solidFill>
+        </p:spPr>
+        <p:txBody>
+          <a:bodyPr/>
+          <a:lstStyle/>
+          <a:p>
+            <a:endParaRPr noProof="1">
+              <a:latin typeface="Helvetica Neue" panose="02000503000000020004" pitchFamily="2" charset="0"/>
+              <a:ea typeface="Helvetica Neue" panose="02000503000000020004" pitchFamily="2" charset="0"/>
+              <a:cs typeface="Helvetica Neue" panose="02000503000000020004" pitchFamily="2" charset="0"/>
+            </a:endParaRPr>
+          </a:p>
+        </p:txBody>
+      </p:sp>
+      <p:sp>
+        <p:nvSpPr>
+          <p:cNvPr id="158" name="tx89">
+            <a:extLst>
+              <a:ext uri="{FF2B5EF4-FFF2-40B4-BE49-F238E27FC236}">
+                <a16:creationId xmlns:a16="http://schemas.microsoft.com/office/drawing/2014/main" id="{0A8DC79E-AFDC-C044-973D-769E1EA29923}"/>
+              </a:ext>
+            </a:extLst>
+          </p:cNvPr>
+          <p:cNvSpPr/>
+          <p:nvPr/>
+        </p:nvSpPr>
+        <p:spPr>
+          <a:xfrm>
+            <a:off x="4922837" y="14793418"/>
+            <a:ext cx="1372312" cy="157956"/>
+          </a:xfrm>
+          <a:prstGeom prst="rect">
+            <a:avLst/>
+          </a:prstGeom>
+          <a:noFill/>
+        </p:spPr>
+        <p:txBody>
+          <a:bodyPr wrap="none" lIns="0" tIns="0" rIns="0" bIns="0" anchor="ctr" anchorCtr="1"/>
+          <a:lstStyle/>
+          <a:p>
+            <a:pPr marL="0" marR="0" indent="0" algn="l">
               <a:lnSpc>
                 <a:spcPts val="1300"/>
               </a:lnSpc>
@@ -9212,86 +9030,112 @@
               </a:spcAft>
             </a:pPr>
             <a:r>
-              <a:rPr sz="1300" b="1" noProof="1">
+              <a:rPr lang="en-AU" sz="2000" b="1" noProof="1">
                 <a:solidFill>
                   <a:srgbClr val="333333">
                     <a:alpha val="100000"/>
                   </a:srgbClr>
                 </a:solidFill>
-                <a:latin typeface="Graphik Web" panose="020B0503030202060203" pitchFamily="34" charset="77"/>
-                <a:cs typeface="Utopia"/>
+                <a:latin typeface="Helvetica Neue" panose="02000503000000020004" pitchFamily="2" charset="0"/>
+                <a:ea typeface="Helvetica Neue" panose="02000503000000020004" pitchFamily="2" charset="0"/>
+                <a:cs typeface="Helvetica Neue" panose="02000503000000020004" pitchFamily="2" charset="0"/>
               </a:rPr>
-              <a:t>G</a:t>
-            </a:r>
-            <a:r>
-              <a:rPr lang="en-AU" sz="1300" b="1" noProof="1">
+              <a:t>Hallmark Heme Metabolism </a:t>
+            </a:r>
+            <a:r>
+              <a:rPr lang="en-AU" sz="2000" noProof="1">
                 <a:solidFill>
                   <a:srgbClr val="333333">
                     <a:alpha val="100000"/>
                   </a:srgbClr>
                 </a:solidFill>
-                <a:latin typeface="Graphik Web" panose="020B0503030202060203" pitchFamily="34" charset="77"/>
-                <a:cs typeface="Utopia"/>
+                <a:latin typeface="Helvetica Neue" panose="02000503000000020004" pitchFamily="2" charset="0"/>
+                <a:ea typeface="Helvetica Neue" panose="02000503000000020004" pitchFamily="2" charset="0"/>
+                <a:cs typeface="Helvetica Neue" panose="02000503000000020004" pitchFamily="2" charset="0"/>
               </a:rPr>
-              <a:t>RC</a:t>
-            </a:r>
-            <a:r>
-              <a:rPr sz="1300" b="1" noProof="1">
-                <a:solidFill>
-                  <a:srgbClr val="333333">
-                    <a:alpha val="100000"/>
-                  </a:srgbClr>
-                </a:solidFill>
-                <a:latin typeface="Graphik Web" panose="020B0503030202060203" pitchFamily="34" charset="77"/>
-                <a:cs typeface="Utopia"/>
-              </a:rPr>
-              <a:t>z11 Zebrafish</a:t>
-            </a:r>
-            <a:r>
-              <a:rPr lang="en-AU" sz="1300" b="1" noProof="1">
-                <a:solidFill>
-                  <a:srgbClr val="333333">
-                    <a:alpha val="100000"/>
-                  </a:srgbClr>
-                </a:solidFill>
-                <a:latin typeface="Graphik Web" panose="020B0503030202060203" pitchFamily="34" charset="77"/>
-                <a:cs typeface="Utopia"/>
-              </a:rPr>
-              <a:t> Genes</a:t>
-            </a:r>
-          </a:p>
-          <a:p>
-            <a:pPr marL="0" marR="0" indent="0" algn="r">
-              <a:lnSpc>
-                <a:spcPts val="1300"/>
-              </a:lnSpc>
-              <a:spcBef>
-                <a:spcPts val="0"/>
-              </a:spcBef>
-              <a:spcAft>
-                <a:spcPts val="0"/>
-              </a:spcAft>
-            </a:pPr>
-            <a:r>
-              <a:rPr lang="en-AU" sz="1300" b="1" noProof="1">
-                <a:solidFill>
-                  <a:srgbClr val="333333">
-                    <a:alpha val="100000"/>
-                  </a:srgbClr>
-                </a:solidFill>
-                <a:latin typeface="Graphik Web" panose="020B0503030202060203" pitchFamily="34" charset="77"/>
-                <a:cs typeface="Utopia"/>
-              </a:rPr>
-              <a:t>All predicted IREs</a:t>
-            </a:r>
-            <a:endParaRPr sz="1300" b="1" noProof="1">
+              <a:t>H</a:t>
+            </a:r>
+            <a:endParaRPr sz="2000" noProof="1">
               <a:solidFill>
                 <a:srgbClr val="333333">
                   <a:alpha val="100000"/>
                 </a:srgbClr>
               </a:solidFill>
-              <a:latin typeface="Graphik Web" panose="020B0503030202060203" pitchFamily="34" charset="77"/>
-              <a:cs typeface="Utopia"/>
+              <a:latin typeface="Helvetica Neue" panose="02000503000000020004" pitchFamily="2" charset="0"/>
+              <a:ea typeface="Helvetica Neue" panose="02000503000000020004" pitchFamily="2" charset="0"/>
+              <a:cs typeface="Helvetica Neue" panose="02000503000000020004" pitchFamily="2" charset="0"/>
+            </a:endParaRPr>
+          </a:p>
+        </p:txBody>
+      </p:sp>
+      <p:sp>
+        <p:nvSpPr>
+          <p:cNvPr id="161" name="rc39">
+            <a:extLst>
+              <a:ext uri="{FF2B5EF4-FFF2-40B4-BE49-F238E27FC236}">
+                <a16:creationId xmlns:a16="http://schemas.microsoft.com/office/drawing/2014/main" id="{39E7BD0C-A553-5D40-B510-09D79BA3D763}"/>
+              </a:ext>
+            </a:extLst>
+          </p:cNvPr>
+          <p:cNvSpPr/>
+          <p:nvPr/>
+        </p:nvSpPr>
+        <p:spPr>
+          <a:xfrm>
+            <a:off x="9401908" y="14517777"/>
+            <a:ext cx="66347" cy="584487"/>
+          </a:xfrm>
+          <a:prstGeom prst="rect">
+            <a:avLst/>
+          </a:prstGeom>
+          <a:solidFill>
+            <a:srgbClr val="FF2B67"/>
+          </a:solidFill>
+        </p:spPr>
+        <p:txBody>
+          <a:bodyPr/>
+          <a:lstStyle/>
+          <a:p>
+            <a:endParaRPr noProof="1">
+              <a:latin typeface="Helvetica Neue" panose="02000503000000020004" pitchFamily="2" charset="0"/>
+              <a:ea typeface="Helvetica Neue" panose="02000503000000020004" pitchFamily="2" charset="0"/>
+              <a:cs typeface="Helvetica Neue" panose="02000503000000020004" pitchFamily="2" charset="0"/>
+            </a:endParaRPr>
+          </a:p>
+        </p:txBody>
+      </p:sp>
+      <p:sp>
+        <p:nvSpPr>
+          <p:cNvPr id="162" name="rc47">
+            <a:extLst>
+              <a:ext uri="{FF2B5EF4-FFF2-40B4-BE49-F238E27FC236}">
+                <a16:creationId xmlns:a16="http://schemas.microsoft.com/office/drawing/2014/main" id="{A95B1DF4-7D7D-BF4A-AEF2-7CC48E1A8ABD}"/>
+              </a:ext>
+            </a:extLst>
+          </p:cNvPr>
+          <p:cNvSpPr/>
+          <p:nvPr/>
+        </p:nvSpPr>
+        <p:spPr>
+          <a:xfrm>
+            <a:off x="9383468" y="14518094"/>
+            <a:ext cx="25881" cy="584487"/>
+          </a:xfrm>
+          <a:prstGeom prst="rect">
+            <a:avLst/>
+          </a:prstGeom>
+          <a:solidFill>
+            <a:srgbClr val="0084FF"/>
+          </a:solidFill>
+        </p:spPr>
+        <p:txBody>
+          <a:bodyPr/>
+          <a:lstStyle/>
+          <a:p>
+            <a:endParaRPr noProof="1">
+              <a:latin typeface="Helvetica Neue" panose="02000503000000020004" pitchFamily="2" charset="0"/>
+              <a:ea typeface="Helvetica Neue" panose="02000503000000020004" pitchFamily="2" charset="0"/>
+              <a:cs typeface="Helvetica Neue" panose="02000503000000020004" pitchFamily="2" charset="0"/>
             </a:endParaRPr>
           </a:p>
         </p:txBody>
